--- a/4-stars/stars.pptx
+++ b/4-stars/stars.pptx
@@ -9,16 +9,22 @@
     <p:sldId id="257" r:id="rId3"/>
     <p:sldId id="258" r:id="rId4"/>
     <p:sldId id="301" r:id="rId5"/>
-    <p:sldId id="259" r:id="rId6"/>
-    <p:sldId id="270" r:id="rId7"/>
-    <p:sldId id="271" r:id="rId8"/>
-    <p:sldId id="296" r:id="rId9"/>
-    <p:sldId id="298" r:id="rId10"/>
-    <p:sldId id="297" r:id="rId11"/>
-    <p:sldId id="299" r:id="rId12"/>
-    <p:sldId id="295" r:id="rId13"/>
-    <p:sldId id="300" r:id="rId14"/>
-    <p:sldId id="267" r:id="rId15"/>
+    <p:sldId id="304" r:id="rId6"/>
+    <p:sldId id="305" r:id="rId7"/>
+    <p:sldId id="306" r:id="rId8"/>
+    <p:sldId id="307" r:id="rId9"/>
+    <p:sldId id="303" r:id="rId10"/>
+    <p:sldId id="302" r:id="rId11"/>
+    <p:sldId id="259" r:id="rId12"/>
+    <p:sldId id="270" r:id="rId13"/>
+    <p:sldId id="271" r:id="rId14"/>
+    <p:sldId id="296" r:id="rId15"/>
+    <p:sldId id="298" r:id="rId16"/>
+    <p:sldId id="297" r:id="rId17"/>
+    <p:sldId id="299" r:id="rId18"/>
+    <p:sldId id="295" r:id="rId19"/>
+    <p:sldId id="300" r:id="rId20"/>
+    <p:sldId id="267" r:id="rId21"/>
   </p:sldIdLst>
   <p:sldSz cx="9144000" cy="6858000" type="screen4x3"/>
   <p:notesSz cx="6858000" cy="9144000"/>
@@ -119,7 +125,7 @@
   </p:defaultTextStyle>
   <p:extLst>
     <p:ext uri="{EFAFB233-063F-42B5-8137-9DF3F51BA10A}">
-      <p15:sldGuideLst xmlns="" xmlns:p15="http://schemas.microsoft.com/office/powerpoint/2012/main">
+      <p15:sldGuideLst xmlns:p15="http://schemas.microsoft.com/office/powerpoint/2012/main" xmlns="">
         <p15:guide id="1" orient="horz" pos="2160">
           <p15:clr>
             <a:srgbClr val="A4A3A4"/>
@@ -317,7 +323,7 @@
           <a:p>
             <a:fld id="{17C7C8FB-1C37-4023-AA22-09D5A8E13DCF}" type="datetimeFigureOut">
               <a:rPr lang="zh-CN" altLang="en-US" smtClean="0"/>
-              <a:t>2018/5/4</a:t>
+              <a:t>2018/5/7</a:t>
             </a:fld>
             <a:endParaRPr lang="zh-CN" altLang="en-US"/>
           </a:p>
@@ -487,7 +493,7 @@
           <a:p>
             <a:fld id="{17C7C8FB-1C37-4023-AA22-09D5A8E13DCF}" type="datetimeFigureOut">
               <a:rPr lang="zh-CN" altLang="en-US" smtClean="0"/>
-              <a:t>2018/5/4</a:t>
+              <a:t>2018/5/7</a:t>
             </a:fld>
             <a:endParaRPr lang="zh-CN" altLang="en-US"/>
           </a:p>
@@ -667,7 +673,7 @@
           <a:p>
             <a:fld id="{17C7C8FB-1C37-4023-AA22-09D5A8E13DCF}" type="datetimeFigureOut">
               <a:rPr lang="zh-CN" altLang="en-US" smtClean="0"/>
-              <a:t>2018/5/4</a:t>
+              <a:t>2018/5/7</a:t>
             </a:fld>
             <a:endParaRPr lang="zh-CN" altLang="en-US"/>
           </a:p>
@@ -837,7 +843,7 @@
           <a:p>
             <a:fld id="{17C7C8FB-1C37-4023-AA22-09D5A8E13DCF}" type="datetimeFigureOut">
               <a:rPr lang="zh-CN" altLang="en-US" smtClean="0"/>
-              <a:t>2018/5/4</a:t>
+              <a:t>2018/5/7</a:t>
             </a:fld>
             <a:endParaRPr lang="zh-CN" altLang="en-US"/>
           </a:p>
@@ -1083,7 +1089,7 @@
           <a:p>
             <a:fld id="{17C7C8FB-1C37-4023-AA22-09D5A8E13DCF}" type="datetimeFigureOut">
               <a:rPr lang="zh-CN" altLang="en-US" smtClean="0"/>
-              <a:t>2018/5/4</a:t>
+              <a:t>2018/5/7</a:t>
             </a:fld>
             <a:endParaRPr lang="zh-CN" altLang="en-US"/>
           </a:p>
@@ -1371,7 +1377,7 @@
           <a:p>
             <a:fld id="{17C7C8FB-1C37-4023-AA22-09D5A8E13DCF}" type="datetimeFigureOut">
               <a:rPr lang="zh-CN" altLang="en-US" smtClean="0"/>
-              <a:t>2018/5/4</a:t>
+              <a:t>2018/5/7</a:t>
             </a:fld>
             <a:endParaRPr lang="zh-CN" altLang="en-US"/>
           </a:p>
@@ -1793,7 +1799,7 @@
           <a:p>
             <a:fld id="{17C7C8FB-1C37-4023-AA22-09D5A8E13DCF}" type="datetimeFigureOut">
               <a:rPr lang="zh-CN" altLang="en-US" smtClean="0"/>
-              <a:t>2018/5/4</a:t>
+              <a:t>2018/5/7</a:t>
             </a:fld>
             <a:endParaRPr lang="zh-CN" altLang="en-US"/>
           </a:p>
@@ -1911,7 +1917,7 @@
           <a:p>
             <a:fld id="{17C7C8FB-1C37-4023-AA22-09D5A8E13DCF}" type="datetimeFigureOut">
               <a:rPr lang="zh-CN" altLang="en-US" smtClean="0"/>
-              <a:t>2018/5/4</a:t>
+              <a:t>2018/5/7</a:t>
             </a:fld>
             <a:endParaRPr lang="zh-CN" altLang="en-US"/>
           </a:p>
@@ -2006,7 +2012,7 @@
           <a:p>
             <a:fld id="{17C7C8FB-1C37-4023-AA22-09D5A8E13DCF}" type="datetimeFigureOut">
               <a:rPr lang="zh-CN" altLang="en-US" smtClean="0"/>
-              <a:t>2018/5/4</a:t>
+              <a:t>2018/5/7</a:t>
             </a:fld>
             <a:endParaRPr lang="zh-CN" altLang="en-US"/>
           </a:p>
@@ -2283,7 +2289,7 @@
           <a:p>
             <a:fld id="{17C7C8FB-1C37-4023-AA22-09D5A8E13DCF}" type="datetimeFigureOut">
               <a:rPr lang="zh-CN" altLang="en-US" smtClean="0"/>
-              <a:t>2018/5/4</a:t>
+              <a:t>2018/5/7</a:t>
             </a:fld>
             <a:endParaRPr lang="zh-CN" altLang="en-US"/>
           </a:p>
@@ -2536,7 +2542,7 @@
           <a:p>
             <a:fld id="{17C7C8FB-1C37-4023-AA22-09D5A8E13DCF}" type="datetimeFigureOut">
               <a:rPr lang="zh-CN" altLang="en-US" smtClean="0"/>
-              <a:t>2018/5/4</a:t>
+              <a:t>2018/5/7</a:t>
             </a:fld>
             <a:endParaRPr lang="zh-CN" altLang="en-US"/>
           </a:p>
@@ -2749,7 +2755,7 @@
           <a:p>
             <a:fld id="{17C7C8FB-1C37-4023-AA22-09D5A8E13DCF}" type="datetimeFigureOut">
               <a:rPr lang="zh-CN" altLang="en-US" smtClean="0"/>
-              <a:t>2018/5/4</a:t>
+              <a:t>2018/5/7</a:t>
             </a:fld>
             <a:endParaRPr lang="zh-CN" altLang="en-US"/>
           </a:p>
@@ -3260,20 +3266,7 @@
                 <a:latin typeface="微软雅黑" pitchFamily="34" charset="-122"/>
                 <a:ea typeface="微软雅黑" pitchFamily="34" charset="-122"/>
               </a:rPr>
-              <a:t>讲  </a:t>
-            </a:r>
-            <a:r>
-              <a:rPr lang="zh-CN" altLang="en-US" sz="3200" dirty="0" smtClean="0">
-                <a:solidFill>
-                  <a:schemeClr val="tx1">
-                    <a:lumMod val="75000"/>
-                    <a:lumOff val="25000"/>
-                  </a:schemeClr>
-                </a:solidFill>
-                <a:latin typeface="微软雅黑" pitchFamily="34" charset="-122"/>
-                <a:ea typeface="微软雅黑" pitchFamily="34" charset="-122"/>
-              </a:rPr>
-              <a:t>星空穿越</a:t>
+              <a:t>讲  星空穿越</a:t>
             </a:r>
             <a:r>
               <a:rPr lang="en-US" altLang="zh-CN" dirty="0" smtClean="0">
@@ -3388,6 +3381,2974 @@
 </file>
 
 <file path=ppt/slides/slide10.xml><?xml version="1.0" encoding="utf-8"?>
+<p:sld xmlns:a="http://schemas.openxmlformats.org/drawingml/2006/main" xmlns:r="http://schemas.openxmlformats.org/officeDocument/2006/relationships" xmlns:p="http://schemas.openxmlformats.org/presentationml/2006/main">
+  <p:cSld>
+    <p:spTree>
+      <p:nvGrpSpPr>
+        <p:cNvPr id="1" name=""/>
+        <p:cNvGrpSpPr/>
+        <p:nvPr/>
+      </p:nvGrpSpPr>
+      <p:grpSpPr>
+        <a:xfrm>
+          <a:off x="0" y="0"/>
+          <a:ext cx="0" cy="0"/>
+          <a:chOff x="0" y="0"/>
+          <a:chExt cx="0" cy="0"/>
+        </a:xfrm>
+      </p:grpSpPr>
+    </p:spTree>
+    <p:extLst>
+      <p:ext uri="{BB962C8B-B14F-4D97-AF65-F5344CB8AC3E}">
+        <p14:creationId xmlns:p14="http://schemas.microsoft.com/office/powerpoint/2010/main" val="793701919"/>
+      </p:ext>
+    </p:extLst>
+  </p:cSld>
+  <p:clrMapOvr>
+    <a:masterClrMapping/>
+  </p:clrMapOvr>
+</p:sld>
+</file>
+
+<file path=ppt/slides/slide11.xml><?xml version="1.0" encoding="utf-8"?>
+<p:sld xmlns:a="http://schemas.openxmlformats.org/drawingml/2006/main" xmlns:r="http://schemas.openxmlformats.org/officeDocument/2006/relationships" xmlns:p="http://schemas.openxmlformats.org/presentationml/2006/main">
+  <p:cSld>
+    <p:spTree>
+      <p:nvGrpSpPr>
+        <p:cNvPr id="1" name=""/>
+        <p:cNvGrpSpPr/>
+        <p:nvPr/>
+      </p:nvGrpSpPr>
+      <p:grpSpPr>
+        <a:xfrm>
+          <a:off x="0" y="0"/>
+          <a:ext cx="0" cy="0"/>
+          <a:chOff x="0" y="0"/>
+          <a:chExt cx="0" cy="0"/>
+        </a:xfrm>
+      </p:grpSpPr>
+      <p:sp>
+        <p:nvSpPr>
+          <p:cNvPr id="4" name="TextBox 3"/>
+          <p:cNvSpPr txBox="1"/>
+          <p:nvPr/>
+        </p:nvSpPr>
+        <p:spPr>
+          <a:xfrm>
+            <a:off x="467544" y="476672"/>
+            <a:ext cx="7200800" cy="738664"/>
+          </a:xfrm>
+          <a:prstGeom prst="rect">
+            <a:avLst/>
+          </a:prstGeom>
+          <a:noFill/>
+        </p:spPr>
+        <p:txBody>
+          <a:bodyPr wrap="square" rtlCol="0">
+            <a:spAutoFit/>
+          </a:bodyPr>
+          <a:lstStyle/>
+          <a:p>
+            <a:pPr>
+              <a:lnSpc>
+                <a:spcPct val="150000"/>
+              </a:lnSpc>
+            </a:pPr>
+            <a:r>
+              <a:rPr lang="en-US" altLang="zh-CN" sz="2800" dirty="0" smtClean="0">
+                <a:solidFill>
+                  <a:schemeClr val="tx1">
+                    <a:lumMod val="75000"/>
+                    <a:lumOff val="25000"/>
+                  </a:schemeClr>
+                </a:solidFill>
+                <a:latin typeface="微软雅黑" pitchFamily="34" charset="-122"/>
+                <a:ea typeface="微软雅黑" pitchFamily="34" charset="-122"/>
+              </a:rPr>
+              <a:t>3.</a:t>
+            </a:r>
+            <a:r>
+              <a:rPr lang="zh-CN" altLang="en-US" sz="2800" dirty="0" smtClean="0">
+                <a:solidFill>
+                  <a:schemeClr val="tx1">
+                    <a:lumMod val="75000"/>
+                    <a:lumOff val="25000"/>
+                  </a:schemeClr>
+                </a:solidFill>
+                <a:latin typeface="微软雅黑" pitchFamily="34" charset="-122"/>
+                <a:ea typeface="微软雅黑" pitchFamily="34" charset="-122"/>
+              </a:rPr>
+              <a:t>旋转特定角度，露出特定平面</a:t>
+            </a:r>
+            <a:endParaRPr lang="zh-CN" altLang="en-US" sz="2800" dirty="0">
+              <a:solidFill>
+                <a:schemeClr val="tx1">
+                  <a:lumMod val="75000"/>
+                  <a:lumOff val="25000"/>
+                </a:schemeClr>
+              </a:solidFill>
+              <a:latin typeface="微软雅黑" pitchFamily="34" charset="-122"/>
+              <a:ea typeface="微软雅黑" pitchFamily="34" charset="-122"/>
+            </a:endParaRPr>
+          </a:p>
+        </p:txBody>
+      </p:sp>
+      <p:sp>
+        <p:nvSpPr>
+          <p:cNvPr id="5" name="TextBox 4"/>
+          <p:cNvSpPr txBox="1"/>
+          <p:nvPr/>
+        </p:nvSpPr>
+        <p:spPr>
+          <a:xfrm>
+            <a:off x="467544" y="1379721"/>
+            <a:ext cx="7992888" cy="458908"/>
+          </a:xfrm>
+          <a:prstGeom prst="rect">
+            <a:avLst/>
+          </a:prstGeom>
+          <a:noFill/>
+        </p:spPr>
+        <p:txBody>
+          <a:bodyPr wrap="square" rtlCol="0">
+            <a:spAutoFit/>
+          </a:bodyPr>
+          <a:lstStyle/>
+          <a:p>
+            <a:pPr>
+              <a:lnSpc>
+                <a:spcPct val="150000"/>
+              </a:lnSpc>
+            </a:pPr>
+            <a:endParaRPr lang="en-US" altLang="zh-CN" dirty="0" smtClean="0">
+              <a:solidFill>
+                <a:schemeClr val="tx1">
+                  <a:lumMod val="75000"/>
+                  <a:lumOff val="25000"/>
+                </a:schemeClr>
+              </a:solidFill>
+              <a:latin typeface="微软雅黑" pitchFamily="34" charset="-122"/>
+              <a:ea typeface="微软雅黑" pitchFamily="34" charset="-122"/>
+            </a:endParaRPr>
+          </a:p>
+        </p:txBody>
+      </p:sp>
+      <p:pic>
+        <p:nvPicPr>
+          <p:cNvPr id="2" name="图片 1" descr="屏幕剪辑"/>
+          <p:cNvPicPr>
+            <a:picLocks noChangeAspect="1"/>
+          </p:cNvPicPr>
+          <p:nvPr/>
+        </p:nvPicPr>
+        <p:blipFill>
+          <a:blip r:embed="rId2">
+            <a:extLst>
+              <a:ext uri="{28A0092B-C50C-407E-A947-70E740481C1C}">
+                <a14:useLocalDpi xmlns:a14="http://schemas.microsoft.com/office/drawing/2010/main" val="0"/>
+              </a:ext>
+            </a:extLst>
+          </a:blip>
+          <a:stretch>
+            <a:fillRect/>
+          </a:stretch>
+        </p:blipFill>
+        <p:spPr>
+          <a:xfrm>
+            <a:off x="798469" y="1523737"/>
+            <a:ext cx="5808564" cy="5001607"/>
+          </a:xfrm>
+          <a:prstGeom prst="rect">
+            <a:avLst/>
+          </a:prstGeom>
+          <a:ln>
+            <a:noFill/>
+          </a:ln>
+          <a:effectLst>
+            <a:outerShdw blurRad="292100" dist="139700" dir="2700000" algn="tl" rotWithShape="0">
+              <a:srgbClr val="333333">
+                <a:alpha val="65000"/>
+              </a:srgbClr>
+            </a:outerShdw>
+          </a:effectLst>
+        </p:spPr>
+      </p:pic>
+      <p:sp>
+        <p:nvSpPr>
+          <p:cNvPr id="6" name="圆角矩形标注 5"/>
+          <p:cNvSpPr/>
+          <p:nvPr/>
+        </p:nvSpPr>
+        <p:spPr>
+          <a:xfrm>
+            <a:off x="5436096" y="1653533"/>
+            <a:ext cx="3096344" cy="734300"/>
+          </a:xfrm>
+          <a:prstGeom prst="wedgeRoundRectCallout">
+            <a:avLst>
+              <a:gd name="adj1" fmla="val -53182"/>
+              <a:gd name="adj2" fmla="val -17918"/>
+              <a:gd name="adj3" fmla="val 16667"/>
+            </a:avLst>
+          </a:prstGeom>
+        </p:spPr>
+        <p:style>
+          <a:lnRef idx="2">
+            <a:schemeClr val="accent5"/>
+          </a:lnRef>
+          <a:fillRef idx="1">
+            <a:schemeClr val="lt1"/>
+          </a:fillRef>
+          <a:effectRef idx="0">
+            <a:schemeClr val="accent5"/>
+          </a:effectRef>
+          <a:fontRef idx="minor">
+            <a:schemeClr val="dk1"/>
+          </a:fontRef>
+        </p:style>
+        <p:txBody>
+          <a:bodyPr rtlCol="0" anchor="ctr"/>
+          <a:lstStyle/>
+          <a:p>
+            <a:pPr>
+              <a:lnSpc>
+                <a:spcPct val="150000"/>
+              </a:lnSpc>
+            </a:pPr>
+            <a:r>
+              <a:rPr lang="en-US" altLang="zh-CN" sz="1400" dirty="0" smtClean="0">
+                <a:latin typeface="微软雅黑" panose="020B0503020204020204" pitchFamily="34" charset="-122"/>
+                <a:ea typeface="微软雅黑" panose="020B0503020204020204" pitchFamily="34" charset="-122"/>
+              </a:rPr>
+              <a:t>point</a:t>
+            </a:r>
+            <a:r>
+              <a:rPr lang="zh-CN" altLang="en-US" sz="1400" dirty="0" smtClean="0">
+                <a:latin typeface="微软雅黑" panose="020B0503020204020204" pitchFamily="34" charset="-122"/>
+                <a:ea typeface="微软雅黑" panose="020B0503020204020204" pitchFamily="34" charset="-122"/>
+              </a:rPr>
+              <a:t>是自定义属性，添加到骰子的</a:t>
+            </a:r>
+            <a:r>
+              <a:rPr lang="en-US" altLang="zh-CN" sz="1400" dirty="0" smtClean="0">
+                <a:latin typeface="微软雅黑" panose="020B0503020204020204" pitchFamily="34" charset="-122"/>
+                <a:ea typeface="微软雅黑" panose="020B0503020204020204" pitchFamily="34" charset="-122"/>
+              </a:rPr>
+              <a:t>&lt;div&gt;</a:t>
+            </a:r>
+            <a:r>
+              <a:rPr lang="zh-CN" altLang="en-US" sz="1400" dirty="0" smtClean="0">
+                <a:latin typeface="微软雅黑" panose="020B0503020204020204" pitchFamily="34" charset="-122"/>
+                <a:ea typeface="微软雅黑" panose="020B0503020204020204" pitchFamily="34" charset="-122"/>
+              </a:rPr>
+              <a:t>标签中</a:t>
+            </a:r>
+            <a:endParaRPr lang="zh-CN" altLang="en-US" sz="1400" dirty="0">
+              <a:latin typeface="微软雅黑" panose="020B0503020204020204" pitchFamily="34" charset="-122"/>
+              <a:ea typeface="微软雅黑" panose="020B0503020204020204" pitchFamily="34" charset="-122"/>
+            </a:endParaRPr>
+          </a:p>
+        </p:txBody>
+      </p:sp>
+      <p:sp>
+        <p:nvSpPr>
+          <p:cNvPr id="7" name="圆角矩形标注 6"/>
+          <p:cNvSpPr/>
+          <p:nvPr/>
+        </p:nvSpPr>
+        <p:spPr>
+          <a:xfrm>
+            <a:off x="5436096" y="2545791"/>
+            <a:ext cx="3456384" cy="669148"/>
+          </a:xfrm>
+          <a:prstGeom prst="wedgeRoundRectCallout">
+            <a:avLst>
+              <a:gd name="adj1" fmla="val -29750"/>
+              <a:gd name="adj2" fmla="val 74484"/>
+              <a:gd name="adj3" fmla="val 16667"/>
+            </a:avLst>
+          </a:prstGeom>
+        </p:spPr>
+        <p:style>
+          <a:lnRef idx="2">
+            <a:schemeClr val="accent5"/>
+          </a:lnRef>
+          <a:fillRef idx="1">
+            <a:schemeClr val="lt1"/>
+          </a:fillRef>
+          <a:effectRef idx="0">
+            <a:schemeClr val="accent5"/>
+          </a:effectRef>
+          <a:fontRef idx="minor">
+            <a:schemeClr val="dk1"/>
+          </a:fontRef>
+        </p:style>
+        <p:txBody>
+          <a:bodyPr rtlCol="0" anchor="ctr"/>
+          <a:lstStyle/>
+          <a:p>
+            <a:pPr>
+              <a:lnSpc>
+                <a:spcPct val="150000"/>
+              </a:lnSpc>
+            </a:pPr>
+            <a:r>
+              <a:rPr lang="en-US" altLang="zh-CN" sz="1400" dirty="0">
+                <a:latin typeface="微软雅黑" panose="020B0503020204020204" pitchFamily="34" charset="-122"/>
+                <a:ea typeface="微软雅黑" panose="020B0503020204020204" pitchFamily="34" charset="-122"/>
+              </a:rPr>
+              <a:t>p</a:t>
+            </a:r>
+            <a:r>
+              <a:rPr lang="en-US" altLang="zh-CN" sz="1400" dirty="0" smtClean="0">
+                <a:latin typeface="微软雅黑" panose="020B0503020204020204" pitchFamily="34" charset="-122"/>
+                <a:ea typeface="微软雅黑" panose="020B0503020204020204" pitchFamily="34" charset="-122"/>
+              </a:rPr>
+              <a:t>oint</a:t>
+            </a:r>
+            <a:r>
+              <a:rPr lang="zh-CN" altLang="en-US" sz="1400" dirty="0" smtClean="0">
+                <a:latin typeface="微软雅黑" panose="020B0503020204020204" pitchFamily="34" charset="-122"/>
+                <a:ea typeface="微软雅黑" panose="020B0503020204020204" pitchFamily="34" charset="-122"/>
+              </a:rPr>
+              <a:t>属性设置</a:t>
+            </a:r>
+            <a:r>
+              <a:rPr lang="zh-CN" altLang="en-US" sz="1400" dirty="0">
+                <a:latin typeface="微软雅黑" panose="020B0503020204020204" pitchFamily="34" charset="-122"/>
+                <a:ea typeface="微软雅黑" panose="020B0503020204020204" pitchFamily="34" charset="-122"/>
+              </a:rPr>
+              <a:t>成</a:t>
+            </a:r>
+            <a:r>
+              <a:rPr lang="en-US" altLang="zh-CN" sz="1400" dirty="0">
+                <a:latin typeface="微软雅黑" panose="020B0503020204020204" pitchFamily="34" charset="-122"/>
+                <a:ea typeface="微软雅黑" panose="020B0503020204020204" pitchFamily="34" charset="-122"/>
+              </a:rPr>
+              <a:t> </a:t>
+            </a:r>
+            <a:r>
+              <a:rPr lang="en-US" altLang="zh-CN" sz="1400" dirty="0" smtClean="0">
+                <a:latin typeface="微软雅黑" panose="020B0503020204020204" pitchFamily="34" charset="-122"/>
+                <a:ea typeface="微软雅黑" panose="020B0503020204020204" pitchFamily="34" charset="-122"/>
+              </a:rPr>
+              <a:t>p1</a:t>
+            </a:r>
+            <a:r>
+              <a:rPr lang="zh-CN" altLang="en-US" sz="1400" dirty="0" smtClean="0">
+                <a:latin typeface="微软雅黑" panose="020B0503020204020204" pitchFamily="34" charset="-122"/>
+                <a:ea typeface="微软雅黑" panose="020B0503020204020204" pitchFamily="34" charset="-122"/>
+              </a:rPr>
+              <a:t>，</a:t>
+            </a:r>
+            <a:r>
+              <a:rPr lang="en-US" altLang="zh-CN" sz="1400" dirty="0">
+                <a:latin typeface="微软雅黑" panose="020B0503020204020204" pitchFamily="34" charset="-122"/>
+                <a:ea typeface="微软雅黑" panose="020B0503020204020204" pitchFamily="34" charset="-122"/>
+              </a:rPr>
+              <a:t>1</a:t>
+            </a:r>
+            <a:r>
+              <a:rPr lang="zh-CN" altLang="en-US" sz="1400" dirty="0">
+                <a:latin typeface="微软雅黑" panose="020B0503020204020204" pitchFamily="34" charset="-122"/>
+                <a:ea typeface="微软雅黑" panose="020B0503020204020204" pitchFamily="34" charset="-122"/>
+              </a:rPr>
+              <a:t>个点的面就会转向屏幕，并且稍稍有所倾斜，有些立体感</a:t>
+            </a:r>
+          </a:p>
+        </p:txBody>
+      </p:sp>
+      <p:sp>
+        <p:nvSpPr>
+          <p:cNvPr id="8" name="圆角矩形标注 7"/>
+          <p:cNvSpPr/>
+          <p:nvPr/>
+        </p:nvSpPr>
+        <p:spPr>
+          <a:xfrm>
+            <a:off x="5580112" y="4836105"/>
+            <a:ext cx="3456384" cy="669148"/>
+          </a:xfrm>
+          <a:prstGeom prst="wedgeRoundRectCallout">
+            <a:avLst>
+              <a:gd name="adj1" fmla="val -54442"/>
+              <a:gd name="adj2" fmla="val -4904"/>
+              <a:gd name="adj3" fmla="val 16667"/>
+            </a:avLst>
+          </a:prstGeom>
+        </p:spPr>
+        <p:style>
+          <a:lnRef idx="2">
+            <a:schemeClr val="accent5"/>
+          </a:lnRef>
+          <a:fillRef idx="1">
+            <a:schemeClr val="lt1"/>
+          </a:fillRef>
+          <a:effectRef idx="0">
+            <a:schemeClr val="accent5"/>
+          </a:effectRef>
+          <a:fontRef idx="minor">
+            <a:schemeClr val="dk1"/>
+          </a:fontRef>
+        </p:style>
+        <p:txBody>
+          <a:bodyPr rtlCol="0" anchor="ctr"/>
+          <a:lstStyle/>
+          <a:p>
+            <a:pPr>
+              <a:lnSpc>
+                <a:spcPct val="150000"/>
+              </a:lnSpc>
+            </a:pPr>
+            <a:r>
+              <a:rPr lang="en-US" altLang="zh-CN" sz="1400" dirty="0" smtClean="0">
+                <a:latin typeface="微软雅黑" panose="020B0503020204020204" pitchFamily="34" charset="-122"/>
+                <a:ea typeface="微软雅黑" panose="020B0503020204020204" pitchFamily="34" charset="-122"/>
+              </a:rPr>
+              <a:t>point</a:t>
+            </a:r>
+            <a:r>
+              <a:rPr lang="zh-CN" altLang="en-US" sz="1400" dirty="0" smtClean="0">
+                <a:latin typeface="微软雅黑" panose="020B0503020204020204" pitchFamily="34" charset="-122"/>
+                <a:ea typeface="微软雅黑" panose="020B0503020204020204" pitchFamily="34" charset="-122"/>
+              </a:rPr>
+              <a:t>属性设置为</a:t>
+            </a:r>
+            <a:r>
+              <a:rPr lang="en-US" altLang="zh-CN" sz="1400" dirty="0" smtClean="0">
+                <a:latin typeface="微软雅黑" panose="020B0503020204020204" pitchFamily="34" charset="-122"/>
+                <a:ea typeface="微软雅黑" panose="020B0503020204020204" pitchFamily="34" charset="-122"/>
+              </a:rPr>
+              <a:t>p1~p6</a:t>
+            </a:r>
+            <a:r>
+              <a:rPr lang="zh-CN" altLang="en-US" sz="1400" dirty="0" smtClean="0">
+                <a:latin typeface="微软雅黑" panose="020B0503020204020204" pitchFamily="34" charset="-122"/>
+                <a:ea typeface="微软雅黑" panose="020B0503020204020204" pitchFamily="34" charset="-122"/>
+              </a:rPr>
+              <a:t>，显示的点数就是</a:t>
+            </a:r>
+            <a:r>
+              <a:rPr lang="en-US" altLang="zh-CN" sz="1400" dirty="0" smtClean="0">
+                <a:latin typeface="微软雅黑" panose="020B0503020204020204" pitchFamily="34" charset="-122"/>
+                <a:ea typeface="微软雅黑" panose="020B0503020204020204" pitchFamily="34" charset="-122"/>
+              </a:rPr>
+              <a:t>1~6</a:t>
+            </a:r>
+            <a:r>
+              <a:rPr lang="zh-CN" altLang="en-US" sz="1400" dirty="0" smtClean="0">
+                <a:latin typeface="微软雅黑" panose="020B0503020204020204" pitchFamily="34" charset="-122"/>
+                <a:ea typeface="微软雅黑" panose="020B0503020204020204" pitchFamily="34" charset="-122"/>
+              </a:rPr>
+              <a:t>点</a:t>
+            </a:r>
+            <a:endParaRPr lang="zh-CN" altLang="en-US" sz="1400" dirty="0">
+              <a:latin typeface="微软雅黑" panose="020B0503020204020204" pitchFamily="34" charset="-122"/>
+              <a:ea typeface="微软雅黑" panose="020B0503020204020204" pitchFamily="34" charset="-122"/>
+            </a:endParaRPr>
+          </a:p>
+        </p:txBody>
+      </p:sp>
+    </p:spTree>
+    <p:extLst>
+      <p:ext uri="{BB962C8B-B14F-4D97-AF65-F5344CB8AC3E}">
+        <p14:creationId xmlns:p14="http://schemas.microsoft.com/office/powerpoint/2010/main" val="3994757449"/>
+      </p:ext>
+    </p:extLst>
+  </p:cSld>
+  <p:clrMapOvr>
+    <a:masterClrMapping/>
+  </p:clrMapOvr>
+  <p:timing>
+    <p:tnLst>
+      <p:par>
+        <p:cTn id="1" dur="indefinite" restart="never" nodeType="tmRoot"/>
+      </p:par>
+    </p:tnLst>
+  </p:timing>
+</p:sld>
+</file>
+
+<file path=ppt/slides/slide12.xml><?xml version="1.0" encoding="utf-8"?>
+<p:sld xmlns:a="http://schemas.openxmlformats.org/drawingml/2006/main" xmlns:r="http://schemas.openxmlformats.org/officeDocument/2006/relationships" xmlns:p="http://schemas.openxmlformats.org/presentationml/2006/main">
+  <p:cSld>
+    <p:spTree>
+      <p:nvGrpSpPr>
+        <p:cNvPr id="1" name=""/>
+        <p:cNvGrpSpPr/>
+        <p:nvPr/>
+      </p:nvGrpSpPr>
+      <p:grpSpPr>
+        <a:xfrm>
+          <a:off x="0" y="0"/>
+          <a:ext cx="0" cy="0"/>
+          <a:chOff x="0" y="0"/>
+          <a:chExt cx="0" cy="0"/>
+        </a:xfrm>
+      </p:grpSpPr>
+      <p:sp>
+        <p:nvSpPr>
+          <p:cNvPr id="4" name="TextBox 3"/>
+          <p:cNvSpPr txBox="1"/>
+          <p:nvPr/>
+        </p:nvSpPr>
+        <p:spPr>
+          <a:xfrm>
+            <a:off x="467544" y="476672"/>
+            <a:ext cx="7200800" cy="662554"/>
+          </a:xfrm>
+          <a:prstGeom prst="rect">
+            <a:avLst/>
+          </a:prstGeom>
+          <a:noFill/>
+        </p:spPr>
+        <p:txBody>
+          <a:bodyPr wrap="square" rtlCol="0">
+            <a:spAutoFit/>
+          </a:bodyPr>
+          <a:lstStyle/>
+          <a:p>
+            <a:pPr>
+              <a:lnSpc>
+                <a:spcPct val="150000"/>
+              </a:lnSpc>
+            </a:pPr>
+            <a:r>
+              <a:rPr lang="en-US" altLang="zh-CN" sz="2800" dirty="0" smtClean="0">
+                <a:solidFill>
+                  <a:schemeClr val="tx1">
+                    <a:lumMod val="75000"/>
+                    <a:lumOff val="25000"/>
+                  </a:schemeClr>
+                </a:solidFill>
+                <a:latin typeface="微软雅黑" pitchFamily="34" charset="-122"/>
+                <a:ea typeface="微软雅黑" pitchFamily="34" charset="-122"/>
+              </a:rPr>
+              <a:t>4.</a:t>
+            </a:r>
+            <a:r>
+              <a:rPr lang="zh-CN" altLang="en-US" sz="2800" dirty="0" smtClean="0">
+                <a:solidFill>
+                  <a:schemeClr val="tx1">
+                    <a:lumMod val="75000"/>
+                    <a:lumOff val="25000"/>
+                  </a:schemeClr>
+                </a:solidFill>
+                <a:latin typeface="微软雅黑" pitchFamily="34" charset="-122"/>
+                <a:ea typeface="微软雅黑" pitchFamily="34" charset="-122"/>
+              </a:rPr>
+              <a:t>自定义属性的设置</a:t>
+            </a:r>
+            <a:endParaRPr lang="zh-CN" altLang="en-US" sz="2800" dirty="0">
+              <a:solidFill>
+                <a:schemeClr val="tx1">
+                  <a:lumMod val="75000"/>
+                  <a:lumOff val="25000"/>
+                </a:schemeClr>
+              </a:solidFill>
+              <a:latin typeface="微软雅黑" pitchFamily="34" charset="-122"/>
+              <a:ea typeface="微软雅黑" pitchFamily="34" charset="-122"/>
+            </a:endParaRPr>
+          </a:p>
+        </p:txBody>
+      </p:sp>
+      <p:pic>
+        <p:nvPicPr>
+          <p:cNvPr id="2" name="图片 1" descr="屏幕剪辑"/>
+          <p:cNvPicPr>
+            <a:picLocks noChangeAspect="1"/>
+          </p:cNvPicPr>
+          <p:nvPr/>
+        </p:nvPicPr>
+        <p:blipFill>
+          <a:blip r:embed="rId2">
+            <a:extLst>
+              <a:ext uri="{28A0092B-C50C-407E-A947-70E740481C1C}">
+                <a14:useLocalDpi xmlns:a14="http://schemas.microsoft.com/office/drawing/2010/main" val="0"/>
+              </a:ext>
+            </a:extLst>
+          </a:blip>
+          <a:stretch>
+            <a:fillRect/>
+          </a:stretch>
+        </p:blipFill>
+        <p:spPr>
+          <a:xfrm>
+            <a:off x="583081" y="2099803"/>
+            <a:ext cx="6325483" cy="4353533"/>
+          </a:xfrm>
+          <a:prstGeom prst="rect">
+            <a:avLst/>
+          </a:prstGeom>
+          <a:ln>
+            <a:noFill/>
+          </a:ln>
+          <a:effectLst>
+            <a:outerShdw blurRad="292100" dist="139700" dir="2700000" algn="tl" rotWithShape="0">
+              <a:srgbClr val="333333">
+                <a:alpha val="65000"/>
+              </a:srgbClr>
+            </a:outerShdw>
+          </a:effectLst>
+        </p:spPr>
+      </p:pic>
+      <p:sp>
+        <p:nvSpPr>
+          <p:cNvPr id="6" name="圆角矩形标注 5"/>
+          <p:cNvSpPr/>
+          <p:nvPr/>
+        </p:nvSpPr>
+        <p:spPr>
+          <a:xfrm>
+            <a:off x="3463401" y="2484576"/>
+            <a:ext cx="3096344" cy="734300"/>
+          </a:xfrm>
+          <a:prstGeom prst="wedgeRoundRectCallout">
+            <a:avLst>
+              <a:gd name="adj1" fmla="val -11589"/>
+              <a:gd name="adj2" fmla="val 68023"/>
+              <a:gd name="adj3" fmla="val 16667"/>
+            </a:avLst>
+          </a:prstGeom>
+        </p:spPr>
+        <p:style>
+          <a:lnRef idx="2">
+            <a:schemeClr val="accent5"/>
+          </a:lnRef>
+          <a:fillRef idx="1">
+            <a:schemeClr val="lt1"/>
+          </a:fillRef>
+          <a:effectRef idx="0">
+            <a:schemeClr val="accent5"/>
+          </a:effectRef>
+          <a:fontRef idx="minor">
+            <a:schemeClr val="dk1"/>
+          </a:fontRef>
+        </p:style>
+        <p:txBody>
+          <a:bodyPr rtlCol="0" anchor="ctr"/>
+          <a:lstStyle/>
+          <a:p>
+            <a:pPr>
+              <a:lnSpc>
+                <a:spcPct val="150000"/>
+              </a:lnSpc>
+            </a:pPr>
+            <a:r>
+              <a:rPr lang="zh-CN" altLang="en-US" sz="1400" dirty="0" smtClean="0">
+                <a:latin typeface="微软雅黑" panose="020B0503020204020204" pitchFamily="34" charset="-122"/>
+                <a:ea typeface="微软雅黑" panose="020B0503020204020204" pitchFamily="34" charset="-122"/>
+              </a:rPr>
+              <a:t>获取</a:t>
+            </a:r>
+            <a:r>
+              <a:rPr lang="en-US" altLang="zh-CN" sz="1400" dirty="0" smtClean="0">
+                <a:latin typeface="微软雅黑" panose="020B0503020204020204" pitchFamily="34" charset="-122"/>
+                <a:ea typeface="微软雅黑" panose="020B0503020204020204" pitchFamily="34" charset="-122"/>
+              </a:rPr>
+              <a:t>cube</a:t>
+            </a:r>
+            <a:r>
+              <a:rPr lang="zh-CN" altLang="en-US" sz="1400" dirty="0" smtClean="0">
+                <a:latin typeface="微软雅黑" panose="020B0503020204020204" pitchFamily="34" charset="-122"/>
+                <a:ea typeface="微软雅黑" panose="020B0503020204020204" pitchFamily="34" charset="-122"/>
+              </a:rPr>
+              <a:t>的</a:t>
+            </a:r>
+            <a:r>
+              <a:rPr lang="en-US" altLang="zh-CN" sz="1400" dirty="0" smtClean="0">
+                <a:latin typeface="微软雅黑" panose="020B0503020204020204" pitchFamily="34" charset="-122"/>
+                <a:ea typeface="微软雅黑" panose="020B0503020204020204" pitchFamily="34" charset="-122"/>
+              </a:rPr>
+              <a:t>point</a:t>
+            </a:r>
+            <a:r>
+              <a:rPr lang="zh-CN" altLang="en-US" sz="1400" dirty="0" smtClean="0">
+                <a:latin typeface="微软雅黑" panose="020B0503020204020204" pitchFamily="34" charset="-122"/>
+                <a:ea typeface="微软雅黑" panose="020B0503020204020204" pitchFamily="34" charset="-122"/>
+              </a:rPr>
+              <a:t>属性值</a:t>
+            </a:r>
+            <a:r>
+              <a:rPr lang="en-US" altLang="zh-CN" sz="1400" dirty="0" smtClean="0">
+                <a:latin typeface="微软雅黑" panose="020B0503020204020204" pitchFamily="34" charset="-122"/>
+                <a:ea typeface="微软雅黑" panose="020B0503020204020204" pitchFamily="34" charset="-122"/>
+              </a:rPr>
+              <a:t>(</a:t>
+            </a:r>
+            <a:r>
+              <a:rPr lang="zh-CN" altLang="en-US" sz="1400" dirty="0" smtClean="0">
+                <a:latin typeface="微软雅黑" panose="020B0503020204020204" pitchFamily="34" charset="-122"/>
+                <a:ea typeface="微软雅黑" panose="020B0503020204020204" pitchFamily="34" charset="-122"/>
+              </a:rPr>
+              <a:t>如“</a:t>
+            </a:r>
+            <a:r>
+              <a:rPr lang="en-US" altLang="zh-CN" sz="1400" dirty="0" smtClean="0">
+                <a:latin typeface="微软雅黑" panose="020B0503020204020204" pitchFamily="34" charset="-122"/>
+                <a:ea typeface="微软雅黑" panose="020B0503020204020204" pitchFamily="34" charset="-122"/>
+              </a:rPr>
+              <a:t>p3</a:t>
+            </a:r>
+            <a:r>
+              <a:rPr lang="zh-CN" altLang="en-US" sz="1400" dirty="0" smtClean="0">
+                <a:latin typeface="微软雅黑" panose="020B0503020204020204" pitchFamily="34" charset="-122"/>
+                <a:ea typeface="微软雅黑" panose="020B0503020204020204" pitchFamily="34" charset="-122"/>
+              </a:rPr>
+              <a:t>”</a:t>
+            </a:r>
+            <a:r>
+              <a:rPr lang="en-US" altLang="zh-CN" sz="1400" dirty="0" smtClean="0">
+                <a:latin typeface="微软雅黑" panose="020B0503020204020204" pitchFamily="34" charset="-122"/>
+                <a:ea typeface="微软雅黑" panose="020B0503020204020204" pitchFamily="34" charset="-122"/>
+              </a:rPr>
+              <a:t>)</a:t>
+            </a:r>
+            <a:r>
+              <a:rPr lang="zh-CN" altLang="en-US" sz="1400" dirty="0" smtClean="0">
+                <a:latin typeface="微软雅黑" panose="020B0503020204020204" pitchFamily="34" charset="-122"/>
+                <a:ea typeface="微软雅黑" panose="020B0503020204020204" pitchFamily="34" charset="-122"/>
+              </a:rPr>
+              <a:t>，</a:t>
+            </a:r>
+            <a:r>
+              <a:rPr lang="zh-CN" altLang="en-US" sz="1400" dirty="0">
+                <a:latin typeface="微软雅黑" panose="020B0503020204020204" pitchFamily="34" charset="-122"/>
+                <a:ea typeface="微软雅黑" panose="020B0503020204020204" pitchFamily="34" charset="-122"/>
+              </a:rPr>
+              <a:t>再</a:t>
+            </a:r>
+            <a:r>
+              <a:rPr lang="zh-CN" altLang="en-US" sz="1400" dirty="0" smtClean="0">
+                <a:latin typeface="微软雅黑" panose="020B0503020204020204" pitchFamily="34" charset="-122"/>
+                <a:ea typeface="微软雅黑" panose="020B0503020204020204" pitchFamily="34" charset="-122"/>
+              </a:rPr>
+              <a:t>利用正则表达式，提取数字</a:t>
+            </a:r>
+            <a:endParaRPr lang="zh-CN" altLang="en-US" sz="1400" dirty="0">
+              <a:latin typeface="微软雅黑" panose="020B0503020204020204" pitchFamily="34" charset="-122"/>
+              <a:ea typeface="微软雅黑" panose="020B0503020204020204" pitchFamily="34" charset="-122"/>
+            </a:endParaRPr>
+          </a:p>
+        </p:txBody>
+      </p:sp>
+      <p:sp>
+        <p:nvSpPr>
+          <p:cNvPr id="7" name="圆角矩形标注 6"/>
+          <p:cNvSpPr/>
+          <p:nvPr/>
+        </p:nvSpPr>
+        <p:spPr>
+          <a:xfrm>
+            <a:off x="3247377" y="1274116"/>
+            <a:ext cx="3096344" cy="734300"/>
+          </a:xfrm>
+          <a:prstGeom prst="wedgeRoundRectCallout">
+            <a:avLst>
+              <a:gd name="adj1" fmla="val -34049"/>
+              <a:gd name="adj2" fmla="val 68023"/>
+              <a:gd name="adj3" fmla="val 16667"/>
+            </a:avLst>
+          </a:prstGeom>
+        </p:spPr>
+        <p:style>
+          <a:lnRef idx="2">
+            <a:schemeClr val="accent5"/>
+          </a:lnRef>
+          <a:fillRef idx="1">
+            <a:schemeClr val="lt1"/>
+          </a:fillRef>
+          <a:effectRef idx="0">
+            <a:schemeClr val="accent5"/>
+          </a:effectRef>
+          <a:fontRef idx="minor">
+            <a:schemeClr val="dk1"/>
+          </a:fontRef>
+        </p:style>
+        <p:txBody>
+          <a:bodyPr rtlCol="0" anchor="ctr"/>
+          <a:lstStyle/>
+          <a:p>
+            <a:pPr>
+              <a:lnSpc>
+                <a:spcPct val="150000"/>
+              </a:lnSpc>
+            </a:pPr>
+            <a:r>
+              <a:rPr lang="zh-CN" altLang="en-US" sz="1400" dirty="0">
+                <a:latin typeface="微软雅黑" panose="020B0503020204020204" pitchFamily="34" charset="-122"/>
+                <a:ea typeface="微软雅黑" panose="020B0503020204020204" pitchFamily="34" charset="-122"/>
+              </a:rPr>
+              <a:t>入</a:t>
+            </a:r>
+            <a:r>
+              <a:rPr lang="zh-CN" altLang="en-US" sz="1400" dirty="0" smtClean="0">
+                <a:latin typeface="微软雅黑" panose="020B0503020204020204" pitchFamily="34" charset="-122"/>
+                <a:ea typeface="微软雅黑" panose="020B0503020204020204" pitchFamily="34" charset="-122"/>
+              </a:rPr>
+              <a:t>参：设置的点数，数值类型</a:t>
+            </a:r>
+            <a:endParaRPr lang="en-US" altLang="zh-CN" sz="1400" dirty="0" smtClean="0">
+              <a:latin typeface="微软雅黑" panose="020B0503020204020204" pitchFamily="34" charset="-122"/>
+              <a:ea typeface="微软雅黑" panose="020B0503020204020204" pitchFamily="34" charset="-122"/>
+            </a:endParaRPr>
+          </a:p>
+          <a:p>
+            <a:pPr>
+              <a:lnSpc>
+                <a:spcPct val="150000"/>
+              </a:lnSpc>
+            </a:pPr>
+            <a:r>
+              <a:rPr lang="zh-CN" altLang="en-US" sz="1400" dirty="0" smtClean="0">
+                <a:latin typeface="微软雅黑" panose="020B0503020204020204" pitchFamily="34" charset="-122"/>
+                <a:ea typeface="微软雅黑" panose="020B0503020204020204" pitchFamily="34" charset="-122"/>
+              </a:rPr>
+              <a:t>出参：设置成功</a:t>
+            </a:r>
+            <a:r>
+              <a:rPr lang="en-US" altLang="zh-CN" sz="1400" dirty="0" smtClean="0">
+                <a:latin typeface="微软雅黑" panose="020B0503020204020204" pitchFamily="34" charset="-122"/>
+                <a:ea typeface="微软雅黑" panose="020B0503020204020204" pitchFamily="34" charset="-122"/>
+              </a:rPr>
+              <a:t>/</a:t>
+            </a:r>
+            <a:r>
+              <a:rPr lang="zh-CN" altLang="en-US" sz="1400" dirty="0" smtClean="0">
+                <a:latin typeface="微软雅黑" panose="020B0503020204020204" pitchFamily="34" charset="-122"/>
+                <a:ea typeface="微软雅黑" panose="020B0503020204020204" pitchFamily="34" charset="-122"/>
+              </a:rPr>
+              <a:t>失败（</a:t>
+            </a:r>
+            <a:r>
+              <a:rPr lang="en-US" altLang="zh-CN" sz="1400" dirty="0" smtClean="0">
+                <a:latin typeface="微软雅黑" panose="020B0503020204020204" pitchFamily="34" charset="-122"/>
+                <a:ea typeface="微软雅黑" panose="020B0503020204020204" pitchFamily="34" charset="-122"/>
+              </a:rPr>
+              <a:t>true/false</a:t>
+            </a:r>
+            <a:r>
+              <a:rPr lang="zh-CN" altLang="en-US" sz="1400" dirty="0" smtClean="0">
+                <a:latin typeface="微软雅黑" panose="020B0503020204020204" pitchFamily="34" charset="-122"/>
+                <a:ea typeface="微软雅黑" panose="020B0503020204020204" pitchFamily="34" charset="-122"/>
+              </a:rPr>
+              <a:t>）</a:t>
+            </a:r>
+            <a:endParaRPr lang="zh-CN" altLang="en-US" sz="1400" dirty="0">
+              <a:latin typeface="微软雅黑" panose="020B0503020204020204" pitchFamily="34" charset="-122"/>
+              <a:ea typeface="微软雅黑" panose="020B0503020204020204" pitchFamily="34" charset="-122"/>
+            </a:endParaRPr>
+          </a:p>
+        </p:txBody>
+      </p:sp>
+      <p:sp>
+        <p:nvSpPr>
+          <p:cNvPr id="8" name="圆角矩形标注 7"/>
+          <p:cNvSpPr/>
+          <p:nvPr/>
+        </p:nvSpPr>
+        <p:spPr>
+          <a:xfrm>
+            <a:off x="6775769" y="2458047"/>
+            <a:ext cx="2160240" cy="1081916"/>
+          </a:xfrm>
+          <a:prstGeom prst="wedgeRoundRectCallout">
+            <a:avLst>
+              <a:gd name="adj1" fmla="val -63984"/>
+              <a:gd name="adj2" fmla="val 55360"/>
+              <a:gd name="adj3" fmla="val 16667"/>
+            </a:avLst>
+          </a:prstGeom>
+        </p:spPr>
+        <p:style>
+          <a:lnRef idx="2">
+            <a:schemeClr val="accent5"/>
+          </a:lnRef>
+          <a:fillRef idx="1">
+            <a:schemeClr val="lt1"/>
+          </a:fillRef>
+          <a:effectRef idx="0">
+            <a:schemeClr val="accent5"/>
+          </a:effectRef>
+          <a:fontRef idx="minor">
+            <a:schemeClr val="dk1"/>
+          </a:fontRef>
+        </p:style>
+        <p:txBody>
+          <a:bodyPr rtlCol="0" anchor="ctr"/>
+          <a:lstStyle/>
+          <a:p>
+            <a:pPr>
+              <a:lnSpc>
+                <a:spcPct val="150000"/>
+              </a:lnSpc>
+            </a:pPr>
+            <a:r>
+              <a:rPr lang="en-US" altLang="zh-CN" sz="1400" dirty="0" smtClean="0">
+                <a:latin typeface="微软雅黑" panose="020B0503020204020204" pitchFamily="34" charset="-122"/>
+                <a:ea typeface="微软雅黑" panose="020B0503020204020204" pitchFamily="34" charset="-122"/>
+              </a:rPr>
+              <a:t>Match</a:t>
+            </a:r>
+            <a:r>
+              <a:rPr lang="zh-CN" altLang="en-US" sz="1400" dirty="0" smtClean="0">
+                <a:latin typeface="微软雅黑" panose="020B0503020204020204" pitchFamily="34" charset="-122"/>
+                <a:ea typeface="微软雅黑" panose="020B0503020204020204" pitchFamily="34" charset="-122"/>
+              </a:rPr>
+              <a:t>返回的是匹配的结果数组，需要判断，是否为空，有无结果</a:t>
+            </a:r>
+            <a:endParaRPr lang="zh-CN" altLang="en-US" sz="1400" dirty="0">
+              <a:latin typeface="微软雅黑" panose="020B0503020204020204" pitchFamily="34" charset="-122"/>
+              <a:ea typeface="微软雅黑" panose="020B0503020204020204" pitchFamily="34" charset="-122"/>
+            </a:endParaRPr>
+          </a:p>
+        </p:txBody>
+      </p:sp>
+      <p:sp>
+        <p:nvSpPr>
+          <p:cNvPr id="9" name="圆角矩形标注 8"/>
+          <p:cNvSpPr/>
+          <p:nvPr/>
+        </p:nvSpPr>
+        <p:spPr>
+          <a:xfrm>
+            <a:off x="6775769" y="4044019"/>
+            <a:ext cx="2160240" cy="1081916"/>
+          </a:xfrm>
+          <a:prstGeom prst="wedgeRoundRectCallout">
+            <a:avLst>
+              <a:gd name="adj1" fmla="val -60407"/>
+              <a:gd name="adj2" fmla="val -49393"/>
+              <a:gd name="adj3" fmla="val 16667"/>
+            </a:avLst>
+          </a:prstGeom>
+        </p:spPr>
+        <p:style>
+          <a:lnRef idx="2">
+            <a:schemeClr val="accent5"/>
+          </a:lnRef>
+          <a:fillRef idx="1">
+            <a:schemeClr val="lt1"/>
+          </a:fillRef>
+          <a:effectRef idx="0">
+            <a:schemeClr val="accent5"/>
+          </a:effectRef>
+          <a:fontRef idx="minor">
+            <a:schemeClr val="dk1"/>
+          </a:fontRef>
+        </p:style>
+        <p:txBody>
+          <a:bodyPr rtlCol="0" anchor="ctr"/>
+          <a:lstStyle/>
+          <a:p>
+            <a:pPr>
+              <a:lnSpc>
+                <a:spcPct val="150000"/>
+              </a:lnSpc>
+            </a:pPr>
+            <a:r>
+              <a:rPr lang="en-US" altLang="zh-CN" sz="1400" dirty="0" smtClean="0">
+                <a:latin typeface="微软雅黑" panose="020B0503020204020204" pitchFamily="34" charset="-122"/>
+                <a:ea typeface="微软雅黑" panose="020B0503020204020204" pitchFamily="34" charset="-122"/>
+              </a:rPr>
+              <a:t>&amp;&amp; </a:t>
+            </a:r>
+            <a:r>
+              <a:rPr lang="zh-CN" altLang="en-US" sz="1400" dirty="0" smtClean="0">
+                <a:latin typeface="微软雅黑" panose="020B0503020204020204" pitchFamily="34" charset="-122"/>
+                <a:ea typeface="微软雅黑" panose="020B0503020204020204" pitchFamily="34" charset="-122"/>
+              </a:rPr>
+              <a:t>逻辑判断表达式的结果，是最后一个为真的自表达式的值</a:t>
+            </a:r>
+            <a:endParaRPr lang="zh-CN" altLang="en-US" sz="1400" dirty="0">
+              <a:latin typeface="微软雅黑" panose="020B0503020204020204" pitchFamily="34" charset="-122"/>
+              <a:ea typeface="微软雅黑" panose="020B0503020204020204" pitchFamily="34" charset="-122"/>
+            </a:endParaRPr>
+          </a:p>
+        </p:txBody>
+      </p:sp>
+      <p:sp>
+        <p:nvSpPr>
+          <p:cNvPr id="10" name="圆角矩形标注 9"/>
+          <p:cNvSpPr/>
+          <p:nvPr/>
+        </p:nvSpPr>
+        <p:spPr>
+          <a:xfrm>
+            <a:off x="4183481" y="3972011"/>
+            <a:ext cx="2016224" cy="540958"/>
+          </a:xfrm>
+          <a:prstGeom prst="wedgeRoundRectCallout">
+            <a:avLst>
+              <a:gd name="adj1" fmla="val -61046"/>
+              <a:gd name="adj2" fmla="val -20824"/>
+              <a:gd name="adj3" fmla="val 16667"/>
+            </a:avLst>
+          </a:prstGeom>
+        </p:spPr>
+        <p:style>
+          <a:lnRef idx="2">
+            <a:schemeClr val="accent5"/>
+          </a:lnRef>
+          <a:fillRef idx="1">
+            <a:schemeClr val="lt1"/>
+          </a:fillRef>
+          <a:effectRef idx="0">
+            <a:schemeClr val="accent5"/>
+          </a:effectRef>
+          <a:fontRef idx="minor">
+            <a:schemeClr val="dk1"/>
+          </a:fontRef>
+        </p:style>
+        <p:txBody>
+          <a:bodyPr rtlCol="0" anchor="ctr"/>
+          <a:lstStyle/>
+          <a:p>
+            <a:pPr>
+              <a:lnSpc>
+                <a:spcPct val="150000"/>
+              </a:lnSpc>
+            </a:pPr>
+            <a:r>
+              <a:rPr lang="en-US" altLang="zh-CN" sz="1400" dirty="0" smtClean="0">
+                <a:latin typeface="微软雅黑" panose="020B0503020204020204" pitchFamily="34" charset="-122"/>
+                <a:ea typeface="微软雅黑" panose="020B0503020204020204" pitchFamily="34" charset="-122"/>
+              </a:rPr>
+              <a:t> </a:t>
+            </a:r>
+            <a:r>
+              <a:rPr lang="zh-CN" altLang="en-US" sz="1400" dirty="0" smtClean="0">
+                <a:latin typeface="微软雅黑" panose="020B0503020204020204" pitchFamily="34" charset="-122"/>
+                <a:ea typeface="微软雅黑" panose="020B0503020204020204" pitchFamily="34" charset="-122"/>
+              </a:rPr>
+              <a:t>将字符串转换为数值</a:t>
+            </a:r>
+            <a:endParaRPr lang="zh-CN" altLang="en-US" sz="1400" dirty="0">
+              <a:latin typeface="微软雅黑" panose="020B0503020204020204" pitchFamily="34" charset="-122"/>
+              <a:ea typeface="微软雅黑" panose="020B0503020204020204" pitchFamily="34" charset="-122"/>
+            </a:endParaRPr>
+          </a:p>
+        </p:txBody>
+      </p:sp>
+      <p:sp>
+        <p:nvSpPr>
+          <p:cNvPr id="13" name="圆角矩形标注 12"/>
+          <p:cNvSpPr/>
+          <p:nvPr/>
+        </p:nvSpPr>
+        <p:spPr>
+          <a:xfrm>
+            <a:off x="2997061" y="5125935"/>
+            <a:ext cx="2372840" cy="627170"/>
+          </a:xfrm>
+          <a:prstGeom prst="wedgeRoundRectCallout">
+            <a:avLst>
+              <a:gd name="adj1" fmla="val -20165"/>
+              <a:gd name="adj2" fmla="val -80343"/>
+              <a:gd name="adj3" fmla="val 16667"/>
+            </a:avLst>
+          </a:prstGeom>
+        </p:spPr>
+        <p:style>
+          <a:lnRef idx="2">
+            <a:schemeClr val="accent5"/>
+          </a:lnRef>
+          <a:fillRef idx="1">
+            <a:schemeClr val="lt1"/>
+          </a:fillRef>
+          <a:effectRef idx="0">
+            <a:schemeClr val="accent5"/>
+          </a:effectRef>
+          <a:fontRef idx="minor">
+            <a:schemeClr val="dk1"/>
+          </a:fontRef>
+        </p:style>
+        <p:txBody>
+          <a:bodyPr rtlCol="0" anchor="ctr"/>
+          <a:lstStyle/>
+          <a:p>
+            <a:pPr>
+              <a:lnSpc>
+                <a:spcPct val="150000"/>
+              </a:lnSpc>
+            </a:pPr>
+            <a:r>
+              <a:rPr lang="en-US" altLang="zh-CN" sz="1400" dirty="0" smtClean="0">
+                <a:latin typeface="微软雅黑" panose="020B0503020204020204" pitchFamily="34" charset="-122"/>
+                <a:ea typeface="微软雅黑" panose="020B0503020204020204" pitchFamily="34" charset="-122"/>
+              </a:rPr>
+              <a:t> </a:t>
+            </a:r>
+            <a:r>
+              <a:rPr lang="zh-CN" altLang="en-US" sz="1400" dirty="0" smtClean="0">
+                <a:latin typeface="微软雅黑" panose="020B0503020204020204" pitchFamily="34" charset="-122"/>
+                <a:ea typeface="微软雅黑" panose="020B0503020204020204" pitchFamily="34" charset="-122"/>
+              </a:rPr>
+              <a:t>如果数值和之前不同，设置新的点数属性值</a:t>
+            </a:r>
+            <a:endParaRPr lang="zh-CN" altLang="en-US" sz="1400" dirty="0">
+              <a:latin typeface="微软雅黑" panose="020B0503020204020204" pitchFamily="34" charset="-122"/>
+              <a:ea typeface="微软雅黑" panose="020B0503020204020204" pitchFamily="34" charset="-122"/>
+            </a:endParaRPr>
+          </a:p>
+        </p:txBody>
+      </p:sp>
+    </p:spTree>
+    <p:extLst>
+      <p:ext uri="{BB962C8B-B14F-4D97-AF65-F5344CB8AC3E}">
+        <p14:creationId xmlns:p14="http://schemas.microsoft.com/office/powerpoint/2010/main" val="2197987521"/>
+      </p:ext>
+    </p:extLst>
+  </p:cSld>
+  <p:clrMapOvr>
+    <a:masterClrMapping/>
+  </p:clrMapOvr>
+  <p:timing>
+    <p:tnLst>
+      <p:par>
+        <p:cTn id="1" dur="indefinite" restart="never" nodeType="tmRoot"/>
+      </p:par>
+    </p:tnLst>
+  </p:timing>
+</p:sld>
+</file>
+
+<file path=ppt/slides/slide13.xml><?xml version="1.0" encoding="utf-8"?>
+<p:sld xmlns:a="http://schemas.openxmlformats.org/drawingml/2006/main" xmlns:r="http://schemas.openxmlformats.org/officeDocument/2006/relationships" xmlns:p="http://schemas.openxmlformats.org/presentationml/2006/main">
+  <p:cSld>
+    <p:spTree>
+      <p:nvGrpSpPr>
+        <p:cNvPr id="1" name=""/>
+        <p:cNvGrpSpPr/>
+        <p:nvPr/>
+      </p:nvGrpSpPr>
+      <p:grpSpPr>
+        <a:xfrm>
+          <a:off x="0" y="0"/>
+          <a:ext cx="0" cy="0"/>
+          <a:chOff x="0" y="0"/>
+          <a:chExt cx="0" cy="0"/>
+        </a:xfrm>
+      </p:grpSpPr>
+      <p:sp>
+        <p:nvSpPr>
+          <p:cNvPr id="4" name="TextBox 3"/>
+          <p:cNvSpPr txBox="1"/>
+          <p:nvPr/>
+        </p:nvSpPr>
+        <p:spPr>
+          <a:xfrm>
+            <a:off x="467544" y="332656"/>
+            <a:ext cx="7200800" cy="662554"/>
+          </a:xfrm>
+          <a:prstGeom prst="rect">
+            <a:avLst/>
+          </a:prstGeom>
+          <a:noFill/>
+        </p:spPr>
+        <p:txBody>
+          <a:bodyPr wrap="square" rtlCol="0">
+            <a:spAutoFit/>
+          </a:bodyPr>
+          <a:lstStyle/>
+          <a:p>
+            <a:pPr>
+              <a:lnSpc>
+                <a:spcPct val="150000"/>
+              </a:lnSpc>
+            </a:pPr>
+            <a:r>
+              <a:rPr lang="zh-CN" altLang="en-US" sz="2800" dirty="0" smtClean="0">
+                <a:solidFill>
+                  <a:schemeClr val="tx1">
+                    <a:lumMod val="75000"/>
+                    <a:lumOff val="25000"/>
+                  </a:schemeClr>
+                </a:solidFill>
+                <a:latin typeface="微软雅黑" pitchFamily="34" charset="-122"/>
+                <a:ea typeface="微软雅黑" pitchFamily="34" charset="-122"/>
+              </a:rPr>
+              <a:t>与表达式</a:t>
+            </a:r>
+            <a:endParaRPr lang="zh-CN" altLang="en-US" sz="2800" dirty="0">
+              <a:solidFill>
+                <a:schemeClr val="tx1">
+                  <a:lumMod val="75000"/>
+                  <a:lumOff val="25000"/>
+                </a:schemeClr>
+              </a:solidFill>
+              <a:latin typeface="微软雅黑" pitchFamily="34" charset="-122"/>
+              <a:ea typeface="微软雅黑" pitchFamily="34" charset="-122"/>
+            </a:endParaRPr>
+          </a:p>
+        </p:txBody>
+      </p:sp>
+      <p:sp>
+        <p:nvSpPr>
+          <p:cNvPr id="10" name="TextBox 9"/>
+          <p:cNvSpPr txBox="1"/>
+          <p:nvPr/>
+        </p:nvSpPr>
+        <p:spPr>
+          <a:xfrm>
+            <a:off x="323528" y="1250147"/>
+            <a:ext cx="8568952" cy="5078313"/>
+          </a:xfrm>
+          <a:prstGeom prst="rect">
+            <a:avLst/>
+          </a:prstGeom>
+          <a:noFill/>
+        </p:spPr>
+        <p:txBody>
+          <a:bodyPr wrap="square" rtlCol="0">
+            <a:spAutoFit/>
+          </a:bodyPr>
+          <a:lstStyle/>
+          <a:p>
+            <a:pPr>
+              <a:lnSpc>
+                <a:spcPct val="150000"/>
+              </a:lnSpc>
+            </a:pPr>
+            <a:r>
+              <a:rPr lang="zh-CN" altLang="en-US" dirty="0" smtClean="0">
+                <a:solidFill>
+                  <a:schemeClr val="tx1">
+                    <a:lumMod val="75000"/>
+                    <a:lumOff val="25000"/>
+                  </a:schemeClr>
+                </a:solidFill>
+                <a:latin typeface="微软雅黑" pitchFamily="34" charset="-122"/>
+                <a:ea typeface="微软雅黑" pitchFamily="34" charset="-122"/>
+              </a:rPr>
+              <a:t>“与”表达式（</a:t>
+            </a:r>
+            <a:r>
+              <a:rPr lang="en-US" altLang="zh-CN" dirty="0" smtClean="0">
+                <a:solidFill>
+                  <a:schemeClr val="tx1">
+                    <a:lumMod val="75000"/>
+                    <a:lumOff val="25000"/>
+                  </a:schemeClr>
+                </a:solidFill>
+                <a:latin typeface="微软雅黑" pitchFamily="34" charset="-122"/>
+                <a:ea typeface="微软雅黑" pitchFamily="34" charset="-122"/>
+              </a:rPr>
+              <a:t>&amp;&amp;</a:t>
+            </a:r>
+            <a:r>
+              <a:rPr lang="zh-CN" altLang="en-US" dirty="0" smtClean="0">
+                <a:solidFill>
+                  <a:schemeClr val="tx1">
+                    <a:lumMod val="75000"/>
+                    <a:lumOff val="25000"/>
+                  </a:schemeClr>
+                </a:solidFill>
+                <a:latin typeface="微软雅黑" pitchFamily="34" charset="-122"/>
+                <a:ea typeface="微软雅黑" pitchFamily="34" charset="-122"/>
+              </a:rPr>
+              <a:t>），准确的说是“逻辑与”表达式，形式为： </a:t>
+            </a:r>
+            <a:r>
+              <a:rPr lang="en-US" altLang="zh-CN" dirty="0" smtClean="0">
+                <a:solidFill>
+                  <a:schemeClr val="tx1">
+                    <a:lumMod val="75000"/>
+                    <a:lumOff val="25000"/>
+                  </a:schemeClr>
+                </a:solidFill>
+                <a:latin typeface="微软雅黑" pitchFamily="34" charset="-122"/>
+                <a:ea typeface="微软雅黑" pitchFamily="34" charset="-122"/>
+              </a:rPr>
+              <a:t>A &amp;&amp; B &amp;&amp; C</a:t>
+            </a:r>
+            <a:r>
+              <a:rPr lang="zh-CN" altLang="en-US" dirty="0" smtClean="0">
+                <a:solidFill>
+                  <a:schemeClr val="tx1">
+                    <a:lumMod val="75000"/>
+                    <a:lumOff val="25000"/>
+                  </a:schemeClr>
+                </a:solidFill>
+                <a:latin typeface="微软雅黑" pitchFamily="34" charset="-122"/>
+                <a:ea typeface="微软雅黑" pitchFamily="34" charset="-122"/>
+              </a:rPr>
+              <a:t>。</a:t>
+            </a:r>
+            <a:endParaRPr lang="en-US" altLang="zh-CN" dirty="0" smtClean="0">
+              <a:solidFill>
+                <a:schemeClr val="tx1">
+                  <a:lumMod val="75000"/>
+                  <a:lumOff val="25000"/>
+                </a:schemeClr>
+              </a:solidFill>
+              <a:latin typeface="微软雅黑" pitchFamily="34" charset="-122"/>
+              <a:ea typeface="微软雅黑" pitchFamily="34" charset="-122"/>
+            </a:endParaRPr>
+          </a:p>
+          <a:p>
+            <a:pPr>
+              <a:lnSpc>
+                <a:spcPct val="150000"/>
+              </a:lnSpc>
+            </a:pPr>
+            <a:r>
+              <a:rPr lang="zh-CN" altLang="en-US" dirty="0" smtClean="0">
+                <a:solidFill>
+                  <a:schemeClr val="tx1">
+                    <a:lumMod val="75000"/>
+                    <a:lumOff val="25000"/>
+                  </a:schemeClr>
+                </a:solidFill>
+                <a:latin typeface="微软雅黑" pitchFamily="34" charset="-122"/>
+                <a:ea typeface="微软雅黑" pitchFamily="34" charset="-122"/>
+              </a:rPr>
+              <a:t>其中</a:t>
+            </a:r>
+            <a:r>
+              <a:rPr lang="en-US" altLang="zh-CN" dirty="0" smtClean="0">
+                <a:solidFill>
+                  <a:schemeClr val="tx1">
+                    <a:lumMod val="75000"/>
+                    <a:lumOff val="25000"/>
+                  </a:schemeClr>
+                </a:solidFill>
+                <a:latin typeface="微软雅黑" pitchFamily="34" charset="-122"/>
+                <a:ea typeface="微软雅黑" pitchFamily="34" charset="-122"/>
+              </a:rPr>
+              <a:t>A</a:t>
+            </a:r>
+            <a:r>
+              <a:rPr lang="zh-CN" altLang="en-US" dirty="0" smtClean="0">
+                <a:solidFill>
+                  <a:schemeClr val="tx1">
+                    <a:lumMod val="75000"/>
+                    <a:lumOff val="25000"/>
+                  </a:schemeClr>
+                </a:solidFill>
+                <a:latin typeface="微软雅黑" pitchFamily="34" charset="-122"/>
+                <a:ea typeface="微软雅黑" pitchFamily="34" charset="-122"/>
+              </a:rPr>
+              <a:t>，</a:t>
+            </a:r>
+            <a:r>
+              <a:rPr lang="en-US" altLang="zh-CN" dirty="0" smtClean="0">
+                <a:solidFill>
+                  <a:schemeClr val="tx1">
+                    <a:lumMod val="75000"/>
+                    <a:lumOff val="25000"/>
+                  </a:schemeClr>
+                </a:solidFill>
+                <a:latin typeface="微软雅黑" pitchFamily="34" charset="-122"/>
+                <a:ea typeface="微软雅黑" pitchFamily="34" charset="-122"/>
+              </a:rPr>
+              <a:t>B</a:t>
+            </a:r>
+            <a:r>
+              <a:rPr lang="zh-CN" altLang="en-US" dirty="0" smtClean="0">
+                <a:solidFill>
+                  <a:schemeClr val="tx1">
+                    <a:lumMod val="75000"/>
+                    <a:lumOff val="25000"/>
+                  </a:schemeClr>
+                </a:solidFill>
+                <a:latin typeface="微软雅黑" pitchFamily="34" charset="-122"/>
+                <a:ea typeface="微软雅黑" pitchFamily="34" charset="-122"/>
+              </a:rPr>
+              <a:t>，</a:t>
+            </a:r>
+            <a:r>
+              <a:rPr lang="en-US" altLang="zh-CN" dirty="0" smtClean="0">
+                <a:solidFill>
+                  <a:schemeClr val="tx1">
+                    <a:lumMod val="75000"/>
+                    <a:lumOff val="25000"/>
+                  </a:schemeClr>
+                </a:solidFill>
+                <a:latin typeface="微软雅黑" pitchFamily="34" charset="-122"/>
+                <a:ea typeface="微软雅黑" pitchFamily="34" charset="-122"/>
+              </a:rPr>
+              <a:t>C</a:t>
+            </a:r>
+            <a:r>
+              <a:rPr lang="zh-CN" altLang="en-US" dirty="0" smtClean="0">
+                <a:solidFill>
+                  <a:schemeClr val="tx1">
+                    <a:lumMod val="75000"/>
+                    <a:lumOff val="25000"/>
+                  </a:schemeClr>
+                </a:solidFill>
+                <a:latin typeface="微软雅黑" pitchFamily="34" charset="-122"/>
+                <a:ea typeface="微软雅黑" pitchFamily="34" charset="-122"/>
+              </a:rPr>
+              <a:t>为子表达式，子表达式数目不限，只有所有的子表达式都为</a:t>
+            </a:r>
+            <a:r>
+              <a:rPr lang="en-US" altLang="zh-CN" dirty="0" smtClean="0">
+                <a:solidFill>
+                  <a:schemeClr val="tx1">
+                    <a:lumMod val="75000"/>
+                    <a:lumOff val="25000"/>
+                  </a:schemeClr>
+                </a:solidFill>
+                <a:latin typeface="微软雅黑" pitchFamily="34" charset="-122"/>
+                <a:ea typeface="微软雅黑" pitchFamily="34" charset="-122"/>
+              </a:rPr>
+              <a:t>true</a:t>
+            </a:r>
+            <a:r>
+              <a:rPr lang="zh-CN" altLang="en-US" dirty="0" smtClean="0">
+                <a:solidFill>
+                  <a:schemeClr val="tx1">
+                    <a:lumMod val="75000"/>
+                    <a:lumOff val="25000"/>
+                  </a:schemeClr>
+                </a:solidFill>
+                <a:latin typeface="微软雅黑" pitchFamily="34" charset="-122"/>
+                <a:ea typeface="微软雅黑" pitchFamily="34" charset="-122"/>
+              </a:rPr>
+              <a:t>，整个表达式的值才为</a:t>
+            </a:r>
+            <a:r>
+              <a:rPr lang="en-US" altLang="zh-CN" dirty="0" smtClean="0">
+                <a:solidFill>
+                  <a:schemeClr val="tx1">
+                    <a:lumMod val="75000"/>
+                    <a:lumOff val="25000"/>
+                  </a:schemeClr>
+                </a:solidFill>
+                <a:latin typeface="微软雅黑" pitchFamily="34" charset="-122"/>
+                <a:ea typeface="微软雅黑" pitchFamily="34" charset="-122"/>
+              </a:rPr>
+              <a:t>true.</a:t>
+            </a:r>
+          </a:p>
+          <a:p>
+            <a:pPr>
+              <a:lnSpc>
+                <a:spcPct val="150000"/>
+              </a:lnSpc>
+            </a:pPr>
+            <a:r>
+              <a:rPr lang="zh-CN" altLang="en-US" dirty="0" smtClean="0">
+                <a:solidFill>
+                  <a:schemeClr val="tx1">
+                    <a:lumMod val="75000"/>
+                    <a:lumOff val="25000"/>
+                  </a:schemeClr>
+                </a:solidFill>
+                <a:latin typeface="微软雅黑" pitchFamily="34" charset="-122"/>
+                <a:ea typeface="微软雅黑" pitchFamily="34" charset="-122"/>
+              </a:rPr>
+              <a:t>判断为</a:t>
+            </a:r>
+            <a:r>
+              <a:rPr lang="en-US" altLang="zh-CN" dirty="0" smtClean="0">
+                <a:solidFill>
+                  <a:schemeClr val="tx1">
+                    <a:lumMod val="75000"/>
+                    <a:lumOff val="25000"/>
+                  </a:schemeClr>
+                </a:solidFill>
+                <a:latin typeface="微软雅黑" pitchFamily="34" charset="-122"/>
+                <a:ea typeface="微软雅黑" pitchFamily="34" charset="-122"/>
+              </a:rPr>
+              <a:t>true</a:t>
+            </a:r>
+            <a:r>
+              <a:rPr lang="zh-CN" altLang="en-US" dirty="0" smtClean="0">
+                <a:solidFill>
+                  <a:schemeClr val="tx1">
+                    <a:lumMod val="75000"/>
+                    <a:lumOff val="25000"/>
+                  </a:schemeClr>
+                </a:solidFill>
+                <a:latin typeface="微软雅黑" pitchFamily="34" charset="-122"/>
+                <a:ea typeface="微软雅黑" pitchFamily="34" charset="-122"/>
+              </a:rPr>
+              <a:t>的常见类型：</a:t>
+            </a:r>
+            <a:endParaRPr lang="en-US" altLang="zh-CN" dirty="0" smtClean="0">
+              <a:solidFill>
+                <a:schemeClr val="tx1">
+                  <a:lumMod val="75000"/>
+                  <a:lumOff val="25000"/>
+                </a:schemeClr>
+              </a:solidFill>
+              <a:latin typeface="微软雅黑" pitchFamily="34" charset="-122"/>
+              <a:ea typeface="微软雅黑" pitchFamily="34" charset="-122"/>
+            </a:endParaRPr>
+          </a:p>
+          <a:p>
+            <a:pPr>
+              <a:lnSpc>
+                <a:spcPct val="150000"/>
+              </a:lnSpc>
+            </a:pPr>
+            <a:r>
+              <a:rPr lang="en-US" altLang="zh-CN" dirty="0">
+                <a:solidFill>
+                  <a:schemeClr val="tx1">
+                    <a:lumMod val="75000"/>
+                    <a:lumOff val="25000"/>
+                  </a:schemeClr>
+                </a:solidFill>
+                <a:latin typeface="微软雅黑" pitchFamily="34" charset="-122"/>
+                <a:ea typeface="微软雅黑" pitchFamily="34" charset="-122"/>
+              </a:rPr>
+              <a:t>	</a:t>
+            </a:r>
+            <a:r>
+              <a:rPr lang="zh-CN" altLang="en-US" dirty="0" smtClean="0">
+                <a:solidFill>
+                  <a:schemeClr val="tx1">
+                    <a:lumMod val="75000"/>
+                    <a:lumOff val="25000"/>
+                  </a:schemeClr>
+                </a:solidFill>
+                <a:latin typeface="微软雅黑" pitchFamily="34" charset="-122"/>
+                <a:ea typeface="微软雅黑" pitchFamily="34" charset="-122"/>
+              </a:rPr>
+              <a:t>布尔值</a:t>
+            </a:r>
+            <a:r>
+              <a:rPr lang="en-US" altLang="zh-CN" dirty="0" smtClean="0">
+                <a:solidFill>
+                  <a:schemeClr val="tx1">
+                    <a:lumMod val="75000"/>
+                    <a:lumOff val="25000"/>
+                  </a:schemeClr>
+                </a:solidFill>
+                <a:latin typeface="微软雅黑" pitchFamily="34" charset="-122"/>
+                <a:ea typeface="微软雅黑" pitchFamily="34" charset="-122"/>
+              </a:rPr>
+              <a:t>true</a:t>
+            </a:r>
+            <a:r>
+              <a:rPr lang="zh-CN" altLang="en-US" dirty="0" smtClean="0">
+                <a:solidFill>
+                  <a:schemeClr val="tx1">
+                    <a:lumMod val="75000"/>
+                    <a:lumOff val="25000"/>
+                  </a:schemeClr>
+                </a:solidFill>
+                <a:latin typeface="微软雅黑" pitchFamily="34" charset="-122"/>
+                <a:ea typeface="微软雅黑" pitchFamily="34" charset="-122"/>
+              </a:rPr>
+              <a:t>，非零数值，对象，字符串</a:t>
+            </a:r>
+            <a:endParaRPr lang="en-US" altLang="zh-CN" dirty="0" smtClean="0">
+              <a:solidFill>
+                <a:schemeClr val="tx1">
+                  <a:lumMod val="75000"/>
+                  <a:lumOff val="25000"/>
+                </a:schemeClr>
+              </a:solidFill>
+              <a:latin typeface="微软雅黑" pitchFamily="34" charset="-122"/>
+              <a:ea typeface="微软雅黑" pitchFamily="34" charset="-122"/>
+            </a:endParaRPr>
+          </a:p>
+          <a:p>
+            <a:pPr>
+              <a:lnSpc>
+                <a:spcPct val="150000"/>
+              </a:lnSpc>
+            </a:pPr>
+            <a:r>
+              <a:rPr lang="zh-CN" altLang="en-US" dirty="0">
+                <a:solidFill>
+                  <a:schemeClr val="tx1">
+                    <a:lumMod val="75000"/>
+                    <a:lumOff val="25000"/>
+                  </a:schemeClr>
+                </a:solidFill>
+                <a:latin typeface="微软雅黑" pitchFamily="34" charset="-122"/>
+                <a:ea typeface="微软雅黑" pitchFamily="34" charset="-122"/>
+              </a:rPr>
+              <a:t>判断</a:t>
+            </a:r>
+            <a:r>
+              <a:rPr lang="zh-CN" altLang="en-US" dirty="0" smtClean="0">
+                <a:solidFill>
+                  <a:schemeClr val="tx1">
+                    <a:lumMod val="75000"/>
+                    <a:lumOff val="25000"/>
+                  </a:schemeClr>
+                </a:solidFill>
+                <a:latin typeface="微软雅黑" pitchFamily="34" charset="-122"/>
+                <a:ea typeface="微软雅黑" pitchFamily="34" charset="-122"/>
+              </a:rPr>
+              <a:t>为</a:t>
+            </a:r>
+            <a:r>
+              <a:rPr lang="en-US" altLang="zh-CN" dirty="0" smtClean="0">
+                <a:solidFill>
+                  <a:schemeClr val="tx1">
+                    <a:lumMod val="75000"/>
+                    <a:lumOff val="25000"/>
+                  </a:schemeClr>
+                </a:solidFill>
+                <a:latin typeface="微软雅黑" pitchFamily="34" charset="-122"/>
+                <a:ea typeface="微软雅黑" pitchFamily="34" charset="-122"/>
+              </a:rPr>
+              <a:t>false</a:t>
+            </a:r>
+            <a:r>
+              <a:rPr lang="zh-CN" altLang="en-US" dirty="0" smtClean="0">
+                <a:solidFill>
+                  <a:schemeClr val="tx1">
+                    <a:lumMod val="75000"/>
+                    <a:lumOff val="25000"/>
+                  </a:schemeClr>
+                </a:solidFill>
+                <a:latin typeface="微软雅黑" pitchFamily="34" charset="-122"/>
+                <a:ea typeface="微软雅黑" pitchFamily="34" charset="-122"/>
+              </a:rPr>
+              <a:t>的常见类型：</a:t>
+            </a:r>
+            <a:endParaRPr lang="en-US" altLang="zh-CN" dirty="0" smtClean="0">
+              <a:solidFill>
+                <a:schemeClr val="tx1">
+                  <a:lumMod val="75000"/>
+                  <a:lumOff val="25000"/>
+                </a:schemeClr>
+              </a:solidFill>
+              <a:latin typeface="微软雅黑" pitchFamily="34" charset="-122"/>
+              <a:ea typeface="微软雅黑" pitchFamily="34" charset="-122"/>
+            </a:endParaRPr>
+          </a:p>
+          <a:p>
+            <a:pPr>
+              <a:lnSpc>
+                <a:spcPct val="150000"/>
+              </a:lnSpc>
+            </a:pPr>
+            <a:r>
+              <a:rPr lang="en-US" altLang="zh-CN" dirty="0">
+                <a:solidFill>
+                  <a:schemeClr val="tx1">
+                    <a:lumMod val="75000"/>
+                    <a:lumOff val="25000"/>
+                  </a:schemeClr>
+                </a:solidFill>
+                <a:latin typeface="微软雅黑" pitchFamily="34" charset="-122"/>
+                <a:ea typeface="微软雅黑" pitchFamily="34" charset="-122"/>
+              </a:rPr>
+              <a:t>	</a:t>
+            </a:r>
+            <a:r>
+              <a:rPr lang="zh-CN" altLang="en-US" dirty="0" smtClean="0">
+                <a:solidFill>
+                  <a:schemeClr val="tx1">
+                    <a:lumMod val="75000"/>
+                    <a:lumOff val="25000"/>
+                  </a:schemeClr>
+                </a:solidFill>
+                <a:latin typeface="微软雅黑" pitchFamily="34" charset="-122"/>
+                <a:ea typeface="微软雅黑" pitchFamily="34" charset="-122"/>
+              </a:rPr>
+              <a:t>布尔值</a:t>
+            </a:r>
+            <a:r>
+              <a:rPr lang="en-US" altLang="zh-CN" dirty="0" smtClean="0">
+                <a:solidFill>
+                  <a:schemeClr val="tx1">
+                    <a:lumMod val="75000"/>
+                    <a:lumOff val="25000"/>
+                  </a:schemeClr>
+                </a:solidFill>
+                <a:latin typeface="微软雅黑" pitchFamily="34" charset="-122"/>
+                <a:ea typeface="微软雅黑" pitchFamily="34" charset="-122"/>
+              </a:rPr>
+              <a:t>false</a:t>
+            </a:r>
+            <a:r>
+              <a:rPr lang="zh-CN" altLang="en-US" dirty="0" smtClean="0">
+                <a:solidFill>
+                  <a:schemeClr val="tx1">
+                    <a:lumMod val="75000"/>
+                    <a:lumOff val="25000"/>
+                  </a:schemeClr>
+                </a:solidFill>
+                <a:latin typeface="微软雅黑" pitchFamily="34" charset="-122"/>
+                <a:ea typeface="微软雅黑" pitchFamily="34" charset="-122"/>
+              </a:rPr>
+              <a:t>，数值</a:t>
+            </a:r>
+            <a:r>
+              <a:rPr lang="en-US" altLang="zh-CN" dirty="0" smtClean="0">
+                <a:solidFill>
+                  <a:schemeClr val="tx1">
+                    <a:lumMod val="75000"/>
+                    <a:lumOff val="25000"/>
+                  </a:schemeClr>
+                </a:solidFill>
+                <a:latin typeface="微软雅黑" pitchFamily="34" charset="-122"/>
+                <a:ea typeface="微软雅黑" pitchFamily="34" charset="-122"/>
+              </a:rPr>
+              <a:t>0</a:t>
+            </a:r>
+            <a:r>
+              <a:rPr lang="zh-CN" altLang="en-US" dirty="0" smtClean="0">
+                <a:solidFill>
+                  <a:schemeClr val="tx1">
+                    <a:lumMod val="75000"/>
+                    <a:lumOff val="25000"/>
+                  </a:schemeClr>
+                </a:solidFill>
+                <a:latin typeface="微软雅黑" pitchFamily="34" charset="-122"/>
+                <a:ea typeface="微软雅黑" pitchFamily="34" charset="-122"/>
+              </a:rPr>
+              <a:t>，</a:t>
+            </a:r>
+            <a:r>
+              <a:rPr lang="zh-CN" altLang="en-US" dirty="0">
+                <a:solidFill>
+                  <a:schemeClr val="tx1">
+                    <a:lumMod val="75000"/>
+                    <a:lumOff val="25000"/>
+                  </a:schemeClr>
+                </a:solidFill>
+                <a:latin typeface="微软雅黑" pitchFamily="34" charset="-122"/>
+                <a:ea typeface="微软雅黑" pitchFamily="34" charset="-122"/>
+              </a:rPr>
+              <a:t>空</a:t>
+            </a:r>
+            <a:r>
+              <a:rPr lang="zh-CN" altLang="en-US" dirty="0" smtClean="0">
+                <a:solidFill>
+                  <a:schemeClr val="tx1">
+                    <a:lumMod val="75000"/>
+                    <a:lumOff val="25000"/>
+                  </a:schemeClr>
+                </a:solidFill>
+                <a:latin typeface="微软雅黑" pitchFamily="34" charset="-122"/>
+                <a:ea typeface="微软雅黑" pitchFamily="34" charset="-122"/>
+              </a:rPr>
+              <a:t>对象（</a:t>
+            </a:r>
+            <a:r>
+              <a:rPr lang="en-US" altLang="zh-CN" dirty="0" smtClean="0">
+                <a:solidFill>
+                  <a:schemeClr val="tx1">
+                    <a:lumMod val="75000"/>
+                    <a:lumOff val="25000"/>
+                  </a:schemeClr>
+                </a:solidFill>
+                <a:latin typeface="微软雅黑" pitchFamily="34" charset="-122"/>
+                <a:ea typeface="微软雅黑" pitchFamily="34" charset="-122"/>
+              </a:rPr>
+              <a:t>null)</a:t>
+            </a:r>
+            <a:r>
+              <a:rPr lang="zh-CN" altLang="en-US" dirty="0" smtClean="0">
+                <a:solidFill>
+                  <a:schemeClr val="tx1">
+                    <a:lumMod val="75000"/>
+                    <a:lumOff val="25000"/>
+                  </a:schemeClr>
+                </a:solidFill>
+                <a:latin typeface="微软雅黑" pitchFamily="34" charset="-122"/>
+                <a:ea typeface="微软雅黑" pitchFamily="34" charset="-122"/>
+              </a:rPr>
+              <a:t>，未定义变量（</a:t>
+            </a:r>
+            <a:r>
+              <a:rPr lang="en-US" altLang="zh-CN" dirty="0" err="1" smtClean="0">
+                <a:solidFill>
+                  <a:schemeClr val="tx1">
+                    <a:lumMod val="75000"/>
+                    <a:lumOff val="25000"/>
+                  </a:schemeClr>
+                </a:solidFill>
+                <a:latin typeface="微软雅黑" pitchFamily="34" charset="-122"/>
+                <a:ea typeface="微软雅黑" pitchFamily="34" charset="-122"/>
+              </a:rPr>
+              <a:t>undefine</a:t>
+            </a:r>
+            <a:r>
+              <a:rPr lang="en-US" altLang="zh-CN" dirty="0" smtClean="0">
+                <a:solidFill>
+                  <a:schemeClr val="tx1">
+                    <a:lumMod val="75000"/>
+                    <a:lumOff val="25000"/>
+                  </a:schemeClr>
+                </a:solidFill>
+                <a:latin typeface="微软雅黑" pitchFamily="34" charset="-122"/>
+                <a:ea typeface="微软雅黑" pitchFamily="34" charset="-122"/>
+              </a:rPr>
+              <a:t>)</a:t>
+            </a:r>
+          </a:p>
+          <a:p>
+            <a:pPr>
+              <a:lnSpc>
+                <a:spcPct val="150000"/>
+              </a:lnSpc>
+            </a:pPr>
+            <a:r>
+              <a:rPr lang="zh-CN" altLang="en-US" dirty="0" smtClean="0">
+                <a:solidFill>
+                  <a:schemeClr val="tx1">
+                    <a:lumMod val="75000"/>
+                    <a:lumOff val="25000"/>
+                  </a:schemeClr>
+                </a:solidFill>
+                <a:latin typeface="微软雅黑" pitchFamily="34" charset="-122"/>
+                <a:ea typeface="微软雅黑" pitchFamily="34" charset="-122"/>
+              </a:rPr>
+              <a:t>与表达式是可以赋值给给其他变量的，它的值的分两种情况：</a:t>
+            </a:r>
+            <a:endParaRPr lang="en-US" altLang="zh-CN" dirty="0" smtClean="0">
+              <a:solidFill>
+                <a:schemeClr val="tx1">
+                  <a:lumMod val="75000"/>
+                  <a:lumOff val="25000"/>
+                </a:schemeClr>
+              </a:solidFill>
+              <a:latin typeface="微软雅黑" pitchFamily="34" charset="-122"/>
+              <a:ea typeface="微软雅黑" pitchFamily="34" charset="-122"/>
+            </a:endParaRPr>
+          </a:p>
+          <a:p>
+            <a:pPr marL="285750" indent="-285750">
+              <a:lnSpc>
+                <a:spcPct val="150000"/>
+              </a:lnSpc>
+              <a:buFont typeface="Arial" pitchFamily="34" charset="0"/>
+              <a:buChar char="•"/>
+            </a:pPr>
+            <a:r>
+              <a:rPr lang="zh-CN" altLang="en-US" dirty="0" smtClean="0">
+                <a:solidFill>
+                  <a:schemeClr val="tx1">
+                    <a:lumMod val="75000"/>
+                    <a:lumOff val="25000"/>
+                  </a:schemeClr>
+                </a:solidFill>
+                <a:latin typeface="微软雅黑" pitchFamily="34" charset="-122"/>
+                <a:ea typeface="微软雅黑" pitchFamily="34" charset="-122"/>
+              </a:rPr>
+              <a:t>如果整个表达式的值为</a:t>
+            </a:r>
+            <a:r>
+              <a:rPr lang="en-US" altLang="zh-CN" b="1" dirty="0" smtClean="0">
+                <a:solidFill>
+                  <a:schemeClr val="tx1">
+                    <a:lumMod val="75000"/>
+                    <a:lumOff val="25000"/>
+                  </a:schemeClr>
+                </a:solidFill>
+                <a:latin typeface="微软雅黑" pitchFamily="34" charset="-122"/>
+                <a:ea typeface="微软雅黑" pitchFamily="34" charset="-122"/>
+              </a:rPr>
+              <a:t>true</a:t>
+            </a:r>
+            <a:r>
+              <a:rPr lang="zh-CN" altLang="en-US" dirty="0" smtClean="0">
+                <a:solidFill>
+                  <a:schemeClr val="tx1">
+                    <a:lumMod val="75000"/>
+                    <a:lumOff val="25000"/>
+                  </a:schemeClr>
+                </a:solidFill>
+                <a:latin typeface="微软雅黑" pitchFamily="34" charset="-122"/>
+                <a:ea typeface="微软雅黑" pitchFamily="34" charset="-122"/>
+              </a:rPr>
+              <a:t>，则整个表达式的值，是</a:t>
+            </a:r>
+            <a:r>
+              <a:rPr lang="zh-CN" altLang="en-US" dirty="0" smtClean="0">
+                <a:solidFill>
+                  <a:srgbClr val="FF0000"/>
+                </a:solidFill>
+                <a:latin typeface="微软雅黑" pitchFamily="34" charset="-122"/>
+                <a:ea typeface="微软雅黑" pitchFamily="34" charset="-122"/>
+              </a:rPr>
+              <a:t>最后一个为</a:t>
+            </a:r>
+            <a:r>
+              <a:rPr lang="en-US" altLang="zh-CN" b="1" dirty="0" smtClean="0">
+                <a:solidFill>
+                  <a:srgbClr val="FF0000"/>
+                </a:solidFill>
+                <a:latin typeface="微软雅黑" pitchFamily="34" charset="-122"/>
+                <a:ea typeface="微软雅黑" pitchFamily="34" charset="-122"/>
+              </a:rPr>
+              <a:t>true</a:t>
+            </a:r>
+            <a:r>
+              <a:rPr lang="zh-CN" altLang="en-US" dirty="0" smtClean="0">
+                <a:solidFill>
+                  <a:srgbClr val="FF0000"/>
+                </a:solidFill>
+                <a:latin typeface="微软雅黑" pitchFamily="34" charset="-122"/>
+                <a:ea typeface="微软雅黑" pitchFamily="34" charset="-122"/>
+              </a:rPr>
+              <a:t>的，子表达式的值</a:t>
+            </a:r>
+            <a:r>
+              <a:rPr lang="zh-CN" altLang="en-US" dirty="0" smtClean="0">
+                <a:solidFill>
+                  <a:schemeClr val="tx1">
+                    <a:lumMod val="75000"/>
+                    <a:lumOff val="25000"/>
+                  </a:schemeClr>
+                </a:solidFill>
+                <a:latin typeface="微软雅黑" pitchFamily="34" charset="-122"/>
+                <a:ea typeface="微软雅黑" pitchFamily="34" charset="-122"/>
+              </a:rPr>
+              <a:t>；</a:t>
+            </a:r>
+            <a:endParaRPr lang="en-US" altLang="zh-CN" dirty="0" smtClean="0">
+              <a:solidFill>
+                <a:schemeClr val="tx1">
+                  <a:lumMod val="75000"/>
+                  <a:lumOff val="25000"/>
+                </a:schemeClr>
+              </a:solidFill>
+              <a:latin typeface="微软雅黑" pitchFamily="34" charset="-122"/>
+              <a:ea typeface="微软雅黑" pitchFamily="34" charset="-122"/>
+            </a:endParaRPr>
+          </a:p>
+          <a:p>
+            <a:pPr marL="285750" indent="-285750">
+              <a:lnSpc>
+                <a:spcPct val="150000"/>
+              </a:lnSpc>
+              <a:buFont typeface="Arial" pitchFamily="34" charset="0"/>
+              <a:buChar char="•"/>
+            </a:pPr>
+            <a:r>
+              <a:rPr lang="zh-CN" altLang="en-US" dirty="0" smtClean="0">
+                <a:solidFill>
+                  <a:schemeClr val="tx1">
+                    <a:lumMod val="75000"/>
+                    <a:lumOff val="25000"/>
+                  </a:schemeClr>
+                </a:solidFill>
+                <a:latin typeface="微软雅黑" pitchFamily="34" charset="-122"/>
+                <a:ea typeface="微软雅黑" pitchFamily="34" charset="-122"/>
+              </a:rPr>
+              <a:t>如果表达式的值为</a:t>
+            </a:r>
+            <a:r>
+              <a:rPr lang="en-US" altLang="zh-CN" b="1" dirty="0" smtClean="0">
+                <a:solidFill>
+                  <a:schemeClr val="tx1">
+                    <a:lumMod val="75000"/>
+                    <a:lumOff val="25000"/>
+                  </a:schemeClr>
+                </a:solidFill>
+                <a:latin typeface="微软雅黑" pitchFamily="34" charset="-122"/>
+                <a:ea typeface="微软雅黑" pitchFamily="34" charset="-122"/>
+              </a:rPr>
+              <a:t>false</a:t>
+            </a:r>
+            <a:r>
+              <a:rPr lang="zh-CN" altLang="en-US" dirty="0">
+                <a:solidFill>
+                  <a:schemeClr val="tx1">
+                    <a:lumMod val="75000"/>
+                    <a:lumOff val="25000"/>
+                  </a:schemeClr>
+                </a:solidFill>
+                <a:latin typeface="微软雅黑" pitchFamily="34" charset="-122"/>
+                <a:ea typeface="微软雅黑" pitchFamily="34" charset="-122"/>
+              </a:rPr>
+              <a:t>，</a:t>
+            </a:r>
+            <a:r>
+              <a:rPr lang="zh-CN" altLang="en-US" dirty="0" smtClean="0">
+                <a:solidFill>
+                  <a:schemeClr val="tx1">
+                    <a:lumMod val="75000"/>
+                    <a:lumOff val="25000"/>
+                  </a:schemeClr>
+                </a:solidFill>
+                <a:latin typeface="微软雅黑" pitchFamily="34" charset="-122"/>
+                <a:ea typeface="微软雅黑" pitchFamily="34" charset="-122"/>
+              </a:rPr>
+              <a:t>则整个表达式的值，为</a:t>
+            </a:r>
+            <a:r>
+              <a:rPr lang="zh-CN" altLang="en-US" dirty="0" smtClean="0">
+                <a:solidFill>
+                  <a:srgbClr val="FF0000"/>
+                </a:solidFill>
+                <a:latin typeface="微软雅黑" pitchFamily="34" charset="-122"/>
+                <a:ea typeface="微软雅黑" pitchFamily="34" charset="-122"/>
+              </a:rPr>
+              <a:t>第一个为</a:t>
+            </a:r>
+            <a:r>
+              <a:rPr lang="en-US" altLang="zh-CN" b="1" dirty="0" smtClean="0">
+                <a:solidFill>
+                  <a:srgbClr val="FF0000"/>
+                </a:solidFill>
+                <a:latin typeface="微软雅黑" pitchFamily="34" charset="-122"/>
+                <a:ea typeface="微软雅黑" pitchFamily="34" charset="-122"/>
+              </a:rPr>
+              <a:t>false</a:t>
+            </a:r>
+            <a:r>
+              <a:rPr lang="zh-CN" altLang="en-US" dirty="0" smtClean="0">
+                <a:solidFill>
+                  <a:srgbClr val="FF0000"/>
+                </a:solidFill>
+                <a:latin typeface="微软雅黑" pitchFamily="34" charset="-122"/>
+                <a:ea typeface="微软雅黑" pitchFamily="34" charset="-122"/>
+              </a:rPr>
+              <a:t>的子表达式的值</a:t>
+            </a:r>
+            <a:r>
+              <a:rPr lang="zh-CN" altLang="en-US" dirty="0" smtClean="0">
+                <a:solidFill>
+                  <a:schemeClr val="tx1">
+                    <a:lumMod val="75000"/>
+                    <a:lumOff val="25000"/>
+                  </a:schemeClr>
+                </a:solidFill>
+                <a:latin typeface="微软雅黑" pitchFamily="34" charset="-122"/>
+                <a:ea typeface="微软雅黑" pitchFamily="34" charset="-122"/>
+              </a:rPr>
+              <a:t>。</a:t>
+            </a:r>
+            <a:endParaRPr lang="en-US" altLang="zh-CN" dirty="0" smtClean="0">
+              <a:solidFill>
+                <a:schemeClr val="tx1">
+                  <a:lumMod val="75000"/>
+                  <a:lumOff val="25000"/>
+                </a:schemeClr>
+              </a:solidFill>
+              <a:latin typeface="微软雅黑" pitchFamily="34" charset="-122"/>
+              <a:ea typeface="微软雅黑" pitchFamily="34" charset="-122"/>
+            </a:endParaRPr>
+          </a:p>
+          <a:p>
+            <a:pPr>
+              <a:lnSpc>
+                <a:spcPct val="150000"/>
+              </a:lnSpc>
+            </a:pPr>
+            <a:r>
+              <a:rPr lang="zh-CN" altLang="en-US" dirty="0">
+                <a:solidFill>
+                  <a:schemeClr val="tx1">
+                    <a:lumMod val="75000"/>
+                    <a:lumOff val="25000"/>
+                  </a:schemeClr>
+                </a:solidFill>
+                <a:latin typeface="微软雅黑" pitchFamily="34" charset="-122"/>
+                <a:ea typeface="微软雅黑" pitchFamily="34" charset="-122"/>
+              </a:rPr>
+              <a:t>如下</a:t>
+            </a:r>
+            <a:r>
+              <a:rPr lang="zh-CN" altLang="en-US" dirty="0" smtClean="0">
+                <a:solidFill>
+                  <a:schemeClr val="tx1">
+                    <a:lumMod val="75000"/>
+                    <a:lumOff val="25000"/>
+                  </a:schemeClr>
+                </a:solidFill>
+                <a:latin typeface="微软雅黑" pitchFamily="34" charset="-122"/>
+                <a:ea typeface="微软雅黑" pitchFamily="34" charset="-122"/>
+              </a:rPr>
+              <a:t>图所示</a:t>
+            </a:r>
+            <a:endParaRPr lang="en-US" altLang="zh-CN" dirty="0">
+              <a:solidFill>
+                <a:schemeClr val="tx1">
+                  <a:lumMod val="75000"/>
+                  <a:lumOff val="25000"/>
+                </a:schemeClr>
+              </a:solidFill>
+              <a:latin typeface="微软雅黑" pitchFamily="34" charset="-122"/>
+              <a:ea typeface="微软雅黑" pitchFamily="34" charset="-122"/>
+            </a:endParaRPr>
+          </a:p>
+        </p:txBody>
+      </p:sp>
+    </p:spTree>
+    <p:extLst>
+      <p:ext uri="{BB962C8B-B14F-4D97-AF65-F5344CB8AC3E}">
+        <p14:creationId xmlns:p14="http://schemas.microsoft.com/office/powerpoint/2010/main" val="513439149"/>
+      </p:ext>
+    </p:extLst>
+  </p:cSld>
+  <p:clrMapOvr>
+    <a:masterClrMapping/>
+  </p:clrMapOvr>
+  <p:timing>
+    <p:tnLst>
+      <p:par>
+        <p:cTn id="1" dur="indefinite" restart="never" nodeType="tmRoot"/>
+      </p:par>
+    </p:tnLst>
+  </p:timing>
+</p:sld>
+</file>
+
+<file path=ppt/slides/slide14.xml><?xml version="1.0" encoding="utf-8"?>
+<p:sld xmlns:a="http://schemas.openxmlformats.org/drawingml/2006/main" xmlns:r="http://schemas.openxmlformats.org/officeDocument/2006/relationships" xmlns:p="http://schemas.openxmlformats.org/presentationml/2006/main">
+  <p:cSld>
+    <p:spTree>
+      <p:nvGrpSpPr>
+        <p:cNvPr id="1" name=""/>
+        <p:cNvGrpSpPr/>
+        <p:nvPr/>
+      </p:nvGrpSpPr>
+      <p:grpSpPr>
+        <a:xfrm>
+          <a:off x="0" y="0"/>
+          <a:ext cx="0" cy="0"/>
+          <a:chOff x="0" y="0"/>
+          <a:chExt cx="0" cy="0"/>
+        </a:xfrm>
+      </p:grpSpPr>
+      <p:pic>
+        <p:nvPicPr>
+          <p:cNvPr id="2" name="图片 1" descr="屏幕剪辑"/>
+          <p:cNvPicPr>
+            <a:picLocks noChangeAspect="1"/>
+          </p:cNvPicPr>
+          <p:nvPr/>
+        </p:nvPicPr>
+        <p:blipFill>
+          <a:blip r:embed="rId2">
+            <a:extLst>
+              <a:ext uri="{28A0092B-C50C-407E-A947-70E740481C1C}">
+                <a14:useLocalDpi xmlns:a14="http://schemas.microsoft.com/office/drawing/2010/main" val="0"/>
+              </a:ext>
+            </a:extLst>
+          </a:blip>
+          <a:stretch>
+            <a:fillRect/>
+          </a:stretch>
+        </p:blipFill>
+        <p:spPr>
+          <a:xfrm>
+            <a:off x="1691680" y="739069"/>
+            <a:ext cx="2951759" cy="3188350"/>
+          </a:xfrm>
+          <a:prstGeom prst="rect">
+            <a:avLst/>
+          </a:prstGeom>
+          <a:ln>
+            <a:noFill/>
+          </a:ln>
+          <a:effectLst>
+            <a:outerShdw blurRad="292100" dist="139700" dir="2700000" algn="tl" rotWithShape="0">
+              <a:srgbClr val="333333">
+                <a:alpha val="65000"/>
+              </a:srgbClr>
+            </a:outerShdw>
+          </a:effectLst>
+        </p:spPr>
+      </p:pic>
+      <p:sp>
+        <p:nvSpPr>
+          <p:cNvPr id="3" name="圆角矩形标注 2"/>
+          <p:cNvSpPr/>
+          <p:nvPr/>
+        </p:nvSpPr>
+        <p:spPr>
+          <a:xfrm>
+            <a:off x="4643439" y="595053"/>
+            <a:ext cx="2711686" cy="701883"/>
+          </a:xfrm>
+          <a:prstGeom prst="wedgeRoundRectCallout">
+            <a:avLst>
+              <a:gd name="adj1" fmla="val -61046"/>
+              <a:gd name="adj2" fmla="val -20824"/>
+              <a:gd name="adj3" fmla="val 16667"/>
+            </a:avLst>
+          </a:prstGeom>
+        </p:spPr>
+        <p:style>
+          <a:lnRef idx="2">
+            <a:schemeClr val="accent6"/>
+          </a:lnRef>
+          <a:fillRef idx="1">
+            <a:schemeClr val="lt1"/>
+          </a:fillRef>
+          <a:effectRef idx="0">
+            <a:schemeClr val="accent6"/>
+          </a:effectRef>
+          <a:fontRef idx="minor">
+            <a:schemeClr val="dk1"/>
+          </a:fontRef>
+        </p:style>
+        <p:txBody>
+          <a:bodyPr rtlCol="0" anchor="ctr"/>
+          <a:lstStyle/>
+          <a:p>
+            <a:pPr>
+              <a:lnSpc>
+                <a:spcPct val="150000"/>
+              </a:lnSpc>
+            </a:pPr>
+            <a:r>
+              <a:rPr lang="en-US" altLang="zh-CN" sz="1400" dirty="0" smtClean="0">
+                <a:latin typeface="微软雅黑" panose="020B0503020204020204" pitchFamily="34" charset="-122"/>
+                <a:ea typeface="微软雅黑" panose="020B0503020204020204" pitchFamily="34" charset="-122"/>
+              </a:rPr>
+              <a:t> </a:t>
+            </a:r>
+            <a:r>
+              <a:rPr lang="zh-CN" altLang="en-US" sz="1400" dirty="0" smtClean="0">
+                <a:latin typeface="微软雅黑" panose="020B0503020204020204" pitchFamily="34" charset="-122"/>
+                <a:ea typeface="微软雅黑" panose="020B0503020204020204" pitchFamily="34" charset="-122"/>
+              </a:rPr>
+              <a:t>表达整体为</a:t>
+            </a:r>
+            <a:r>
+              <a:rPr lang="en-US" altLang="zh-CN" sz="1400" dirty="0" smtClean="0">
+                <a:latin typeface="微软雅黑" panose="020B0503020204020204" pitchFamily="34" charset="-122"/>
+                <a:ea typeface="微软雅黑" panose="020B0503020204020204" pitchFamily="34" charset="-122"/>
+              </a:rPr>
+              <a:t>true</a:t>
+            </a:r>
+            <a:r>
+              <a:rPr lang="zh-CN" altLang="en-US" sz="1400" dirty="0" smtClean="0">
+                <a:latin typeface="微软雅黑" panose="020B0503020204020204" pitchFamily="34" charset="-122"/>
+                <a:ea typeface="微软雅黑" panose="020B0503020204020204" pitchFamily="34" charset="-122"/>
+              </a:rPr>
+              <a:t>，</a:t>
+            </a:r>
+            <a:r>
+              <a:rPr lang="en-US" altLang="zh-CN" sz="1400" dirty="0" smtClean="0">
+                <a:latin typeface="微软雅黑" panose="020B0503020204020204" pitchFamily="34" charset="-122"/>
+                <a:ea typeface="微软雅黑" panose="020B0503020204020204" pitchFamily="34" charset="-122"/>
+              </a:rPr>
+              <a:t>a</a:t>
+            </a:r>
+            <a:r>
+              <a:rPr lang="zh-CN" altLang="en-US" sz="1400" dirty="0" smtClean="0">
+                <a:latin typeface="微软雅黑" panose="020B0503020204020204" pitchFamily="34" charset="-122"/>
+                <a:ea typeface="微软雅黑" panose="020B0503020204020204" pitchFamily="34" charset="-122"/>
+              </a:rPr>
+              <a:t>的值是最后子表达式的值，也就是</a:t>
+            </a:r>
+            <a:r>
+              <a:rPr lang="en-US" altLang="zh-CN" sz="1400" dirty="0" smtClean="0">
+                <a:latin typeface="微软雅黑" panose="020B0503020204020204" pitchFamily="34" charset="-122"/>
+                <a:ea typeface="微软雅黑" panose="020B0503020204020204" pitchFamily="34" charset="-122"/>
+              </a:rPr>
+              <a:t>15</a:t>
+            </a:r>
+            <a:endParaRPr lang="zh-CN" altLang="en-US" sz="1400" dirty="0">
+              <a:latin typeface="微软雅黑" panose="020B0503020204020204" pitchFamily="34" charset="-122"/>
+              <a:ea typeface="微软雅黑" panose="020B0503020204020204" pitchFamily="34" charset="-122"/>
+            </a:endParaRPr>
+          </a:p>
+        </p:txBody>
+      </p:sp>
+      <p:sp>
+        <p:nvSpPr>
+          <p:cNvPr id="4" name="圆角矩形标注 3"/>
+          <p:cNvSpPr/>
+          <p:nvPr/>
+        </p:nvSpPr>
+        <p:spPr>
+          <a:xfrm>
+            <a:off x="4499993" y="1819189"/>
+            <a:ext cx="2952327" cy="701883"/>
+          </a:xfrm>
+          <a:prstGeom prst="wedgeRoundRectCallout">
+            <a:avLst>
+              <a:gd name="adj1" fmla="val -61046"/>
+              <a:gd name="adj2" fmla="val -20824"/>
+              <a:gd name="adj3" fmla="val 16667"/>
+            </a:avLst>
+          </a:prstGeom>
+        </p:spPr>
+        <p:style>
+          <a:lnRef idx="2">
+            <a:schemeClr val="accent6"/>
+          </a:lnRef>
+          <a:fillRef idx="1">
+            <a:schemeClr val="lt1"/>
+          </a:fillRef>
+          <a:effectRef idx="0">
+            <a:schemeClr val="accent6"/>
+          </a:effectRef>
+          <a:fontRef idx="minor">
+            <a:schemeClr val="dk1"/>
+          </a:fontRef>
+        </p:style>
+        <p:txBody>
+          <a:bodyPr rtlCol="0" anchor="ctr"/>
+          <a:lstStyle/>
+          <a:p>
+            <a:pPr>
+              <a:lnSpc>
+                <a:spcPct val="150000"/>
+              </a:lnSpc>
+            </a:pPr>
+            <a:r>
+              <a:rPr lang="en-US" altLang="zh-CN" sz="1400" dirty="0" smtClean="0">
+                <a:latin typeface="微软雅黑" panose="020B0503020204020204" pitchFamily="34" charset="-122"/>
+                <a:ea typeface="微软雅黑" panose="020B0503020204020204" pitchFamily="34" charset="-122"/>
+              </a:rPr>
+              <a:t> </a:t>
+            </a:r>
+            <a:r>
+              <a:rPr lang="zh-CN" altLang="en-US" sz="1400" dirty="0" smtClean="0">
+                <a:latin typeface="微软雅黑" panose="020B0503020204020204" pitchFamily="34" charset="-122"/>
+                <a:ea typeface="微软雅黑" panose="020B0503020204020204" pitchFamily="34" charset="-122"/>
+              </a:rPr>
+              <a:t>表达整体为</a:t>
+            </a:r>
+            <a:r>
+              <a:rPr lang="en-US" altLang="zh-CN" sz="1400" dirty="0" smtClean="0">
+                <a:latin typeface="微软雅黑" panose="020B0503020204020204" pitchFamily="34" charset="-122"/>
+                <a:ea typeface="微软雅黑" panose="020B0503020204020204" pitchFamily="34" charset="-122"/>
+              </a:rPr>
+              <a:t>false</a:t>
+            </a:r>
+            <a:r>
+              <a:rPr lang="zh-CN" altLang="en-US" sz="1400" dirty="0" smtClean="0">
+                <a:latin typeface="微软雅黑" panose="020B0503020204020204" pitchFamily="34" charset="-122"/>
+                <a:ea typeface="微软雅黑" panose="020B0503020204020204" pitchFamily="34" charset="-122"/>
+              </a:rPr>
+              <a:t>，</a:t>
+            </a:r>
+            <a:r>
+              <a:rPr lang="en-US" altLang="zh-CN" sz="1400" dirty="0" smtClean="0">
+                <a:latin typeface="微软雅黑" panose="020B0503020204020204" pitchFamily="34" charset="-122"/>
+                <a:ea typeface="微软雅黑" panose="020B0503020204020204" pitchFamily="34" charset="-122"/>
+              </a:rPr>
+              <a:t>a</a:t>
+            </a:r>
+            <a:r>
+              <a:rPr lang="zh-CN" altLang="en-US" sz="1400" dirty="0" smtClean="0">
+                <a:latin typeface="微软雅黑" panose="020B0503020204020204" pitchFamily="34" charset="-122"/>
+                <a:ea typeface="微软雅黑" panose="020B0503020204020204" pitchFamily="34" charset="-122"/>
+              </a:rPr>
+              <a:t>的值是</a:t>
+            </a:r>
+            <a:r>
+              <a:rPr lang="zh-CN" altLang="en-US" sz="1400" dirty="0">
+                <a:latin typeface="微软雅黑" panose="020B0503020204020204" pitchFamily="34" charset="-122"/>
+                <a:ea typeface="微软雅黑" panose="020B0503020204020204" pitchFamily="34" charset="-122"/>
+              </a:rPr>
+              <a:t>第一</a:t>
+            </a:r>
+            <a:r>
+              <a:rPr lang="zh-CN" altLang="en-US" sz="1400" dirty="0" smtClean="0">
+                <a:latin typeface="微软雅黑" panose="020B0503020204020204" pitchFamily="34" charset="-122"/>
+                <a:ea typeface="微软雅黑" panose="020B0503020204020204" pitchFamily="34" charset="-122"/>
+              </a:rPr>
+              <a:t>个</a:t>
+            </a:r>
+            <a:r>
+              <a:rPr lang="en-US" altLang="zh-CN" sz="1400" dirty="0" smtClean="0">
+                <a:latin typeface="微软雅黑" panose="020B0503020204020204" pitchFamily="34" charset="-122"/>
+                <a:ea typeface="微软雅黑" panose="020B0503020204020204" pitchFamily="34" charset="-122"/>
+              </a:rPr>
+              <a:t>false</a:t>
+            </a:r>
+            <a:r>
+              <a:rPr lang="zh-CN" altLang="en-US" sz="1400" dirty="0" smtClean="0">
+                <a:latin typeface="微软雅黑" panose="020B0503020204020204" pitchFamily="34" charset="-122"/>
+                <a:ea typeface="微软雅黑" panose="020B0503020204020204" pitchFamily="34" charset="-122"/>
+              </a:rPr>
+              <a:t>的自表达式值，也就是</a:t>
+            </a:r>
+            <a:r>
+              <a:rPr lang="en-US" altLang="zh-CN" sz="1400" dirty="0">
+                <a:latin typeface="微软雅黑" panose="020B0503020204020204" pitchFamily="34" charset="-122"/>
+                <a:ea typeface="微软雅黑" panose="020B0503020204020204" pitchFamily="34" charset="-122"/>
+              </a:rPr>
+              <a:t>0</a:t>
+            </a:r>
+            <a:endParaRPr lang="zh-CN" altLang="en-US" sz="1400" dirty="0">
+              <a:latin typeface="微软雅黑" panose="020B0503020204020204" pitchFamily="34" charset="-122"/>
+              <a:ea typeface="微软雅黑" panose="020B0503020204020204" pitchFamily="34" charset="-122"/>
+            </a:endParaRPr>
+          </a:p>
+        </p:txBody>
+      </p:sp>
+      <p:sp>
+        <p:nvSpPr>
+          <p:cNvPr id="5" name="圆角矩形标注 4"/>
+          <p:cNvSpPr/>
+          <p:nvPr/>
+        </p:nvSpPr>
+        <p:spPr>
+          <a:xfrm>
+            <a:off x="4487114" y="2911869"/>
+            <a:ext cx="2965206" cy="701883"/>
+          </a:xfrm>
+          <a:prstGeom prst="wedgeRoundRectCallout">
+            <a:avLst>
+              <a:gd name="adj1" fmla="val -61046"/>
+              <a:gd name="adj2" fmla="val -20824"/>
+              <a:gd name="adj3" fmla="val 16667"/>
+            </a:avLst>
+          </a:prstGeom>
+        </p:spPr>
+        <p:style>
+          <a:lnRef idx="2">
+            <a:schemeClr val="accent6"/>
+          </a:lnRef>
+          <a:fillRef idx="1">
+            <a:schemeClr val="lt1"/>
+          </a:fillRef>
+          <a:effectRef idx="0">
+            <a:schemeClr val="accent6"/>
+          </a:effectRef>
+          <a:fontRef idx="minor">
+            <a:schemeClr val="dk1"/>
+          </a:fontRef>
+        </p:style>
+        <p:txBody>
+          <a:bodyPr rtlCol="0" anchor="ctr"/>
+          <a:lstStyle/>
+          <a:p>
+            <a:pPr>
+              <a:lnSpc>
+                <a:spcPct val="150000"/>
+              </a:lnSpc>
+            </a:pPr>
+            <a:r>
+              <a:rPr lang="en-US" altLang="zh-CN" sz="1400" dirty="0" smtClean="0">
+                <a:latin typeface="微软雅黑" panose="020B0503020204020204" pitchFamily="34" charset="-122"/>
+                <a:ea typeface="微软雅黑" panose="020B0503020204020204" pitchFamily="34" charset="-122"/>
+              </a:rPr>
+              <a:t> </a:t>
+            </a:r>
+            <a:r>
+              <a:rPr lang="zh-CN" altLang="en-US" sz="1400" dirty="0" smtClean="0">
+                <a:latin typeface="微软雅黑" panose="020B0503020204020204" pitchFamily="34" charset="-122"/>
+                <a:ea typeface="微软雅黑" panose="020B0503020204020204" pitchFamily="34" charset="-122"/>
+              </a:rPr>
+              <a:t>表达整体为</a:t>
+            </a:r>
+            <a:r>
+              <a:rPr lang="en-US" altLang="zh-CN" sz="1400" dirty="0" smtClean="0">
+                <a:latin typeface="微软雅黑" panose="020B0503020204020204" pitchFamily="34" charset="-122"/>
+                <a:ea typeface="微软雅黑" panose="020B0503020204020204" pitchFamily="34" charset="-122"/>
+              </a:rPr>
+              <a:t>false</a:t>
+            </a:r>
+            <a:r>
+              <a:rPr lang="zh-CN" altLang="en-US" sz="1400" dirty="0" smtClean="0">
+                <a:latin typeface="微软雅黑" panose="020B0503020204020204" pitchFamily="34" charset="-122"/>
+                <a:ea typeface="微软雅黑" panose="020B0503020204020204" pitchFamily="34" charset="-122"/>
+              </a:rPr>
+              <a:t>，</a:t>
+            </a:r>
+            <a:r>
+              <a:rPr lang="en-US" altLang="zh-CN" sz="1400" dirty="0" smtClean="0">
+                <a:latin typeface="微软雅黑" panose="020B0503020204020204" pitchFamily="34" charset="-122"/>
+                <a:ea typeface="微软雅黑" panose="020B0503020204020204" pitchFamily="34" charset="-122"/>
+              </a:rPr>
+              <a:t>a</a:t>
+            </a:r>
+            <a:r>
+              <a:rPr lang="zh-CN" altLang="en-US" sz="1400" dirty="0" smtClean="0">
+                <a:latin typeface="微软雅黑" panose="020B0503020204020204" pitchFamily="34" charset="-122"/>
+                <a:ea typeface="微软雅黑" panose="020B0503020204020204" pitchFamily="34" charset="-122"/>
+              </a:rPr>
+              <a:t>的值是</a:t>
+            </a:r>
+            <a:r>
+              <a:rPr lang="zh-CN" altLang="en-US" sz="1400" dirty="0">
+                <a:latin typeface="微软雅黑" panose="020B0503020204020204" pitchFamily="34" charset="-122"/>
+                <a:ea typeface="微软雅黑" panose="020B0503020204020204" pitchFamily="34" charset="-122"/>
+              </a:rPr>
+              <a:t>第一</a:t>
+            </a:r>
+            <a:r>
+              <a:rPr lang="zh-CN" altLang="en-US" sz="1400" dirty="0" smtClean="0">
+                <a:latin typeface="微软雅黑" panose="020B0503020204020204" pitchFamily="34" charset="-122"/>
+                <a:ea typeface="微软雅黑" panose="020B0503020204020204" pitchFamily="34" charset="-122"/>
+              </a:rPr>
+              <a:t>个</a:t>
+            </a:r>
+            <a:r>
+              <a:rPr lang="en-US" altLang="zh-CN" sz="1400" dirty="0" smtClean="0">
+                <a:latin typeface="微软雅黑" panose="020B0503020204020204" pitchFamily="34" charset="-122"/>
+                <a:ea typeface="微软雅黑" panose="020B0503020204020204" pitchFamily="34" charset="-122"/>
+              </a:rPr>
+              <a:t>false</a:t>
+            </a:r>
+            <a:r>
+              <a:rPr lang="zh-CN" altLang="en-US" sz="1400" dirty="0" smtClean="0">
+                <a:latin typeface="微软雅黑" panose="020B0503020204020204" pitchFamily="34" charset="-122"/>
+                <a:ea typeface="微软雅黑" panose="020B0503020204020204" pitchFamily="34" charset="-122"/>
+              </a:rPr>
+              <a:t>的自表达式值，也就是</a:t>
+            </a:r>
+            <a:r>
+              <a:rPr lang="en-US" altLang="zh-CN" sz="1400" dirty="0" smtClean="0">
+                <a:latin typeface="微软雅黑" panose="020B0503020204020204" pitchFamily="34" charset="-122"/>
+                <a:ea typeface="微软雅黑" panose="020B0503020204020204" pitchFamily="34" charset="-122"/>
+              </a:rPr>
+              <a:t>false</a:t>
+            </a:r>
+            <a:endParaRPr lang="zh-CN" altLang="en-US" sz="1400" dirty="0">
+              <a:latin typeface="微软雅黑" panose="020B0503020204020204" pitchFamily="34" charset="-122"/>
+              <a:ea typeface="微软雅黑" panose="020B0503020204020204" pitchFamily="34" charset="-122"/>
+            </a:endParaRPr>
+          </a:p>
+        </p:txBody>
+      </p:sp>
+    </p:spTree>
+    <p:extLst>
+      <p:ext uri="{BB962C8B-B14F-4D97-AF65-F5344CB8AC3E}">
+        <p14:creationId xmlns:p14="http://schemas.microsoft.com/office/powerpoint/2010/main" val="3965008186"/>
+      </p:ext>
+    </p:extLst>
+  </p:cSld>
+  <p:clrMapOvr>
+    <a:masterClrMapping/>
+  </p:clrMapOvr>
+</p:sld>
+</file>
+
+<file path=ppt/slides/slide15.xml><?xml version="1.0" encoding="utf-8"?>
+<p:sld xmlns:a="http://schemas.openxmlformats.org/drawingml/2006/main" xmlns:r="http://schemas.openxmlformats.org/officeDocument/2006/relationships" xmlns:p="http://schemas.openxmlformats.org/presentationml/2006/main">
+  <p:cSld>
+    <p:spTree>
+      <p:nvGrpSpPr>
+        <p:cNvPr id="1" name=""/>
+        <p:cNvGrpSpPr/>
+        <p:nvPr/>
+      </p:nvGrpSpPr>
+      <p:grpSpPr>
+        <a:xfrm>
+          <a:off x="0" y="0"/>
+          <a:ext cx="0" cy="0"/>
+          <a:chOff x="0" y="0"/>
+          <a:chExt cx="0" cy="0"/>
+        </a:xfrm>
+      </p:grpSpPr>
+      <p:sp>
+        <p:nvSpPr>
+          <p:cNvPr id="4" name="TextBox 3"/>
+          <p:cNvSpPr txBox="1"/>
+          <p:nvPr/>
+        </p:nvSpPr>
+        <p:spPr>
+          <a:xfrm>
+            <a:off x="467544" y="476672"/>
+            <a:ext cx="7200800" cy="662554"/>
+          </a:xfrm>
+          <a:prstGeom prst="rect">
+            <a:avLst/>
+          </a:prstGeom>
+          <a:noFill/>
+        </p:spPr>
+        <p:txBody>
+          <a:bodyPr wrap="square" rtlCol="0">
+            <a:spAutoFit/>
+          </a:bodyPr>
+          <a:lstStyle/>
+          <a:p>
+            <a:pPr>
+              <a:lnSpc>
+                <a:spcPct val="150000"/>
+              </a:lnSpc>
+            </a:pPr>
+            <a:r>
+              <a:rPr lang="en-US" altLang="zh-CN" sz="2800" dirty="0" smtClean="0">
+                <a:solidFill>
+                  <a:schemeClr val="tx1">
+                    <a:lumMod val="75000"/>
+                    <a:lumOff val="25000"/>
+                  </a:schemeClr>
+                </a:solidFill>
+                <a:latin typeface="微软雅黑" pitchFamily="34" charset="-122"/>
+                <a:ea typeface="微软雅黑" pitchFamily="34" charset="-122"/>
+              </a:rPr>
+              <a:t>5.</a:t>
+            </a:r>
+            <a:r>
+              <a:rPr lang="zh-CN" altLang="en-US" sz="2800" dirty="0" smtClean="0">
+                <a:solidFill>
+                  <a:schemeClr val="tx1">
+                    <a:lumMod val="75000"/>
+                    <a:lumOff val="25000"/>
+                  </a:schemeClr>
+                </a:solidFill>
+                <a:latin typeface="微软雅黑" pitchFamily="34" charset="-122"/>
+                <a:ea typeface="微软雅黑" pitchFamily="34" charset="-122"/>
+              </a:rPr>
+              <a:t>动画的开启</a:t>
+            </a:r>
+            <a:r>
+              <a:rPr lang="en-US" altLang="zh-CN" sz="2800" dirty="0" smtClean="0">
+                <a:solidFill>
+                  <a:schemeClr val="tx1">
+                    <a:lumMod val="75000"/>
+                    <a:lumOff val="25000"/>
+                  </a:schemeClr>
+                </a:solidFill>
+                <a:latin typeface="微软雅黑" pitchFamily="34" charset="-122"/>
+                <a:ea typeface="微软雅黑" pitchFamily="34" charset="-122"/>
+              </a:rPr>
+              <a:t>/</a:t>
+            </a:r>
+            <a:r>
+              <a:rPr lang="zh-CN" altLang="en-US" sz="2800" dirty="0" smtClean="0">
+                <a:solidFill>
+                  <a:schemeClr val="tx1">
+                    <a:lumMod val="75000"/>
+                    <a:lumOff val="25000"/>
+                  </a:schemeClr>
+                </a:solidFill>
+                <a:latin typeface="微软雅黑" pitchFamily="34" charset="-122"/>
+                <a:ea typeface="微软雅黑" pitchFamily="34" charset="-122"/>
+              </a:rPr>
+              <a:t>结束</a:t>
+            </a:r>
+            <a:endParaRPr lang="zh-CN" altLang="en-US" sz="2800" dirty="0">
+              <a:solidFill>
+                <a:schemeClr val="tx1">
+                  <a:lumMod val="75000"/>
+                  <a:lumOff val="25000"/>
+                </a:schemeClr>
+              </a:solidFill>
+              <a:latin typeface="微软雅黑" pitchFamily="34" charset="-122"/>
+              <a:ea typeface="微软雅黑" pitchFamily="34" charset="-122"/>
+            </a:endParaRPr>
+          </a:p>
+        </p:txBody>
+      </p:sp>
+      <p:pic>
+        <p:nvPicPr>
+          <p:cNvPr id="3" name="图片 2" descr="屏幕剪辑"/>
+          <p:cNvPicPr>
+            <a:picLocks noChangeAspect="1"/>
+          </p:cNvPicPr>
+          <p:nvPr/>
+        </p:nvPicPr>
+        <p:blipFill>
+          <a:blip r:embed="rId2">
+            <a:extLst>
+              <a:ext uri="{28A0092B-C50C-407E-A947-70E740481C1C}">
+                <a14:useLocalDpi xmlns:a14="http://schemas.microsoft.com/office/drawing/2010/main" val="0"/>
+              </a:ext>
+            </a:extLst>
+          </a:blip>
+          <a:stretch>
+            <a:fillRect/>
+          </a:stretch>
+        </p:blipFill>
+        <p:spPr>
+          <a:xfrm>
+            <a:off x="755576" y="1700808"/>
+            <a:ext cx="3057952" cy="352474"/>
+          </a:xfrm>
+          <a:prstGeom prst="rect">
+            <a:avLst/>
+          </a:prstGeom>
+          <a:ln>
+            <a:noFill/>
+          </a:ln>
+          <a:effectLst>
+            <a:outerShdw blurRad="292100" dist="139700" dir="2700000" algn="tl" rotWithShape="0">
+              <a:srgbClr val="333333">
+                <a:alpha val="65000"/>
+              </a:srgbClr>
+            </a:outerShdw>
+          </a:effectLst>
+        </p:spPr>
+      </p:pic>
+      <p:pic>
+        <p:nvPicPr>
+          <p:cNvPr id="5" name="图片 4" descr="屏幕剪辑"/>
+          <p:cNvPicPr>
+            <a:picLocks noChangeAspect="1"/>
+          </p:cNvPicPr>
+          <p:nvPr/>
+        </p:nvPicPr>
+        <p:blipFill>
+          <a:blip r:embed="rId3">
+            <a:extLst>
+              <a:ext uri="{28A0092B-C50C-407E-A947-70E740481C1C}">
+                <a14:useLocalDpi xmlns:a14="http://schemas.microsoft.com/office/drawing/2010/main" val="0"/>
+              </a:ext>
+            </a:extLst>
+          </a:blip>
+          <a:stretch>
+            <a:fillRect/>
+          </a:stretch>
+        </p:blipFill>
+        <p:spPr>
+          <a:xfrm>
+            <a:off x="755576" y="3527063"/>
+            <a:ext cx="3429479" cy="962159"/>
+          </a:xfrm>
+          <a:prstGeom prst="rect">
+            <a:avLst/>
+          </a:prstGeom>
+          <a:ln>
+            <a:noFill/>
+          </a:ln>
+          <a:effectLst>
+            <a:outerShdw blurRad="292100" dist="139700" dir="2700000" algn="tl" rotWithShape="0">
+              <a:srgbClr val="333333">
+                <a:alpha val="65000"/>
+              </a:srgbClr>
+            </a:outerShdw>
+          </a:effectLst>
+        </p:spPr>
+      </p:pic>
+      <p:sp>
+        <p:nvSpPr>
+          <p:cNvPr id="12" name="圆角矩形标注 11"/>
+          <p:cNvSpPr/>
+          <p:nvPr/>
+        </p:nvSpPr>
+        <p:spPr>
+          <a:xfrm>
+            <a:off x="3563888" y="1170302"/>
+            <a:ext cx="2016224" cy="540958"/>
+          </a:xfrm>
+          <a:prstGeom prst="wedgeRoundRectCallout">
+            <a:avLst>
+              <a:gd name="adj1" fmla="val -44438"/>
+              <a:gd name="adj2" fmla="val 86310"/>
+              <a:gd name="adj3" fmla="val 16667"/>
+            </a:avLst>
+          </a:prstGeom>
+        </p:spPr>
+        <p:style>
+          <a:lnRef idx="2">
+            <a:schemeClr val="accent5"/>
+          </a:lnRef>
+          <a:fillRef idx="1">
+            <a:schemeClr val="lt1"/>
+          </a:fillRef>
+          <a:effectRef idx="0">
+            <a:schemeClr val="accent5"/>
+          </a:effectRef>
+          <a:fontRef idx="minor">
+            <a:schemeClr val="dk1"/>
+          </a:fontRef>
+        </p:style>
+        <p:txBody>
+          <a:bodyPr rtlCol="0" anchor="ctr"/>
+          <a:lstStyle/>
+          <a:p>
+            <a:pPr>
+              <a:lnSpc>
+                <a:spcPct val="150000"/>
+              </a:lnSpc>
+            </a:pPr>
+            <a:r>
+              <a:rPr lang="en-US" altLang="zh-CN" sz="1400" dirty="0" smtClean="0">
+                <a:latin typeface="微软雅黑" panose="020B0503020204020204" pitchFamily="34" charset="-122"/>
+                <a:ea typeface="微软雅黑" panose="020B0503020204020204" pitchFamily="34" charset="-122"/>
+              </a:rPr>
+              <a:t> </a:t>
+            </a:r>
+            <a:r>
+              <a:rPr lang="zh-CN" altLang="en-US" sz="1400" dirty="0" smtClean="0">
+                <a:latin typeface="微软雅黑" panose="020B0503020204020204" pitchFamily="34" charset="-122"/>
+                <a:ea typeface="微软雅黑" panose="020B0503020204020204" pitchFamily="34" charset="-122"/>
+              </a:rPr>
+              <a:t>添加类，开始动画</a:t>
+            </a:r>
+            <a:endParaRPr lang="zh-CN" altLang="en-US" sz="1400" dirty="0">
+              <a:latin typeface="微软雅黑" panose="020B0503020204020204" pitchFamily="34" charset="-122"/>
+              <a:ea typeface="微软雅黑" panose="020B0503020204020204" pitchFamily="34" charset="-122"/>
+            </a:endParaRPr>
+          </a:p>
+        </p:txBody>
+      </p:sp>
+      <p:sp>
+        <p:nvSpPr>
+          <p:cNvPr id="14" name="圆角矩形标注 13"/>
+          <p:cNvSpPr/>
+          <p:nvPr/>
+        </p:nvSpPr>
+        <p:spPr>
+          <a:xfrm>
+            <a:off x="3813528" y="3256584"/>
+            <a:ext cx="2486664" cy="540958"/>
+          </a:xfrm>
+          <a:prstGeom prst="wedgeRoundRectCallout">
+            <a:avLst>
+              <a:gd name="adj1" fmla="val -44438"/>
+              <a:gd name="adj2" fmla="val 86310"/>
+              <a:gd name="adj3" fmla="val 16667"/>
+            </a:avLst>
+          </a:prstGeom>
+        </p:spPr>
+        <p:style>
+          <a:lnRef idx="2">
+            <a:schemeClr val="accent5"/>
+          </a:lnRef>
+          <a:fillRef idx="1">
+            <a:schemeClr val="lt1"/>
+          </a:fillRef>
+          <a:effectRef idx="0">
+            <a:schemeClr val="accent5"/>
+          </a:effectRef>
+          <a:fontRef idx="minor">
+            <a:schemeClr val="dk1"/>
+          </a:fontRef>
+        </p:style>
+        <p:txBody>
+          <a:bodyPr rtlCol="0" anchor="ctr"/>
+          <a:lstStyle/>
+          <a:p>
+            <a:pPr>
+              <a:lnSpc>
+                <a:spcPct val="150000"/>
+              </a:lnSpc>
+            </a:pPr>
+            <a:r>
+              <a:rPr lang="en-US" altLang="zh-CN" sz="1400" dirty="0" smtClean="0">
+                <a:latin typeface="微软雅黑" panose="020B0503020204020204" pitchFamily="34" charset="-122"/>
+                <a:ea typeface="微软雅黑" panose="020B0503020204020204" pitchFamily="34" charset="-122"/>
+              </a:rPr>
+              <a:t> </a:t>
+            </a:r>
+            <a:r>
+              <a:rPr lang="zh-CN" altLang="en-US" sz="1400" dirty="0" smtClean="0">
+                <a:latin typeface="微软雅黑" panose="020B0503020204020204" pitchFamily="34" charset="-122"/>
+                <a:ea typeface="微软雅黑" panose="020B0503020204020204" pitchFamily="34" charset="-122"/>
+              </a:rPr>
+              <a:t>动画结束的时候，删除类</a:t>
+            </a:r>
+            <a:endParaRPr lang="zh-CN" altLang="en-US" sz="1400" dirty="0">
+              <a:latin typeface="微软雅黑" panose="020B0503020204020204" pitchFamily="34" charset="-122"/>
+              <a:ea typeface="微软雅黑" panose="020B0503020204020204" pitchFamily="34" charset="-122"/>
+            </a:endParaRPr>
+          </a:p>
+        </p:txBody>
+      </p:sp>
+      <p:pic>
+        <p:nvPicPr>
+          <p:cNvPr id="11" name="图片 10" descr="屏幕剪辑"/>
+          <p:cNvPicPr>
+            <a:picLocks noChangeAspect="1"/>
+          </p:cNvPicPr>
+          <p:nvPr/>
+        </p:nvPicPr>
+        <p:blipFill>
+          <a:blip r:embed="rId4">
+            <a:extLst>
+              <a:ext uri="{28A0092B-C50C-407E-A947-70E740481C1C}">
+                <a14:useLocalDpi xmlns:a14="http://schemas.microsoft.com/office/drawing/2010/main" val="0"/>
+              </a:ext>
+            </a:extLst>
+          </a:blip>
+          <a:stretch>
+            <a:fillRect/>
+          </a:stretch>
+        </p:blipFill>
+        <p:spPr>
+          <a:xfrm>
+            <a:off x="732092" y="2636912"/>
+            <a:ext cx="4201111" cy="276264"/>
+          </a:xfrm>
+          <a:prstGeom prst="rect">
+            <a:avLst/>
+          </a:prstGeom>
+          <a:ln>
+            <a:noFill/>
+          </a:ln>
+          <a:effectLst>
+            <a:outerShdw blurRad="292100" dist="139700" dir="2700000" algn="tl" rotWithShape="0">
+              <a:srgbClr val="333333">
+                <a:alpha val="65000"/>
+              </a:srgbClr>
+            </a:outerShdw>
+          </a:effectLst>
+        </p:spPr>
+      </p:pic>
+      <p:sp>
+        <p:nvSpPr>
+          <p:cNvPr id="17" name="圆角矩形标注 16"/>
+          <p:cNvSpPr/>
+          <p:nvPr/>
+        </p:nvSpPr>
+        <p:spPr>
+          <a:xfrm>
+            <a:off x="4933203" y="1877045"/>
+            <a:ext cx="2486664" cy="717195"/>
+          </a:xfrm>
+          <a:prstGeom prst="wedgeRoundRectCallout">
+            <a:avLst>
+              <a:gd name="adj1" fmla="val -44438"/>
+              <a:gd name="adj2" fmla="val 86310"/>
+              <a:gd name="adj3" fmla="val 16667"/>
+            </a:avLst>
+          </a:prstGeom>
+        </p:spPr>
+        <p:style>
+          <a:lnRef idx="2">
+            <a:schemeClr val="accent5"/>
+          </a:lnRef>
+          <a:fillRef idx="1">
+            <a:schemeClr val="lt1"/>
+          </a:fillRef>
+          <a:effectRef idx="0">
+            <a:schemeClr val="accent5"/>
+          </a:effectRef>
+          <a:fontRef idx="minor">
+            <a:schemeClr val="dk1"/>
+          </a:fontRef>
+        </p:style>
+        <p:txBody>
+          <a:bodyPr rtlCol="0" anchor="ctr"/>
+          <a:lstStyle/>
+          <a:p>
+            <a:pPr>
+              <a:lnSpc>
+                <a:spcPct val="150000"/>
+              </a:lnSpc>
+            </a:pPr>
+            <a:r>
+              <a:rPr lang="en-US" altLang="zh-CN" sz="1400" dirty="0" smtClean="0">
+                <a:latin typeface="微软雅黑" panose="020B0503020204020204" pitchFamily="34" charset="-122"/>
+                <a:ea typeface="微软雅黑" panose="020B0503020204020204" pitchFamily="34" charset="-122"/>
+              </a:rPr>
+              <a:t> </a:t>
+            </a:r>
+            <a:r>
+              <a:rPr lang="zh-CN" altLang="en-US" sz="1400" dirty="0" smtClean="0">
+                <a:latin typeface="微软雅黑" panose="020B0503020204020204" pitchFamily="34" charset="-122"/>
+                <a:ea typeface="微软雅黑" panose="020B0503020204020204" pitchFamily="34" charset="-122"/>
+              </a:rPr>
+              <a:t>动画结束事件，绑定处理函数，方便移除类</a:t>
+            </a:r>
+            <a:endParaRPr lang="zh-CN" altLang="en-US" sz="1400" dirty="0">
+              <a:latin typeface="微软雅黑" panose="020B0503020204020204" pitchFamily="34" charset="-122"/>
+              <a:ea typeface="微软雅黑" panose="020B0503020204020204" pitchFamily="34" charset="-122"/>
+            </a:endParaRPr>
+          </a:p>
+        </p:txBody>
+      </p:sp>
+    </p:spTree>
+    <p:extLst>
+      <p:ext uri="{BB962C8B-B14F-4D97-AF65-F5344CB8AC3E}">
+        <p14:creationId xmlns:p14="http://schemas.microsoft.com/office/powerpoint/2010/main" val="2033793772"/>
+      </p:ext>
+    </p:extLst>
+  </p:cSld>
+  <p:clrMapOvr>
+    <a:masterClrMapping/>
+  </p:clrMapOvr>
+  <p:timing>
+    <p:tnLst>
+      <p:par>
+        <p:cTn id="1" dur="indefinite" restart="never" nodeType="tmRoot"/>
+      </p:par>
+    </p:tnLst>
+  </p:timing>
+</p:sld>
+</file>
+
+<file path=ppt/slides/slide16.xml><?xml version="1.0" encoding="utf-8"?>
 <p:sld xmlns:a="http://schemas.openxmlformats.org/drawingml/2006/main" xmlns:r="http://schemas.openxmlformats.org/officeDocument/2006/relationships" xmlns:p="http://schemas.openxmlformats.org/presentationml/2006/main">
   <p:cSld>
     <p:spTree>
@@ -3744,7 +6705,7 @@
 </p:sld>
 </file>
 
-<file path=ppt/slides/slide11.xml><?xml version="1.0" encoding="utf-8"?>
+<file path=ppt/slides/slide17.xml><?xml version="1.0" encoding="utf-8"?>
 <p:sld xmlns:a="http://schemas.openxmlformats.org/drawingml/2006/main" xmlns:r="http://schemas.openxmlformats.org/officeDocument/2006/relationships" xmlns:p="http://schemas.openxmlformats.org/presentationml/2006/main">
   <p:cSld>
     <p:spTree>
@@ -3982,7 +6943,7 @@
 </p:sld>
 </file>
 
-<file path=ppt/slides/slide12.xml><?xml version="1.0" encoding="utf-8"?>
+<file path=ppt/slides/slide18.xml><?xml version="1.0" encoding="utf-8"?>
 <p:sld xmlns:a="http://schemas.openxmlformats.org/drawingml/2006/main" xmlns:r="http://schemas.openxmlformats.org/officeDocument/2006/relationships" xmlns:p="http://schemas.openxmlformats.org/presentationml/2006/main">
   <p:cSld>
     <p:spTree>
@@ -4307,7 +7268,7 @@
 </p:sld>
 </file>
 
-<file path=ppt/slides/slide13.xml><?xml version="1.0" encoding="utf-8"?>
+<file path=ppt/slides/slide19.xml><?xml version="1.0" encoding="utf-8"?>
 <p:sld xmlns:a="http://schemas.openxmlformats.org/drawingml/2006/main" xmlns:r="http://schemas.openxmlformats.org/officeDocument/2006/relationships" xmlns:p="http://schemas.openxmlformats.org/presentationml/2006/main">
   <p:cSld>
     <p:spTree>
@@ -4599,277 +7560,6 @@
     <p:extLst>
       <p:ext uri="{BB962C8B-B14F-4D97-AF65-F5344CB8AC3E}">
         <p14:creationId xmlns:p14="http://schemas.microsoft.com/office/powerpoint/2010/main" val="3109391563"/>
-      </p:ext>
-    </p:extLst>
-  </p:cSld>
-  <p:clrMapOvr>
-    <a:masterClrMapping/>
-  </p:clrMapOvr>
-</p:sld>
-</file>
-
-<file path=ppt/slides/slide14.xml><?xml version="1.0" encoding="utf-8"?>
-<p:sld xmlns:a="http://schemas.openxmlformats.org/drawingml/2006/main" xmlns:r="http://schemas.openxmlformats.org/officeDocument/2006/relationships" xmlns:p="http://schemas.openxmlformats.org/presentationml/2006/main">
-  <p:cSld>
-    <p:spTree>
-      <p:nvGrpSpPr>
-        <p:cNvPr id="1" name=""/>
-        <p:cNvGrpSpPr/>
-        <p:nvPr/>
-      </p:nvGrpSpPr>
-      <p:grpSpPr>
-        <a:xfrm>
-          <a:off x="0" y="0"/>
-          <a:ext cx="0" cy="0"/>
-          <a:chOff x="0" y="0"/>
-          <a:chExt cx="0" cy="0"/>
-        </a:xfrm>
-      </p:grpSpPr>
-      <p:sp>
-        <p:nvSpPr>
-          <p:cNvPr id="4" name="TextBox 3"/>
-          <p:cNvSpPr txBox="1"/>
-          <p:nvPr/>
-        </p:nvSpPr>
-        <p:spPr>
-          <a:xfrm>
-            <a:off x="467544" y="476672"/>
-            <a:ext cx="7776864" cy="523220"/>
-          </a:xfrm>
-          <a:prstGeom prst="rect">
-            <a:avLst/>
-          </a:prstGeom>
-          <a:noFill/>
-        </p:spPr>
-        <p:txBody>
-          <a:bodyPr wrap="square" rtlCol="0">
-            <a:spAutoFit/>
-          </a:bodyPr>
-          <a:lstStyle/>
-          <a:p>
-            <a:r>
-              <a:rPr lang="en-US" altLang="zh-CN" sz="2800" dirty="0">
-                <a:solidFill>
-                  <a:schemeClr val="tx1">
-                    <a:lumMod val="75000"/>
-                    <a:lumOff val="25000"/>
-                  </a:schemeClr>
-                </a:solidFill>
-                <a:latin typeface="微软雅黑" pitchFamily="34" charset="-122"/>
-                <a:ea typeface="微软雅黑" pitchFamily="34" charset="-122"/>
-              </a:rPr>
-              <a:t>7</a:t>
-            </a:r>
-            <a:r>
-              <a:rPr lang="en-US" altLang="zh-CN" sz="2800" dirty="0" smtClean="0">
-                <a:solidFill>
-                  <a:schemeClr val="tx1">
-                    <a:lumMod val="75000"/>
-                    <a:lumOff val="25000"/>
-                  </a:schemeClr>
-                </a:solidFill>
-                <a:latin typeface="微软雅黑" pitchFamily="34" charset="-122"/>
-                <a:ea typeface="微软雅黑" pitchFamily="34" charset="-122"/>
-              </a:rPr>
-              <a:t>.</a:t>
-            </a:r>
-            <a:r>
-              <a:rPr lang="zh-CN" altLang="en-US" sz="2800" dirty="0" smtClean="0">
-                <a:solidFill>
-                  <a:schemeClr val="tx1">
-                    <a:lumMod val="75000"/>
-                    <a:lumOff val="25000"/>
-                  </a:schemeClr>
-                </a:solidFill>
-                <a:latin typeface="微软雅黑" pitchFamily="34" charset="-122"/>
-                <a:ea typeface="微软雅黑" pitchFamily="34" charset="-122"/>
-              </a:rPr>
-              <a:t>更多思考</a:t>
-            </a:r>
-            <a:endParaRPr lang="zh-CN" altLang="en-US" sz="2800" dirty="0">
-              <a:solidFill>
-                <a:schemeClr val="tx1">
-                  <a:lumMod val="75000"/>
-                  <a:lumOff val="25000"/>
-                </a:schemeClr>
-              </a:solidFill>
-              <a:latin typeface="微软雅黑" pitchFamily="34" charset="-122"/>
-              <a:ea typeface="微软雅黑" pitchFamily="34" charset="-122"/>
-            </a:endParaRPr>
-          </a:p>
-        </p:txBody>
-      </p:sp>
-      <p:sp>
-        <p:nvSpPr>
-          <p:cNvPr id="3" name="TextBox 2"/>
-          <p:cNvSpPr txBox="1"/>
-          <p:nvPr/>
-        </p:nvSpPr>
-        <p:spPr>
-          <a:xfrm>
-            <a:off x="755576" y="1412776"/>
-            <a:ext cx="7776864" cy="1338828"/>
-          </a:xfrm>
-          <a:prstGeom prst="rect">
-            <a:avLst/>
-          </a:prstGeom>
-          <a:noFill/>
-        </p:spPr>
-        <p:txBody>
-          <a:bodyPr wrap="square" rtlCol="0">
-            <a:spAutoFit/>
-          </a:bodyPr>
-          <a:lstStyle/>
-          <a:p>
-            <a:pPr>
-              <a:lnSpc>
-                <a:spcPct val="150000"/>
-              </a:lnSpc>
-            </a:pPr>
-            <a:r>
-              <a:rPr lang="zh-CN" altLang="en-US" dirty="0" smtClean="0"/>
-              <a:t>我们可以制作一个骰子，然后通过单一按钮，进行随机投掷，这样就变成了一个有趣的小游戏</a:t>
-            </a:r>
-            <a:endParaRPr lang="en-US" altLang="zh-CN" dirty="0" smtClean="0"/>
-          </a:p>
-          <a:p>
-            <a:pPr>
-              <a:lnSpc>
-                <a:spcPct val="150000"/>
-              </a:lnSpc>
-            </a:pPr>
-            <a:endParaRPr lang="zh-CN" altLang="en-US" dirty="0"/>
-          </a:p>
-        </p:txBody>
-      </p:sp>
-      <p:sp>
-        <p:nvSpPr>
-          <p:cNvPr id="9" name="TextBox 8"/>
-          <p:cNvSpPr txBox="1"/>
-          <p:nvPr/>
-        </p:nvSpPr>
-        <p:spPr>
-          <a:xfrm>
-            <a:off x="467544" y="3645024"/>
-            <a:ext cx="7776864" cy="1384995"/>
-          </a:xfrm>
-          <a:prstGeom prst="rect">
-            <a:avLst/>
-          </a:prstGeom>
-          <a:noFill/>
-        </p:spPr>
-        <p:txBody>
-          <a:bodyPr wrap="square" rtlCol="0">
-            <a:spAutoFit/>
-          </a:bodyPr>
-          <a:lstStyle/>
-          <a:p>
-            <a:r>
-              <a:rPr lang="en-US" altLang="zh-CN" sz="2800" dirty="0" smtClean="0">
-                <a:solidFill>
-                  <a:schemeClr val="tx1">
-                    <a:lumMod val="75000"/>
-                    <a:lumOff val="25000"/>
-                  </a:schemeClr>
-                </a:solidFill>
-                <a:latin typeface="微软雅黑" pitchFamily="34" charset="-122"/>
-                <a:ea typeface="微软雅黑" pitchFamily="34" charset="-122"/>
-              </a:rPr>
-              <a:t>	</a:t>
-            </a:r>
-            <a:r>
-              <a:rPr lang="zh-CN" altLang="en-US" sz="2800" dirty="0" smtClean="0">
-                <a:solidFill>
-                  <a:schemeClr val="tx1">
-                    <a:lumMod val="75000"/>
-                    <a:lumOff val="25000"/>
-                  </a:schemeClr>
-                </a:solidFill>
-                <a:latin typeface="微软雅黑" pitchFamily="34" charset="-122"/>
-                <a:ea typeface="微软雅黑" pitchFamily="34" charset="-122"/>
-              </a:rPr>
-              <a:t>本期内容就讲到这里，谢谢大家！</a:t>
-            </a:r>
-            <a:endParaRPr lang="en-US" altLang="zh-CN" sz="2800" dirty="0" smtClean="0">
-              <a:solidFill>
-                <a:schemeClr val="tx1">
-                  <a:lumMod val="75000"/>
-                  <a:lumOff val="25000"/>
-                </a:schemeClr>
-              </a:solidFill>
-              <a:latin typeface="微软雅黑" pitchFamily="34" charset="-122"/>
-              <a:ea typeface="微软雅黑" pitchFamily="34" charset="-122"/>
-            </a:endParaRPr>
-          </a:p>
-          <a:p>
-            <a:endParaRPr lang="en-US" altLang="zh-CN" sz="2800" dirty="0" smtClean="0">
-              <a:solidFill>
-                <a:schemeClr val="tx1">
-                  <a:lumMod val="75000"/>
-                  <a:lumOff val="25000"/>
-                </a:schemeClr>
-              </a:solidFill>
-              <a:latin typeface="微软雅黑" pitchFamily="34" charset="-122"/>
-              <a:ea typeface="微软雅黑" pitchFamily="34" charset="-122"/>
-            </a:endParaRPr>
-          </a:p>
-          <a:p>
-            <a:r>
-              <a:rPr lang="en-US" altLang="zh-CN" sz="2800" dirty="0">
-                <a:solidFill>
-                  <a:schemeClr val="tx1">
-                    <a:lumMod val="75000"/>
-                    <a:lumOff val="25000"/>
-                  </a:schemeClr>
-                </a:solidFill>
-                <a:latin typeface="微软雅黑" pitchFamily="34" charset="-122"/>
-                <a:ea typeface="微软雅黑" pitchFamily="34" charset="-122"/>
-              </a:rPr>
-              <a:t>	</a:t>
-            </a:r>
-            <a:r>
-              <a:rPr lang="en-US" altLang="zh-CN" sz="2800" dirty="0" smtClean="0">
-                <a:solidFill>
-                  <a:schemeClr val="tx1">
-                    <a:lumMod val="75000"/>
-                    <a:lumOff val="25000"/>
-                  </a:schemeClr>
-                </a:solidFill>
-                <a:latin typeface="微软雅黑" pitchFamily="34" charset="-122"/>
-                <a:ea typeface="微软雅黑" pitchFamily="34" charset="-122"/>
-              </a:rPr>
-              <a:t>	</a:t>
-            </a:r>
-            <a:r>
-              <a:rPr lang="zh-CN" altLang="en-US" sz="2800" dirty="0" smtClean="0">
-                <a:solidFill>
-                  <a:schemeClr val="tx1">
-                    <a:lumMod val="75000"/>
-                    <a:lumOff val="25000"/>
-                  </a:schemeClr>
-                </a:solidFill>
-                <a:latin typeface="微软雅黑" pitchFamily="34" charset="-122"/>
-                <a:ea typeface="微软雅黑" pitchFamily="34" charset="-122"/>
-              </a:rPr>
-              <a:t>下期预告，星空效果！</a:t>
-            </a:r>
-            <a:endParaRPr lang="zh-CN" altLang="en-US" sz="2800" dirty="0">
-              <a:solidFill>
-                <a:schemeClr val="tx1">
-                  <a:lumMod val="75000"/>
-                  <a:lumOff val="25000"/>
-                </a:schemeClr>
-              </a:solidFill>
-              <a:latin typeface="微软雅黑" pitchFamily="34" charset="-122"/>
-              <a:ea typeface="微软雅黑" pitchFamily="34" charset="-122"/>
-            </a:endParaRPr>
-          </a:p>
-        </p:txBody>
-      </p:sp>
-    </p:spTree>
-    <p:extLst>
-      <p:ext uri="{BB962C8B-B14F-4D97-AF65-F5344CB8AC3E}">
-        <p14:creationId xmlns:p14="http://schemas.microsoft.com/office/powerpoint/2010/main" val="2179011462"/>
       </p:ext>
     </p:extLst>
   </p:cSld>
@@ -5096,6 +7786,277 @@
 </p:sld>
 </file>
 
+<file path=ppt/slides/slide20.xml><?xml version="1.0" encoding="utf-8"?>
+<p:sld xmlns:a="http://schemas.openxmlformats.org/drawingml/2006/main" xmlns:r="http://schemas.openxmlformats.org/officeDocument/2006/relationships" xmlns:p="http://schemas.openxmlformats.org/presentationml/2006/main">
+  <p:cSld>
+    <p:spTree>
+      <p:nvGrpSpPr>
+        <p:cNvPr id="1" name=""/>
+        <p:cNvGrpSpPr/>
+        <p:nvPr/>
+      </p:nvGrpSpPr>
+      <p:grpSpPr>
+        <a:xfrm>
+          <a:off x="0" y="0"/>
+          <a:ext cx="0" cy="0"/>
+          <a:chOff x="0" y="0"/>
+          <a:chExt cx="0" cy="0"/>
+        </a:xfrm>
+      </p:grpSpPr>
+      <p:sp>
+        <p:nvSpPr>
+          <p:cNvPr id="4" name="TextBox 3"/>
+          <p:cNvSpPr txBox="1"/>
+          <p:nvPr/>
+        </p:nvSpPr>
+        <p:spPr>
+          <a:xfrm>
+            <a:off x="467544" y="476672"/>
+            <a:ext cx="7776864" cy="523220"/>
+          </a:xfrm>
+          <a:prstGeom prst="rect">
+            <a:avLst/>
+          </a:prstGeom>
+          <a:noFill/>
+        </p:spPr>
+        <p:txBody>
+          <a:bodyPr wrap="square" rtlCol="0">
+            <a:spAutoFit/>
+          </a:bodyPr>
+          <a:lstStyle/>
+          <a:p>
+            <a:r>
+              <a:rPr lang="en-US" altLang="zh-CN" sz="2800" dirty="0">
+                <a:solidFill>
+                  <a:schemeClr val="tx1">
+                    <a:lumMod val="75000"/>
+                    <a:lumOff val="25000"/>
+                  </a:schemeClr>
+                </a:solidFill>
+                <a:latin typeface="微软雅黑" pitchFamily="34" charset="-122"/>
+                <a:ea typeface="微软雅黑" pitchFamily="34" charset="-122"/>
+              </a:rPr>
+              <a:t>7</a:t>
+            </a:r>
+            <a:r>
+              <a:rPr lang="en-US" altLang="zh-CN" sz="2800" dirty="0" smtClean="0">
+                <a:solidFill>
+                  <a:schemeClr val="tx1">
+                    <a:lumMod val="75000"/>
+                    <a:lumOff val="25000"/>
+                  </a:schemeClr>
+                </a:solidFill>
+                <a:latin typeface="微软雅黑" pitchFamily="34" charset="-122"/>
+                <a:ea typeface="微软雅黑" pitchFamily="34" charset="-122"/>
+              </a:rPr>
+              <a:t>.</a:t>
+            </a:r>
+            <a:r>
+              <a:rPr lang="zh-CN" altLang="en-US" sz="2800" dirty="0" smtClean="0">
+                <a:solidFill>
+                  <a:schemeClr val="tx1">
+                    <a:lumMod val="75000"/>
+                    <a:lumOff val="25000"/>
+                  </a:schemeClr>
+                </a:solidFill>
+                <a:latin typeface="微软雅黑" pitchFamily="34" charset="-122"/>
+                <a:ea typeface="微软雅黑" pitchFamily="34" charset="-122"/>
+              </a:rPr>
+              <a:t>更多思考</a:t>
+            </a:r>
+            <a:endParaRPr lang="zh-CN" altLang="en-US" sz="2800" dirty="0">
+              <a:solidFill>
+                <a:schemeClr val="tx1">
+                  <a:lumMod val="75000"/>
+                  <a:lumOff val="25000"/>
+                </a:schemeClr>
+              </a:solidFill>
+              <a:latin typeface="微软雅黑" pitchFamily="34" charset="-122"/>
+              <a:ea typeface="微软雅黑" pitchFamily="34" charset="-122"/>
+            </a:endParaRPr>
+          </a:p>
+        </p:txBody>
+      </p:sp>
+      <p:sp>
+        <p:nvSpPr>
+          <p:cNvPr id="3" name="TextBox 2"/>
+          <p:cNvSpPr txBox="1"/>
+          <p:nvPr/>
+        </p:nvSpPr>
+        <p:spPr>
+          <a:xfrm>
+            <a:off x="755576" y="1412776"/>
+            <a:ext cx="7776864" cy="1338828"/>
+          </a:xfrm>
+          <a:prstGeom prst="rect">
+            <a:avLst/>
+          </a:prstGeom>
+          <a:noFill/>
+        </p:spPr>
+        <p:txBody>
+          <a:bodyPr wrap="square" rtlCol="0">
+            <a:spAutoFit/>
+          </a:bodyPr>
+          <a:lstStyle/>
+          <a:p>
+            <a:pPr>
+              <a:lnSpc>
+                <a:spcPct val="150000"/>
+              </a:lnSpc>
+            </a:pPr>
+            <a:r>
+              <a:rPr lang="zh-CN" altLang="en-US" dirty="0" smtClean="0"/>
+              <a:t>我们可以制作一个骰子，然后通过单一按钮，进行随机投掷，这样就变成了一个有趣的小游戏</a:t>
+            </a:r>
+            <a:endParaRPr lang="en-US" altLang="zh-CN" dirty="0" smtClean="0"/>
+          </a:p>
+          <a:p>
+            <a:pPr>
+              <a:lnSpc>
+                <a:spcPct val="150000"/>
+              </a:lnSpc>
+            </a:pPr>
+            <a:endParaRPr lang="zh-CN" altLang="en-US" dirty="0"/>
+          </a:p>
+        </p:txBody>
+      </p:sp>
+      <p:sp>
+        <p:nvSpPr>
+          <p:cNvPr id="9" name="TextBox 8"/>
+          <p:cNvSpPr txBox="1"/>
+          <p:nvPr/>
+        </p:nvSpPr>
+        <p:spPr>
+          <a:xfrm>
+            <a:off x="467544" y="3645024"/>
+            <a:ext cx="7776864" cy="1384995"/>
+          </a:xfrm>
+          <a:prstGeom prst="rect">
+            <a:avLst/>
+          </a:prstGeom>
+          <a:noFill/>
+        </p:spPr>
+        <p:txBody>
+          <a:bodyPr wrap="square" rtlCol="0">
+            <a:spAutoFit/>
+          </a:bodyPr>
+          <a:lstStyle/>
+          <a:p>
+            <a:r>
+              <a:rPr lang="en-US" altLang="zh-CN" sz="2800" dirty="0" smtClean="0">
+                <a:solidFill>
+                  <a:schemeClr val="tx1">
+                    <a:lumMod val="75000"/>
+                    <a:lumOff val="25000"/>
+                  </a:schemeClr>
+                </a:solidFill>
+                <a:latin typeface="微软雅黑" pitchFamily="34" charset="-122"/>
+                <a:ea typeface="微软雅黑" pitchFamily="34" charset="-122"/>
+              </a:rPr>
+              <a:t>	</a:t>
+            </a:r>
+            <a:r>
+              <a:rPr lang="zh-CN" altLang="en-US" sz="2800" dirty="0" smtClean="0">
+                <a:solidFill>
+                  <a:schemeClr val="tx1">
+                    <a:lumMod val="75000"/>
+                    <a:lumOff val="25000"/>
+                  </a:schemeClr>
+                </a:solidFill>
+                <a:latin typeface="微软雅黑" pitchFamily="34" charset="-122"/>
+                <a:ea typeface="微软雅黑" pitchFamily="34" charset="-122"/>
+              </a:rPr>
+              <a:t>本期内容就讲到这里，谢谢大家！</a:t>
+            </a:r>
+            <a:endParaRPr lang="en-US" altLang="zh-CN" sz="2800" dirty="0" smtClean="0">
+              <a:solidFill>
+                <a:schemeClr val="tx1">
+                  <a:lumMod val="75000"/>
+                  <a:lumOff val="25000"/>
+                </a:schemeClr>
+              </a:solidFill>
+              <a:latin typeface="微软雅黑" pitchFamily="34" charset="-122"/>
+              <a:ea typeface="微软雅黑" pitchFamily="34" charset="-122"/>
+            </a:endParaRPr>
+          </a:p>
+          <a:p>
+            <a:endParaRPr lang="en-US" altLang="zh-CN" sz="2800" dirty="0" smtClean="0">
+              <a:solidFill>
+                <a:schemeClr val="tx1">
+                  <a:lumMod val="75000"/>
+                  <a:lumOff val="25000"/>
+                </a:schemeClr>
+              </a:solidFill>
+              <a:latin typeface="微软雅黑" pitchFamily="34" charset="-122"/>
+              <a:ea typeface="微软雅黑" pitchFamily="34" charset="-122"/>
+            </a:endParaRPr>
+          </a:p>
+          <a:p>
+            <a:r>
+              <a:rPr lang="en-US" altLang="zh-CN" sz="2800" dirty="0">
+                <a:solidFill>
+                  <a:schemeClr val="tx1">
+                    <a:lumMod val="75000"/>
+                    <a:lumOff val="25000"/>
+                  </a:schemeClr>
+                </a:solidFill>
+                <a:latin typeface="微软雅黑" pitchFamily="34" charset="-122"/>
+                <a:ea typeface="微软雅黑" pitchFamily="34" charset="-122"/>
+              </a:rPr>
+              <a:t>	</a:t>
+            </a:r>
+            <a:r>
+              <a:rPr lang="en-US" altLang="zh-CN" sz="2800" dirty="0" smtClean="0">
+                <a:solidFill>
+                  <a:schemeClr val="tx1">
+                    <a:lumMod val="75000"/>
+                    <a:lumOff val="25000"/>
+                  </a:schemeClr>
+                </a:solidFill>
+                <a:latin typeface="微软雅黑" pitchFamily="34" charset="-122"/>
+                <a:ea typeface="微软雅黑" pitchFamily="34" charset="-122"/>
+              </a:rPr>
+              <a:t>	</a:t>
+            </a:r>
+            <a:r>
+              <a:rPr lang="zh-CN" altLang="en-US" sz="2800" dirty="0" smtClean="0">
+                <a:solidFill>
+                  <a:schemeClr val="tx1">
+                    <a:lumMod val="75000"/>
+                    <a:lumOff val="25000"/>
+                  </a:schemeClr>
+                </a:solidFill>
+                <a:latin typeface="微软雅黑" pitchFamily="34" charset="-122"/>
+                <a:ea typeface="微软雅黑" pitchFamily="34" charset="-122"/>
+              </a:rPr>
+              <a:t>下期预告，星空效果！</a:t>
+            </a:r>
+            <a:endParaRPr lang="zh-CN" altLang="en-US" sz="2800" dirty="0">
+              <a:solidFill>
+                <a:schemeClr val="tx1">
+                  <a:lumMod val="75000"/>
+                  <a:lumOff val="25000"/>
+                </a:schemeClr>
+              </a:solidFill>
+              <a:latin typeface="微软雅黑" pitchFamily="34" charset="-122"/>
+              <a:ea typeface="微软雅黑" pitchFamily="34" charset="-122"/>
+            </a:endParaRPr>
+          </a:p>
+        </p:txBody>
+      </p:sp>
+    </p:spTree>
+    <p:extLst>
+      <p:ext uri="{BB962C8B-B14F-4D97-AF65-F5344CB8AC3E}">
+        <p14:creationId xmlns:p14="http://schemas.microsoft.com/office/powerpoint/2010/main" val="2179011462"/>
+      </p:ext>
+    </p:extLst>
+  </p:cSld>
+  <p:clrMapOvr>
+    <a:masterClrMapping/>
+  </p:clrMapOvr>
+</p:sld>
+</file>
+
 <file path=ppt/slides/slide3.xml><?xml version="1.0" encoding="utf-8"?>
 <p:sld xmlns:a="http://schemas.openxmlformats.org/drawingml/2006/main" xmlns:r="http://schemas.openxmlformats.org/officeDocument/2006/relationships" xmlns:p="http://schemas.openxmlformats.org/presentationml/2006/main">
   <p:cSld>
@@ -5531,7 +8492,85 @@
                 <a:latin typeface="微软雅黑" pitchFamily="34" charset="-122"/>
                 <a:ea typeface="微软雅黑" pitchFamily="34" charset="-122"/>
               </a:rPr>
-              <a:t>透视，需要在正确的标签上，设置正确的样式，并且不断修改目标物体的位置</a:t>
+              <a:t>透视，需要在正确的标签上</a:t>
+            </a:r>
+            <a:r>
+              <a:rPr lang="zh-CN" altLang="en-US" dirty="0" smtClean="0">
+                <a:solidFill>
+                  <a:schemeClr val="tx1">
+                    <a:lumMod val="75000"/>
+                    <a:lumOff val="25000"/>
+                  </a:schemeClr>
+                </a:solidFill>
+                <a:latin typeface="微软雅黑" pitchFamily="34" charset="-122"/>
+                <a:ea typeface="微软雅黑" pitchFamily="34" charset="-122"/>
+              </a:rPr>
+              <a:t>，正确</a:t>
+            </a:r>
+            <a:r>
+              <a:rPr lang="zh-CN" altLang="en-US" dirty="0" smtClean="0">
+                <a:solidFill>
+                  <a:schemeClr val="tx1">
+                    <a:lumMod val="75000"/>
+                    <a:lumOff val="25000"/>
+                  </a:schemeClr>
+                </a:solidFill>
+                <a:latin typeface="微软雅黑" pitchFamily="34" charset="-122"/>
+                <a:ea typeface="微软雅黑" pitchFamily="34" charset="-122"/>
+              </a:rPr>
+              <a:t>地设置</a:t>
+            </a:r>
+            <a:r>
+              <a:rPr lang="zh-CN" altLang="en-US" dirty="0" smtClean="0">
+                <a:solidFill>
+                  <a:schemeClr val="tx1">
+                    <a:lumMod val="75000"/>
+                    <a:lumOff val="25000"/>
+                  </a:schemeClr>
+                </a:solidFill>
+                <a:latin typeface="微软雅黑" pitchFamily="34" charset="-122"/>
+                <a:ea typeface="微软雅黑" pitchFamily="34" charset="-122"/>
+              </a:rPr>
+              <a:t>样式</a:t>
+            </a:r>
+            <a:r>
+              <a:rPr lang="zh-CN" altLang="en-US" dirty="0" smtClean="0">
+                <a:solidFill>
+                  <a:schemeClr val="tx1">
+                    <a:lumMod val="75000"/>
+                    <a:lumOff val="25000"/>
+                  </a:schemeClr>
+                </a:solidFill>
+                <a:latin typeface="微软雅黑" pitchFamily="34" charset="-122"/>
+                <a:ea typeface="微软雅黑" pitchFamily="34" charset="-122"/>
+              </a:rPr>
+              <a:t>，并且不断</a:t>
+            </a:r>
+            <a:r>
+              <a:rPr lang="zh-CN" altLang="en-US" dirty="0" smtClean="0">
+                <a:solidFill>
+                  <a:schemeClr val="tx1">
+                    <a:lumMod val="75000"/>
+                    <a:lumOff val="25000"/>
+                  </a:schemeClr>
+                </a:solidFill>
+                <a:latin typeface="微软雅黑" pitchFamily="34" charset="-122"/>
+                <a:ea typeface="微软雅黑" pitchFamily="34" charset="-122"/>
+              </a:rPr>
+              <a:t>修改观察目标的</a:t>
+            </a:r>
+            <a:r>
+              <a:rPr lang="zh-CN" altLang="en-US" dirty="0" smtClean="0">
+                <a:solidFill>
+                  <a:schemeClr val="tx1">
+                    <a:lumMod val="75000"/>
+                    <a:lumOff val="25000"/>
+                  </a:schemeClr>
+                </a:solidFill>
+                <a:latin typeface="微软雅黑" pitchFamily="34" charset="-122"/>
+                <a:ea typeface="微软雅黑" pitchFamily="34" charset="-122"/>
+              </a:rPr>
+              <a:t>位置</a:t>
             </a:r>
             <a:endParaRPr lang="en-US" altLang="zh-CN" dirty="0" smtClean="0">
               <a:solidFill>
@@ -5682,6 +8721,425 @@
           <a:chExt cx="0" cy="0"/>
         </a:xfrm>
       </p:grpSpPr>
+      <p:pic>
+        <p:nvPicPr>
+          <p:cNvPr id="6" name="图片 5" descr="屏幕剪辑"/>
+          <p:cNvPicPr>
+            <a:picLocks noChangeAspect="1"/>
+          </p:cNvPicPr>
+          <p:nvPr/>
+        </p:nvPicPr>
+        <p:blipFill>
+          <a:blip r:embed="rId2">
+            <a:extLst>
+              <a:ext uri="{28A0092B-C50C-407E-A947-70E740481C1C}">
+                <a14:useLocalDpi xmlns:a14="http://schemas.microsoft.com/office/drawing/2010/main" val="0"/>
+              </a:ext>
+            </a:extLst>
+          </a:blip>
+          <a:stretch>
+            <a:fillRect/>
+          </a:stretch>
+        </p:blipFill>
+        <p:spPr>
+          <a:xfrm>
+            <a:off x="971600" y="2636509"/>
+            <a:ext cx="3019846" cy="990738"/>
+          </a:xfrm>
+          <a:prstGeom prst="rect">
+            <a:avLst/>
+          </a:prstGeom>
+          <a:ln>
+            <a:noFill/>
+          </a:ln>
+          <a:effectLst>
+            <a:outerShdw blurRad="292100" dist="139700" dir="2700000" algn="tl" rotWithShape="0">
+              <a:srgbClr val="333333">
+                <a:alpha val="65000"/>
+              </a:srgbClr>
+            </a:outerShdw>
+          </a:effectLst>
+        </p:spPr>
+      </p:pic>
+      <p:sp>
+        <p:nvSpPr>
+          <p:cNvPr id="2" name="TextBox 1"/>
+          <p:cNvSpPr txBox="1"/>
+          <p:nvPr/>
+        </p:nvSpPr>
+        <p:spPr>
+          <a:xfrm>
+            <a:off x="467544" y="476672"/>
+            <a:ext cx="5976664" cy="523220"/>
+          </a:xfrm>
+          <a:prstGeom prst="rect">
+            <a:avLst/>
+          </a:prstGeom>
+          <a:noFill/>
+        </p:spPr>
+        <p:txBody>
+          <a:bodyPr wrap="square" rtlCol="0">
+            <a:spAutoFit/>
+          </a:bodyPr>
+          <a:lstStyle/>
+          <a:p>
+            <a:r>
+              <a:rPr lang="en-US" altLang="zh-CN" sz="2800" dirty="0" smtClean="0">
+                <a:solidFill>
+                  <a:schemeClr val="tx1">
+                    <a:lumMod val="75000"/>
+                    <a:lumOff val="25000"/>
+                  </a:schemeClr>
+                </a:solidFill>
+                <a:latin typeface="微软雅黑" pitchFamily="34" charset="-122"/>
+                <a:ea typeface="微软雅黑" pitchFamily="34" charset="-122"/>
+              </a:rPr>
+              <a:t>3</a:t>
+            </a:r>
+            <a:r>
+              <a:rPr lang="en-US" altLang="zh-CN" sz="2800" dirty="0" smtClean="0">
+                <a:solidFill>
+                  <a:schemeClr val="tx1">
+                    <a:lumMod val="75000"/>
+                    <a:lumOff val="25000"/>
+                  </a:schemeClr>
+                </a:solidFill>
+                <a:latin typeface="微软雅黑" pitchFamily="34" charset="-122"/>
+                <a:ea typeface="微软雅黑" pitchFamily="34" charset="-122"/>
+              </a:rPr>
+              <a:t>.</a:t>
+            </a:r>
+            <a:r>
+              <a:rPr lang="zh-CN" altLang="en-US" sz="2800" dirty="0" smtClean="0">
+                <a:solidFill>
+                  <a:schemeClr val="tx1">
+                    <a:lumMod val="75000"/>
+                    <a:lumOff val="25000"/>
+                  </a:schemeClr>
+                </a:solidFill>
+                <a:latin typeface="微软雅黑" pitchFamily="34" charset="-122"/>
+                <a:ea typeface="微软雅黑" pitchFamily="34" charset="-122"/>
+              </a:rPr>
+              <a:t>创造星空</a:t>
+            </a:r>
+            <a:endParaRPr lang="zh-CN" altLang="en-US" sz="2800" dirty="0">
+              <a:solidFill>
+                <a:schemeClr val="tx1">
+                  <a:lumMod val="75000"/>
+                  <a:lumOff val="25000"/>
+                </a:schemeClr>
+              </a:solidFill>
+              <a:latin typeface="微软雅黑" pitchFamily="34" charset="-122"/>
+              <a:ea typeface="微软雅黑" pitchFamily="34" charset="-122"/>
+            </a:endParaRPr>
+          </a:p>
+        </p:txBody>
+      </p:sp>
+      <p:sp>
+        <p:nvSpPr>
+          <p:cNvPr id="4" name="圆角矩形标注 3"/>
+          <p:cNvSpPr/>
+          <p:nvPr/>
+        </p:nvSpPr>
+        <p:spPr>
+          <a:xfrm>
+            <a:off x="4211960" y="2746642"/>
+            <a:ext cx="2856704" cy="770471"/>
+          </a:xfrm>
+          <a:prstGeom prst="wedgeRoundRectCallout">
+            <a:avLst>
+              <a:gd name="adj1" fmla="val -59043"/>
+              <a:gd name="adj2" fmla="val -12903"/>
+              <a:gd name="adj3" fmla="val 16667"/>
+            </a:avLst>
+          </a:prstGeom>
+        </p:spPr>
+        <p:style>
+          <a:lnRef idx="2">
+            <a:schemeClr val="accent5"/>
+          </a:lnRef>
+          <a:fillRef idx="1">
+            <a:schemeClr val="lt1"/>
+          </a:fillRef>
+          <a:effectRef idx="0">
+            <a:schemeClr val="accent5"/>
+          </a:effectRef>
+          <a:fontRef idx="minor">
+            <a:schemeClr val="dk1"/>
+          </a:fontRef>
+        </p:style>
+        <p:txBody>
+          <a:bodyPr rtlCol="0" anchor="ctr"/>
+          <a:lstStyle/>
+          <a:p>
+            <a:pPr>
+              <a:lnSpc>
+                <a:spcPct val="150000"/>
+              </a:lnSpc>
+            </a:pPr>
+            <a:r>
+              <a:rPr lang="zh-CN" altLang="en-US" sz="1600" dirty="0" smtClean="0">
+                <a:latin typeface="微软雅黑" panose="020B0503020204020204" pitchFamily="34" charset="-122"/>
+                <a:ea typeface="微软雅黑" panose="020B0503020204020204" pitchFamily="34" charset="-122"/>
+              </a:rPr>
+              <a:t>所谓的天空就是一个</a:t>
+            </a:r>
+            <a:r>
+              <a:rPr lang="en-US" altLang="zh-CN" sz="1600" dirty="0" smtClean="0">
+                <a:latin typeface="微软雅黑" panose="020B0503020204020204" pitchFamily="34" charset="-122"/>
+                <a:ea typeface="微软雅黑" panose="020B0503020204020204" pitchFamily="34" charset="-122"/>
+              </a:rPr>
+              <a:t>&lt;div&gt;</a:t>
+            </a:r>
+            <a:r>
+              <a:rPr lang="zh-CN" altLang="en-US" sz="1600" dirty="0" smtClean="0">
+                <a:latin typeface="微软雅黑" panose="020B0503020204020204" pitchFamily="34" charset="-122"/>
+                <a:ea typeface="微软雅黑" panose="020B0503020204020204" pitchFamily="34" charset="-122"/>
+              </a:rPr>
+              <a:t>标签，关键是</a:t>
+            </a:r>
+            <a:r>
+              <a:rPr lang="zh-CN" altLang="en-US" sz="1600" dirty="0" smtClean="0">
+                <a:latin typeface="微软雅黑" panose="020B0503020204020204" pitchFamily="34" charset="-122"/>
+                <a:ea typeface="微软雅黑" panose="020B0503020204020204" pitchFamily="34" charset="-122"/>
+              </a:rPr>
+              <a:t>样式！</a:t>
+            </a:r>
+            <a:endParaRPr lang="zh-CN" altLang="en-US" sz="1600" dirty="0">
+              <a:latin typeface="微软雅黑" panose="020B0503020204020204" pitchFamily="34" charset="-122"/>
+              <a:ea typeface="微软雅黑" panose="020B0503020204020204" pitchFamily="34" charset="-122"/>
+            </a:endParaRPr>
+          </a:p>
+        </p:txBody>
+      </p:sp>
+      <p:sp>
+        <p:nvSpPr>
+          <p:cNvPr id="5" name="矩形 4"/>
+          <p:cNvSpPr/>
+          <p:nvPr/>
+        </p:nvSpPr>
+        <p:spPr>
+          <a:xfrm>
+            <a:off x="827584" y="1052736"/>
+            <a:ext cx="6991651" cy="2169825"/>
+          </a:xfrm>
+          <a:prstGeom prst="rect">
+            <a:avLst/>
+          </a:prstGeom>
+        </p:spPr>
+        <p:txBody>
+          <a:bodyPr wrap="square">
+            <a:spAutoFit/>
+          </a:bodyPr>
+          <a:lstStyle/>
+          <a:p>
+            <a:pPr>
+              <a:lnSpc>
+                <a:spcPct val="150000"/>
+              </a:lnSpc>
+            </a:pPr>
+            <a:r>
+              <a:rPr lang="en-US" altLang="zh-CN" dirty="0" smtClean="0">
+                <a:latin typeface="微软雅黑" panose="020B0503020204020204" pitchFamily="34" charset="-122"/>
+                <a:ea typeface="微软雅黑" panose="020B0503020204020204" pitchFamily="34" charset="-122"/>
+              </a:rPr>
+              <a:t>a.</a:t>
+            </a:r>
+            <a:r>
+              <a:rPr lang="zh-CN" altLang="en-US" dirty="0" smtClean="0">
+                <a:latin typeface="微软雅黑" panose="020B0503020204020204" pitchFamily="34" charset="-122"/>
+                <a:ea typeface="微软雅黑" panose="020B0503020204020204" pitchFamily="34" charset="-122"/>
+              </a:rPr>
+              <a:t>背景天空</a:t>
+            </a:r>
+            <a:endParaRPr lang="en-US" altLang="zh-CN" dirty="0" smtClean="0">
+              <a:latin typeface="微软雅黑" panose="020B0503020204020204" pitchFamily="34" charset="-122"/>
+              <a:ea typeface="微软雅黑" panose="020B0503020204020204" pitchFamily="34" charset="-122"/>
+            </a:endParaRPr>
+          </a:p>
+          <a:p>
+            <a:pPr>
+              <a:lnSpc>
+                <a:spcPct val="150000"/>
+              </a:lnSpc>
+            </a:pPr>
+            <a:r>
+              <a:rPr lang="zh-CN" altLang="en-US" dirty="0" smtClean="0">
+                <a:latin typeface="微软雅黑" panose="020B0503020204020204" pitchFamily="34" charset="-122"/>
+                <a:ea typeface="微软雅黑" panose="020B0503020204020204" pitchFamily="34" charset="-122"/>
+              </a:rPr>
+              <a:t>我们</a:t>
+            </a:r>
+            <a:r>
+              <a:rPr lang="zh-CN" altLang="en-US" dirty="0">
+                <a:latin typeface="微软雅黑" panose="020B0503020204020204" pitchFamily="34" charset="-122"/>
+                <a:ea typeface="微软雅黑" panose="020B0503020204020204" pitchFamily="34" charset="-122"/>
+              </a:rPr>
+              <a:t>想要</a:t>
+            </a:r>
+            <a:r>
+              <a:rPr lang="zh-CN" altLang="en-US" b="1" dirty="0">
+                <a:solidFill>
+                  <a:srgbClr val="FF0000"/>
+                </a:solidFill>
+                <a:latin typeface="微软雅黑" panose="020B0503020204020204" pitchFamily="34" charset="-122"/>
+                <a:ea typeface="微软雅黑" panose="020B0503020204020204" pitchFamily="34" charset="-122"/>
+              </a:rPr>
+              <a:t>动态的</a:t>
+            </a:r>
+            <a:r>
+              <a:rPr lang="zh-CN" altLang="en-US" dirty="0">
+                <a:latin typeface="微软雅黑" panose="020B0503020204020204" pitchFamily="34" charset="-122"/>
+                <a:ea typeface="微软雅黑" panose="020B0503020204020204" pitchFamily="34" charset="-122"/>
+              </a:rPr>
+              <a:t>创建星空，所以，仅仅需要极其简单的</a:t>
+            </a:r>
+            <a:r>
+              <a:rPr lang="en-US" altLang="zh-CN" dirty="0">
+                <a:latin typeface="微软雅黑" panose="020B0503020204020204" pitchFamily="34" charset="-122"/>
+                <a:ea typeface="微软雅黑" panose="020B0503020204020204" pitchFamily="34" charset="-122"/>
+              </a:rPr>
+              <a:t>html</a:t>
+            </a:r>
+            <a:r>
+              <a:rPr lang="zh-CN" altLang="en-US" dirty="0" smtClean="0">
+                <a:latin typeface="微软雅黑" panose="020B0503020204020204" pitchFamily="34" charset="-122"/>
+                <a:ea typeface="微软雅黑" panose="020B0503020204020204" pitchFamily="34" charset="-122"/>
+              </a:rPr>
+              <a:t>框架，形象的说，就是需要一个标签来扮演天空，以便让群星飞行！</a:t>
+            </a:r>
+            <a:endParaRPr lang="en-US" altLang="zh-CN" dirty="0" smtClean="0">
+              <a:latin typeface="微软雅黑" panose="020B0503020204020204" pitchFamily="34" charset="-122"/>
+              <a:ea typeface="微软雅黑" panose="020B0503020204020204" pitchFamily="34" charset="-122"/>
+            </a:endParaRPr>
+          </a:p>
+          <a:p>
+            <a:pPr>
+              <a:lnSpc>
+                <a:spcPct val="150000"/>
+              </a:lnSpc>
+            </a:pPr>
+            <a:endParaRPr lang="en-US" altLang="zh-CN" dirty="0" smtClean="0">
+              <a:latin typeface="微软雅黑" panose="020B0503020204020204" pitchFamily="34" charset="-122"/>
+              <a:ea typeface="微软雅黑" panose="020B0503020204020204" pitchFamily="34" charset="-122"/>
+            </a:endParaRPr>
+          </a:p>
+          <a:p>
+            <a:pPr>
+              <a:lnSpc>
+                <a:spcPct val="150000"/>
+              </a:lnSpc>
+            </a:pPr>
+            <a:endParaRPr lang="en-US" altLang="zh-CN" dirty="0">
+              <a:latin typeface="微软雅黑" panose="020B0503020204020204" pitchFamily="34" charset="-122"/>
+              <a:ea typeface="微软雅黑" panose="020B0503020204020204" pitchFamily="34" charset="-122"/>
+            </a:endParaRPr>
+          </a:p>
+        </p:txBody>
+      </p:sp>
+      <p:pic>
+        <p:nvPicPr>
+          <p:cNvPr id="7" name="图片 6" descr="屏幕剪辑"/>
+          <p:cNvPicPr>
+            <a:picLocks noChangeAspect="1"/>
+          </p:cNvPicPr>
+          <p:nvPr/>
+        </p:nvPicPr>
+        <p:blipFill>
+          <a:blip r:embed="rId3">
+            <a:extLst>
+              <a:ext uri="{28A0092B-C50C-407E-A947-70E740481C1C}">
+                <a14:useLocalDpi xmlns:a14="http://schemas.microsoft.com/office/drawing/2010/main" val="0"/>
+              </a:ext>
+            </a:extLst>
+          </a:blip>
+          <a:stretch>
+            <a:fillRect/>
+          </a:stretch>
+        </p:blipFill>
+        <p:spPr>
+          <a:xfrm>
+            <a:off x="971600" y="3982653"/>
+            <a:ext cx="3048425" cy="2038635"/>
+          </a:xfrm>
+          <a:prstGeom prst="rect">
+            <a:avLst/>
+          </a:prstGeom>
+          <a:ln>
+            <a:noFill/>
+          </a:ln>
+          <a:effectLst>
+            <a:outerShdw blurRad="292100" dist="139700" dir="2700000" algn="tl" rotWithShape="0">
+              <a:srgbClr val="333333">
+                <a:alpha val="65000"/>
+              </a:srgbClr>
+            </a:outerShdw>
+          </a:effectLst>
+        </p:spPr>
+      </p:pic>
+      <p:sp>
+        <p:nvSpPr>
+          <p:cNvPr id="8" name="圆角矩形标注 7"/>
+          <p:cNvSpPr/>
+          <p:nvPr/>
+        </p:nvSpPr>
+        <p:spPr>
+          <a:xfrm>
+            <a:off x="4050480" y="4191654"/>
+            <a:ext cx="3018184" cy="1159151"/>
+          </a:xfrm>
+          <a:prstGeom prst="wedgeRoundRectCallout">
+            <a:avLst>
+              <a:gd name="adj1" fmla="val -59043"/>
+              <a:gd name="adj2" fmla="val -12903"/>
+              <a:gd name="adj3" fmla="val 16667"/>
+            </a:avLst>
+          </a:prstGeom>
+        </p:spPr>
+        <p:style>
+          <a:lnRef idx="2">
+            <a:schemeClr val="accent5"/>
+          </a:lnRef>
+          <a:fillRef idx="1">
+            <a:schemeClr val="lt1"/>
+          </a:fillRef>
+          <a:effectRef idx="0">
+            <a:schemeClr val="accent5"/>
+          </a:effectRef>
+          <a:fontRef idx="minor">
+            <a:schemeClr val="dk1"/>
+          </a:fontRef>
+        </p:style>
+        <p:txBody>
+          <a:bodyPr rtlCol="0" anchor="ctr"/>
+          <a:lstStyle/>
+          <a:p>
+            <a:pPr>
+              <a:lnSpc>
+                <a:spcPct val="150000"/>
+              </a:lnSpc>
+            </a:pPr>
+            <a:r>
+              <a:rPr lang="zh-CN" altLang="en-US" sz="1600" dirty="0" smtClean="0">
+                <a:latin typeface="微软雅黑" panose="020B0503020204020204" pitchFamily="34" charset="-122"/>
+                <a:ea typeface="微软雅黑" panose="020B0503020204020204" pitchFamily="34" charset="-122"/>
+              </a:rPr>
+              <a:t>这个标签需要铺满整个窗口，所以是固定定位，并且宽高都是</a:t>
+            </a:r>
+            <a:r>
+              <a:rPr lang="en-US" altLang="zh-CN" sz="1600" dirty="0" smtClean="0">
+                <a:latin typeface="微软雅黑" panose="020B0503020204020204" pitchFamily="34" charset="-122"/>
+                <a:ea typeface="微软雅黑" panose="020B0503020204020204" pitchFamily="34" charset="-122"/>
+              </a:rPr>
+              <a:t>100%</a:t>
+            </a:r>
+            <a:endParaRPr lang="zh-CN" altLang="en-US" sz="1600" dirty="0">
+              <a:latin typeface="微软雅黑" panose="020B0503020204020204" pitchFamily="34" charset="-122"/>
+              <a:ea typeface="微软雅黑" panose="020B0503020204020204" pitchFamily="34" charset="-122"/>
+            </a:endParaRPr>
+          </a:p>
+        </p:txBody>
+      </p:sp>
     </p:spTree>
     <p:extLst>
       <p:ext uri="{BB962C8B-B14F-4D97-AF65-F5344CB8AC3E}">
@@ -5712,115 +9170,9 @@
           <a:chExt cx="0" cy="0"/>
         </a:xfrm>
       </p:grpSpPr>
-      <p:sp>
-        <p:nvSpPr>
-          <p:cNvPr id="4" name="TextBox 3"/>
-          <p:cNvSpPr txBox="1"/>
-          <p:nvPr/>
-        </p:nvSpPr>
-        <p:spPr>
-          <a:xfrm>
-            <a:off x="467544" y="476672"/>
-            <a:ext cx="7200800" cy="738664"/>
-          </a:xfrm>
-          <a:prstGeom prst="rect">
-            <a:avLst/>
-          </a:prstGeom>
-          <a:noFill/>
-        </p:spPr>
-        <p:txBody>
-          <a:bodyPr wrap="square" rtlCol="0">
-            <a:spAutoFit/>
-          </a:bodyPr>
-          <a:lstStyle/>
-          <a:p>
-            <a:pPr>
-              <a:lnSpc>
-                <a:spcPct val="150000"/>
-              </a:lnSpc>
-            </a:pPr>
-            <a:r>
-              <a:rPr lang="en-US" altLang="zh-CN" sz="2800" dirty="0" smtClean="0">
-                <a:solidFill>
-                  <a:schemeClr val="tx1">
-                    <a:lumMod val="75000"/>
-                    <a:lumOff val="25000"/>
-                  </a:schemeClr>
-                </a:solidFill>
-                <a:latin typeface="微软雅黑" pitchFamily="34" charset="-122"/>
-                <a:ea typeface="微软雅黑" pitchFamily="34" charset="-122"/>
-              </a:rPr>
-              <a:t>3.</a:t>
-            </a:r>
-            <a:r>
-              <a:rPr lang="zh-CN" altLang="en-US" sz="2800" dirty="0" smtClean="0">
-                <a:solidFill>
-                  <a:schemeClr val="tx1">
-                    <a:lumMod val="75000"/>
-                    <a:lumOff val="25000"/>
-                  </a:schemeClr>
-                </a:solidFill>
-                <a:latin typeface="微软雅黑" pitchFamily="34" charset="-122"/>
-                <a:ea typeface="微软雅黑" pitchFamily="34" charset="-122"/>
-              </a:rPr>
-              <a:t>旋转特定角度，露出特定平面</a:t>
-            </a:r>
-            <a:endParaRPr lang="zh-CN" altLang="en-US" sz="2800" dirty="0">
-              <a:solidFill>
-                <a:schemeClr val="tx1">
-                  <a:lumMod val="75000"/>
-                  <a:lumOff val="25000"/>
-                </a:schemeClr>
-              </a:solidFill>
-              <a:latin typeface="微软雅黑" pitchFamily="34" charset="-122"/>
-              <a:ea typeface="微软雅黑" pitchFamily="34" charset="-122"/>
-            </a:endParaRPr>
-          </a:p>
-        </p:txBody>
-      </p:sp>
-      <p:sp>
-        <p:nvSpPr>
-          <p:cNvPr id="5" name="TextBox 4"/>
-          <p:cNvSpPr txBox="1"/>
-          <p:nvPr/>
-        </p:nvSpPr>
-        <p:spPr>
-          <a:xfrm>
-            <a:off x="467544" y="1379721"/>
-            <a:ext cx="7992888" cy="458908"/>
-          </a:xfrm>
-          <a:prstGeom prst="rect">
-            <a:avLst/>
-          </a:prstGeom>
-          <a:noFill/>
-        </p:spPr>
-        <p:txBody>
-          <a:bodyPr wrap="square" rtlCol="0">
-            <a:spAutoFit/>
-          </a:bodyPr>
-          <a:lstStyle/>
-          <a:p>
-            <a:pPr>
-              <a:lnSpc>
-                <a:spcPct val="150000"/>
-              </a:lnSpc>
-            </a:pPr>
-            <a:endParaRPr lang="en-US" altLang="zh-CN" dirty="0" smtClean="0">
-              <a:solidFill>
-                <a:schemeClr val="tx1">
-                  <a:lumMod val="75000"/>
-                  <a:lumOff val="25000"/>
-                </a:schemeClr>
-              </a:solidFill>
-              <a:latin typeface="微软雅黑" pitchFamily="34" charset="-122"/>
-              <a:ea typeface="微软雅黑" pitchFamily="34" charset="-122"/>
-            </a:endParaRPr>
-          </a:p>
-        </p:txBody>
-      </p:sp>
       <p:pic>
         <p:nvPicPr>
-          <p:cNvPr id="2" name="图片 1" descr="屏幕剪辑"/>
+          <p:cNvPr id="3" name="图片 2" descr="屏幕剪辑"/>
           <p:cNvPicPr>
             <a:picLocks noChangeAspect="1"/>
           </p:cNvPicPr>
@@ -5840,8 +9192,8 @@
         </p:blipFill>
         <p:spPr>
           <a:xfrm>
-            <a:off x="798469" y="1523737"/>
-            <a:ext cx="5808564" cy="5001607"/>
+            <a:off x="971600" y="1060481"/>
+            <a:ext cx="4258269" cy="3372321"/>
           </a:xfrm>
           <a:prstGeom prst="rect">
             <a:avLst/>
@@ -5860,19 +9212,19 @@
       </p:pic>
       <p:sp>
         <p:nvSpPr>
-          <p:cNvPr id="6" name="圆角矩形标注 5"/>
+          <p:cNvPr id="4" name="圆角矩形标注 3"/>
           <p:cNvSpPr/>
           <p:nvPr/>
         </p:nvSpPr>
         <p:spPr>
           <a:xfrm>
-            <a:off x="5436096" y="1653533"/>
-            <a:ext cx="3096344" cy="734300"/>
+            <a:off x="4131220" y="1060481"/>
+            <a:ext cx="3465116" cy="1504423"/>
           </a:xfrm>
           <a:prstGeom prst="wedgeRoundRectCallout">
             <a:avLst>
-              <a:gd name="adj1" fmla="val -53182"/>
-              <a:gd name="adj2" fmla="val -17918"/>
+              <a:gd name="adj1" fmla="val -59043"/>
+              <a:gd name="adj2" fmla="val -12903"/>
               <a:gd name="adj3" fmla="val 16667"/>
             </a:avLst>
           </a:prstGeom>
@@ -5901,34 +9253,55 @@
               </a:lnSpc>
             </a:pPr>
             <a:r>
-              <a:rPr lang="en-US" altLang="zh-CN" sz="1400" dirty="0" smtClean="0">
-                <a:latin typeface="微软雅黑" panose="020B0503020204020204" pitchFamily="34" charset="-122"/>
-                <a:ea typeface="微软雅黑" panose="020B0503020204020204" pitchFamily="34" charset="-122"/>
-              </a:rPr>
-              <a:t>point</a:t>
-            </a:r>
-            <a:r>
-              <a:rPr lang="zh-CN" altLang="en-US" sz="1400" dirty="0" smtClean="0">
-                <a:latin typeface="微软雅黑" panose="020B0503020204020204" pitchFamily="34" charset="-122"/>
-                <a:ea typeface="微软雅黑" panose="020B0503020204020204" pitchFamily="34" charset="-122"/>
-              </a:rPr>
-              <a:t>是自定义属性，添加到骰子的</a:t>
-            </a:r>
-            <a:r>
-              <a:rPr lang="en-US" altLang="zh-CN" sz="1400" dirty="0" smtClean="0">
-                <a:latin typeface="微软雅黑" panose="020B0503020204020204" pitchFamily="34" charset="-122"/>
-                <a:ea typeface="微软雅黑" panose="020B0503020204020204" pitchFamily="34" charset="-122"/>
-              </a:rPr>
-              <a:t>&lt;div&gt;</a:t>
-            </a:r>
-            <a:r>
-              <a:rPr lang="zh-CN" altLang="en-US" sz="1400" dirty="0" smtClean="0">
-                <a:latin typeface="微软雅黑" panose="020B0503020204020204" pitchFamily="34" charset="-122"/>
-                <a:ea typeface="微软雅黑" panose="020B0503020204020204" pitchFamily="34" charset="-122"/>
-              </a:rPr>
-              <a:t>标签中</a:t>
-            </a:r>
-            <a:endParaRPr lang="zh-CN" altLang="en-US" sz="1400" dirty="0">
+              <a:rPr lang="zh-CN" altLang="en-US" sz="1600" dirty="0" smtClean="0">
+                <a:latin typeface="微软雅黑" panose="020B0503020204020204" pitchFamily="34" charset="-122"/>
+                <a:ea typeface="微软雅黑" panose="020B0503020204020204" pitchFamily="34" charset="-122"/>
+              </a:rPr>
+              <a:t>将星星相对于“天空”，绝对定位到</a:t>
+            </a:r>
+            <a:r>
+              <a:rPr lang="zh-CN" altLang="en-US" sz="1600" b="1" dirty="0" smtClean="0">
+                <a:latin typeface="微软雅黑" panose="020B0503020204020204" pitchFamily="34" charset="-122"/>
+                <a:ea typeface="微软雅黑" panose="020B0503020204020204" pitchFamily="34" charset="-122"/>
+              </a:rPr>
+              <a:t>左上角</a:t>
+            </a:r>
+            <a:r>
+              <a:rPr lang="zh-CN" altLang="en-US" sz="1600" dirty="0" smtClean="0">
+                <a:latin typeface="微软雅黑" panose="020B0503020204020204" pitchFamily="34" charset="-122"/>
+                <a:ea typeface="微软雅黑" panose="020B0503020204020204" pitchFamily="34" charset="-122"/>
+              </a:rPr>
+              <a:t>，然后对星星的</a:t>
+            </a:r>
+            <a:r>
+              <a:rPr lang="zh-CN" altLang="en-US" sz="1600" b="1" dirty="0" smtClean="0">
+                <a:latin typeface="微软雅黑" panose="020B0503020204020204" pitchFamily="34" charset="-122"/>
+                <a:ea typeface="微软雅黑" panose="020B0503020204020204" pitchFamily="34" charset="-122"/>
+              </a:rPr>
+              <a:t>阴影</a:t>
+            </a:r>
+            <a:r>
+              <a:rPr lang="zh-CN" altLang="en-US" sz="1600" dirty="0" smtClean="0">
+                <a:latin typeface="微软雅黑" panose="020B0503020204020204" pitchFamily="34" charset="-122"/>
+                <a:ea typeface="微软雅黑" panose="020B0503020204020204" pitchFamily="34" charset="-122"/>
+              </a:rPr>
+              <a:t>进行</a:t>
+            </a:r>
+            <a:r>
+              <a:rPr lang="zh-CN" altLang="en-US" sz="1600" b="1" dirty="0" smtClean="0">
+                <a:latin typeface="微软雅黑" panose="020B0503020204020204" pitchFamily="34" charset="-122"/>
+                <a:ea typeface="微软雅黑" panose="020B0503020204020204" pitchFamily="34" charset="-122"/>
+              </a:rPr>
+              <a:t>全屏幕的偏移</a:t>
+            </a:r>
+            <a:r>
+              <a:rPr lang="zh-CN" altLang="en-US" sz="1600" dirty="0" smtClean="0">
+                <a:latin typeface="微软雅黑" panose="020B0503020204020204" pitchFamily="34" charset="-122"/>
+                <a:ea typeface="微软雅黑" panose="020B0503020204020204" pitchFamily="34" charset="-122"/>
+              </a:rPr>
+              <a:t>，产生整个窗口的随机分布效果</a:t>
+            </a:r>
+            <a:endParaRPr lang="zh-CN" altLang="en-US" sz="1600" dirty="0">
               <a:latin typeface="微软雅黑" panose="020B0503020204020204" pitchFamily="34" charset="-122"/>
               <a:ea typeface="微软雅黑" panose="020B0503020204020204" pitchFamily="34" charset="-122"/>
             </a:endParaRPr>
@@ -5937,19 +9310,88 @@
       </p:sp>
       <p:sp>
         <p:nvSpPr>
-          <p:cNvPr id="7" name="圆角矩形标注 6"/>
+          <p:cNvPr id="5" name="矩形 4"/>
           <p:cNvSpPr/>
           <p:nvPr/>
         </p:nvSpPr>
         <p:spPr>
           <a:xfrm>
-            <a:off x="5436096" y="2545791"/>
-            <a:ext cx="3456384" cy="669148"/>
+            <a:off x="827584" y="332656"/>
+            <a:ext cx="6991651" cy="1338828"/>
+          </a:xfrm>
+          <a:prstGeom prst="rect">
+            <a:avLst/>
+          </a:prstGeom>
+        </p:spPr>
+        <p:txBody>
+          <a:bodyPr wrap="square">
+            <a:spAutoFit/>
+          </a:bodyPr>
+          <a:lstStyle/>
+          <a:p>
+            <a:pPr>
+              <a:lnSpc>
+                <a:spcPct val="150000"/>
+              </a:lnSpc>
+            </a:pPr>
+            <a:r>
+              <a:rPr lang="en-US" altLang="zh-CN" dirty="0" smtClean="0">
+                <a:latin typeface="微软雅黑" panose="020B0503020204020204" pitchFamily="34" charset="-122"/>
+                <a:ea typeface="微软雅黑" panose="020B0503020204020204" pitchFamily="34" charset="-122"/>
+              </a:rPr>
+              <a:t>b.</a:t>
+            </a:r>
+            <a:r>
+              <a:rPr lang="zh-CN" altLang="en-US" dirty="0" smtClean="0">
+                <a:latin typeface="微软雅黑" panose="020B0503020204020204" pitchFamily="34" charset="-122"/>
+                <a:ea typeface="微软雅黑" panose="020B0503020204020204" pitchFamily="34" charset="-122"/>
+              </a:rPr>
+              <a:t>星星的样式</a:t>
+            </a:r>
+            <a:endParaRPr lang="en-US" altLang="zh-CN" dirty="0" smtClean="0">
+              <a:latin typeface="微软雅黑" panose="020B0503020204020204" pitchFamily="34" charset="-122"/>
+              <a:ea typeface="微软雅黑" panose="020B0503020204020204" pitchFamily="34" charset="-122"/>
+            </a:endParaRPr>
+          </a:p>
+          <a:p>
+            <a:pPr>
+              <a:lnSpc>
+                <a:spcPct val="150000"/>
+              </a:lnSpc>
+            </a:pPr>
+            <a:endParaRPr lang="en-US" altLang="zh-CN" dirty="0" smtClean="0">
+              <a:latin typeface="微软雅黑" panose="020B0503020204020204" pitchFamily="34" charset="-122"/>
+              <a:ea typeface="微软雅黑" panose="020B0503020204020204" pitchFamily="34" charset="-122"/>
+            </a:endParaRPr>
+          </a:p>
+          <a:p>
+            <a:pPr>
+              <a:lnSpc>
+                <a:spcPct val="150000"/>
+              </a:lnSpc>
+            </a:pPr>
+            <a:endParaRPr lang="en-US" altLang="zh-CN" dirty="0">
+              <a:latin typeface="微软雅黑" panose="020B0503020204020204" pitchFamily="34" charset="-122"/>
+              <a:ea typeface="微软雅黑" panose="020B0503020204020204" pitchFamily="34" charset="-122"/>
+            </a:endParaRPr>
+          </a:p>
+        </p:txBody>
+      </p:sp>
+      <p:sp>
+        <p:nvSpPr>
+          <p:cNvPr id="8" name="圆角矩形标注 7"/>
+          <p:cNvSpPr/>
+          <p:nvPr/>
+        </p:nvSpPr>
+        <p:spPr>
+          <a:xfrm>
+            <a:off x="4067944" y="2682561"/>
+            <a:ext cx="2908113" cy="746439"/>
           </a:xfrm>
           <a:prstGeom prst="wedgeRoundRectCallout">
             <a:avLst>
-              <a:gd name="adj1" fmla="val -29750"/>
-              <a:gd name="adj2" fmla="val 74484"/>
+              <a:gd name="adj1" fmla="val -59043"/>
+              <a:gd name="adj2" fmla="val 23330"/>
               <a:gd name="adj3" fmla="val 16667"/>
             </a:avLst>
           </a:prstGeom>
@@ -5978,86 +9420,41 @@
               </a:lnSpc>
             </a:pPr>
             <a:r>
-              <a:rPr lang="en-US" altLang="zh-CN" sz="1400" dirty="0">
-                <a:latin typeface="微软雅黑" panose="020B0503020204020204" pitchFamily="34" charset="-122"/>
-                <a:ea typeface="微软雅黑" panose="020B0503020204020204" pitchFamily="34" charset="-122"/>
-              </a:rPr>
-              <a:t>p</a:t>
-            </a:r>
-            <a:r>
-              <a:rPr lang="en-US" altLang="zh-CN" sz="1400" dirty="0" smtClean="0">
-                <a:latin typeface="微软雅黑" panose="020B0503020204020204" pitchFamily="34" charset="-122"/>
-                <a:ea typeface="微软雅黑" panose="020B0503020204020204" pitchFamily="34" charset="-122"/>
-              </a:rPr>
-              <a:t>oint</a:t>
-            </a:r>
-            <a:r>
-              <a:rPr lang="zh-CN" altLang="en-US" sz="1400" dirty="0" smtClean="0">
-                <a:latin typeface="微软雅黑" panose="020B0503020204020204" pitchFamily="34" charset="-122"/>
-                <a:ea typeface="微软雅黑" panose="020B0503020204020204" pitchFamily="34" charset="-122"/>
-              </a:rPr>
-              <a:t>属性设置</a:t>
-            </a:r>
-            <a:r>
-              <a:rPr lang="zh-CN" altLang="en-US" sz="1400" dirty="0">
-                <a:latin typeface="微软雅黑" panose="020B0503020204020204" pitchFamily="34" charset="-122"/>
-                <a:ea typeface="微软雅黑" panose="020B0503020204020204" pitchFamily="34" charset="-122"/>
-              </a:rPr>
-              <a:t>成</a:t>
-            </a:r>
-            <a:r>
-              <a:rPr lang="en-US" altLang="zh-CN" sz="1400" dirty="0">
-                <a:latin typeface="微软雅黑" panose="020B0503020204020204" pitchFamily="34" charset="-122"/>
-                <a:ea typeface="微软雅黑" panose="020B0503020204020204" pitchFamily="34" charset="-122"/>
-              </a:rPr>
-              <a:t> </a:t>
-            </a:r>
-            <a:r>
-              <a:rPr lang="en-US" altLang="zh-CN" sz="1400" dirty="0" smtClean="0">
-                <a:latin typeface="微软雅黑" panose="020B0503020204020204" pitchFamily="34" charset="-122"/>
-                <a:ea typeface="微软雅黑" panose="020B0503020204020204" pitchFamily="34" charset="-122"/>
-              </a:rPr>
-              <a:t>p1</a:t>
-            </a:r>
-            <a:r>
-              <a:rPr lang="zh-CN" altLang="en-US" sz="1400" dirty="0" smtClean="0">
-                <a:latin typeface="微软雅黑" panose="020B0503020204020204" pitchFamily="34" charset="-122"/>
-                <a:ea typeface="微软雅黑" panose="020B0503020204020204" pitchFamily="34" charset="-122"/>
-              </a:rPr>
-              <a:t>，</a:t>
-            </a:r>
-            <a:r>
-              <a:rPr lang="en-US" altLang="zh-CN" sz="1400" dirty="0">
-                <a:latin typeface="微软雅黑" panose="020B0503020204020204" pitchFamily="34" charset="-122"/>
-                <a:ea typeface="微软雅黑" panose="020B0503020204020204" pitchFamily="34" charset="-122"/>
-              </a:rPr>
-              <a:t>1</a:t>
-            </a:r>
-            <a:r>
-              <a:rPr lang="zh-CN" altLang="en-US" sz="1400" dirty="0">
-                <a:latin typeface="微软雅黑" panose="020B0503020204020204" pitchFamily="34" charset="-122"/>
-                <a:ea typeface="微软雅黑" panose="020B0503020204020204" pitchFamily="34" charset="-122"/>
-              </a:rPr>
-              <a:t>个点的面就会转向屏幕，并且稍稍有所倾斜，有些立体感</a:t>
-            </a:r>
-          </a:p>
-        </p:txBody>
-      </p:sp>
-      <p:sp>
-        <p:nvSpPr>
-          <p:cNvPr id="8" name="圆角矩形标注 7"/>
+              <a:rPr lang="en-US" altLang="zh-CN" sz="1600" dirty="0" smtClean="0">
+                <a:latin typeface="微软雅黑" panose="020B0503020204020204" pitchFamily="34" charset="-122"/>
+                <a:ea typeface="微软雅黑" panose="020B0503020204020204" pitchFamily="34" charset="-122"/>
+              </a:rPr>
+              <a:t>50%</a:t>
+            </a:r>
+            <a:r>
+              <a:rPr lang="zh-CN" altLang="en-US" sz="1600" dirty="0" smtClean="0">
+                <a:latin typeface="微软雅黑" panose="020B0503020204020204" pitchFamily="34" charset="-122"/>
+                <a:ea typeface="微软雅黑" panose="020B0503020204020204" pitchFamily="34" charset="-122"/>
+              </a:rPr>
+              <a:t>的圆角，就是一个圆形，这样它的阴影也将是圆形</a:t>
+            </a:r>
+            <a:endParaRPr lang="zh-CN" altLang="en-US" sz="1600" dirty="0">
+              <a:latin typeface="微软雅黑" panose="020B0503020204020204" pitchFamily="34" charset="-122"/>
+              <a:ea typeface="微软雅黑" panose="020B0503020204020204" pitchFamily="34" charset="-122"/>
+            </a:endParaRPr>
+          </a:p>
+        </p:txBody>
+      </p:sp>
+      <p:sp>
+        <p:nvSpPr>
+          <p:cNvPr id="9" name="圆角矩形标注 8"/>
           <p:cNvSpPr/>
           <p:nvPr/>
         </p:nvSpPr>
         <p:spPr>
           <a:xfrm>
-            <a:off x="5580112" y="4836105"/>
-            <a:ext cx="3456384" cy="669148"/>
+            <a:off x="4067943" y="4074636"/>
+            <a:ext cx="2520281" cy="579575"/>
           </a:xfrm>
           <a:prstGeom prst="wedgeRoundRectCallout">
             <a:avLst>
-              <a:gd name="adj1" fmla="val -54442"/>
-              <a:gd name="adj2" fmla="val -4904"/>
+              <a:gd name="adj1" fmla="val -27600"/>
+              <a:gd name="adj2" fmla="val -90677"/>
               <a:gd name="adj3" fmla="val 16667"/>
             </a:avLst>
           </a:prstGeom>
@@ -6086,212 +9483,34 @@
               </a:lnSpc>
             </a:pPr>
             <a:r>
-              <a:rPr lang="en-US" altLang="zh-CN" sz="1400" dirty="0" smtClean="0">
-                <a:latin typeface="微软雅黑" panose="020B0503020204020204" pitchFamily="34" charset="-122"/>
-                <a:ea typeface="微软雅黑" panose="020B0503020204020204" pitchFamily="34" charset="-122"/>
-              </a:rPr>
-              <a:t>point</a:t>
-            </a:r>
-            <a:r>
-              <a:rPr lang="zh-CN" altLang="en-US" sz="1400" dirty="0" smtClean="0">
-                <a:latin typeface="微软雅黑" panose="020B0503020204020204" pitchFamily="34" charset="-122"/>
-                <a:ea typeface="微软雅黑" panose="020B0503020204020204" pitchFamily="34" charset="-122"/>
-              </a:rPr>
-              <a:t>属性设置为</a:t>
-            </a:r>
-            <a:r>
-              <a:rPr lang="en-US" altLang="zh-CN" sz="1400" dirty="0" smtClean="0">
-                <a:latin typeface="微软雅黑" panose="020B0503020204020204" pitchFamily="34" charset="-122"/>
-                <a:ea typeface="微软雅黑" panose="020B0503020204020204" pitchFamily="34" charset="-122"/>
-              </a:rPr>
-              <a:t>p1~p6</a:t>
-            </a:r>
-            <a:r>
-              <a:rPr lang="zh-CN" altLang="en-US" sz="1400" dirty="0" smtClean="0">
-                <a:latin typeface="微软雅黑" panose="020B0503020204020204" pitchFamily="34" charset="-122"/>
-                <a:ea typeface="微软雅黑" panose="020B0503020204020204" pitchFamily="34" charset="-122"/>
-              </a:rPr>
-              <a:t>，显示的点数就是</a:t>
-            </a:r>
-            <a:r>
-              <a:rPr lang="en-US" altLang="zh-CN" sz="1400" dirty="0" smtClean="0">
-                <a:latin typeface="微软雅黑" panose="020B0503020204020204" pitchFamily="34" charset="-122"/>
-                <a:ea typeface="微软雅黑" panose="020B0503020204020204" pitchFamily="34" charset="-122"/>
-              </a:rPr>
-              <a:t>1~6</a:t>
-            </a:r>
-            <a:r>
-              <a:rPr lang="zh-CN" altLang="en-US" sz="1400" dirty="0" smtClean="0">
-                <a:latin typeface="微软雅黑" panose="020B0503020204020204" pitchFamily="34" charset="-122"/>
-                <a:ea typeface="微软雅黑" panose="020B0503020204020204" pitchFamily="34" charset="-122"/>
-              </a:rPr>
-              <a:t>点</a:t>
-            </a:r>
-            <a:endParaRPr lang="zh-CN" altLang="en-US" sz="1400" dirty="0">
+              <a:rPr lang="zh-CN" altLang="en-US" sz="1600" dirty="0" smtClean="0">
+                <a:latin typeface="微软雅黑" panose="020B0503020204020204" pitchFamily="34" charset="-122"/>
+                <a:ea typeface="微软雅黑" panose="020B0503020204020204" pitchFamily="34" charset="-122"/>
+              </a:rPr>
+              <a:t>后文会讲到，星星标签本身不需要显示，我们</a:t>
+            </a:r>
+            <a:endParaRPr lang="zh-CN" altLang="en-US" sz="1600" dirty="0">
               <a:latin typeface="微软雅黑" panose="020B0503020204020204" pitchFamily="34" charset="-122"/>
               <a:ea typeface="微软雅黑" panose="020B0503020204020204" pitchFamily="34" charset="-122"/>
             </a:endParaRPr>
           </a:p>
         </p:txBody>
       </p:sp>
-    </p:spTree>
-    <p:extLst>
-      <p:ext uri="{BB962C8B-B14F-4D97-AF65-F5344CB8AC3E}">
-        <p14:creationId xmlns:p14="http://schemas.microsoft.com/office/powerpoint/2010/main" val="3994757449"/>
-      </p:ext>
-    </p:extLst>
-  </p:cSld>
-  <p:clrMapOvr>
-    <a:masterClrMapping/>
-  </p:clrMapOvr>
-  <p:timing>
-    <p:tnLst>
-      <p:par>
-        <p:cTn id="1" dur="indefinite" restart="never" nodeType="tmRoot"/>
-      </p:par>
-    </p:tnLst>
-  </p:timing>
-</p:sld>
-</file>
-
-<file path=ppt/slides/slide6.xml><?xml version="1.0" encoding="utf-8"?>
-<p:sld xmlns:a="http://schemas.openxmlformats.org/drawingml/2006/main" xmlns:r="http://schemas.openxmlformats.org/officeDocument/2006/relationships" xmlns:p="http://schemas.openxmlformats.org/presentationml/2006/main">
-  <p:cSld>
-    <p:spTree>
-      <p:nvGrpSpPr>
-        <p:cNvPr id="1" name=""/>
-        <p:cNvGrpSpPr/>
-        <p:nvPr/>
-      </p:nvGrpSpPr>
-      <p:grpSpPr>
-        <a:xfrm>
-          <a:off x="0" y="0"/>
-          <a:ext cx="0" cy="0"/>
-          <a:chOff x="0" y="0"/>
-          <a:chExt cx="0" cy="0"/>
-        </a:xfrm>
-      </p:grpSpPr>
-      <p:sp>
-        <p:nvSpPr>
-          <p:cNvPr id="4" name="TextBox 3"/>
-          <p:cNvSpPr txBox="1"/>
+      <p:sp>
+        <p:nvSpPr>
+          <p:cNvPr id="10" name="圆角矩形标注 9"/>
+          <p:cNvSpPr/>
           <p:nvPr/>
         </p:nvSpPr>
         <p:spPr>
           <a:xfrm>
-            <a:off x="467544" y="476672"/>
-            <a:ext cx="7200800" cy="662554"/>
-          </a:xfrm>
-          <a:prstGeom prst="rect">
-            <a:avLst/>
-          </a:prstGeom>
-          <a:noFill/>
-        </p:spPr>
-        <p:txBody>
-          <a:bodyPr wrap="square" rtlCol="0">
-            <a:spAutoFit/>
-          </a:bodyPr>
-          <a:lstStyle/>
-          <a:p>
-            <a:pPr>
-              <a:lnSpc>
-                <a:spcPct val="150000"/>
-              </a:lnSpc>
-            </a:pPr>
-            <a:r>
-              <a:rPr lang="en-US" altLang="zh-CN" sz="2800" dirty="0" smtClean="0">
-                <a:solidFill>
-                  <a:schemeClr val="tx1">
-                    <a:lumMod val="75000"/>
-                    <a:lumOff val="25000"/>
-                  </a:schemeClr>
-                </a:solidFill>
-                <a:latin typeface="微软雅黑" pitchFamily="34" charset="-122"/>
-                <a:ea typeface="微软雅黑" pitchFamily="34" charset="-122"/>
-              </a:rPr>
-              <a:t>4.</a:t>
-            </a:r>
-            <a:r>
-              <a:rPr lang="zh-CN" altLang="en-US" sz="2800" dirty="0" smtClean="0">
-                <a:solidFill>
-                  <a:schemeClr val="tx1">
-                    <a:lumMod val="75000"/>
-                    <a:lumOff val="25000"/>
-                  </a:schemeClr>
-                </a:solidFill>
-                <a:latin typeface="微软雅黑" pitchFamily="34" charset="-122"/>
-                <a:ea typeface="微软雅黑" pitchFamily="34" charset="-122"/>
-              </a:rPr>
-              <a:t>自定义属性的设置</a:t>
-            </a:r>
-            <a:endParaRPr lang="zh-CN" altLang="en-US" sz="2800" dirty="0">
-              <a:solidFill>
-                <a:schemeClr val="tx1">
-                  <a:lumMod val="75000"/>
-                  <a:lumOff val="25000"/>
-                </a:schemeClr>
-              </a:solidFill>
-              <a:latin typeface="微软雅黑" pitchFamily="34" charset="-122"/>
-              <a:ea typeface="微软雅黑" pitchFamily="34" charset="-122"/>
-            </a:endParaRPr>
-          </a:p>
-        </p:txBody>
-      </p:sp>
-      <p:pic>
-        <p:nvPicPr>
-          <p:cNvPr id="2" name="图片 1" descr="屏幕剪辑"/>
-          <p:cNvPicPr>
-            <a:picLocks noChangeAspect="1"/>
-          </p:cNvPicPr>
-          <p:nvPr/>
-        </p:nvPicPr>
-        <p:blipFill>
-          <a:blip r:embed="rId2">
-            <a:extLst>
-              <a:ext uri="{28A0092B-C50C-407E-A947-70E740481C1C}">
-                <a14:useLocalDpi xmlns:a14="http://schemas.microsoft.com/office/drawing/2010/main" val="0"/>
-              </a:ext>
-            </a:extLst>
-          </a:blip>
-          <a:stretch>
-            <a:fillRect/>
-          </a:stretch>
-        </p:blipFill>
-        <p:spPr>
-          <a:xfrm>
-            <a:off x="583081" y="2099803"/>
-            <a:ext cx="6325483" cy="4353533"/>
-          </a:xfrm>
-          <a:prstGeom prst="rect">
-            <a:avLst/>
-          </a:prstGeom>
-          <a:ln>
-            <a:noFill/>
-          </a:ln>
-          <a:effectLst>
-            <a:outerShdw blurRad="292100" dist="139700" dir="2700000" algn="tl" rotWithShape="0">
-              <a:srgbClr val="333333">
-                <a:alpha val="65000"/>
-              </a:srgbClr>
-            </a:outerShdw>
-          </a:effectLst>
-        </p:spPr>
-      </p:pic>
-      <p:sp>
-        <p:nvSpPr>
-          <p:cNvPr id="6" name="圆角矩形标注 5"/>
-          <p:cNvSpPr/>
-          <p:nvPr/>
-        </p:nvSpPr>
-        <p:spPr>
-          <a:xfrm>
-            <a:off x="3463401" y="2484576"/>
-            <a:ext cx="3096344" cy="734300"/>
+            <a:off x="1003760" y="4439013"/>
+            <a:ext cx="3096344" cy="1109235"/>
           </a:xfrm>
           <a:prstGeom prst="wedgeRoundRectCallout">
             <a:avLst>
-              <a:gd name="adj1" fmla="val -11589"/>
-              <a:gd name="adj2" fmla="val 68023"/>
+              <a:gd name="adj1" fmla="val -25247"/>
+              <a:gd name="adj2" fmla="val -70663"/>
               <a:gd name="adj3" fmla="val 16667"/>
             </a:avLst>
           </a:prstGeom>
@@ -6320,1462 +9539,47 @@
               </a:lnSpc>
             </a:pPr>
             <a:r>
-              <a:rPr lang="zh-CN" altLang="en-US" sz="1400" dirty="0" smtClean="0">
-                <a:latin typeface="微软雅黑" panose="020B0503020204020204" pitchFamily="34" charset="-122"/>
-                <a:ea typeface="微软雅黑" panose="020B0503020204020204" pitchFamily="34" charset="-122"/>
-              </a:rPr>
-              <a:t>获取</a:t>
-            </a:r>
-            <a:r>
-              <a:rPr lang="en-US" altLang="zh-CN" sz="1400" dirty="0" smtClean="0">
-                <a:latin typeface="微软雅黑" panose="020B0503020204020204" pitchFamily="34" charset="-122"/>
-                <a:ea typeface="微软雅黑" panose="020B0503020204020204" pitchFamily="34" charset="-122"/>
-              </a:rPr>
-              <a:t>cube</a:t>
-            </a:r>
-            <a:r>
-              <a:rPr lang="zh-CN" altLang="en-US" sz="1400" dirty="0" smtClean="0">
-                <a:latin typeface="微软雅黑" panose="020B0503020204020204" pitchFamily="34" charset="-122"/>
-                <a:ea typeface="微软雅黑" panose="020B0503020204020204" pitchFamily="34" charset="-122"/>
-              </a:rPr>
-              <a:t>的</a:t>
-            </a:r>
-            <a:r>
-              <a:rPr lang="en-US" altLang="zh-CN" sz="1400" dirty="0" smtClean="0">
-                <a:latin typeface="微软雅黑" panose="020B0503020204020204" pitchFamily="34" charset="-122"/>
-                <a:ea typeface="微软雅黑" panose="020B0503020204020204" pitchFamily="34" charset="-122"/>
-              </a:rPr>
-              <a:t>point</a:t>
-            </a:r>
-            <a:r>
-              <a:rPr lang="zh-CN" altLang="en-US" sz="1400" dirty="0" smtClean="0">
-                <a:latin typeface="微软雅黑" panose="020B0503020204020204" pitchFamily="34" charset="-122"/>
-                <a:ea typeface="微软雅黑" panose="020B0503020204020204" pitchFamily="34" charset="-122"/>
-              </a:rPr>
-              <a:t>属性值</a:t>
-            </a:r>
-            <a:r>
-              <a:rPr lang="en-US" altLang="zh-CN" sz="1400" dirty="0" smtClean="0">
-                <a:latin typeface="微软雅黑" panose="020B0503020204020204" pitchFamily="34" charset="-122"/>
-                <a:ea typeface="微软雅黑" panose="020B0503020204020204" pitchFamily="34" charset="-122"/>
-              </a:rPr>
-              <a:t>(</a:t>
-            </a:r>
-            <a:r>
-              <a:rPr lang="zh-CN" altLang="en-US" sz="1400" dirty="0" smtClean="0">
-                <a:latin typeface="微软雅黑" panose="020B0503020204020204" pitchFamily="34" charset="-122"/>
-                <a:ea typeface="微软雅黑" panose="020B0503020204020204" pitchFamily="34" charset="-122"/>
-              </a:rPr>
-              <a:t>如“</a:t>
-            </a:r>
-            <a:r>
-              <a:rPr lang="en-US" altLang="zh-CN" sz="1400" dirty="0" smtClean="0">
-                <a:latin typeface="微软雅黑" panose="020B0503020204020204" pitchFamily="34" charset="-122"/>
-                <a:ea typeface="微软雅黑" panose="020B0503020204020204" pitchFamily="34" charset="-122"/>
-              </a:rPr>
-              <a:t>p3</a:t>
-            </a:r>
-            <a:r>
-              <a:rPr lang="zh-CN" altLang="en-US" sz="1400" dirty="0" smtClean="0">
-                <a:latin typeface="微软雅黑" panose="020B0503020204020204" pitchFamily="34" charset="-122"/>
-                <a:ea typeface="微软雅黑" panose="020B0503020204020204" pitchFamily="34" charset="-122"/>
-              </a:rPr>
-              <a:t>”</a:t>
-            </a:r>
-            <a:r>
-              <a:rPr lang="en-US" altLang="zh-CN" sz="1400" dirty="0" smtClean="0">
-                <a:latin typeface="微软雅黑" panose="020B0503020204020204" pitchFamily="34" charset="-122"/>
-                <a:ea typeface="微软雅黑" panose="020B0503020204020204" pitchFamily="34" charset="-122"/>
-              </a:rPr>
-              <a:t>)</a:t>
-            </a:r>
-            <a:r>
-              <a:rPr lang="zh-CN" altLang="en-US" sz="1400" dirty="0" smtClean="0">
-                <a:latin typeface="微软雅黑" panose="020B0503020204020204" pitchFamily="34" charset="-122"/>
-                <a:ea typeface="微软雅黑" panose="020B0503020204020204" pitchFamily="34" charset="-122"/>
-              </a:rPr>
-              <a:t>，</a:t>
-            </a:r>
-            <a:r>
-              <a:rPr lang="zh-CN" altLang="en-US" sz="1400" dirty="0">
-                <a:latin typeface="微软雅黑" panose="020B0503020204020204" pitchFamily="34" charset="-122"/>
-                <a:ea typeface="微软雅黑" panose="020B0503020204020204" pitchFamily="34" charset="-122"/>
-              </a:rPr>
-              <a:t>再</a:t>
-            </a:r>
-            <a:r>
-              <a:rPr lang="zh-CN" altLang="en-US" sz="1400" dirty="0" smtClean="0">
-                <a:latin typeface="微软雅黑" panose="020B0503020204020204" pitchFamily="34" charset="-122"/>
-                <a:ea typeface="微软雅黑" panose="020B0503020204020204" pitchFamily="34" charset="-122"/>
-              </a:rPr>
-              <a:t>利用正则表达式，提取数字</a:t>
-            </a:r>
-            <a:endParaRPr lang="zh-CN" altLang="en-US" sz="1400" dirty="0">
+              <a:rPr lang="zh-CN" altLang="en-US" sz="1600" dirty="0" smtClean="0">
+                <a:latin typeface="微软雅黑" panose="020B0503020204020204" pitchFamily="34" charset="-122"/>
+                <a:ea typeface="微软雅黑" panose="020B0503020204020204" pitchFamily="34" charset="-122"/>
+              </a:rPr>
+              <a:t>初始阶段，星星透明度是</a:t>
+            </a:r>
+            <a:r>
+              <a:rPr lang="en-US" altLang="zh-CN" sz="1600" dirty="0" smtClean="0">
+                <a:latin typeface="微软雅黑" panose="020B0503020204020204" pitchFamily="34" charset="-122"/>
+                <a:ea typeface="微软雅黑" panose="020B0503020204020204" pitchFamily="34" charset="-122"/>
+              </a:rPr>
+              <a:t>0</a:t>
+            </a:r>
+            <a:r>
+              <a:rPr lang="zh-CN" altLang="en-US" sz="1600" dirty="0" smtClean="0">
+                <a:latin typeface="微软雅黑" panose="020B0503020204020204" pitchFamily="34" charset="-122"/>
+                <a:ea typeface="微软雅黑" panose="020B0503020204020204" pitchFamily="34" charset="-122"/>
+              </a:rPr>
+              <a:t>，也就是完全不可见，动画中，星星会逐渐显示</a:t>
+            </a:r>
+            <a:endParaRPr lang="zh-CN" altLang="en-US" sz="1600" dirty="0">
               <a:latin typeface="微软雅黑" panose="020B0503020204020204" pitchFamily="34" charset="-122"/>
               <a:ea typeface="微软雅黑" panose="020B0503020204020204" pitchFamily="34" charset="-122"/>
             </a:endParaRPr>
           </a:p>
         </p:txBody>
       </p:sp>
-      <p:sp>
-        <p:nvSpPr>
-          <p:cNvPr id="7" name="圆角矩形标注 6"/>
-          <p:cNvSpPr/>
-          <p:nvPr/>
-        </p:nvSpPr>
-        <p:spPr>
-          <a:xfrm>
-            <a:off x="3247377" y="1274116"/>
-            <a:ext cx="3096344" cy="734300"/>
-          </a:xfrm>
-          <a:prstGeom prst="wedgeRoundRectCallout">
-            <a:avLst>
-              <a:gd name="adj1" fmla="val -34049"/>
-              <a:gd name="adj2" fmla="val 68023"/>
-              <a:gd name="adj3" fmla="val 16667"/>
-            </a:avLst>
-          </a:prstGeom>
-        </p:spPr>
-        <p:style>
-          <a:lnRef idx="2">
-            <a:schemeClr val="accent5"/>
-          </a:lnRef>
-          <a:fillRef idx="1">
-            <a:schemeClr val="lt1"/>
-          </a:fillRef>
-          <a:effectRef idx="0">
-            <a:schemeClr val="accent5"/>
-          </a:effectRef>
-          <a:fontRef idx="minor">
-            <a:schemeClr val="dk1"/>
-          </a:fontRef>
-        </p:style>
-        <p:txBody>
-          <a:bodyPr rtlCol="0" anchor="ctr"/>
-          <a:lstStyle/>
-          <a:p>
-            <a:pPr>
-              <a:lnSpc>
-                <a:spcPct val="150000"/>
-              </a:lnSpc>
-            </a:pPr>
-            <a:r>
-              <a:rPr lang="zh-CN" altLang="en-US" sz="1400" dirty="0">
-                <a:latin typeface="微软雅黑" panose="020B0503020204020204" pitchFamily="34" charset="-122"/>
-                <a:ea typeface="微软雅黑" panose="020B0503020204020204" pitchFamily="34" charset="-122"/>
-              </a:rPr>
-              <a:t>入</a:t>
-            </a:r>
-            <a:r>
-              <a:rPr lang="zh-CN" altLang="en-US" sz="1400" dirty="0" smtClean="0">
-                <a:latin typeface="微软雅黑" panose="020B0503020204020204" pitchFamily="34" charset="-122"/>
-                <a:ea typeface="微软雅黑" panose="020B0503020204020204" pitchFamily="34" charset="-122"/>
-              </a:rPr>
-              <a:t>参：设置的点数，数值类型</a:t>
-            </a:r>
-            <a:endParaRPr lang="en-US" altLang="zh-CN" sz="1400" dirty="0" smtClean="0">
-              <a:latin typeface="微软雅黑" panose="020B0503020204020204" pitchFamily="34" charset="-122"/>
-              <a:ea typeface="微软雅黑" panose="020B0503020204020204" pitchFamily="34" charset="-122"/>
-            </a:endParaRPr>
-          </a:p>
-          <a:p>
-            <a:pPr>
-              <a:lnSpc>
-                <a:spcPct val="150000"/>
-              </a:lnSpc>
-            </a:pPr>
-            <a:r>
-              <a:rPr lang="zh-CN" altLang="en-US" sz="1400" dirty="0" smtClean="0">
-                <a:latin typeface="微软雅黑" panose="020B0503020204020204" pitchFamily="34" charset="-122"/>
-                <a:ea typeface="微软雅黑" panose="020B0503020204020204" pitchFamily="34" charset="-122"/>
-              </a:rPr>
-              <a:t>出参：设置成功</a:t>
-            </a:r>
-            <a:r>
-              <a:rPr lang="en-US" altLang="zh-CN" sz="1400" dirty="0" smtClean="0">
-                <a:latin typeface="微软雅黑" panose="020B0503020204020204" pitchFamily="34" charset="-122"/>
-                <a:ea typeface="微软雅黑" panose="020B0503020204020204" pitchFamily="34" charset="-122"/>
-              </a:rPr>
-              <a:t>/</a:t>
-            </a:r>
-            <a:r>
-              <a:rPr lang="zh-CN" altLang="en-US" sz="1400" dirty="0" smtClean="0">
-                <a:latin typeface="微软雅黑" panose="020B0503020204020204" pitchFamily="34" charset="-122"/>
-                <a:ea typeface="微软雅黑" panose="020B0503020204020204" pitchFamily="34" charset="-122"/>
-              </a:rPr>
-              <a:t>失败（</a:t>
-            </a:r>
-            <a:r>
-              <a:rPr lang="en-US" altLang="zh-CN" sz="1400" dirty="0" smtClean="0">
-                <a:latin typeface="微软雅黑" panose="020B0503020204020204" pitchFamily="34" charset="-122"/>
-                <a:ea typeface="微软雅黑" panose="020B0503020204020204" pitchFamily="34" charset="-122"/>
-              </a:rPr>
-              <a:t>true/false</a:t>
-            </a:r>
-            <a:r>
-              <a:rPr lang="zh-CN" altLang="en-US" sz="1400" dirty="0" smtClean="0">
-                <a:latin typeface="微软雅黑" panose="020B0503020204020204" pitchFamily="34" charset="-122"/>
-                <a:ea typeface="微软雅黑" panose="020B0503020204020204" pitchFamily="34" charset="-122"/>
-              </a:rPr>
-              <a:t>）</a:t>
-            </a:r>
-            <a:endParaRPr lang="zh-CN" altLang="en-US" sz="1400" dirty="0">
-              <a:latin typeface="微软雅黑" panose="020B0503020204020204" pitchFamily="34" charset="-122"/>
-              <a:ea typeface="微软雅黑" panose="020B0503020204020204" pitchFamily="34" charset="-122"/>
-            </a:endParaRPr>
-          </a:p>
-        </p:txBody>
-      </p:sp>
-      <p:sp>
-        <p:nvSpPr>
-          <p:cNvPr id="8" name="圆角矩形标注 7"/>
-          <p:cNvSpPr/>
-          <p:nvPr/>
-        </p:nvSpPr>
-        <p:spPr>
-          <a:xfrm>
-            <a:off x="6775769" y="2458047"/>
-            <a:ext cx="2160240" cy="1081916"/>
-          </a:xfrm>
-          <a:prstGeom prst="wedgeRoundRectCallout">
-            <a:avLst>
-              <a:gd name="adj1" fmla="val -63984"/>
-              <a:gd name="adj2" fmla="val 55360"/>
-              <a:gd name="adj3" fmla="val 16667"/>
-            </a:avLst>
-          </a:prstGeom>
-        </p:spPr>
-        <p:style>
-          <a:lnRef idx="2">
-            <a:schemeClr val="accent5"/>
-          </a:lnRef>
-          <a:fillRef idx="1">
-            <a:schemeClr val="lt1"/>
-          </a:fillRef>
-          <a:effectRef idx="0">
-            <a:schemeClr val="accent5"/>
-          </a:effectRef>
-          <a:fontRef idx="minor">
-            <a:schemeClr val="dk1"/>
-          </a:fontRef>
-        </p:style>
-        <p:txBody>
-          <a:bodyPr rtlCol="0" anchor="ctr"/>
-          <a:lstStyle/>
-          <a:p>
-            <a:pPr>
-              <a:lnSpc>
-                <a:spcPct val="150000"/>
-              </a:lnSpc>
-            </a:pPr>
-            <a:r>
-              <a:rPr lang="en-US" altLang="zh-CN" sz="1400" dirty="0" smtClean="0">
-                <a:latin typeface="微软雅黑" panose="020B0503020204020204" pitchFamily="34" charset="-122"/>
-                <a:ea typeface="微软雅黑" panose="020B0503020204020204" pitchFamily="34" charset="-122"/>
-              </a:rPr>
-              <a:t>Match</a:t>
-            </a:r>
-            <a:r>
-              <a:rPr lang="zh-CN" altLang="en-US" sz="1400" dirty="0" smtClean="0">
-                <a:latin typeface="微软雅黑" panose="020B0503020204020204" pitchFamily="34" charset="-122"/>
-                <a:ea typeface="微软雅黑" panose="020B0503020204020204" pitchFamily="34" charset="-122"/>
-              </a:rPr>
-              <a:t>返回的是匹配的结果数组，需要判断，是否为空，有无结果</a:t>
-            </a:r>
-            <a:endParaRPr lang="zh-CN" altLang="en-US" sz="1400" dirty="0">
-              <a:latin typeface="微软雅黑" panose="020B0503020204020204" pitchFamily="34" charset="-122"/>
-              <a:ea typeface="微软雅黑" panose="020B0503020204020204" pitchFamily="34" charset="-122"/>
-            </a:endParaRPr>
-          </a:p>
-        </p:txBody>
-      </p:sp>
-      <p:sp>
-        <p:nvSpPr>
-          <p:cNvPr id="9" name="圆角矩形标注 8"/>
-          <p:cNvSpPr/>
-          <p:nvPr/>
-        </p:nvSpPr>
-        <p:spPr>
-          <a:xfrm>
-            <a:off x="6775769" y="4044019"/>
-            <a:ext cx="2160240" cy="1081916"/>
-          </a:xfrm>
-          <a:prstGeom prst="wedgeRoundRectCallout">
-            <a:avLst>
-              <a:gd name="adj1" fmla="val -60407"/>
-              <a:gd name="adj2" fmla="val -49393"/>
-              <a:gd name="adj3" fmla="val 16667"/>
-            </a:avLst>
-          </a:prstGeom>
-        </p:spPr>
-        <p:style>
-          <a:lnRef idx="2">
-            <a:schemeClr val="accent5"/>
-          </a:lnRef>
-          <a:fillRef idx="1">
-            <a:schemeClr val="lt1"/>
-          </a:fillRef>
-          <a:effectRef idx="0">
-            <a:schemeClr val="accent5"/>
-          </a:effectRef>
-          <a:fontRef idx="minor">
-            <a:schemeClr val="dk1"/>
-          </a:fontRef>
-        </p:style>
-        <p:txBody>
-          <a:bodyPr rtlCol="0" anchor="ctr"/>
-          <a:lstStyle/>
-          <a:p>
-            <a:pPr>
-              <a:lnSpc>
-                <a:spcPct val="150000"/>
-              </a:lnSpc>
-            </a:pPr>
-            <a:r>
-              <a:rPr lang="en-US" altLang="zh-CN" sz="1400" dirty="0" smtClean="0">
-                <a:latin typeface="微软雅黑" panose="020B0503020204020204" pitchFamily="34" charset="-122"/>
-                <a:ea typeface="微软雅黑" panose="020B0503020204020204" pitchFamily="34" charset="-122"/>
-              </a:rPr>
-              <a:t>&amp;&amp; </a:t>
-            </a:r>
-            <a:r>
-              <a:rPr lang="zh-CN" altLang="en-US" sz="1400" dirty="0" smtClean="0">
-                <a:latin typeface="微软雅黑" panose="020B0503020204020204" pitchFamily="34" charset="-122"/>
-                <a:ea typeface="微软雅黑" panose="020B0503020204020204" pitchFamily="34" charset="-122"/>
-              </a:rPr>
-              <a:t>逻辑判断表达式的结果，是最后一个为真的自表达式的值</a:t>
-            </a:r>
-            <a:endParaRPr lang="zh-CN" altLang="en-US" sz="1400" dirty="0">
-              <a:latin typeface="微软雅黑" panose="020B0503020204020204" pitchFamily="34" charset="-122"/>
-              <a:ea typeface="微软雅黑" panose="020B0503020204020204" pitchFamily="34" charset="-122"/>
-            </a:endParaRPr>
-          </a:p>
-        </p:txBody>
-      </p:sp>
-      <p:sp>
-        <p:nvSpPr>
-          <p:cNvPr id="10" name="圆角矩形标注 9"/>
-          <p:cNvSpPr/>
-          <p:nvPr/>
-        </p:nvSpPr>
-        <p:spPr>
-          <a:xfrm>
-            <a:off x="4183481" y="3972011"/>
-            <a:ext cx="2016224" cy="540958"/>
-          </a:xfrm>
-          <a:prstGeom prst="wedgeRoundRectCallout">
-            <a:avLst>
-              <a:gd name="adj1" fmla="val -61046"/>
-              <a:gd name="adj2" fmla="val -20824"/>
-              <a:gd name="adj3" fmla="val 16667"/>
-            </a:avLst>
-          </a:prstGeom>
-        </p:spPr>
-        <p:style>
-          <a:lnRef idx="2">
-            <a:schemeClr val="accent5"/>
-          </a:lnRef>
-          <a:fillRef idx="1">
-            <a:schemeClr val="lt1"/>
-          </a:fillRef>
-          <a:effectRef idx="0">
-            <a:schemeClr val="accent5"/>
-          </a:effectRef>
-          <a:fontRef idx="minor">
-            <a:schemeClr val="dk1"/>
-          </a:fontRef>
-        </p:style>
-        <p:txBody>
-          <a:bodyPr rtlCol="0" anchor="ctr"/>
-          <a:lstStyle/>
-          <a:p>
-            <a:pPr>
-              <a:lnSpc>
-                <a:spcPct val="150000"/>
-              </a:lnSpc>
-            </a:pPr>
-            <a:r>
-              <a:rPr lang="en-US" altLang="zh-CN" sz="1400" dirty="0" smtClean="0">
-                <a:latin typeface="微软雅黑" panose="020B0503020204020204" pitchFamily="34" charset="-122"/>
-                <a:ea typeface="微软雅黑" panose="020B0503020204020204" pitchFamily="34" charset="-122"/>
-              </a:rPr>
-              <a:t> </a:t>
-            </a:r>
-            <a:r>
-              <a:rPr lang="zh-CN" altLang="en-US" sz="1400" dirty="0" smtClean="0">
-                <a:latin typeface="微软雅黑" panose="020B0503020204020204" pitchFamily="34" charset="-122"/>
-                <a:ea typeface="微软雅黑" panose="020B0503020204020204" pitchFamily="34" charset="-122"/>
-              </a:rPr>
-              <a:t>将字符串转换为数值</a:t>
-            </a:r>
-            <a:endParaRPr lang="zh-CN" altLang="en-US" sz="1400" dirty="0">
-              <a:latin typeface="微软雅黑" panose="020B0503020204020204" pitchFamily="34" charset="-122"/>
-              <a:ea typeface="微软雅黑" panose="020B0503020204020204" pitchFamily="34" charset="-122"/>
-            </a:endParaRPr>
-          </a:p>
-        </p:txBody>
-      </p:sp>
-      <p:sp>
-        <p:nvSpPr>
-          <p:cNvPr id="13" name="圆角矩形标注 12"/>
-          <p:cNvSpPr/>
-          <p:nvPr/>
-        </p:nvSpPr>
-        <p:spPr>
-          <a:xfrm>
-            <a:off x="2997061" y="5125935"/>
-            <a:ext cx="2372840" cy="627170"/>
-          </a:xfrm>
-          <a:prstGeom prst="wedgeRoundRectCallout">
-            <a:avLst>
-              <a:gd name="adj1" fmla="val -20165"/>
-              <a:gd name="adj2" fmla="val -80343"/>
-              <a:gd name="adj3" fmla="val 16667"/>
-            </a:avLst>
-          </a:prstGeom>
-        </p:spPr>
-        <p:style>
-          <a:lnRef idx="2">
-            <a:schemeClr val="accent5"/>
-          </a:lnRef>
-          <a:fillRef idx="1">
-            <a:schemeClr val="lt1"/>
-          </a:fillRef>
-          <a:effectRef idx="0">
-            <a:schemeClr val="accent5"/>
-          </a:effectRef>
-          <a:fontRef idx="minor">
-            <a:schemeClr val="dk1"/>
-          </a:fontRef>
-        </p:style>
-        <p:txBody>
-          <a:bodyPr rtlCol="0" anchor="ctr"/>
-          <a:lstStyle/>
-          <a:p>
-            <a:pPr>
-              <a:lnSpc>
-                <a:spcPct val="150000"/>
-              </a:lnSpc>
-            </a:pPr>
-            <a:r>
-              <a:rPr lang="en-US" altLang="zh-CN" sz="1400" dirty="0" smtClean="0">
-                <a:latin typeface="微软雅黑" panose="020B0503020204020204" pitchFamily="34" charset="-122"/>
-                <a:ea typeface="微软雅黑" panose="020B0503020204020204" pitchFamily="34" charset="-122"/>
-              </a:rPr>
-              <a:t> </a:t>
-            </a:r>
-            <a:r>
-              <a:rPr lang="zh-CN" altLang="en-US" sz="1400" dirty="0" smtClean="0">
-                <a:latin typeface="微软雅黑" panose="020B0503020204020204" pitchFamily="34" charset="-122"/>
-                <a:ea typeface="微软雅黑" panose="020B0503020204020204" pitchFamily="34" charset="-122"/>
-              </a:rPr>
-              <a:t>如果数值和之前不同，设置新的点数属性值</a:t>
-            </a:r>
-            <a:endParaRPr lang="zh-CN" altLang="en-US" sz="1400" dirty="0">
-              <a:latin typeface="微软雅黑" panose="020B0503020204020204" pitchFamily="34" charset="-122"/>
-              <a:ea typeface="微软雅黑" panose="020B0503020204020204" pitchFamily="34" charset="-122"/>
-            </a:endParaRPr>
-          </a:p>
-        </p:txBody>
-      </p:sp>
     </p:spTree>
     <p:extLst>
       <p:ext uri="{BB962C8B-B14F-4D97-AF65-F5344CB8AC3E}">
-        <p14:creationId xmlns:p14="http://schemas.microsoft.com/office/powerpoint/2010/main" val="2197987521"/>
+        <p14:creationId xmlns:p14="http://schemas.microsoft.com/office/powerpoint/2010/main" val="3768643085"/>
       </p:ext>
     </p:extLst>
   </p:cSld>
   <p:clrMapOvr>
     <a:masterClrMapping/>
   </p:clrMapOvr>
-  <p:timing>
-    <p:tnLst>
-      <p:par>
-        <p:cTn id="1" dur="indefinite" restart="never" nodeType="tmRoot"/>
-      </p:par>
-    </p:tnLst>
-  </p:timing>
 </p:sld>
 </file>
 
-<file path=ppt/slides/slide7.xml><?xml version="1.0" encoding="utf-8"?>
-<p:sld xmlns:a="http://schemas.openxmlformats.org/drawingml/2006/main" xmlns:r="http://schemas.openxmlformats.org/officeDocument/2006/relationships" xmlns:p="http://schemas.openxmlformats.org/presentationml/2006/main">
-  <p:cSld>
-    <p:spTree>
-      <p:nvGrpSpPr>
-        <p:cNvPr id="1" name=""/>
-        <p:cNvGrpSpPr/>
-        <p:nvPr/>
-      </p:nvGrpSpPr>
-      <p:grpSpPr>
-        <a:xfrm>
-          <a:off x="0" y="0"/>
-          <a:ext cx="0" cy="0"/>
-          <a:chOff x="0" y="0"/>
-          <a:chExt cx="0" cy="0"/>
-        </a:xfrm>
-      </p:grpSpPr>
-      <p:sp>
-        <p:nvSpPr>
-          <p:cNvPr id="4" name="TextBox 3"/>
-          <p:cNvSpPr txBox="1"/>
-          <p:nvPr/>
-        </p:nvSpPr>
-        <p:spPr>
-          <a:xfrm>
-            <a:off x="467544" y="332656"/>
-            <a:ext cx="7200800" cy="662554"/>
-          </a:xfrm>
-          <a:prstGeom prst="rect">
-            <a:avLst/>
-          </a:prstGeom>
-          <a:noFill/>
-        </p:spPr>
-        <p:txBody>
-          <a:bodyPr wrap="square" rtlCol="0">
-            <a:spAutoFit/>
-          </a:bodyPr>
-          <a:lstStyle/>
-          <a:p>
-            <a:pPr>
-              <a:lnSpc>
-                <a:spcPct val="150000"/>
-              </a:lnSpc>
-            </a:pPr>
-            <a:r>
-              <a:rPr lang="zh-CN" altLang="en-US" sz="2800" dirty="0" smtClean="0">
-                <a:solidFill>
-                  <a:schemeClr val="tx1">
-                    <a:lumMod val="75000"/>
-                    <a:lumOff val="25000"/>
-                  </a:schemeClr>
-                </a:solidFill>
-                <a:latin typeface="微软雅黑" pitchFamily="34" charset="-122"/>
-                <a:ea typeface="微软雅黑" pitchFamily="34" charset="-122"/>
-              </a:rPr>
-              <a:t>与表达式</a:t>
-            </a:r>
-            <a:endParaRPr lang="zh-CN" altLang="en-US" sz="2800" dirty="0">
-              <a:solidFill>
-                <a:schemeClr val="tx1">
-                  <a:lumMod val="75000"/>
-                  <a:lumOff val="25000"/>
-                </a:schemeClr>
-              </a:solidFill>
-              <a:latin typeface="微软雅黑" pitchFamily="34" charset="-122"/>
-              <a:ea typeface="微软雅黑" pitchFamily="34" charset="-122"/>
-            </a:endParaRPr>
-          </a:p>
-        </p:txBody>
-      </p:sp>
-      <p:sp>
-        <p:nvSpPr>
-          <p:cNvPr id="10" name="TextBox 9"/>
-          <p:cNvSpPr txBox="1"/>
-          <p:nvPr/>
-        </p:nvSpPr>
-        <p:spPr>
-          <a:xfrm>
-            <a:off x="323528" y="1250147"/>
-            <a:ext cx="8568952" cy="5078313"/>
-          </a:xfrm>
-          <a:prstGeom prst="rect">
-            <a:avLst/>
-          </a:prstGeom>
-          <a:noFill/>
-        </p:spPr>
-        <p:txBody>
-          <a:bodyPr wrap="square" rtlCol="0">
-            <a:spAutoFit/>
-          </a:bodyPr>
-          <a:lstStyle/>
-          <a:p>
-            <a:pPr>
-              <a:lnSpc>
-                <a:spcPct val="150000"/>
-              </a:lnSpc>
-            </a:pPr>
-            <a:r>
-              <a:rPr lang="zh-CN" altLang="en-US" dirty="0" smtClean="0">
-                <a:solidFill>
-                  <a:schemeClr val="tx1">
-                    <a:lumMod val="75000"/>
-                    <a:lumOff val="25000"/>
-                  </a:schemeClr>
-                </a:solidFill>
-                <a:latin typeface="微软雅黑" pitchFamily="34" charset="-122"/>
-                <a:ea typeface="微软雅黑" pitchFamily="34" charset="-122"/>
-              </a:rPr>
-              <a:t>“与”表达式（</a:t>
-            </a:r>
-            <a:r>
-              <a:rPr lang="en-US" altLang="zh-CN" dirty="0" smtClean="0">
-                <a:solidFill>
-                  <a:schemeClr val="tx1">
-                    <a:lumMod val="75000"/>
-                    <a:lumOff val="25000"/>
-                  </a:schemeClr>
-                </a:solidFill>
-                <a:latin typeface="微软雅黑" pitchFamily="34" charset="-122"/>
-                <a:ea typeface="微软雅黑" pitchFamily="34" charset="-122"/>
-              </a:rPr>
-              <a:t>&amp;&amp;</a:t>
-            </a:r>
-            <a:r>
-              <a:rPr lang="zh-CN" altLang="en-US" dirty="0" smtClean="0">
-                <a:solidFill>
-                  <a:schemeClr val="tx1">
-                    <a:lumMod val="75000"/>
-                    <a:lumOff val="25000"/>
-                  </a:schemeClr>
-                </a:solidFill>
-                <a:latin typeface="微软雅黑" pitchFamily="34" charset="-122"/>
-                <a:ea typeface="微软雅黑" pitchFamily="34" charset="-122"/>
-              </a:rPr>
-              <a:t>），准确的说是“逻辑与”表达式，形式为： </a:t>
-            </a:r>
-            <a:r>
-              <a:rPr lang="en-US" altLang="zh-CN" dirty="0" smtClean="0">
-                <a:solidFill>
-                  <a:schemeClr val="tx1">
-                    <a:lumMod val="75000"/>
-                    <a:lumOff val="25000"/>
-                  </a:schemeClr>
-                </a:solidFill>
-                <a:latin typeface="微软雅黑" pitchFamily="34" charset="-122"/>
-                <a:ea typeface="微软雅黑" pitchFamily="34" charset="-122"/>
-              </a:rPr>
-              <a:t>A &amp;&amp; B &amp;&amp; C</a:t>
-            </a:r>
-            <a:r>
-              <a:rPr lang="zh-CN" altLang="en-US" dirty="0" smtClean="0">
-                <a:solidFill>
-                  <a:schemeClr val="tx1">
-                    <a:lumMod val="75000"/>
-                    <a:lumOff val="25000"/>
-                  </a:schemeClr>
-                </a:solidFill>
-                <a:latin typeface="微软雅黑" pitchFamily="34" charset="-122"/>
-                <a:ea typeface="微软雅黑" pitchFamily="34" charset="-122"/>
-              </a:rPr>
-              <a:t>。</a:t>
-            </a:r>
-            <a:endParaRPr lang="en-US" altLang="zh-CN" dirty="0" smtClean="0">
-              <a:solidFill>
-                <a:schemeClr val="tx1">
-                  <a:lumMod val="75000"/>
-                  <a:lumOff val="25000"/>
-                </a:schemeClr>
-              </a:solidFill>
-              <a:latin typeface="微软雅黑" pitchFamily="34" charset="-122"/>
-              <a:ea typeface="微软雅黑" pitchFamily="34" charset="-122"/>
-            </a:endParaRPr>
-          </a:p>
-          <a:p>
-            <a:pPr>
-              <a:lnSpc>
-                <a:spcPct val="150000"/>
-              </a:lnSpc>
-            </a:pPr>
-            <a:r>
-              <a:rPr lang="zh-CN" altLang="en-US" dirty="0" smtClean="0">
-                <a:solidFill>
-                  <a:schemeClr val="tx1">
-                    <a:lumMod val="75000"/>
-                    <a:lumOff val="25000"/>
-                  </a:schemeClr>
-                </a:solidFill>
-                <a:latin typeface="微软雅黑" pitchFamily="34" charset="-122"/>
-                <a:ea typeface="微软雅黑" pitchFamily="34" charset="-122"/>
-              </a:rPr>
-              <a:t>其中</a:t>
-            </a:r>
-            <a:r>
-              <a:rPr lang="en-US" altLang="zh-CN" dirty="0" smtClean="0">
-                <a:solidFill>
-                  <a:schemeClr val="tx1">
-                    <a:lumMod val="75000"/>
-                    <a:lumOff val="25000"/>
-                  </a:schemeClr>
-                </a:solidFill>
-                <a:latin typeface="微软雅黑" pitchFamily="34" charset="-122"/>
-                <a:ea typeface="微软雅黑" pitchFamily="34" charset="-122"/>
-              </a:rPr>
-              <a:t>A</a:t>
-            </a:r>
-            <a:r>
-              <a:rPr lang="zh-CN" altLang="en-US" dirty="0" smtClean="0">
-                <a:solidFill>
-                  <a:schemeClr val="tx1">
-                    <a:lumMod val="75000"/>
-                    <a:lumOff val="25000"/>
-                  </a:schemeClr>
-                </a:solidFill>
-                <a:latin typeface="微软雅黑" pitchFamily="34" charset="-122"/>
-                <a:ea typeface="微软雅黑" pitchFamily="34" charset="-122"/>
-              </a:rPr>
-              <a:t>，</a:t>
-            </a:r>
-            <a:r>
-              <a:rPr lang="en-US" altLang="zh-CN" dirty="0" smtClean="0">
-                <a:solidFill>
-                  <a:schemeClr val="tx1">
-                    <a:lumMod val="75000"/>
-                    <a:lumOff val="25000"/>
-                  </a:schemeClr>
-                </a:solidFill>
-                <a:latin typeface="微软雅黑" pitchFamily="34" charset="-122"/>
-                <a:ea typeface="微软雅黑" pitchFamily="34" charset="-122"/>
-              </a:rPr>
-              <a:t>B</a:t>
-            </a:r>
-            <a:r>
-              <a:rPr lang="zh-CN" altLang="en-US" dirty="0" smtClean="0">
-                <a:solidFill>
-                  <a:schemeClr val="tx1">
-                    <a:lumMod val="75000"/>
-                    <a:lumOff val="25000"/>
-                  </a:schemeClr>
-                </a:solidFill>
-                <a:latin typeface="微软雅黑" pitchFamily="34" charset="-122"/>
-                <a:ea typeface="微软雅黑" pitchFamily="34" charset="-122"/>
-              </a:rPr>
-              <a:t>，</a:t>
-            </a:r>
-            <a:r>
-              <a:rPr lang="en-US" altLang="zh-CN" dirty="0" smtClean="0">
-                <a:solidFill>
-                  <a:schemeClr val="tx1">
-                    <a:lumMod val="75000"/>
-                    <a:lumOff val="25000"/>
-                  </a:schemeClr>
-                </a:solidFill>
-                <a:latin typeface="微软雅黑" pitchFamily="34" charset="-122"/>
-                <a:ea typeface="微软雅黑" pitchFamily="34" charset="-122"/>
-              </a:rPr>
-              <a:t>C</a:t>
-            </a:r>
-            <a:r>
-              <a:rPr lang="zh-CN" altLang="en-US" dirty="0" smtClean="0">
-                <a:solidFill>
-                  <a:schemeClr val="tx1">
-                    <a:lumMod val="75000"/>
-                    <a:lumOff val="25000"/>
-                  </a:schemeClr>
-                </a:solidFill>
-                <a:latin typeface="微软雅黑" pitchFamily="34" charset="-122"/>
-                <a:ea typeface="微软雅黑" pitchFamily="34" charset="-122"/>
-              </a:rPr>
-              <a:t>为子表达式，子表达式数目不限，只有所有的子表达式都为</a:t>
-            </a:r>
-            <a:r>
-              <a:rPr lang="en-US" altLang="zh-CN" dirty="0" smtClean="0">
-                <a:solidFill>
-                  <a:schemeClr val="tx1">
-                    <a:lumMod val="75000"/>
-                    <a:lumOff val="25000"/>
-                  </a:schemeClr>
-                </a:solidFill>
-                <a:latin typeface="微软雅黑" pitchFamily="34" charset="-122"/>
-                <a:ea typeface="微软雅黑" pitchFamily="34" charset="-122"/>
-              </a:rPr>
-              <a:t>true</a:t>
-            </a:r>
-            <a:r>
-              <a:rPr lang="zh-CN" altLang="en-US" dirty="0" smtClean="0">
-                <a:solidFill>
-                  <a:schemeClr val="tx1">
-                    <a:lumMod val="75000"/>
-                    <a:lumOff val="25000"/>
-                  </a:schemeClr>
-                </a:solidFill>
-                <a:latin typeface="微软雅黑" pitchFamily="34" charset="-122"/>
-                <a:ea typeface="微软雅黑" pitchFamily="34" charset="-122"/>
-              </a:rPr>
-              <a:t>，整个表达式的值才为</a:t>
-            </a:r>
-            <a:r>
-              <a:rPr lang="en-US" altLang="zh-CN" dirty="0" smtClean="0">
-                <a:solidFill>
-                  <a:schemeClr val="tx1">
-                    <a:lumMod val="75000"/>
-                    <a:lumOff val="25000"/>
-                  </a:schemeClr>
-                </a:solidFill>
-                <a:latin typeface="微软雅黑" pitchFamily="34" charset="-122"/>
-                <a:ea typeface="微软雅黑" pitchFamily="34" charset="-122"/>
-              </a:rPr>
-              <a:t>true.</a:t>
-            </a:r>
-          </a:p>
-          <a:p>
-            <a:pPr>
-              <a:lnSpc>
-                <a:spcPct val="150000"/>
-              </a:lnSpc>
-            </a:pPr>
-            <a:r>
-              <a:rPr lang="zh-CN" altLang="en-US" dirty="0" smtClean="0">
-                <a:solidFill>
-                  <a:schemeClr val="tx1">
-                    <a:lumMod val="75000"/>
-                    <a:lumOff val="25000"/>
-                  </a:schemeClr>
-                </a:solidFill>
-                <a:latin typeface="微软雅黑" pitchFamily="34" charset="-122"/>
-                <a:ea typeface="微软雅黑" pitchFamily="34" charset="-122"/>
-              </a:rPr>
-              <a:t>判断为</a:t>
-            </a:r>
-            <a:r>
-              <a:rPr lang="en-US" altLang="zh-CN" dirty="0" smtClean="0">
-                <a:solidFill>
-                  <a:schemeClr val="tx1">
-                    <a:lumMod val="75000"/>
-                    <a:lumOff val="25000"/>
-                  </a:schemeClr>
-                </a:solidFill>
-                <a:latin typeface="微软雅黑" pitchFamily="34" charset="-122"/>
-                <a:ea typeface="微软雅黑" pitchFamily="34" charset="-122"/>
-              </a:rPr>
-              <a:t>true</a:t>
-            </a:r>
-            <a:r>
-              <a:rPr lang="zh-CN" altLang="en-US" dirty="0" smtClean="0">
-                <a:solidFill>
-                  <a:schemeClr val="tx1">
-                    <a:lumMod val="75000"/>
-                    <a:lumOff val="25000"/>
-                  </a:schemeClr>
-                </a:solidFill>
-                <a:latin typeface="微软雅黑" pitchFamily="34" charset="-122"/>
-                <a:ea typeface="微软雅黑" pitchFamily="34" charset="-122"/>
-              </a:rPr>
-              <a:t>的常见类型：</a:t>
-            </a:r>
-            <a:endParaRPr lang="en-US" altLang="zh-CN" dirty="0" smtClean="0">
-              <a:solidFill>
-                <a:schemeClr val="tx1">
-                  <a:lumMod val="75000"/>
-                  <a:lumOff val="25000"/>
-                </a:schemeClr>
-              </a:solidFill>
-              <a:latin typeface="微软雅黑" pitchFamily="34" charset="-122"/>
-              <a:ea typeface="微软雅黑" pitchFamily="34" charset="-122"/>
-            </a:endParaRPr>
-          </a:p>
-          <a:p>
-            <a:pPr>
-              <a:lnSpc>
-                <a:spcPct val="150000"/>
-              </a:lnSpc>
-            </a:pPr>
-            <a:r>
-              <a:rPr lang="en-US" altLang="zh-CN" dirty="0">
-                <a:solidFill>
-                  <a:schemeClr val="tx1">
-                    <a:lumMod val="75000"/>
-                    <a:lumOff val="25000"/>
-                  </a:schemeClr>
-                </a:solidFill>
-                <a:latin typeface="微软雅黑" pitchFamily="34" charset="-122"/>
-                <a:ea typeface="微软雅黑" pitchFamily="34" charset="-122"/>
-              </a:rPr>
-              <a:t>	</a:t>
-            </a:r>
-            <a:r>
-              <a:rPr lang="zh-CN" altLang="en-US" dirty="0" smtClean="0">
-                <a:solidFill>
-                  <a:schemeClr val="tx1">
-                    <a:lumMod val="75000"/>
-                    <a:lumOff val="25000"/>
-                  </a:schemeClr>
-                </a:solidFill>
-                <a:latin typeface="微软雅黑" pitchFamily="34" charset="-122"/>
-                <a:ea typeface="微软雅黑" pitchFamily="34" charset="-122"/>
-              </a:rPr>
-              <a:t>布尔值</a:t>
-            </a:r>
-            <a:r>
-              <a:rPr lang="en-US" altLang="zh-CN" dirty="0" smtClean="0">
-                <a:solidFill>
-                  <a:schemeClr val="tx1">
-                    <a:lumMod val="75000"/>
-                    <a:lumOff val="25000"/>
-                  </a:schemeClr>
-                </a:solidFill>
-                <a:latin typeface="微软雅黑" pitchFamily="34" charset="-122"/>
-                <a:ea typeface="微软雅黑" pitchFamily="34" charset="-122"/>
-              </a:rPr>
-              <a:t>true</a:t>
-            </a:r>
-            <a:r>
-              <a:rPr lang="zh-CN" altLang="en-US" dirty="0" smtClean="0">
-                <a:solidFill>
-                  <a:schemeClr val="tx1">
-                    <a:lumMod val="75000"/>
-                    <a:lumOff val="25000"/>
-                  </a:schemeClr>
-                </a:solidFill>
-                <a:latin typeface="微软雅黑" pitchFamily="34" charset="-122"/>
-                <a:ea typeface="微软雅黑" pitchFamily="34" charset="-122"/>
-              </a:rPr>
-              <a:t>，非零数值，对象，字符串</a:t>
-            </a:r>
-            <a:endParaRPr lang="en-US" altLang="zh-CN" dirty="0" smtClean="0">
-              <a:solidFill>
-                <a:schemeClr val="tx1">
-                  <a:lumMod val="75000"/>
-                  <a:lumOff val="25000"/>
-                </a:schemeClr>
-              </a:solidFill>
-              <a:latin typeface="微软雅黑" pitchFamily="34" charset="-122"/>
-              <a:ea typeface="微软雅黑" pitchFamily="34" charset="-122"/>
-            </a:endParaRPr>
-          </a:p>
-          <a:p>
-            <a:pPr>
-              <a:lnSpc>
-                <a:spcPct val="150000"/>
-              </a:lnSpc>
-            </a:pPr>
-            <a:r>
-              <a:rPr lang="zh-CN" altLang="en-US" dirty="0">
-                <a:solidFill>
-                  <a:schemeClr val="tx1">
-                    <a:lumMod val="75000"/>
-                    <a:lumOff val="25000"/>
-                  </a:schemeClr>
-                </a:solidFill>
-                <a:latin typeface="微软雅黑" pitchFamily="34" charset="-122"/>
-                <a:ea typeface="微软雅黑" pitchFamily="34" charset="-122"/>
-              </a:rPr>
-              <a:t>判断</a:t>
-            </a:r>
-            <a:r>
-              <a:rPr lang="zh-CN" altLang="en-US" dirty="0" smtClean="0">
-                <a:solidFill>
-                  <a:schemeClr val="tx1">
-                    <a:lumMod val="75000"/>
-                    <a:lumOff val="25000"/>
-                  </a:schemeClr>
-                </a:solidFill>
-                <a:latin typeface="微软雅黑" pitchFamily="34" charset="-122"/>
-                <a:ea typeface="微软雅黑" pitchFamily="34" charset="-122"/>
-              </a:rPr>
-              <a:t>为</a:t>
-            </a:r>
-            <a:r>
-              <a:rPr lang="en-US" altLang="zh-CN" dirty="0" smtClean="0">
-                <a:solidFill>
-                  <a:schemeClr val="tx1">
-                    <a:lumMod val="75000"/>
-                    <a:lumOff val="25000"/>
-                  </a:schemeClr>
-                </a:solidFill>
-                <a:latin typeface="微软雅黑" pitchFamily="34" charset="-122"/>
-                <a:ea typeface="微软雅黑" pitchFamily="34" charset="-122"/>
-              </a:rPr>
-              <a:t>false</a:t>
-            </a:r>
-            <a:r>
-              <a:rPr lang="zh-CN" altLang="en-US" dirty="0" smtClean="0">
-                <a:solidFill>
-                  <a:schemeClr val="tx1">
-                    <a:lumMod val="75000"/>
-                    <a:lumOff val="25000"/>
-                  </a:schemeClr>
-                </a:solidFill>
-                <a:latin typeface="微软雅黑" pitchFamily="34" charset="-122"/>
-                <a:ea typeface="微软雅黑" pitchFamily="34" charset="-122"/>
-              </a:rPr>
-              <a:t>的常见类型：</a:t>
-            </a:r>
-            <a:endParaRPr lang="en-US" altLang="zh-CN" dirty="0" smtClean="0">
-              <a:solidFill>
-                <a:schemeClr val="tx1">
-                  <a:lumMod val="75000"/>
-                  <a:lumOff val="25000"/>
-                </a:schemeClr>
-              </a:solidFill>
-              <a:latin typeface="微软雅黑" pitchFamily="34" charset="-122"/>
-              <a:ea typeface="微软雅黑" pitchFamily="34" charset="-122"/>
-            </a:endParaRPr>
-          </a:p>
-          <a:p>
-            <a:pPr>
-              <a:lnSpc>
-                <a:spcPct val="150000"/>
-              </a:lnSpc>
-            </a:pPr>
-            <a:r>
-              <a:rPr lang="en-US" altLang="zh-CN" dirty="0">
-                <a:solidFill>
-                  <a:schemeClr val="tx1">
-                    <a:lumMod val="75000"/>
-                    <a:lumOff val="25000"/>
-                  </a:schemeClr>
-                </a:solidFill>
-                <a:latin typeface="微软雅黑" pitchFamily="34" charset="-122"/>
-                <a:ea typeface="微软雅黑" pitchFamily="34" charset="-122"/>
-              </a:rPr>
-              <a:t>	</a:t>
-            </a:r>
-            <a:r>
-              <a:rPr lang="zh-CN" altLang="en-US" dirty="0" smtClean="0">
-                <a:solidFill>
-                  <a:schemeClr val="tx1">
-                    <a:lumMod val="75000"/>
-                    <a:lumOff val="25000"/>
-                  </a:schemeClr>
-                </a:solidFill>
-                <a:latin typeface="微软雅黑" pitchFamily="34" charset="-122"/>
-                <a:ea typeface="微软雅黑" pitchFamily="34" charset="-122"/>
-              </a:rPr>
-              <a:t>布尔值</a:t>
-            </a:r>
-            <a:r>
-              <a:rPr lang="en-US" altLang="zh-CN" dirty="0" smtClean="0">
-                <a:solidFill>
-                  <a:schemeClr val="tx1">
-                    <a:lumMod val="75000"/>
-                    <a:lumOff val="25000"/>
-                  </a:schemeClr>
-                </a:solidFill>
-                <a:latin typeface="微软雅黑" pitchFamily="34" charset="-122"/>
-                <a:ea typeface="微软雅黑" pitchFamily="34" charset="-122"/>
-              </a:rPr>
-              <a:t>false</a:t>
-            </a:r>
-            <a:r>
-              <a:rPr lang="zh-CN" altLang="en-US" dirty="0" smtClean="0">
-                <a:solidFill>
-                  <a:schemeClr val="tx1">
-                    <a:lumMod val="75000"/>
-                    <a:lumOff val="25000"/>
-                  </a:schemeClr>
-                </a:solidFill>
-                <a:latin typeface="微软雅黑" pitchFamily="34" charset="-122"/>
-                <a:ea typeface="微软雅黑" pitchFamily="34" charset="-122"/>
-              </a:rPr>
-              <a:t>，数值</a:t>
-            </a:r>
-            <a:r>
-              <a:rPr lang="en-US" altLang="zh-CN" dirty="0" smtClean="0">
-                <a:solidFill>
-                  <a:schemeClr val="tx1">
-                    <a:lumMod val="75000"/>
-                    <a:lumOff val="25000"/>
-                  </a:schemeClr>
-                </a:solidFill>
-                <a:latin typeface="微软雅黑" pitchFamily="34" charset="-122"/>
-                <a:ea typeface="微软雅黑" pitchFamily="34" charset="-122"/>
-              </a:rPr>
-              <a:t>0</a:t>
-            </a:r>
-            <a:r>
-              <a:rPr lang="zh-CN" altLang="en-US" dirty="0" smtClean="0">
-                <a:solidFill>
-                  <a:schemeClr val="tx1">
-                    <a:lumMod val="75000"/>
-                    <a:lumOff val="25000"/>
-                  </a:schemeClr>
-                </a:solidFill>
-                <a:latin typeface="微软雅黑" pitchFamily="34" charset="-122"/>
-                <a:ea typeface="微软雅黑" pitchFamily="34" charset="-122"/>
-              </a:rPr>
-              <a:t>，</a:t>
-            </a:r>
-            <a:r>
-              <a:rPr lang="zh-CN" altLang="en-US" dirty="0">
-                <a:solidFill>
-                  <a:schemeClr val="tx1">
-                    <a:lumMod val="75000"/>
-                    <a:lumOff val="25000"/>
-                  </a:schemeClr>
-                </a:solidFill>
-                <a:latin typeface="微软雅黑" pitchFamily="34" charset="-122"/>
-                <a:ea typeface="微软雅黑" pitchFamily="34" charset="-122"/>
-              </a:rPr>
-              <a:t>空</a:t>
-            </a:r>
-            <a:r>
-              <a:rPr lang="zh-CN" altLang="en-US" dirty="0" smtClean="0">
-                <a:solidFill>
-                  <a:schemeClr val="tx1">
-                    <a:lumMod val="75000"/>
-                    <a:lumOff val="25000"/>
-                  </a:schemeClr>
-                </a:solidFill>
-                <a:latin typeface="微软雅黑" pitchFamily="34" charset="-122"/>
-                <a:ea typeface="微软雅黑" pitchFamily="34" charset="-122"/>
-              </a:rPr>
-              <a:t>对象（</a:t>
-            </a:r>
-            <a:r>
-              <a:rPr lang="en-US" altLang="zh-CN" dirty="0" smtClean="0">
-                <a:solidFill>
-                  <a:schemeClr val="tx1">
-                    <a:lumMod val="75000"/>
-                    <a:lumOff val="25000"/>
-                  </a:schemeClr>
-                </a:solidFill>
-                <a:latin typeface="微软雅黑" pitchFamily="34" charset="-122"/>
-                <a:ea typeface="微软雅黑" pitchFamily="34" charset="-122"/>
-              </a:rPr>
-              <a:t>null)</a:t>
-            </a:r>
-            <a:r>
-              <a:rPr lang="zh-CN" altLang="en-US" dirty="0" smtClean="0">
-                <a:solidFill>
-                  <a:schemeClr val="tx1">
-                    <a:lumMod val="75000"/>
-                    <a:lumOff val="25000"/>
-                  </a:schemeClr>
-                </a:solidFill>
-                <a:latin typeface="微软雅黑" pitchFamily="34" charset="-122"/>
-                <a:ea typeface="微软雅黑" pitchFamily="34" charset="-122"/>
-              </a:rPr>
-              <a:t>，未定义变量（</a:t>
-            </a:r>
-            <a:r>
-              <a:rPr lang="en-US" altLang="zh-CN" dirty="0" err="1" smtClean="0">
-                <a:solidFill>
-                  <a:schemeClr val="tx1">
-                    <a:lumMod val="75000"/>
-                    <a:lumOff val="25000"/>
-                  </a:schemeClr>
-                </a:solidFill>
-                <a:latin typeface="微软雅黑" pitchFamily="34" charset="-122"/>
-                <a:ea typeface="微软雅黑" pitchFamily="34" charset="-122"/>
-              </a:rPr>
-              <a:t>undefine</a:t>
-            </a:r>
-            <a:r>
-              <a:rPr lang="en-US" altLang="zh-CN" dirty="0" smtClean="0">
-                <a:solidFill>
-                  <a:schemeClr val="tx1">
-                    <a:lumMod val="75000"/>
-                    <a:lumOff val="25000"/>
-                  </a:schemeClr>
-                </a:solidFill>
-                <a:latin typeface="微软雅黑" pitchFamily="34" charset="-122"/>
-                <a:ea typeface="微软雅黑" pitchFamily="34" charset="-122"/>
-              </a:rPr>
-              <a:t>)</a:t>
-            </a:r>
-          </a:p>
-          <a:p>
-            <a:pPr>
-              <a:lnSpc>
-                <a:spcPct val="150000"/>
-              </a:lnSpc>
-            </a:pPr>
-            <a:r>
-              <a:rPr lang="zh-CN" altLang="en-US" dirty="0" smtClean="0">
-                <a:solidFill>
-                  <a:schemeClr val="tx1">
-                    <a:lumMod val="75000"/>
-                    <a:lumOff val="25000"/>
-                  </a:schemeClr>
-                </a:solidFill>
-                <a:latin typeface="微软雅黑" pitchFamily="34" charset="-122"/>
-                <a:ea typeface="微软雅黑" pitchFamily="34" charset="-122"/>
-              </a:rPr>
-              <a:t>与表达式是可以赋值给给其他变量的，它的值的分两种情况：</a:t>
-            </a:r>
-            <a:endParaRPr lang="en-US" altLang="zh-CN" dirty="0" smtClean="0">
-              <a:solidFill>
-                <a:schemeClr val="tx1">
-                  <a:lumMod val="75000"/>
-                  <a:lumOff val="25000"/>
-                </a:schemeClr>
-              </a:solidFill>
-              <a:latin typeface="微软雅黑" pitchFamily="34" charset="-122"/>
-              <a:ea typeface="微软雅黑" pitchFamily="34" charset="-122"/>
-            </a:endParaRPr>
-          </a:p>
-          <a:p>
-            <a:pPr marL="285750" indent="-285750">
-              <a:lnSpc>
-                <a:spcPct val="150000"/>
-              </a:lnSpc>
-              <a:buFont typeface="Arial" pitchFamily="34" charset="0"/>
-              <a:buChar char="•"/>
-            </a:pPr>
-            <a:r>
-              <a:rPr lang="zh-CN" altLang="en-US" dirty="0" smtClean="0">
-                <a:solidFill>
-                  <a:schemeClr val="tx1">
-                    <a:lumMod val="75000"/>
-                    <a:lumOff val="25000"/>
-                  </a:schemeClr>
-                </a:solidFill>
-                <a:latin typeface="微软雅黑" pitchFamily="34" charset="-122"/>
-                <a:ea typeface="微软雅黑" pitchFamily="34" charset="-122"/>
-              </a:rPr>
-              <a:t>如果整个表达式的值为</a:t>
-            </a:r>
-            <a:r>
-              <a:rPr lang="en-US" altLang="zh-CN" b="1" dirty="0" smtClean="0">
-                <a:solidFill>
-                  <a:schemeClr val="tx1">
-                    <a:lumMod val="75000"/>
-                    <a:lumOff val="25000"/>
-                  </a:schemeClr>
-                </a:solidFill>
-                <a:latin typeface="微软雅黑" pitchFamily="34" charset="-122"/>
-                <a:ea typeface="微软雅黑" pitchFamily="34" charset="-122"/>
-              </a:rPr>
-              <a:t>true</a:t>
-            </a:r>
-            <a:r>
-              <a:rPr lang="zh-CN" altLang="en-US" dirty="0" smtClean="0">
-                <a:solidFill>
-                  <a:schemeClr val="tx1">
-                    <a:lumMod val="75000"/>
-                    <a:lumOff val="25000"/>
-                  </a:schemeClr>
-                </a:solidFill>
-                <a:latin typeface="微软雅黑" pitchFamily="34" charset="-122"/>
-                <a:ea typeface="微软雅黑" pitchFamily="34" charset="-122"/>
-              </a:rPr>
-              <a:t>，则整个表达式的值，是</a:t>
-            </a:r>
-            <a:r>
-              <a:rPr lang="zh-CN" altLang="en-US" dirty="0" smtClean="0">
-                <a:solidFill>
-                  <a:srgbClr val="FF0000"/>
-                </a:solidFill>
-                <a:latin typeface="微软雅黑" pitchFamily="34" charset="-122"/>
-                <a:ea typeface="微软雅黑" pitchFamily="34" charset="-122"/>
-              </a:rPr>
-              <a:t>最后一个为</a:t>
-            </a:r>
-            <a:r>
-              <a:rPr lang="en-US" altLang="zh-CN" b="1" dirty="0" smtClean="0">
-                <a:solidFill>
-                  <a:srgbClr val="FF0000"/>
-                </a:solidFill>
-                <a:latin typeface="微软雅黑" pitchFamily="34" charset="-122"/>
-                <a:ea typeface="微软雅黑" pitchFamily="34" charset="-122"/>
-              </a:rPr>
-              <a:t>true</a:t>
-            </a:r>
-            <a:r>
-              <a:rPr lang="zh-CN" altLang="en-US" dirty="0" smtClean="0">
-                <a:solidFill>
-                  <a:srgbClr val="FF0000"/>
-                </a:solidFill>
-                <a:latin typeface="微软雅黑" pitchFamily="34" charset="-122"/>
-                <a:ea typeface="微软雅黑" pitchFamily="34" charset="-122"/>
-              </a:rPr>
-              <a:t>的，子表达式的值</a:t>
-            </a:r>
-            <a:r>
-              <a:rPr lang="zh-CN" altLang="en-US" dirty="0" smtClean="0">
-                <a:solidFill>
-                  <a:schemeClr val="tx1">
-                    <a:lumMod val="75000"/>
-                    <a:lumOff val="25000"/>
-                  </a:schemeClr>
-                </a:solidFill>
-                <a:latin typeface="微软雅黑" pitchFamily="34" charset="-122"/>
-                <a:ea typeface="微软雅黑" pitchFamily="34" charset="-122"/>
-              </a:rPr>
-              <a:t>；</a:t>
-            </a:r>
-            <a:endParaRPr lang="en-US" altLang="zh-CN" dirty="0" smtClean="0">
-              <a:solidFill>
-                <a:schemeClr val="tx1">
-                  <a:lumMod val="75000"/>
-                  <a:lumOff val="25000"/>
-                </a:schemeClr>
-              </a:solidFill>
-              <a:latin typeface="微软雅黑" pitchFamily="34" charset="-122"/>
-              <a:ea typeface="微软雅黑" pitchFamily="34" charset="-122"/>
-            </a:endParaRPr>
-          </a:p>
-          <a:p>
-            <a:pPr marL="285750" indent="-285750">
-              <a:lnSpc>
-                <a:spcPct val="150000"/>
-              </a:lnSpc>
-              <a:buFont typeface="Arial" pitchFamily="34" charset="0"/>
-              <a:buChar char="•"/>
-            </a:pPr>
-            <a:r>
-              <a:rPr lang="zh-CN" altLang="en-US" dirty="0" smtClean="0">
-                <a:solidFill>
-                  <a:schemeClr val="tx1">
-                    <a:lumMod val="75000"/>
-                    <a:lumOff val="25000"/>
-                  </a:schemeClr>
-                </a:solidFill>
-                <a:latin typeface="微软雅黑" pitchFamily="34" charset="-122"/>
-                <a:ea typeface="微软雅黑" pitchFamily="34" charset="-122"/>
-              </a:rPr>
-              <a:t>如果表达式的值为</a:t>
-            </a:r>
-            <a:r>
-              <a:rPr lang="en-US" altLang="zh-CN" b="1" dirty="0" smtClean="0">
-                <a:solidFill>
-                  <a:schemeClr val="tx1">
-                    <a:lumMod val="75000"/>
-                    <a:lumOff val="25000"/>
-                  </a:schemeClr>
-                </a:solidFill>
-                <a:latin typeface="微软雅黑" pitchFamily="34" charset="-122"/>
-                <a:ea typeface="微软雅黑" pitchFamily="34" charset="-122"/>
-              </a:rPr>
-              <a:t>false</a:t>
-            </a:r>
-            <a:r>
-              <a:rPr lang="zh-CN" altLang="en-US" dirty="0">
-                <a:solidFill>
-                  <a:schemeClr val="tx1">
-                    <a:lumMod val="75000"/>
-                    <a:lumOff val="25000"/>
-                  </a:schemeClr>
-                </a:solidFill>
-                <a:latin typeface="微软雅黑" pitchFamily="34" charset="-122"/>
-                <a:ea typeface="微软雅黑" pitchFamily="34" charset="-122"/>
-              </a:rPr>
-              <a:t>，</a:t>
-            </a:r>
-            <a:r>
-              <a:rPr lang="zh-CN" altLang="en-US" dirty="0" smtClean="0">
-                <a:solidFill>
-                  <a:schemeClr val="tx1">
-                    <a:lumMod val="75000"/>
-                    <a:lumOff val="25000"/>
-                  </a:schemeClr>
-                </a:solidFill>
-                <a:latin typeface="微软雅黑" pitchFamily="34" charset="-122"/>
-                <a:ea typeface="微软雅黑" pitchFamily="34" charset="-122"/>
-              </a:rPr>
-              <a:t>则整个表达式的值，为</a:t>
-            </a:r>
-            <a:r>
-              <a:rPr lang="zh-CN" altLang="en-US" dirty="0" smtClean="0">
-                <a:solidFill>
-                  <a:srgbClr val="FF0000"/>
-                </a:solidFill>
-                <a:latin typeface="微软雅黑" pitchFamily="34" charset="-122"/>
-                <a:ea typeface="微软雅黑" pitchFamily="34" charset="-122"/>
-              </a:rPr>
-              <a:t>第一个为</a:t>
-            </a:r>
-            <a:r>
-              <a:rPr lang="en-US" altLang="zh-CN" b="1" dirty="0" smtClean="0">
-                <a:solidFill>
-                  <a:srgbClr val="FF0000"/>
-                </a:solidFill>
-                <a:latin typeface="微软雅黑" pitchFamily="34" charset="-122"/>
-                <a:ea typeface="微软雅黑" pitchFamily="34" charset="-122"/>
-              </a:rPr>
-              <a:t>false</a:t>
-            </a:r>
-            <a:r>
-              <a:rPr lang="zh-CN" altLang="en-US" dirty="0" smtClean="0">
-                <a:solidFill>
-                  <a:srgbClr val="FF0000"/>
-                </a:solidFill>
-                <a:latin typeface="微软雅黑" pitchFamily="34" charset="-122"/>
-                <a:ea typeface="微软雅黑" pitchFamily="34" charset="-122"/>
-              </a:rPr>
-              <a:t>的子表达式的值</a:t>
-            </a:r>
-            <a:r>
-              <a:rPr lang="zh-CN" altLang="en-US" dirty="0" smtClean="0">
-                <a:solidFill>
-                  <a:schemeClr val="tx1">
-                    <a:lumMod val="75000"/>
-                    <a:lumOff val="25000"/>
-                  </a:schemeClr>
-                </a:solidFill>
-                <a:latin typeface="微软雅黑" pitchFamily="34" charset="-122"/>
-                <a:ea typeface="微软雅黑" pitchFamily="34" charset="-122"/>
-              </a:rPr>
-              <a:t>。</a:t>
-            </a:r>
-            <a:endParaRPr lang="en-US" altLang="zh-CN" dirty="0" smtClean="0">
-              <a:solidFill>
-                <a:schemeClr val="tx1">
-                  <a:lumMod val="75000"/>
-                  <a:lumOff val="25000"/>
-                </a:schemeClr>
-              </a:solidFill>
-              <a:latin typeface="微软雅黑" pitchFamily="34" charset="-122"/>
-              <a:ea typeface="微软雅黑" pitchFamily="34" charset="-122"/>
-            </a:endParaRPr>
-          </a:p>
-          <a:p>
-            <a:pPr>
-              <a:lnSpc>
-                <a:spcPct val="150000"/>
-              </a:lnSpc>
-            </a:pPr>
-            <a:r>
-              <a:rPr lang="zh-CN" altLang="en-US" dirty="0">
-                <a:solidFill>
-                  <a:schemeClr val="tx1">
-                    <a:lumMod val="75000"/>
-                    <a:lumOff val="25000"/>
-                  </a:schemeClr>
-                </a:solidFill>
-                <a:latin typeface="微软雅黑" pitchFamily="34" charset="-122"/>
-                <a:ea typeface="微软雅黑" pitchFamily="34" charset="-122"/>
-              </a:rPr>
-              <a:t>如下</a:t>
-            </a:r>
-            <a:r>
-              <a:rPr lang="zh-CN" altLang="en-US" dirty="0" smtClean="0">
-                <a:solidFill>
-                  <a:schemeClr val="tx1">
-                    <a:lumMod val="75000"/>
-                    <a:lumOff val="25000"/>
-                  </a:schemeClr>
-                </a:solidFill>
-                <a:latin typeface="微软雅黑" pitchFamily="34" charset="-122"/>
-                <a:ea typeface="微软雅黑" pitchFamily="34" charset="-122"/>
-              </a:rPr>
-              <a:t>图所示</a:t>
-            </a:r>
-            <a:endParaRPr lang="en-US" altLang="zh-CN" dirty="0">
-              <a:solidFill>
-                <a:schemeClr val="tx1">
-                  <a:lumMod val="75000"/>
-                  <a:lumOff val="25000"/>
-                </a:schemeClr>
-              </a:solidFill>
-              <a:latin typeface="微软雅黑" pitchFamily="34" charset="-122"/>
-              <a:ea typeface="微软雅黑" pitchFamily="34" charset="-122"/>
-            </a:endParaRPr>
-          </a:p>
-        </p:txBody>
-      </p:sp>
-    </p:spTree>
-    <p:extLst>
-      <p:ext uri="{BB962C8B-B14F-4D97-AF65-F5344CB8AC3E}">
-        <p14:creationId xmlns:p14="http://schemas.microsoft.com/office/powerpoint/2010/main" val="513439149"/>
-      </p:ext>
-    </p:extLst>
-  </p:cSld>
-  <p:clrMapOvr>
-    <a:masterClrMapping/>
-  </p:clrMapOvr>
-  <p:timing>
-    <p:tnLst>
-      <p:par>
-        <p:cTn id="1" dur="indefinite" restart="never" nodeType="tmRoot"/>
-      </p:par>
-    </p:tnLst>
-  </p:timing>
-</p:sld>
-</file>
-
-<file path=ppt/slides/slide8.xml><?xml version="1.0" encoding="utf-8"?>
+<file path=ppt/slides/slide6.xml><?xml version="1.0" encoding="utf-8"?>
 <p:sld xmlns:a="http://schemas.openxmlformats.org/drawingml/2006/main" xmlns:r="http://schemas.openxmlformats.org/officeDocument/2006/relationships" xmlns:p="http://schemas.openxmlformats.org/presentationml/2006/main">
   <p:cSld>
     <p:spTree>
@@ -7814,8 +9618,8 @@
         </p:blipFill>
         <p:spPr>
           <a:xfrm>
-            <a:off x="1691680" y="739069"/>
-            <a:ext cx="2951759" cy="3188350"/>
+            <a:off x="915597" y="1868075"/>
+            <a:ext cx="5420481" cy="3829584"/>
           </a:xfrm>
           <a:prstGeom prst="rect">
             <a:avLst/>
@@ -7834,32 +9638,108 @@
       </p:pic>
       <p:sp>
         <p:nvSpPr>
-          <p:cNvPr id="3" name="圆角矩形标注 2"/>
+          <p:cNvPr id="5" name="矩形 4"/>
           <p:cNvSpPr/>
           <p:nvPr/>
         </p:nvSpPr>
         <p:spPr>
           <a:xfrm>
-            <a:off x="4643439" y="595053"/>
-            <a:ext cx="2711686" cy="701883"/>
+            <a:off x="827584" y="332656"/>
+            <a:ext cx="6991651" cy="1338828"/>
+          </a:xfrm>
+          <a:prstGeom prst="rect">
+            <a:avLst/>
+          </a:prstGeom>
+        </p:spPr>
+        <p:txBody>
+          <a:bodyPr wrap="square">
+            <a:spAutoFit/>
+          </a:bodyPr>
+          <a:lstStyle/>
+          <a:p>
+            <a:pPr>
+              <a:lnSpc>
+                <a:spcPct val="150000"/>
+              </a:lnSpc>
+            </a:pPr>
+            <a:r>
+              <a:rPr lang="en-US" altLang="zh-CN" dirty="0">
+                <a:latin typeface="微软雅黑" panose="020B0503020204020204" pitchFamily="34" charset="-122"/>
+                <a:ea typeface="微软雅黑" panose="020B0503020204020204" pitchFamily="34" charset="-122"/>
+              </a:rPr>
+              <a:t>c</a:t>
+            </a:r>
+            <a:r>
+              <a:rPr lang="en-US" altLang="zh-CN" dirty="0" smtClean="0">
+                <a:latin typeface="微软雅黑" panose="020B0503020204020204" pitchFamily="34" charset="-122"/>
+                <a:ea typeface="微软雅黑" panose="020B0503020204020204" pitchFamily="34" charset="-122"/>
+              </a:rPr>
+              <a:t>. </a:t>
+            </a:r>
+            <a:r>
+              <a:rPr lang="zh-CN" altLang="en-US" dirty="0" smtClean="0">
+                <a:latin typeface="微软雅黑" panose="020B0503020204020204" pitchFamily="34" charset="-122"/>
+                <a:ea typeface="微软雅黑" panose="020B0503020204020204" pitchFamily="34" charset="-122"/>
+              </a:rPr>
+              <a:t>利用代码动态创建任意的星星</a:t>
+            </a:r>
+            <a:endParaRPr lang="en-US" altLang="zh-CN" dirty="0" smtClean="0">
+              <a:latin typeface="微软雅黑" panose="020B0503020204020204" pitchFamily="34" charset="-122"/>
+              <a:ea typeface="微软雅黑" panose="020B0503020204020204" pitchFamily="34" charset="-122"/>
+            </a:endParaRPr>
+          </a:p>
+          <a:p>
+            <a:pPr>
+              <a:lnSpc>
+                <a:spcPct val="150000"/>
+              </a:lnSpc>
+            </a:pPr>
+            <a:endParaRPr lang="en-US" altLang="zh-CN" dirty="0" smtClean="0">
+              <a:latin typeface="微软雅黑" panose="020B0503020204020204" pitchFamily="34" charset="-122"/>
+              <a:ea typeface="微软雅黑" panose="020B0503020204020204" pitchFamily="34" charset="-122"/>
+            </a:endParaRPr>
+          </a:p>
+          <a:p>
+            <a:pPr>
+              <a:lnSpc>
+                <a:spcPct val="150000"/>
+              </a:lnSpc>
+            </a:pPr>
+            <a:endParaRPr lang="en-US" altLang="zh-CN" dirty="0">
+              <a:latin typeface="微软雅黑" panose="020B0503020204020204" pitchFamily="34" charset="-122"/>
+              <a:ea typeface="微软雅黑" panose="020B0503020204020204" pitchFamily="34" charset="-122"/>
+            </a:endParaRPr>
+          </a:p>
+        </p:txBody>
+      </p:sp>
+      <p:sp>
+        <p:nvSpPr>
+          <p:cNvPr id="8" name="圆角矩形标注 7"/>
+          <p:cNvSpPr/>
+          <p:nvPr/>
+        </p:nvSpPr>
+        <p:spPr>
+          <a:xfrm>
+            <a:off x="4323409" y="4840775"/>
+            <a:ext cx="3200919" cy="1180513"/>
           </a:xfrm>
           <a:prstGeom prst="wedgeRoundRectCallout">
             <a:avLst>
-              <a:gd name="adj1" fmla="val -61046"/>
-              <a:gd name="adj2" fmla="val -20824"/>
+              <a:gd name="adj1" fmla="val -27281"/>
+              <a:gd name="adj2" fmla="val -65465"/>
               <a:gd name="adj3" fmla="val 16667"/>
             </a:avLst>
           </a:prstGeom>
         </p:spPr>
         <p:style>
           <a:lnRef idx="2">
-            <a:schemeClr val="accent6"/>
+            <a:schemeClr val="accent5"/>
           </a:lnRef>
           <a:fillRef idx="1">
             <a:schemeClr val="lt1"/>
           </a:fillRef>
           <a:effectRef idx="0">
-            <a:schemeClr val="accent6"/>
+            <a:schemeClr val="accent5"/>
           </a:effectRef>
           <a:fontRef idx="minor">
             <a:schemeClr val="dk1"/>
@@ -7875,55 +9755,13 @@
               </a:lnSpc>
             </a:pPr>
             <a:r>
-              <a:rPr lang="en-US" altLang="zh-CN" sz="1400" dirty="0" smtClean="0">
-                <a:latin typeface="微软雅黑" panose="020B0503020204020204" pitchFamily="34" charset="-122"/>
-                <a:ea typeface="微软雅黑" panose="020B0503020204020204" pitchFamily="34" charset="-122"/>
-              </a:rPr>
-              <a:t> </a:t>
-            </a:r>
-            <a:r>
-              <a:rPr lang="zh-CN" altLang="en-US" sz="1400" dirty="0" smtClean="0">
-                <a:latin typeface="微软雅黑" panose="020B0503020204020204" pitchFamily="34" charset="-122"/>
-                <a:ea typeface="微软雅黑" panose="020B0503020204020204" pitchFamily="34" charset="-122"/>
-              </a:rPr>
-              <a:t>表达整体为</a:t>
-            </a:r>
-            <a:r>
-              <a:rPr lang="en-US" altLang="zh-CN" sz="1400" dirty="0" smtClean="0">
-                <a:latin typeface="微软雅黑" panose="020B0503020204020204" pitchFamily="34" charset="-122"/>
-                <a:ea typeface="微软雅黑" panose="020B0503020204020204" pitchFamily="34" charset="-122"/>
-              </a:rPr>
-              <a:t>true</a:t>
-            </a:r>
-            <a:r>
-              <a:rPr lang="zh-CN" altLang="en-US" sz="1400" dirty="0" smtClean="0">
-                <a:latin typeface="微软雅黑" panose="020B0503020204020204" pitchFamily="34" charset="-122"/>
-                <a:ea typeface="微软雅黑" panose="020B0503020204020204" pitchFamily="34" charset="-122"/>
-              </a:rPr>
-              <a:t>，</a:t>
-            </a:r>
-            <a:r>
-              <a:rPr lang="en-US" altLang="zh-CN" sz="1400" dirty="0" smtClean="0">
-                <a:latin typeface="微软雅黑" panose="020B0503020204020204" pitchFamily="34" charset="-122"/>
-                <a:ea typeface="微软雅黑" panose="020B0503020204020204" pitchFamily="34" charset="-122"/>
-              </a:rPr>
-              <a:t>a</a:t>
-            </a:r>
-            <a:r>
-              <a:rPr lang="zh-CN" altLang="en-US" sz="1400" dirty="0" smtClean="0">
-                <a:latin typeface="微软雅黑" panose="020B0503020204020204" pitchFamily="34" charset="-122"/>
-                <a:ea typeface="微软雅黑" panose="020B0503020204020204" pitchFamily="34" charset="-122"/>
-              </a:rPr>
-              <a:t>的值是最后子表达式的值，也就是</a:t>
-            </a:r>
-            <a:r>
-              <a:rPr lang="en-US" altLang="zh-CN" sz="1400" dirty="0" smtClean="0">
-                <a:latin typeface="微软雅黑" panose="020B0503020204020204" pitchFamily="34" charset="-122"/>
-                <a:ea typeface="微软雅黑" panose="020B0503020204020204" pitchFamily="34" charset="-122"/>
-              </a:rPr>
-              <a:t>15</a:t>
-            </a:r>
-            <a:endParaRPr lang="zh-CN" altLang="en-US" sz="1400" dirty="0">
+              <a:rPr lang="zh-CN" altLang="en-US" sz="1600" dirty="0" smtClean="0">
+                <a:latin typeface="微软雅黑" panose="020B0503020204020204" pitchFamily="34" charset="-122"/>
+                <a:ea typeface="微软雅黑" panose="020B0503020204020204" pitchFamily="34" charset="-122"/>
+              </a:rPr>
+              <a:t>当每个星星动画结束时，我们需要重新设置，所以为动画结束事件绑定处理函数</a:t>
+            </a:r>
+            <a:endParaRPr lang="zh-CN" altLang="en-US" sz="1600" dirty="0">
               <a:latin typeface="微软雅黑" panose="020B0503020204020204" pitchFamily="34" charset="-122"/>
               <a:ea typeface="微软雅黑" panose="020B0503020204020204" pitchFamily="34" charset="-122"/>
             </a:endParaRPr>
@@ -7932,32 +9770,32 @@
       </p:sp>
       <p:sp>
         <p:nvSpPr>
-          <p:cNvPr id="4" name="圆角矩形标注 3"/>
+          <p:cNvPr id="9" name="圆角矩形标注 8"/>
           <p:cNvSpPr/>
           <p:nvPr/>
         </p:nvSpPr>
         <p:spPr>
           <a:xfrm>
-            <a:off x="4499993" y="1819189"/>
-            <a:ext cx="2952327" cy="701883"/>
+            <a:off x="2676339" y="1002070"/>
+            <a:ext cx="1895661" cy="579575"/>
           </a:xfrm>
           <a:prstGeom prst="wedgeRoundRectCallout">
             <a:avLst>
-              <a:gd name="adj1" fmla="val -61046"/>
-              <a:gd name="adj2" fmla="val -20824"/>
+              <a:gd name="adj1" fmla="val -54172"/>
+              <a:gd name="adj2" fmla="val 24873"/>
               <a:gd name="adj3" fmla="val 16667"/>
             </a:avLst>
           </a:prstGeom>
         </p:spPr>
         <p:style>
           <a:lnRef idx="2">
-            <a:schemeClr val="accent6"/>
+            <a:schemeClr val="accent5"/>
           </a:lnRef>
           <a:fillRef idx="1">
             <a:schemeClr val="lt1"/>
           </a:fillRef>
           <a:effectRef idx="0">
-            <a:schemeClr val="accent6"/>
+            <a:schemeClr val="accent5"/>
           </a:effectRef>
           <a:fontRef idx="minor">
             <a:schemeClr val="dk1"/>
@@ -7973,83 +9811,13 @@
               </a:lnSpc>
             </a:pPr>
             <a:r>
-              <a:rPr lang="en-US" altLang="zh-CN" sz="1400" dirty="0" smtClean="0">
-                <a:latin typeface="微软雅黑" panose="020B0503020204020204" pitchFamily="34" charset="-122"/>
-                <a:ea typeface="微软雅黑" panose="020B0503020204020204" pitchFamily="34" charset="-122"/>
-              </a:rPr>
-              <a:t> </a:t>
-            </a:r>
-            <a:r>
-              <a:rPr lang="zh-CN" altLang="en-US" sz="1400" dirty="0" smtClean="0">
-                <a:latin typeface="微软雅黑" panose="020B0503020204020204" pitchFamily="34" charset="-122"/>
-                <a:ea typeface="微软雅黑" panose="020B0503020204020204" pitchFamily="34" charset="-122"/>
-              </a:rPr>
-              <a:t>表达整体为</a:t>
-            </a:r>
-            <a:r>
-              <a:rPr lang="en-US" altLang="zh-CN" sz="1400" dirty="0" smtClean="0">
-                <a:latin typeface="微软雅黑" panose="020B0503020204020204" pitchFamily="34" charset="-122"/>
-                <a:ea typeface="微软雅黑" panose="020B0503020204020204" pitchFamily="34" charset="-122"/>
-              </a:rPr>
-              <a:t>false</a:t>
-            </a:r>
-            <a:r>
-              <a:rPr lang="zh-CN" altLang="en-US" sz="1400" dirty="0" smtClean="0">
-                <a:latin typeface="微软雅黑" panose="020B0503020204020204" pitchFamily="34" charset="-122"/>
-                <a:ea typeface="微软雅黑" panose="020B0503020204020204" pitchFamily="34" charset="-122"/>
-              </a:rPr>
-              <a:t>，</a:t>
-            </a:r>
-            <a:r>
-              <a:rPr lang="en-US" altLang="zh-CN" sz="1400" dirty="0" smtClean="0">
-                <a:latin typeface="微软雅黑" panose="020B0503020204020204" pitchFamily="34" charset="-122"/>
-                <a:ea typeface="微软雅黑" panose="020B0503020204020204" pitchFamily="34" charset="-122"/>
-              </a:rPr>
-              <a:t>a</a:t>
-            </a:r>
-            <a:r>
-              <a:rPr lang="zh-CN" altLang="en-US" sz="1400" dirty="0" smtClean="0">
-                <a:latin typeface="微软雅黑" panose="020B0503020204020204" pitchFamily="34" charset="-122"/>
-                <a:ea typeface="微软雅黑" panose="020B0503020204020204" pitchFamily="34" charset="-122"/>
-              </a:rPr>
-              <a:t>的值是</a:t>
-            </a:r>
-            <a:r>
-              <a:rPr lang="zh-CN" altLang="en-US" sz="1400" dirty="0">
-                <a:latin typeface="微软雅黑" panose="020B0503020204020204" pitchFamily="34" charset="-122"/>
-                <a:ea typeface="微软雅黑" panose="020B0503020204020204" pitchFamily="34" charset="-122"/>
-              </a:rPr>
-              <a:t>第一</a:t>
-            </a:r>
-            <a:r>
-              <a:rPr lang="zh-CN" altLang="en-US" sz="1400" dirty="0" smtClean="0">
-                <a:latin typeface="微软雅黑" panose="020B0503020204020204" pitchFamily="34" charset="-122"/>
-                <a:ea typeface="微软雅黑" panose="020B0503020204020204" pitchFamily="34" charset="-122"/>
-              </a:rPr>
-              <a:t>个</a:t>
-            </a:r>
-            <a:r>
-              <a:rPr lang="en-US" altLang="zh-CN" sz="1400" dirty="0" smtClean="0">
-                <a:latin typeface="微软雅黑" panose="020B0503020204020204" pitchFamily="34" charset="-122"/>
-                <a:ea typeface="微软雅黑" panose="020B0503020204020204" pitchFamily="34" charset="-122"/>
-              </a:rPr>
-              <a:t>false</a:t>
-            </a:r>
-            <a:r>
-              <a:rPr lang="zh-CN" altLang="en-US" sz="1400" dirty="0" smtClean="0">
-                <a:latin typeface="微软雅黑" panose="020B0503020204020204" pitchFamily="34" charset="-122"/>
-                <a:ea typeface="微软雅黑" panose="020B0503020204020204" pitchFamily="34" charset="-122"/>
-              </a:rPr>
-              <a:t>的自表达式值，也就是</a:t>
-            </a:r>
-            <a:r>
-              <a:rPr lang="en-US" altLang="zh-CN" sz="1400" dirty="0">
-                <a:latin typeface="微软雅黑" panose="020B0503020204020204" pitchFamily="34" charset="-122"/>
-                <a:ea typeface="微软雅黑" panose="020B0503020204020204" pitchFamily="34" charset="-122"/>
-              </a:rPr>
-              <a:t>0</a:t>
-            </a:r>
-            <a:endParaRPr lang="zh-CN" altLang="en-US" sz="1400" dirty="0">
+              <a:rPr lang="zh-CN" altLang="en-US" sz="1600" dirty="0" smtClean="0">
+                <a:latin typeface="微软雅黑" panose="020B0503020204020204" pitchFamily="34" charset="-122"/>
+                <a:ea typeface="微软雅黑" panose="020B0503020204020204" pitchFamily="34" charset="-122"/>
+              </a:rPr>
+              <a:t>定义一个星星数量</a:t>
+            </a:r>
+            <a:endParaRPr lang="zh-CN" altLang="en-US" sz="1600" dirty="0">
               <a:latin typeface="微软雅黑" panose="020B0503020204020204" pitchFamily="34" charset="-122"/>
               <a:ea typeface="微软雅黑" panose="020B0503020204020204" pitchFamily="34" charset="-122"/>
             </a:endParaRPr>
@@ -8058,32 +9826,32 @@
       </p:sp>
       <p:sp>
         <p:nvSpPr>
-          <p:cNvPr id="5" name="圆角矩形标注 4"/>
+          <p:cNvPr id="10" name="圆角矩形标注 9"/>
           <p:cNvSpPr/>
           <p:nvPr/>
         </p:nvSpPr>
         <p:spPr>
           <a:xfrm>
-            <a:off x="4487114" y="2911869"/>
-            <a:ext cx="2965206" cy="701883"/>
+            <a:off x="1534386" y="5143042"/>
+            <a:ext cx="1944216" cy="554617"/>
           </a:xfrm>
           <a:prstGeom prst="wedgeRoundRectCallout">
             <a:avLst>
-              <a:gd name="adj1" fmla="val -61046"/>
-              <a:gd name="adj2" fmla="val -20824"/>
+              <a:gd name="adj1" fmla="val -25247"/>
+              <a:gd name="adj2" fmla="val -70663"/>
               <a:gd name="adj3" fmla="val 16667"/>
             </a:avLst>
           </a:prstGeom>
         </p:spPr>
         <p:style>
           <a:lnRef idx="2">
-            <a:schemeClr val="accent6"/>
+            <a:schemeClr val="accent5"/>
           </a:lnRef>
           <a:fillRef idx="1">
             <a:schemeClr val="lt1"/>
           </a:fillRef>
           <a:effectRef idx="0">
-            <a:schemeClr val="accent6"/>
+            <a:schemeClr val="accent5"/>
           </a:effectRef>
           <a:fontRef idx="minor">
             <a:schemeClr val="dk1"/>
@@ -8099,93 +9867,689 @@
               </a:lnSpc>
             </a:pPr>
             <a:r>
-              <a:rPr lang="en-US" altLang="zh-CN" sz="1400" dirty="0" smtClean="0">
-                <a:latin typeface="微软雅黑" panose="020B0503020204020204" pitchFamily="34" charset="-122"/>
-                <a:ea typeface="微软雅黑" panose="020B0503020204020204" pitchFamily="34" charset="-122"/>
-              </a:rPr>
-              <a:t> </a:t>
-            </a:r>
-            <a:r>
-              <a:rPr lang="zh-CN" altLang="en-US" sz="1400" dirty="0" smtClean="0">
-                <a:latin typeface="微软雅黑" panose="020B0503020204020204" pitchFamily="34" charset="-122"/>
-                <a:ea typeface="微软雅黑" panose="020B0503020204020204" pitchFamily="34" charset="-122"/>
-              </a:rPr>
-              <a:t>表达整体为</a:t>
-            </a:r>
-            <a:r>
-              <a:rPr lang="en-US" altLang="zh-CN" sz="1400" dirty="0" smtClean="0">
-                <a:latin typeface="微软雅黑" panose="020B0503020204020204" pitchFamily="34" charset="-122"/>
-                <a:ea typeface="微软雅黑" panose="020B0503020204020204" pitchFamily="34" charset="-122"/>
-              </a:rPr>
-              <a:t>false</a:t>
-            </a:r>
-            <a:r>
-              <a:rPr lang="zh-CN" altLang="en-US" sz="1400" dirty="0" smtClean="0">
-                <a:latin typeface="微软雅黑" panose="020B0503020204020204" pitchFamily="34" charset="-122"/>
-                <a:ea typeface="微软雅黑" panose="020B0503020204020204" pitchFamily="34" charset="-122"/>
-              </a:rPr>
-              <a:t>，</a:t>
-            </a:r>
-            <a:r>
-              <a:rPr lang="en-US" altLang="zh-CN" sz="1400" dirty="0" smtClean="0">
-                <a:latin typeface="微软雅黑" panose="020B0503020204020204" pitchFamily="34" charset="-122"/>
-                <a:ea typeface="微软雅黑" panose="020B0503020204020204" pitchFamily="34" charset="-122"/>
-              </a:rPr>
-              <a:t>a</a:t>
-            </a:r>
-            <a:r>
-              <a:rPr lang="zh-CN" altLang="en-US" sz="1400" dirty="0" smtClean="0">
-                <a:latin typeface="微软雅黑" panose="020B0503020204020204" pitchFamily="34" charset="-122"/>
-                <a:ea typeface="微软雅黑" panose="020B0503020204020204" pitchFamily="34" charset="-122"/>
-              </a:rPr>
-              <a:t>的值是</a:t>
-            </a:r>
-            <a:r>
-              <a:rPr lang="zh-CN" altLang="en-US" sz="1400" dirty="0">
-                <a:latin typeface="微软雅黑" panose="020B0503020204020204" pitchFamily="34" charset="-122"/>
-                <a:ea typeface="微软雅黑" panose="020B0503020204020204" pitchFamily="34" charset="-122"/>
-              </a:rPr>
-              <a:t>第一</a:t>
-            </a:r>
-            <a:r>
-              <a:rPr lang="zh-CN" altLang="en-US" sz="1400" dirty="0" smtClean="0">
-                <a:latin typeface="微软雅黑" panose="020B0503020204020204" pitchFamily="34" charset="-122"/>
-                <a:ea typeface="微软雅黑" panose="020B0503020204020204" pitchFamily="34" charset="-122"/>
-              </a:rPr>
-              <a:t>个</a:t>
-            </a:r>
-            <a:r>
-              <a:rPr lang="en-US" altLang="zh-CN" sz="1400" dirty="0" smtClean="0">
-                <a:latin typeface="微软雅黑" panose="020B0503020204020204" pitchFamily="34" charset="-122"/>
-                <a:ea typeface="微软雅黑" panose="020B0503020204020204" pitchFamily="34" charset="-122"/>
-              </a:rPr>
-              <a:t>false</a:t>
-            </a:r>
-            <a:r>
-              <a:rPr lang="zh-CN" altLang="en-US" sz="1400" dirty="0" smtClean="0">
-                <a:latin typeface="微软雅黑" panose="020B0503020204020204" pitchFamily="34" charset="-122"/>
-                <a:ea typeface="微软雅黑" panose="020B0503020204020204" pitchFamily="34" charset="-122"/>
-              </a:rPr>
-              <a:t>的自表达式值，也就是</a:t>
-            </a:r>
-            <a:r>
-              <a:rPr lang="en-US" altLang="zh-CN" sz="1400" dirty="0" smtClean="0">
-                <a:latin typeface="微软雅黑" panose="020B0503020204020204" pitchFamily="34" charset="-122"/>
-                <a:ea typeface="微软雅黑" panose="020B0503020204020204" pitchFamily="34" charset="-122"/>
-              </a:rPr>
-              <a:t>false</a:t>
-            </a:r>
-            <a:endParaRPr lang="zh-CN" altLang="en-US" sz="1400" dirty="0">
+              <a:rPr lang="zh-CN" altLang="en-US" sz="1600" dirty="0" smtClean="0">
+                <a:latin typeface="微软雅黑" panose="020B0503020204020204" pitchFamily="34" charset="-122"/>
+                <a:ea typeface="微软雅黑" panose="020B0503020204020204" pitchFamily="34" charset="-122"/>
+              </a:rPr>
+              <a:t>设置星星的样式</a:t>
+            </a:r>
+            <a:endParaRPr lang="zh-CN" altLang="en-US" sz="1600" dirty="0">
               <a:latin typeface="微软雅黑" panose="020B0503020204020204" pitchFamily="34" charset="-122"/>
               <a:ea typeface="微软雅黑" panose="020B0503020204020204" pitchFamily="34" charset="-122"/>
             </a:endParaRPr>
           </a:p>
         </p:txBody>
       </p:sp>
+      <p:pic>
+        <p:nvPicPr>
+          <p:cNvPr id="6" name="图片 5" descr="屏幕剪辑"/>
+          <p:cNvPicPr>
+            <a:picLocks noChangeAspect="1"/>
+          </p:cNvPicPr>
+          <p:nvPr/>
+        </p:nvPicPr>
+        <p:blipFill>
+          <a:blip r:embed="rId3">
+            <a:extLst>
+              <a:ext uri="{28A0092B-C50C-407E-A947-70E740481C1C}">
+                <a14:useLocalDpi xmlns:a14="http://schemas.microsoft.com/office/drawing/2010/main" val="0"/>
+              </a:ext>
+            </a:extLst>
+          </a:blip>
+          <a:stretch>
+            <a:fillRect/>
+          </a:stretch>
+        </p:blipFill>
+        <p:spPr>
+          <a:xfrm>
+            <a:off x="915597" y="1268760"/>
+            <a:ext cx="1590897" cy="295316"/>
+          </a:xfrm>
+          <a:prstGeom prst="rect">
+            <a:avLst/>
+          </a:prstGeom>
+          <a:ln>
+            <a:noFill/>
+          </a:ln>
+          <a:effectLst>
+            <a:outerShdw blurRad="292100" dist="139700" dir="2700000" algn="tl" rotWithShape="0">
+              <a:srgbClr val="333333">
+                <a:alpha val="65000"/>
+              </a:srgbClr>
+            </a:outerShdw>
+          </a:effectLst>
+        </p:spPr>
+      </p:pic>
+      <p:sp>
+        <p:nvSpPr>
+          <p:cNvPr id="12" name="圆角矩形标注 11"/>
+          <p:cNvSpPr/>
+          <p:nvPr/>
+        </p:nvSpPr>
+        <p:spPr>
+          <a:xfrm>
+            <a:off x="3929793" y="2348880"/>
+            <a:ext cx="1895661" cy="435559"/>
+          </a:xfrm>
+          <a:prstGeom prst="wedgeRoundRectCallout">
+            <a:avLst>
+              <a:gd name="adj1" fmla="val -54172"/>
+              <a:gd name="adj2" fmla="val 24873"/>
+              <a:gd name="adj3" fmla="val 16667"/>
+            </a:avLst>
+          </a:prstGeom>
+        </p:spPr>
+        <p:style>
+          <a:lnRef idx="2">
+            <a:schemeClr val="accent5"/>
+          </a:lnRef>
+          <a:fillRef idx="1">
+            <a:schemeClr val="lt1"/>
+          </a:fillRef>
+          <a:effectRef idx="0">
+            <a:schemeClr val="accent5"/>
+          </a:effectRef>
+          <a:fontRef idx="minor">
+            <a:schemeClr val="dk1"/>
+          </a:fontRef>
+        </p:style>
+        <p:txBody>
+          <a:bodyPr rtlCol="0" anchor="ctr"/>
+          <a:lstStyle/>
+          <a:p>
+            <a:pPr>
+              <a:lnSpc>
+                <a:spcPct val="150000"/>
+              </a:lnSpc>
+            </a:pPr>
+            <a:r>
+              <a:rPr lang="zh-CN" altLang="en-US" sz="1600" dirty="0" smtClean="0">
+                <a:latin typeface="微软雅黑" panose="020B0503020204020204" pitchFamily="34" charset="-122"/>
+                <a:ea typeface="微软雅黑" panose="020B0503020204020204" pitchFamily="34" charset="-122"/>
+              </a:rPr>
+              <a:t>获取“天空”标签</a:t>
+            </a:r>
+            <a:endParaRPr lang="zh-CN" altLang="en-US" sz="1600" dirty="0">
+              <a:latin typeface="微软雅黑" panose="020B0503020204020204" pitchFamily="34" charset="-122"/>
+              <a:ea typeface="微软雅黑" panose="020B0503020204020204" pitchFamily="34" charset="-122"/>
+            </a:endParaRPr>
+          </a:p>
+        </p:txBody>
+      </p:sp>
+      <p:sp>
+        <p:nvSpPr>
+          <p:cNvPr id="14" name="圆角矩形标注 13"/>
+          <p:cNvSpPr/>
+          <p:nvPr/>
+        </p:nvSpPr>
+        <p:spPr>
+          <a:xfrm>
+            <a:off x="3779912" y="2996952"/>
+            <a:ext cx="1097711" cy="435559"/>
+          </a:xfrm>
+          <a:prstGeom prst="wedgeRoundRectCallout">
+            <a:avLst>
+              <a:gd name="adj1" fmla="val -54172"/>
+              <a:gd name="adj2" fmla="val 24873"/>
+              <a:gd name="adj3" fmla="val 16667"/>
+            </a:avLst>
+          </a:prstGeom>
+        </p:spPr>
+        <p:style>
+          <a:lnRef idx="2">
+            <a:schemeClr val="accent5"/>
+          </a:lnRef>
+          <a:fillRef idx="1">
+            <a:schemeClr val="lt1"/>
+          </a:fillRef>
+          <a:effectRef idx="0">
+            <a:schemeClr val="accent5"/>
+          </a:effectRef>
+          <a:fontRef idx="minor">
+            <a:schemeClr val="dk1"/>
+          </a:fontRef>
+        </p:style>
+        <p:txBody>
+          <a:bodyPr rtlCol="0" anchor="ctr"/>
+          <a:lstStyle/>
+          <a:p>
+            <a:pPr>
+              <a:lnSpc>
+                <a:spcPct val="150000"/>
+              </a:lnSpc>
+            </a:pPr>
+            <a:r>
+              <a:rPr lang="zh-CN" altLang="en-US" sz="1600" dirty="0" smtClean="0">
+                <a:latin typeface="微软雅黑" panose="020B0503020204020204" pitchFamily="34" charset="-122"/>
+                <a:ea typeface="微软雅黑" panose="020B0503020204020204" pitchFamily="34" charset="-122"/>
+              </a:rPr>
+              <a:t>创建</a:t>
+            </a:r>
+            <a:r>
+              <a:rPr lang="en-US" altLang="zh-CN" sz="1600" dirty="0" smtClean="0">
+                <a:latin typeface="微软雅黑" panose="020B0503020204020204" pitchFamily="34" charset="-122"/>
+                <a:ea typeface="微软雅黑" panose="020B0503020204020204" pitchFamily="34" charset="-122"/>
+              </a:rPr>
+              <a:t>30</a:t>
+            </a:r>
+            <a:r>
+              <a:rPr lang="zh-CN" altLang="en-US" sz="1600" dirty="0">
+                <a:latin typeface="微软雅黑" panose="020B0503020204020204" pitchFamily="34" charset="-122"/>
+                <a:ea typeface="微软雅黑" panose="020B0503020204020204" pitchFamily="34" charset="-122"/>
+              </a:rPr>
+              <a:t>次</a:t>
+            </a:r>
+            <a:endParaRPr lang="zh-CN" altLang="en-US" sz="1600" dirty="0">
+              <a:latin typeface="微软雅黑" panose="020B0503020204020204" pitchFamily="34" charset="-122"/>
+              <a:ea typeface="微软雅黑" panose="020B0503020204020204" pitchFamily="34" charset="-122"/>
+            </a:endParaRPr>
+          </a:p>
+        </p:txBody>
+      </p:sp>
+      <p:sp>
+        <p:nvSpPr>
+          <p:cNvPr id="15" name="圆角矩形标注 14"/>
+          <p:cNvSpPr/>
+          <p:nvPr/>
+        </p:nvSpPr>
+        <p:spPr>
+          <a:xfrm>
+            <a:off x="5276599" y="3016562"/>
+            <a:ext cx="2319738" cy="435559"/>
+          </a:xfrm>
+          <a:prstGeom prst="wedgeRoundRectCallout">
+            <a:avLst>
+              <a:gd name="adj1" fmla="val -32898"/>
+              <a:gd name="adj2" fmla="val 89924"/>
+              <a:gd name="adj3" fmla="val 16667"/>
+            </a:avLst>
+          </a:prstGeom>
+        </p:spPr>
+        <p:style>
+          <a:lnRef idx="2">
+            <a:schemeClr val="accent5"/>
+          </a:lnRef>
+          <a:fillRef idx="1">
+            <a:schemeClr val="lt1"/>
+          </a:fillRef>
+          <a:effectRef idx="0">
+            <a:schemeClr val="accent5"/>
+          </a:effectRef>
+          <a:fontRef idx="minor">
+            <a:schemeClr val="dk1"/>
+          </a:fontRef>
+        </p:style>
+        <p:txBody>
+          <a:bodyPr rtlCol="0" anchor="ctr"/>
+          <a:lstStyle/>
+          <a:p>
+            <a:pPr>
+              <a:lnSpc>
+                <a:spcPct val="150000"/>
+              </a:lnSpc>
+            </a:pPr>
+            <a:r>
+              <a:rPr lang="zh-CN" altLang="en-US" sz="1600" dirty="0" smtClean="0">
+                <a:latin typeface="微软雅黑" panose="020B0503020204020204" pitchFamily="34" charset="-122"/>
+                <a:ea typeface="微软雅黑" panose="020B0503020204020204" pitchFamily="34" charset="-122"/>
+              </a:rPr>
+              <a:t>直接创建“星星”标签</a:t>
+            </a:r>
+            <a:endParaRPr lang="zh-CN" altLang="en-US" sz="1600" dirty="0">
+              <a:latin typeface="微软雅黑" panose="020B0503020204020204" pitchFamily="34" charset="-122"/>
+              <a:ea typeface="微软雅黑" panose="020B0503020204020204" pitchFamily="34" charset="-122"/>
+            </a:endParaRPr>
+          </a:p>
+        </p:txBody>
+      </p:sp>
+      <p:sp>
+        <p:nvSpPr>
+          <p:cNvPr id="16" name="圆角矩形标注 15"/>
+          <p:cNvSpPr/>
+          <p:nvPr/>
+        </p:nvSpPr>
+        <p:spPr>
+          <a:xfrm>
+            <a:off x="4987512" y="3865416"/>
+            <a:ext cx="2897911" cy="355672"/>
+          </a:xfrm>
+          <a:prstGeom prst="wedgeRoundRectCallout">
+            <a:avLst>
+              <a:gd name="adj1" fmla="val -63683"/>
+              <a:gd name="adj2" fmla="val 17631"/>
+              <a:gd name="adj3" fmla="val 16667"/>
+            </a:avLst>
+          </a:prstGeom>
+        </p:spPr>
+        <p:style>
+          <a:lnRef idx="2">
+            <a:schemeClr val="accent5"/>
+          </a:lnRef>
+          <a:fillRef idx="1">
+            <a:schemeClr val="lt1"/>
+          </a:fillRef>
+          <a:effectRef idx="0">
+            <a:schemeClr val="accent5"/>
+          </a:effectRef>
+          <a:fontRef idx="minor">
+            <a:schemeClr val="dk1"/>
+          </a:fontRef>
+        </p:style>
+        <p:txBody>
+          <a:bodyPr rtlCol="0" anchor="ctr"/>
+          <a:lstStyle/>
+          <a:p>
+            <a:pPr>
+              <a:lnSpc>
+                <a:spcPct val="150000"/>
+              </a:lnSpc>
+            </a:pPr>
+            <a:r>
+              <a:rPr lang="zh-CN" altLang="en-US" sz="1600" dirty="0" smtClean="0">
+                <a:latin typeface="微软雅黑" panose="020B0503020204020204" pitchFamily="34" charset="-122"/>
+                <a:ea typeface="微软雅黑" panose="020B0503020204020204" pitchFamily="34" charset="-122"/>
+              </a:rPr>
+              <a:t>把“星星”添加到“天空”中</a:t>
+            </a:r>
+            <a:endParaRPr lang="zh-CN" altLang="en-US" sz="1600" dirty="0">
+              <a:latin typeface="微软雅黑" panose="020B0503020204020204" pitchFamily="34" charset="-122"/>
+              <a:ea typeface="微软雅黑" panose="020B0503020204020204" pitchFamily="34" charset="-122"/>
+            </a:endParaRPr>
+          </a:p>
+        </p:txBody>
+      </p:sp>
     </p:spTree>
     <p:extLst>
       <p:ext uri="{BB962C8B-B14F-4D97-AF65-F5344CB8AC3E}">
-        <p14:creationId xmlns:p14="http://schemas.microsoft.com/office/powerpoint/2010/main" val="3965008186"/>
+        <p14:creationId xmlns:p14="http://schemas.microsoft.com/office/powerpoint/2010/main" val="1937553760"/>
+      </p:ext>
+    </p:extLst>
+  </p:cSld>
+  <p:clrMapOvr>
+    <a:masterClrMapping/>
+  </p:clrMapOvr>
+</p:sld>
+</file>
+
+<file path=ppt/slides/slide7.xml><?xml version="1.0" encoding="utf-8"?>
+<p:sld xmlns:a="http://schemas.openxmlformats.org/drawingml/2006/main" xmlns:r="http://schemas.openxmlformats.org/officeDocument/2006/relationships" xmlns:p="http://schemas.openxmlformats.org/presentationml/2006/main">
+  <p:cSld>
+    <p:spTree>
+      <p:nvGrpSpPr>
+        <p:cNvPr id="1" name=""/>
+        <p:cNvGrpSpPr/>
+        <p:nvPr/>
+      </p:nvGrpSpPr>
+      <p:grpSpPr>
+        <a:xfrm>
+          <a:off x="0" y="0"/>
+          <a:ext cx="0" cy="0"/>
+          <a:chOff x="0" y="0"/>
+          <a:chExt cx="0" cy="0"/>
+        </a:xfrm>
+      </p:grpSpPr>
+      <p:pic>
+        <p:nvPicPr>
+          <p:cNvPr id="3" name="图片 2" descr="屏幕剪辑"/>
+          <p:cNvPicPr>
+            <a:picLocks noChangeAspect="1"/>
+          </p:cNvPicPr>
+          <p:nvPr/>
+        </p:nvPicPr>
+        <p:blipFill>
+          <a:blip r:embed="rId2">
+            <a:extLst>
+              <a:ext uri="{28A0092B-C50C-407E-A947-70E740481C1C}">
+                <a14:useLocalDpi xmlns:a14="http://schemas.microsoft.com/office/drawing/2010/main" val="0"/>
+              </a:ext>
+            </a:extLst>
+          </a:blip>
+          <a:stretch>
+            <a:fillRect/>
+          </a:stretch>
+        </p:blipFill>
+        <p:spPr>
+          <a:xfrm>
+            <a:off x="971600" y="911576"/>
+            <a:ext cx="7754432" cy="5144218"/>
+          </a:xfrm>
+          <a:prstGeom prst="rect">
+            <a:avLst/>
+          </a:prstGeom>
+          <a:ln>
+            <a:noFill/>
+          </a:ln>
+          <a:effectLst>
+            <a:outerShdw blurRad="292100" dist="139700" dir="2700000" algn="tl" rotWithShape="0">
+              <a:srgbClr val="333333">
+                <a:alpha val="65000"/>
+              </a:srgbClr>
+            </a:outerShdw>
+          </a:effectLst>
+        </p:spPr>
+      </p:pic>
+      <p:sp>
+        <p:nvSpPr>
+          <p:cNvPr id="5" name="矩形 4"/>
+          <p:cNvSpPr/>
+          <p:nvPr/>
+        </p:nvSpPr>
+        <p:spPr>
+          <a:xfrm>
+            <a:off x="827584" y="332656"/>
+            <a:ext cx="6991651" cy="507831"/>
+          </a:xfrm>
+          <a:prstGeom prst="rect">
+            <a:avLst/>
+          </a:prstGeom>
+        </p:spPr>
+        <p:txBody>
+          <a:bodyPr wrap="square">
+            <a:spAutoFit/>
+          </a:bodyPr>
+          <a:lstStyle/>
+          <a:p>
+            <a:pPr>
+              <a:lnSpc>
+                <a:spcPct val="150000"/>
+              </a:lnSpc>
+            </a:pPr>
+            <a:r>
+              <a:rPr lang="en-US" altLang="zh-CN" dirty="0" smtClean="0">
+                <a:latin typeface="微软雅黑" panose="020B0503020204020204" pitchFamily="34" charset="-122"/>
+                <a:ea typeface="微软雅黑" panose="020B0503020204020204" pitchFamily="34" charset="-122"/>
+              </a:rPr>
+              <a:t>d. </a:t>
+            </a:r>
+            <a:r>
+              <a:rPr lang="zh-CN" altLang="en-US" dirty="0" smtClean="0">
+                <a:latin typeface="微软雅黑" panose="020B0503020204020204" pitchFamily="34" charset="-122"/>
+                <a:ea typeface="微软雅黑" panose="020B0503020204020204" pitchFamily="34" charset="-122"/>
+              </a:rPr>
+              <a:t>一颗星星，变成很多星星</a:t>
+            </a:r>
+            <a:endParaRPr lang="en-US" altLang="zh-CN" dirty="0">
+              <a:latin typeface="微软雅黑" panose="020B0503020204020204" pitchFamily="34" charset="-122"/>
+              <a:ea typeface="微软雅黑" panose="020B0503020204020204" pitchFamily="34" charset="-122"/>
+            </a:endParaRPr>
+          </a:p>
+        </p:txBody>
+      </p:sp>
+      <p:sp>
+        <p:nvSpPr>
+          <p:cNvPr id="9" name="圆角矩形标注 8"/>
+          <p:cNvSpPr/>
+          <p:nvPr/>
+        </p:nvSpPr>
+        <p:spPr>
+          <a:xfrm>
+            <a:off x="4323409" y="621788"/>
+            <a:ext cx="1895661" cy="579575"/>
+          </a:xfrm>
+          <a:prstGeom prst="wedgeRoundRectCallout">
+            <a:avLst>
+              <a:gd name="adj1" fmla="val -54172"/>
+              <a:gd name="adj2" fmla="val 24873"/>
+              <a:gd name="adj3" fmla="val 16667"/>
+            </a:avLst>
+          </a:prstGeom>
+        </p:spPr>
+        <p:style>
+          <a:lnRef idx="2">
+            <a:schemeClr val="accent5"/>
+          </a:lnRef>
+          <a:fillRef idx="1">
+            <a:schemeClr val="lt1"/>
+          </a:fillRef>
+          <a:effectRef idx="0">
+            <a:schemeClr val="accent5"/>
+          </a:effectRef>
+          <a:fontRef idx="minor">
+            <a:schemeClr val="dk1"/>
+          </a:fontRef>
+        </p:style>
+        <p:txBody>
+          <a:bodyPr rtlCol="0" anchor="ctr"/>
+          <a:lstStyle/>
+          <a:p>
+            <a:pPr>
+              <a:lnSpc>
+                <a:spcPct val="150000"/>
+              </a:lnSpc>
+            </a:pPr>
+            <a:r>
+              <a:rPr lang="zh-CN" altLang="en-US" sz="1600" dirty="0" smtClean="0">
+                <a:latin typeface="微软雅黑" panose="020B0503020204020204" pitchFamily="34" charset="-122"/>
+                <a:ea typeface="微软雅黑" panose="020B0503020204020204" pitchFamily="34" charset="-122"/>
+              </a:rPr>
+              <a:t>定义个函数实现</a:t>
+            </a:r>
+            <a:endParaRPr lang="zh-CN" altLang="en-US" sz="1600" dirty="0">
+              <a:latin typeface="微软雅黑" panose="020B0503020204020204" pitchFamily="34" charset="-122"/>
+              <a:ea typeface="微软雅黑" panose="020B0503020204020204" pitchFamily="34" charset="-122"/>
+            </a:endParaRPr>
+          </a:p>
+        </p:txBody>
+      </p:sp>
+    </p:spTree>
+    <p:extLst>
+      <p:ext uri="{BB962C8B-B14F-4D97-AF65-F5344CB8AC3E}">
+        <p14:creationId xmlns:p14="http://schemas.microsoft.com/office/powerpoint/2010/main" val="251770790"/>
+      </p:ext>
+    </p:extLst>
+  </p:cSld>
+  <p:clrMapOvr>
+    <a:masterClrMapping/>
+  </p:clrMapOvr>
+</p:sld>
+</file>
+
+<file path=ppt/slides/slide8.xml><?xml version="1.0" encoding="utf-8"?>
+<p:sld xmlns:a="http://schemas.openxmlformats.org/drawingml/2006/main" xmlns:r="http://schemas.openxmlformats.org/officeDocument/2006/relationships" xmlns:p="http://schemas.openxmlformats.org/presentationml/2006/main">
+  <p:cSld>
+    <p:spTree>
+      <p:nvGrpSpPr>
+        <p:cNvPr id="1" name=""/>
+        <p:cNvGrpSpPr/>
+        <p:nvPr/>
+      </p:nvGrpSpPr>
+      <p:grpSpPr>
+        <a:xfrm>
+          <a:off x="0" y="0"/>
+          <a:ext cx="0" cy="0"/>
+          <a:chOff x="0" y="0"/>
+          <a:chExt cx="0" cy="0"/>
+        </a:xfrm>
+      </p:grpSpPr>
+      <p:pic>
+        <p:nvPicPr>
+          <p:cNvPr id="3" name="图片 2" descr="屏幕剪辑"/>
+          <p:cNvPicPr>
+            <a:picLocks noChangeAspect="1"/>
+          </p:cNvPicPr>
+          <p:nvPr/>
+        </p:nvPicPr>
+        <p:blipFill>
+          <a:blip r:embed="rId2">
+            <a:extLst>
+              <a:ext uri="{28A0092B-C50C-407E-A947-70E740481C1C}">
+                <a14:useLocalDpi xmlns:a14="http://schemas.microsoft.com/office/drawing/2010/main" val="0"/>
+              </a:ext>
+            </a:extLst>
+          </a:blip>
+          <a:stretch>
+            <a:fillRect/>
+          </a:stretch>
+        </p:blipFill>
+        <p:spPr>
+          <a:xfrm>
+            <a:off x="683568" y="2060848"/>
+            <a:ext cx="7754432" cy="5144218"/>
+          </a:xfrm>
+          <a:prstGeom prst="rect">
+            <a:avLst/>
+          </a:prstGeom>
+          <a:ln>
+            <a:noFill/>
+          </a:ln>
+          <a:effectLst>
+            <a:outerShdw blurRad="292100" dist="139700" dir="2700000" algn="tl" rotWithShape="0">
+              <a:srgbClr val="333333">
+                <a:alpha val="65000"/>
+              </a:srgbClr>
+            </a:outerShdw>
+          </a:effectLst>
+        </p:spPr>
+      </p:pic>
+      <p:sp>
+        <p:nvSpPr>
+          <p:cNvPr id="5" name="矩形 4"/>
+          <p:cNvSpPr/>
+          <p:nvPr/>
+        </p:nvSpPr>
+        <p:spPr>
+          <a:xfrm>
+            <a:off x="827584" y="332656"/>
+            <a:ext cx="6991651" cy="1754326"/>
+          </a:xfrm>
+          <a:prstGeom prst="rect">
+            <a:avLst/>
+          </a:prstGeom>
+        </p:spPr>
+        <p:txBody>
+          <a:bodyPr wrap="square">
+            <a:spAutoFit/>
+          </a:bodyPr>
+          <a:lstStyle/>
+          <a:p>
+            <a:pPr>
+              <a:lnSpc>
+                <a:spcPct val="150000"/>
+              </a:lnSpc>
+            </a:pPr>
+            <a:r>
+              <a:rPr lang="zh-CN" altLang="en-US" dirty="0" smtClean="0">
+                <a:latin typeface="微软雅黑" panose="020B0503020204020204" pitchFamily="34" charset="-122"/>
+                <a:ea typeface="微软雅黑" panose="020B0503020204020204" pitchFamily="34" charset="-122"/>
+              </a:rPr>
+              <a:t>由于该部分，代码较多，我们逐条来解读我们的思路，首先，我们想要通过</a:t>
+            </a:r>
+            <a:r>
+              <a:rPr lang="en-US" altLang="zh-CN" dirty="0" smtClean="0">
+                <a:latin typeface="微软雅黑" panose="020B0503020204020204" pitchFamily="34" charset="-122"/>
+                <a:ea typeface="微软雅黑" panose="020B0503020204020204" pitchFamily="34" charset="-122"/>
+              </a:rPr>
+              <a:t>box-shadow</a:t>
+            </a:r>
+            <a:r>
+              <a:rPr lang="zh-CN" altLang="en-US" dirty="0" smtClean="0">
+                <a:latin typeface="微软雅黑" panose="020B0503020204020204" pitchFamily="34" charset="-122"/>
+                <a:ea typeface="微软雅黑" panose="020B0503020204020204" pitchFamily="34" charset="-122"/>
+              </a:rPr>
+              <a:t>的技巧，把一颗星星，变成</a:t>
+            </a:r>
+            <a:r>
+              <a:rPr lang="en-US" altLang="zh-CN" b="1" dirty="0" smtClean="0">
+                <a:latin typeface="微软雅黑" panose="020B0503020204020204" pitchFamily="34" charset="-122"/>
+                <a:ea typeface="微软雅黑" panose="020B0503020204020204" pitchFamily="34" charset="-122"/>
+              </a:rPr>
+              <a:t>N</a:t>
+            </a:r>
+            <a:r>
+              <a:rPr lang="zh-CN" altLang="en-US" b="1" dirty="0" smtClean="0">
+                <a:latin typeface="微软雅黑" panose="020B0503020204020204" pitchFamily="34" charset="-122"/>
+                <a:ea typeface="微软雅黑" panose="020B0503020204020204" pitchFamily="34" charset="-122"/>
+              </a:rPr>
+              <a:t>颗</a:t>
+            </a:r>
+            <a:r>
+              <a:rPr lang="zh-CN" altLang="en-US" dirty="0" smtClean="0">
+                <a:latin typeface="微软雅黑" panose="020B0503020204020204" pitchFamily="34" charset="-122"/>
+                <a:ea typeface="微软雅黑" panose="020B0503020204020204" pitchFamily="34" charset="-122"/>
+              </a:rPr>
+              <a:t>星星，因为影音是可以</a:t>
+            </a:r>
+            <a:r>
+              <a:rPr lang="zh-CN" altLang="en-US" b="1" dirty="0" smtClean="0">
+                <a:latin typeface="微软雅黑" panose="020B0503020204020204" pitchFamily="34" charset="-122"/>
+                <a:ea typeface="微软雅黑" panose="020B0503020204020204" pitchFamily="34" charset="-122"/>
+              </a:rPr>
+              <a:t>同时设置多个的</a:t>
+            </a:r>
+            <a:r>
+              <a:rPr lang="zh-CN" altLang="en-US" dirty="0" smtClean="0">
+                <a:latin typeface="微软雅黑" panose="020B0503020204020204" pitchFamily="34" charset="-122"/>
+                <a:ea typeface="微软雅黑" panose="020B0503020204020204" pitchFamily="34" charset="-122"/>
+              </a:rPr>
+              <a:t>，所以，我们只要设置不同偏移，不同位置的</a:t>
+            </a:r>
+            <a:endParaRPr lang="en-US" altLang="zh-CN" dirty="0">
+              <a:latin typeface="微软雅黑" panose="020B0503020204020204" pitchFamily="34" charset="-122"/>
+              <a:ea typeface="微软雅黑" panose="020B0503020204020204" pitchFamily="34" charset="-122"/>
+            </a:endParaRPr>
+          </a:p>
+        </p:txBody>
+      </p:sp>
+      <p:sp>
+        <p:nvSpPr>
+          <p:cNvPr id="9" name="圆角矩形标注 8"/>
+          <p:cNvSpPr/>
+          <p:nvPr/>
+        </p:nvSpPr>
+        <p:spPr>
+          <a:xfrm>
+            <a:off x="6185773" y="2881954"/>
+            <a:ext cx="1895661" cy="579575"/>
+          </a:xfrm>
+          <a:prstGeom prst="wedgeRoundRectCallout">
+            <a:avLst>
+              <a:gd name="adj1" fmla="val -54172"/>
+              <a:gd name="adj2" fmla="val 24873"/>
+              <a:gd name="adj3" fmla="val 16667"/>
+            </a:avLst>
+          </a:prstGeom>
+        </p:spPr>
+        <p:style>
+          <a:lnRef idx="2">
+            <a:schemeClr val="accent5"/>
+          </a:lnRef>
+          <a:fillRef idx="1">
+            <a:schemeClr val="lt1"/>
+          </a:fillRef>
+          <a:effectRef idx="0">
+            <a:schemeClr val="accent5"/>
+          </a:effectRef>
+          <a:fontRef idx="minor">
+            <a:schemeClr val="dk1"/>
+          </a:fontRef>
+        </p:style>
+        <p:txBody>
+          <a:bodyPr rtlCol="0" anchor="ctr"/>
+          <a:lstStyle/>
+          <a:p>
+            <a:pPr>
+              <a:lnSpc>
+                <a:spcPct val="150000"/>
+              </a:lnSpc>
+            </a:pPr>
+            <a:r>
+              <a:rPr lang="zh-CN" altLang="en-US" sz="1600" dirty="0" smtClean="0">
+                <a:latin typeface="微软雅黑" panose="020B0503020204020204" pitchFamily="34" charset="-122"/>
+                <a:ea typeface="微软雅黑" panose="020B0503020204020204" pitchFamily="34" charset="-122"/>
+              </a:rPr>
+              <a:t>定义个函数实现</a:t>
+            </a:r>
+            <a:endParaRPr lang="zh-CN" altLang="en-US" sz="1600" dirty="0">
+              <a:latin typeface="微软雅黑" panose="020B0503020204020204" pitchFamily="34" charset="-122"/>
+              <a:ea typeface="微软雅黑" panose="020B0503020204020204" pitchFamily="34" charset="-122"/>
+            </a:endParaRPr>
+          </a:p>
+        </p:txBody>
+      </p:sp>
+    </p:spTree>
+    <p:extLst>
+      <p:ext uri="{BB962C8B-B14F-4D97-AF65-F5344CB8AC3E}">
+        <p14:creationId xmlns:p14="http://schemas.microsoft.com/office/powerpoint/2010/main" val="1348976924"/>
       </p:ext>
     </p:extLst>
   </p:cSld>
@@ -8212,424 +10576,16 @@
           <a:chExt cx="0" cy="0"/>
         </a:xfrm>
       </p:grpSpPr>
-      <p:sp>
-        <p:nvSpPr>
-          <p:cNvPr id="4" name="TextBox 3"/>
-          <p:cNvSpPr txBox="1"/>
-          <p:nvPr/>
-        </p:nvSpPr>
-        <p:spPr>
-          <a:xfrm>
-            <a:off x="467544" y="476672"/>
-            <a:ext cx="7200800" cy="662554"/>
-          </a:xfrm>
-          <a:prstGeom prst="rect">
-            <a:avLst/>
-          </a:prstGeom>
-          <a:noFill/>
-        </p:spPr>
-        <p:txBody>
-          <a:bodyPr wrap="square" rtlCol="0">
-            <a:spAutoFit/>
-          </a:bodyPr>
-          <a:lstStyle/>
-          <a:p>
-            <a:pPr>
-              <a:lnSpc>
-                <a:spcPct val="150000"/>
-              </a:lnSpc>
-            </a:pPr>
-            <a:r>
-              <a:rPr lang="en-US" altLang="zh-CN" sz="2800" dirty="0" smtClean="0">
-                <a:solidFill>
-                  <a:schemeClr val="tx1">
-                    <a:lumMod val="75000"/>
-                    <a:lumOff val="25000"/>
-                  </a:schemeClr>
-                </a:solidFill>
-                <a:latin typeface="微软雅黑" pitchFamily="34" charset="-122"/>
-                <a:ea typeface="微软雅黑" pitchFamily="34" charset="-122"/>
-              </a:rPr>
-              <a:t>5.</a:t>
-            </a:r>
-            <a:r>
-              <a:rPr lang="zh-CN" altLang="en-US" sz="2800" dirty="0" smtClean="0">
-                <a:solidFill>
-                  <a:schemeClr val="tx1">
-                    <a:lumMod val="75000"/>
-                    <a:lumOff val="25000"/>
-                  </a:schemeClr>
-                </a:solidFill>
-                <a:latin typeface="微软雅黑" pitchFamily="34" charset="-122"/>
-                <a:ea typeface="微软雅黑" pitchFamily="34" charset="-122"/>
-              </a:rPr>
-              <a:t>动画的开启</a:t>
-            </a:r>
-            <a:r>
-              <a:rPr lang="en-US" altLang="zh-CN" sz="2800" dirty="0" smtClean="0">
-                <a:solidFill>
-                  <a:schemeClr val="tx1">
-                    <a:lumMod val="75000"/>
-                    <a:lumOff val="25000"/>
-                  </a:schemeClr>
-                </a:solidFill>
-                <a:latin typeface="微软雅黑" pitchFamily="34" charset="-122"/>
-                <a:ea typeface="微软雅黑" pitchFamily="34" charset="-122"/>
-              </a:rPr>
-              <a:t>/</a:t>
-            </a:r>
-            <a:r>
-              <a:rPr lang="zh-CN" altLang="en-US" sz="2800" dirty="0" smtClean="0">
-                <a:solidFill>
-                  <a:schemeClr val="tx1">
-                    <a:lumMod val="75000"/>
-                    <a:lumOff val="25000"/>
-                  </a:schemeClr>
-                </a:solidFill>
-                <a:latin typeface="微软雅黑" pitchFamily="34" charset="-122"/>
-                <a:ea typeface="微软雅黑" pitchFamily="34" charset="-122"/>
-              </a:rPr>
-              <a:t>结束</a:t>
-            </a:r>
-            <a:endParaRPr lang="zh-CN" altLang="en-US" sz="2800" dirty="0">
-              <a:solidFill>
-                <a:schemeClr val="tx1">
-                  <a:lumMod val="75000"/>
-                  <a:lumOff val="25000"/>
-                </a:schemeClr>
-              </a:solidFill>
-              <a:latin typeface="微软雅黑" pitchFamily="34" charset="-122"/>
-              <a:ea typeface="微软雅黑" pitchFamily="34" charset="-122"/>
-            </a:endParaRPr>
-          </a:p>
-        </p:txBody>
-      </p:sp>
-      <p:pic>
-        <p:nvPicPr>
-          <p:cNvPr id="3" name="图片 2" descr="屏幕剪辑"/>
-          <p:cNvPicPr>
-            <a:picLocks noChangeAspect="1"/>
-          </p:cNvPicPr>
-          <p:nvPr/>
-        </p:nvPicPr>
-        <p:blipFill>
-          <a:blip r:embed="rId2">
-            <a:extLst>
-              <a:ext uri="{28A0092B-C50C-407E-A947-70E740481C1C}">
-                <a14:useLocalDpi xmlns:a14="http://schemas.microsoft.com/office/drawing/2010/main" val="0"/>
-              </a:ext>
-            </a:extLst>
-          </a:blip>
-          <a:stretch>
-            <a:fillRect/>
-          </a:stretch>
-        </p:blipFill>
-        <p:spPr>
-          <a:xfrm>
-            <a:off x="755576" y="1700808"/>
-            <a:ext cx="3057952" cy="352474"/>
-          </a:xfrm>
-          <a:prstGeom prst="rect">
-            <a:avLst/>
-          </a:prstGeom>
-          <a:ln>
-            <a:noFill/>
-          </a:ln>
-          <a:effectLst>
-            <a:outerShdw blurRad="292100" dist="139700" dir="2700000" algn="tl" rotWithShape="0">
-              <a:srgbClr val="333333">
-                <a:alpha val="65000"/>
-              </a:srgbClr>
-            </a:outerShdw>
-          </a:effectLst>
-        </p:spPr>
-      </p:pic>
-      <p:pic>
-        <p:nvPicPr>
-          <p:cNvPr id="5" name="图片 4" descr="屏幕剪辑"/>
-          <p:cNvPicPr>
-            <a:picLocks noChangeAspect="1"/>
-          </p:cNvPicPr>
-          <p:nvPr/>
-        </p:nvPicPr>
-        <p:blipFill>
-          <a:blip r:embed="rId3">
-            <a:extLst>
-              <a:ext uri="{28A0092B-C50C-407E-A947-70E740481C1C}">
-                <a14:useLocalDpi xmlns:a14="http://schemas.microsoft.com/office/drawing/2010/main" val="0"/>
-              </a:ext>
-            </a:extLst>
-          </a:blip>
-          <a:stretch>
-            <a:fillRect/>
-          </a:stretch>
-        </p:blipFill>
-        <p:spPr>
-          <a:xfrm>
-            <a:off x="755576" y="3527063"/>
-            <a:ext cx="3429479" cy="962159"/>
-          </a:xfrm>
-          <a:prstGeom prst="rect">
-            <a:avLst/>
-          </a:prstGeom>
-          <a:ln>
-            <a:noFill/>
-          </a:ln>
-          <a:effectLst>
-            <a:outerShdw blurRad="292100" dist="139700" dir="2700000" algn="tl" rotWithShape="0">
-              <a:srgbClr val="333333">
-                <a:alpha val="65000"/>
-              </a:srgbClr>
-            </a:outerShdw>
-          </a:effectLst>
-        </p:spPr>
-      </p:pic>
-      <p:sp>
-        <p:nvSpPr>
-          <p:cNvPr id="12" name="圆角矩形标注 11"/>
-          <p:cNvSpPr/>
-          <p:nvPr/>
-        </p:nvSpPr>
-        <p:spPr>
-          <a:xfrm>
-            <a:off x="3563888" y="1170302"/>
-            <a:ext cx="2016224" cy="540958"/>
-          </a:xfrm>
-          <a:prstGeom prst="wedgeRoundRectCallout">
-            <a:avLst>
-              <a:gd name="adj1" fmla="val -44438"/>
-              <a:gd name="adj2" fmla="val 86310"/>
-              <a:gd name="adj3" fmla="val 16667"/>
-            </a:avLst>
-          </a:prstGeom>
-        </p:spPr>
-        <p:style>
-          <a:lnRef idx="2">
-            <a:schemeClr val="accent5"/>
-          </a:lnRef>
-          <a:fillRef idx="1">
-            <a:schemeClr val="lt1"/>
-          </a:fillRef>
-          <a:effectRef idx="0">
-            <a:schemeClr val="accent5"/>
-          </a:effectRef>
-          <a:fontRef idx="minor">
-            <a:schemeClr val="dk1"/>
-          </a:fontRef>
-        </p:style>
-        <p:txBody>
-          <a:bodyPr rtlCol="0" anchor="ctr"/>
-          <a:lstStyle/>
-          <a:p>
-            <a:pPr>
-              <a:lnSpc>
-                <a:spcPct val="150000"/>
-              </a:lnSpc>
-            </a:pPr>
-            <a:r>
-              <a:rPr lang="en-US" altLang="zh-CN" sz="1400" dirty="0" smtClean="0">
-                <a:latin typeface="微软雅黑" panose="020B0503020204020204" pitchFamily="34" charset="-122"/>
-                <a:ea typeface="微软雅黑" panose="020B0503020204020204" pitchFamily="34" charset="-122"/>
-              </a:rPr>
-              <a:t> </a:t>
-            </a:r>
-            <a:r>
-              <a:rPr lang="zh-CN" altLang="en-US" sz="1400" dirty="0" smtClean="0">
-                <a:latin typeface="微软雅黑" panose="020B0503020204020204" pitchFamily="34" charset="-122"/>
-                <a:ea typeface="微软雅黑" panose="020B0503020204020204" pitchFamily="34" charset="-122"/>
-              </a:rPr>
-              <a:t>添加类，开始动画</a:t>
-            </a:r>
-            <a:endParaRPr lang="zh-CN" altLang="en-US" sz="1400" dirty="0">
-              <a:latin typeface="微软雅黑" panose="020B0503020204020204" pitchFamily="34" charset="-122"/>
-              <a:ea typeface="微软雅黑" panose="020B0503020204020204" pitchFamily="34" charset="-122"/>
-            </a:endParaRPr>
-          </a:p>
-        </p:txBody>
-      </p:sp>
-      <p:sp>
-        <p:nvSpPr>
-          <p:cNvPr id="14" name="圆角矩形标注 13"/>
-          <p:cNvSpPr/>
-          <p:nvPr/>
-        </p:nvSpPr>
-        <p:spPr>
-          <a:xfrm>
-            <a:off x="3813528" y="3256584"/>
-            <a:ext cx="2486664" cy="540958"/>
-          </a:xfrm>
-          <a:prstGeom prst="wedgeRoundRectCallout">
-            <a:avLst>
-              <a:gd name="adj1" fmla="val -44438"/>
-              <a:gd name="adj2" fmla="val 86310"/>
-              <a:gd name="adj3" fmla="val 16667"/>
-            </a:avLst>
-          </a:prstGeom>
-        </p:spPr>
-        <p:style>
-          <a:lnRef idx="2">
-            <a:schemeClr val="accent5"/>
-          </a:lnRef>
-          <a:fillRef idx="1">
-            <a:schemeClr val="lt1"/>
-          </a:fillRef>
-          <a:effectRef idx="0">
-            <a:schemeClr val="accent5"/>
-          </a:effectRef>
-          <a:fontRef idx="minor">
-            <a:schemeClr val="dk1"/>
-          </a:fontRef>
-        </p:style>
-        <p:txBody>
-          <a:bodyPr rtlCol="0" anchor="ctr"/>
-          <a:lstStyle/>
-          <a:p>
-            <a:pPr>
-              <a:lnSpc>
-                <a:spcPct val="150000"/>
-              </a:lnSpc>
-            </a:pPr>
-            <a:r>
-              <a:rPr lang="en-US" altLang="zh-CN" sz="1400" dirty="0" smtClean="0">
-                <a:latin typeface="微软雅黑" panose="020B0503020204020204" pitchFamily="34" charset="-122"/>
-                <a:ea typeface="微软雅黑" panose="020B0503020204020204" pitchFamily="34" charset="-122"/>
-              </a:rPr>
-              <a:t> </a:t>
-            </a:r>
-            <a:r>
-              <a:rPr lang="zh-CN" altLang="en-US" sz="1400" dirty="0" smtClean="0">
-                <a:latin typeface="微软雅黑" panose="020B0503020204020204" pitchFamily="34" charset="-122"/>
-                <a:ea typeface="微软雅黑" panose="020B0503020204020204" pitchFamily="34" charset="-122"/>
-              </a:rPr>
-              <a:t>动画结束的时候，删除类</a:t>
-            </a:r>
-            <a:endParaRPr lang="zh-CN" altLang="en-US" sz="1400" dirty="0">
-              <a:latin typeface="微软雅黑" panose="020B0503020204020204" pitchFamily="34" charset="-122"/>
-              <a:ea typeface="微软雅黑" panose="020B0503020204020204" pitchFamily="34" charset="-122"/>
-            </a:endParaRPr>
-          </a:p>
-        </p:txBody>
-      </p:sp>
-      <p:pic>
-        <p:nvPicPr>
-          <p:cNvPr id="11" name="图片 10" descr="屏幕剪辑"/>
-          <p:cNvPicPr>
-            <a:picLocks noChangeAspect="1"/>
-          </p:cNvPicPr>
-          <p:nvPr/>
-        </p:nvPicPr>
-        <p:blipFill>
-          <a:blip r:embed="rId4">
-            <a:extLst>
-              <a:ext uri="{28A0092B-C50C-407E-A947-70E740481C1C}">
-                <a14:useLocalDpi xmlns:a14="http://schemas.microsoft.com/office/drawing/2010/main" val="0"/>
-              </a:ext>
-            </a:extLst>
-          </a:blip>
-          <a:stretch>
-            <a:fillRect/>
-          </a:stretch>
-        </p:blipFill>
-        <p:spPr>
-          <a:xfrm>
-            <a:off x="732092" y="2636912"/>
-            <a:ext cx="4201111" cy="276264"/>
-          </a:xfrm>
-          <a:prstGeom prst="rect">
-            <a:avLst/>
-          </a:prstGeom>
-          <a:ln>
-            <a:noFill/>
-          </a:ln>
-          <a:effectLst>
-            <a:outerShdw blurRad="292100" dist="139700" dir="2700000" algn="tl" rotWithShape="0">
-              <a:srgbClr val="333333">
-                <a:alpha val="65000"/>
-              </a:srgbClr>
-            </a:outerShdw>
-          </a:effectLst>
-        </p:spPr>
-      </p:pic>
-      <p:sp>
-        <p:nvSpPr>
-          <p:cNvPr id="17" name="圆角矩形标注 16"/>
-          <p:cNvSpPr/>
-          <p:nvPr/>
-        </p:nvSpPr>
-        <p:spPr>
-          <a:xfrm>
-            <a:off x="4933203" y="1877045"/>
-            <a:ext cx="2486664" cy="717195"/>
-          </a:xfrm>
-          <a:prstGeom prst="wedgeRoundRectCallout">
-            <a:avLst>
-              <a:gd name="adj1" fmla="val -44438"/>
-              <a:gd name="adj2" fmla="val 86310"/>
-              <a:gd name="adj3" fmla="val 16667"/>
-            </a:avLst>
-          </a:prstGeom>
-        </p:spPr>
-        <p:style>
-          <a:lnRef idx="2">
-            <a:schemeClr val="accent5"/>
-          </a:lnRef>
-          <a:fillRef idx="1">
-            <a:schemeClr val="lt1"/>
-          </a:fillRef>
-          <a:effectRef idx="0">
-            <a:schemeClr val="accent5"/>
-          </a:effectRef>
-          <a:fontRef idx="minor">
-            <a:schemeClr val="dk1"/>
-          </a:fontRef>
-        </p:style>
-        <p:txBody>
-          <a:bodyPr rtlCol="0" anchor="ctr"/>
-          <a:lstStyle/>
-          <a:p>
-            <a:pPr>
-              <a:lnSpc>
-                <a:spcPct val="150000"/>
-              </a:lnSpc>
-            </a:pPr>
-            <a:r>
-              <a:rPr lang="en-US" altLang="zh-CN" sz="1400" dirty="0" smtClean="0">
-                <a:latin typeface="微软雅黑" panose="020B0503020204020204" pitchFamily="34" charset="-122"/>
-                <a:ea typeface="微软雅黑" panose="020B0503020204020204" pitchFamily="34" charset="-122"/>
-              </a:rPr>
-              <a:t> </a:t>
-            </a:r>
-            <a:r>
-              <a:rPr lang="zh-CN" altLang="en-US" sz="1400" dirty="0" smtClean="0">
-                <a:latin typeface="微软雅黑" panose="020B0503020204020204" pitchFamily="34" charset="-122"/>
-                <a:ea typeface="微软雅黑" panose="020B0503020204020204" pitchFamily="34" charset="-122"/>
-              </a:rPr>
-              <a:t>动画结束事件，绑定处理函数，方便移除类</a:t>
-            </a:r>
-            <a:endParaRPr lang="zh-CN" altLang="en-US" sz="1400" dirty="0">
-              <a:latin typeface="微软雅黑" panose="020B0503020204020204" pitchFamily="34" charset="-122"/>
-              <a:ea typeface="微软雅黑" panose="020B0503020204020204" pitchFamily="34" charset="-122"/>
-            </a:endParaRPr>
-          </a:p>
-        </p:txBody>
-      </p:sp>
     </p:spTree>
     <p:extLst>
       <p:ext uri="{BB962C8B-B14F-4D97-AF65-F5344CB8AC3E}">
-        <p14:creationId xmlns:p14="http://schemas.microsoft.com/office/powerpoint/2010/main" val="2033793772"/>
+        <p14:creationId xmlns:p14="http://schemas.microsoft.com/office/powerpoint/2010/main" val="2628633408"/>
       </p:ext>
     </p:extLst>
   </p:cSld>
   <p:clrMapOvr>
     <a:masterClrMapping/>
   </p:clrMapOvr>
-  <p:timing>
-    <p:tnLst>
-      <p:par>
-        <p:cTn id="1" dur="indefinite" restart="never" nodeType="tmRoot"/>
-      </p:par>
-    </p:tnLst>
-  </p:timing>
 </p:sld>
 </file>
 

--- a/4-stars/stars.pptx
+++ b/4-stars/stars.pptx
@@ -11,21 +11,23 @@
     <p:sldId id="301" r:id="rId5"/>
     <p:sldId id="304" r:id="rId6"/>
     <p:sldId id="305" r:id="rId7"/>
-    <p:sldId id="306" r:id="rId8"/>
-    <p:sldId id="307" r:id="rId9"/>
-    <p:sldId id="308" r:id="rId10"/>
-    <p:sldId id="309" r:id="rId11"/>
-    <p:sldId id="303" r:id="rId12"/>
-    <p:sldId id="310" r:id="rId13"/>
-    <p:sldId id="311" r:id="rId14"/>
-    <p:sldId id="312" r:id="rId15"/>
-    <p:sldId id="302" r:id="rId16"/>
-    <p:sldId id="313" r:id="rId17"/>
-    <p:sldId id="315" r:id="rId18"/>
-    <p:sldId id="316" r:id="rId19"/>
-    <p:sldId id="317" r:id="rId20"/>
-    <p:sldId id="318" r:id="rId21"/>
-    <p:sldId id="267" r:id="rId22"/>
+    <p:sldId id="319" r:id="rId8"/>
+    <p:sldId id="306" r:id="rId9"/>
+    <p:sldId id="307" r:id="rId10"/>
+    <p:sldId id="308" r:id="rId11"/>
+    <p:sldId id="309" r:id="rId12"/>
+    <p:sldId id="320" r:id="rId13"/>
+    <p:sldId id="303" r:id="rId14"/>
+    <p:sldId id="310" r:id="rId15"/>
+    <p:sldId id="311" r:id="rId16"/>
+    <p:sldId id="312" r:id="rId17"/>
+    <p:sldId id="302" r:id="rId18"/>
+    <p:sldId id="313" r:id="rId19"/>
+    <p:sldId id="315" r:id="rId20"/>
+    <p:sldId id="316" r:id="rId21"/>
+    <p:sldId id="317" r:id="rId22"/>
+    <p:sldId id="318" r:id="rId23"/>
+    <p:sldId id="267" r:id="rId24"/>
   </p:sldIdLst>
   <p:sldSz cx="9144000" cy="6858000" type="screen4x3"/>
   <p:notesSz cx="6858000" cy="9144000"/>
@@ -126,7 +128,7 @@
   </p:defaultTextStyle>
   <p:extLst>
     <p:ext uri="{EFAFB233-063F-42B5-8137-9DF3F51BA10A}">
-      <p15:sldGuideLst xmlns:p15="http://schemas.microsoft.com/office/powerpoint/2012/main">
+      <p15:sldGuideLst xmlns:p15="http://schemas.microsoft.com/office/powerpoint/2012/main" xmlns="">
         <p15:guide id="1" orient="horz" pos="2160">
           <p15:clr>
             <a:srgbClr val="A4A3A4"/>
@@ -324,7 +326,7 @@
           <a:p>
             <a:fld id="{17C7C8FB-1C37-4023-AA22-09D5A8E13DCF}" type="datetimeFigureOut">
               <a:rPr lang="zh-CN" altLang="en-US" smtClean="0"/>
-              <a:t>2018/5/7</a:t>
+              <a:t>2018/5/8</a:t>
             </a:fld>
             <a:endParaRPr lang="zh-CN" altLang="en-US"/>
           </a:p>
@@ -494,7 +496,7 @@
           <a:p>
             <a:fld id="{17C7C8FB-1C37-4023-AA22-09D5A8E13DCF}" type="datetimeFigureOut">
               <a:rPr lang="zh-CN" altLang="en-US" smtClean="0"/>
-              <a:t>2018/5/7</a:t>
+              <a:t>2018/5/8</a:t>
             </a:fld>
             <a:endParaRPr lang="zh-CN" altLang="en-US"/>
           </a:p>
@@ -674,7 +676,7 @@
           <a:p>
             <a:fld id="{17C7C8FB-1C37-4023-AA22-09D5A8E13DCF}" type="datetimeFigureOut">
               <a:rPr lang="zh-CN" altLang="en-US" smtClean="0"/>
-              <a:t>2018/5/7</a:t>
+              <a:t>2018/5/8</a:t>
             </a:fld>
             <a:endParaRPr lang="zh-CN" altLang="en-US"/>
           </a:p>
@@ -844,7 +846,7 @@
           <a:p>
             <a:fld id="{17C7C8FB-1C37-4023-AA22-09D5A8E13DCF}" type="datetimeFigureOut">
               <a:rPr lang="zh-CN" altLang="en-US" smtClean="0"/>
-              <a:t>2018/5/7</a:t>
+              <a:t>2018/5/8</a:t>
             </a:fld>
             <a:endParaRPr lang="zh-CN" altLang="en-US"/>
           </a:p>
@@ -1090,7 +1092,7 @@
           <a:p>
             <a:fld id="{17C7C8FB-1C37-4023-AA22-09D5A8E13DCF}" type="datetimeFigureOut">
               <a:rPr lang="zh-CN" altLang="en-US" smtClean="0"/>
-              <a:t>2018/5/7</a:t>
+              <a:t>2018/5/8</a:t>
             </a:fld>
             <a:endParaRPr lang="zh-CN" altLang="en-US"/>
           </a:p>
@@ -1378,7 +1380,7 @@
           <a:p>
             <a:fld id="{17C7C8FB-1C37-4023-AA22-09D5A8E13DCF}" type="datetimeFigureOut">
               <a:rPr lang="zh-CN" altLang="en-US" smtClean="0"/>
-              <a:t>2018/5/7</a:t>
+              <a:t>2018/5/8</a:t>
             </a:fld>
             <a:endParaRPr lang="zh-CN" altLang="en-US"/>
           </a:p>
@@ -1800,7 +1802,7 @@
           <a:p>
             <a:fld id="{17C7C8FB-1C37-4023-AA22-09D5A8E13DCF}" type="datetimeFigureOut">
               <a:rPr lang="zh-CN" altLang="en-US" smtClean="0"/>
-              <a:t>2018/5/7</a:t>
+              <a:t>2018/5/8</a:t>
             </a:fld>
             <a:endParaRPr lang="zh-CN" altLang="en-US"/>
           </a:p>
@@ -1918,7 +1920,7 @@
           <a:p>
             <a:fld id="{17C7C8FB-1C37-4023-AA22-09D5A8E13DCF}" type="datetimeFigureOut">
               <a:rPr lang="zh-CN" altLang="en-US" smtClean="0"/>
-              <a:t>2018/5/7</a:t>
+              <a:t>2018/5/8</a:t>
             </a:fld>
             <a:endParaRPr lang="zh-CN" altLang="en-US"/>
           </a:p>
@@ -2013,7 +2015,7 @@
           <a:p>
             <a:fld id="{17C7C8FB-1C37-4023-AA22-09D5A8E13DCF}" type="datetimeFigureOut">
               <a:rPr lang="zh-CN" altLang="en-US" smtClean="0"/>
-              <a:t>2018/5/7</a:t>
+              <a:t>2018/5/8</a:t>
             </a:fld>
             <a:endParaRPr lang="zh-CN" altLang="en-US"/>
           </a:p>
@@ -2290,7 +2292,7 @@
           <a:p>
             <a:fld id="{17C7C8FB-1C37-4023-AA22-09D5A8E13DCF}" type="datetimeFigureOut">
               <a:rPr lang="zh-CN" altLang="en-US" smtClean="0"/>
-              <a:t>2018/5/7</a:t>
+              <a:t>2018/5/8</a:t>
             </a:fld>
             <a:endParaRPr lang="zh-CN" altLang="en-US"/>
           </a:p>
@@ -2543,7 +2545,7 @@
           <a:p>
             <a:fld id="{17C7C8FB-1C37-4023-AA22-09D5A8E13DCF}" type="datetimeFigureOut">
               <a:rPr lang="zh-CN" altLang="en-US" smtClean="0"/>
-              <a:t>2018/5/7</a:t>
+              <a:t>2018/5/8</a:t>
             </a:fld>
             <a:endParaRPr lang="zh-CN" altLang="en-US"/>
           </a:p>
@@ -2756,7 +2758,7 @@
           <a:p>
             <a:fld id="{17C7C8FB-1C37-4023-AA22-09D5A8E13DCF}" type="datetimeFigureOut">
               <a:rPr lang="zh-CN" altLang="en-US" smtClean="0"/>
-              <a:t>2018/5/7</a:t>
+              <a:t>2018/5/8</a:t>
             </a:fld>
             <a:endParaRPr lang="zh-CN" altLang="en-US"/>
           </a:p>
@@ -3218,7 +3220,7 @@
               </a:rPr>
             </a:br>
             <a:r>
-              <a:rPr lang="en-US" altLang="zh-CN" dirty="0">
+              <a:rPr lang="en-US" altLang="zh-CN" dirty="0" smtClean="0">
                 <a:solidFill>
                   <a:schemeClr val="tx1">
                     <a:lumMod val="75000"/>
@@ -3244,7 +3246,7 @@
               <a:t>第</a:t>
             </a:r>
             <a:r>
-              <a:rPr lang="en-US" altLang="zh-CN" sz="3200" dirty="0">
+              <a:rPr lang="en-US" altLang="zh-CN" sz="3200" dirty="0" smtClean="0">
                 <a:solidFill>
                   <a:schemeClr val="tx1">
                     <a:lumMod val="75000"/>
@@ -3267,7 +3269,20 @@
                 <a:latin typeface="微软雅黑" pitchFamily="34" charset="-122"/>
                 <a:ea typeface="微软雅黑" pitchFamily="34" charset="-122"/>
               </a:rPr>
-              <a:t>讲  星空穿越</a:t>
+              <a:t>讲  星空</a:t>
+            </a:r>
+            <a:r>
+              <a:rPr lang="zh-CN" altLang="en-US" sz="3200" dirty="0" smtClean="0">
+                <a:solidFill>
+                  <a:schemeClr val="tx1">
+                    <a:lumMod val="75000"/>
+                    <a:lumOff val="25000"/>
+                  </a:schemeClr>
+                </a:solidFill>
+                <a:latin typeface="微软雅黑" pitchFamily="34" charset="-122"/>
+                <a:ea typeface="微软雅黑" pitchFamily="34" charset="-122"/>
+              </a:rPr>
+              <a:t>穿越</a:t>
             </a:r>
             <a:r>
               <a:rPr lang="en-US" altLang="zh-CN" dirty="0" smtClean="0">
@@ -3400,7 +3415,7 @@
       </p:grpSpPr>
       <p:pic>
         <p:nvPicPr>
-          <p:cNvPr id="3" name="图片 2" descr="屏幕剪辑"/>
+          <p:cNvPr id="2" name="图片 1" descr="屏幕剪辑"/>
           <p:cNvPicPr>
             <a:picLocks noChangeAspect="1"/>
           </p:cNvPicPr>
@@ -3420,8 +3435,8 @@
         </p:blipFill>
         <p:spPr>
           <a:xfrm>
-            <a:off x="669941" y="4149080"/>
-            <a:ext cx="7344800" cy="1705213"/>
+            <a:off x="827584" y="764704"/>
+            <a:ext cx="2695951" cy="409632"/>
           </a:xfrm>
           <a:prstGeom prst="rect">
             <a:avLst/>
@@ -3440,7 +3455,7 @@
       </p:pic>
       <p:pic>
         <p:nvPicPr>
-          <p:cNvPr id="7" name="图片 6" descr="屏幕剪辑"/>
+          <p:cNvPr id="4" name="图片 3" descr="屏幕剪辑"/>
           <p:cNvPicPr>
             <a:picLocks noChangeAspect="1"/>
           </p:cNvPicPr>
@@ -3460,8 +3475,8 @@
         </p:blipFill>
         <p:spPr>
           <a:xfrm>
-            <a:off x="669941" y="620688"/>
-            <a:ext cx="7502443" cy="429433"/>
+            <a:off x="843189" y="1988840"/>
+            <a:ext cx="7125694" cy="1114581"/>
           </a:xfrm>
           <a:prstGeom prst="rect">
             <a:avLst/>
@@ -3480,19 +3495,65 @@
       </p:pic>
       <p:sp>
         <p:nvSpPr>
+          <p:cNvPr id="6" name="圆角矩形 5"/>
+          <p:cNvSpPr/>
+          <p:nvPr/>
+        </p:nvSpPr>
+        <p:spPr>
+          <a:xfrm>
+            <a:off x="1475656" y="1281886"/>
+            <a:ext cx="3816424" cy="576064"/>
+          </a:xfrm>
+          <a:prstGeom prst="roundRect">
+            <a:avLst/>
+          </a:prstGeom>
+        </p:spPr>
+        <p:style>
+          <a:lnRef idx="3">
+            <a:schemeClr val="lt1"/>
+          </a:lnRef>
+          <a:fillRef idx="1">
+            <a:schemeClr val="accent1"/>
+          </a:fillRef>
+          <a:effectRef idx="1">
+            <a:schemeClr val="accent1"/>
+          </a:effectRef>
+          <a:fontRef idx="minor">
+            <a:schemeClr val="lt1"/>
+          </a:fontRef>
+        </p:style>
+        <p:txBody>
+          <a:bodyPr rtlCol="0" anchor="ctr"/>
+          <a:lstStyle/>
+          <a:p>
+            <a:pPr algn="ctr"/>
+            <a:r>
+              <a:rPr lang="en-US" altLang="zh-CN" dirty="0" smtClean="0"/>
+              <a:t> </a:t>
+            </a:r>
+            <a:r>
+              <a:rPr lang="zh-CN" altLang="en-US" dirty="0" smtClean="0"/>
+              <a:t>创建随机的，偏移，模糊，颜色</a:t>
+            </a:r>
+            <a:endParaRPr lang="zh-CN" altLang="en-US" dirty="0"/>
+          </a:p>
+        </p:txBody>
+      </p:sp>
+      <p:sp>
+        <p:nvSpPr>
           <p:cNvPr id="8" name="圆角矩形标注 7"/>
           <p:cNvSpPr/>
           <p:nvPr/>
         </p:nvSpPr>
         <p:spPr>
           <a:xfrm>
-            <a:off x="3419873" y="3643716"/>
-            <a:ext cx="4594868" cy="360040"/>
+            <a:off x="1356082" y="3124268"/>
+            <a:ext cx="1127686" cy="360040"/>
           </a:xfrm>
           <a:prstGeom prst="wedgeRoundRectCallout">
             <a:avLst>
-              <a:gd name="adj1" fmla="val -28017"/>
-              <a:gd name="adj2" fmla="val 83524"/>
+              <a:gd name="adj1" fmla="val -35545"/>
+              <a:gd name="adj2" fmla="val -71278"/>
               <a:gd name="adj3" fmla="val 16667"/>
             </a:avLst>
           </a:prstGeom>
@@ -3525,7 +3586,7 @@
                 <a:latin typeface="微软雅黑" panose="020B0503020204020204" pitchFamily="34" charset="-122"/>
                 <a:ea typeface="微软雅黑" panose="020B0503020204020204" pitchFamily="34" charset="-122"/>
               </a:rPr>
-              <a:t>随机颜色，注意数组索引要取整，且不能越界</a:t>
+              <a:t>设置阴影</a:t>
             </a:r>
             <a:endParaRPr lang="zh-CN" altLang="en-US" sz="1600" dirty="0">
               <a:latin typeface="微软雅黑" panose="020B0503020204020204" pitchFamily="34" charset="-122"/>
@@ -3536,19 +3597,19 @@
       </p:sp>
       <p:sp>
         <p:nvSpPr>
-          <p:cNvPr id="10" name="圆角矩形标注 9"/>
+          <p:cNvPr id="9" name="圆角矩形标注 8"/>
           <p:cNvSpPr/>
           <p:nvPr/>
         </p:nvSpPr>
         <p:spPr>
           <a:xfrm>
-            <a:off x="1619672" y="1267452"/>
-            <a:ext cx="2808312" cy="360040"/>
+            <a:off x="4932040" y="2561761"/>
+            <a:ext cx="2980313" cy="1083263"/>
           </a:xfrm>
           <a:prstGeom prst="wedgeRoundRectCallout">
             <a:avLst>
-              <a:gd name="adj1" fmla="val -28017"/>
-              <a:gd name="adj2" fmla="val -90628"/>
+              <a:gd name="adj1" fmla="val -25364"/>
+              <a:gd name="adj2" fmla="val -64585"/>
               <a:gd name="adj3" fmla="val 16667"/>
             </a:avLst>
           </a:prstGeom>
@@ -3577,11 +3638,32 @@
               </a:lnSpc>
             </a:pPr>
             <a:r>
+              <a:rPr lang="zh-CN" altLang="en-US" sz="1600" dirty="0">
+                <a:latin typeface="微软雅黑" panose="020B0503020204020204" pitchFamily="34" charset="-122"/>
+                <a:ea typeface="微软雅黑" panose="020B0503020204020204" pitchFamily="34" charset="-122"/>
+              </a:rPr>
+              <a:t>每次</a:t>
+            </a:r>
+            <a:r>
               <a:rPr lang="zh-CN" altLang="en-US" sz="1600" dirty="0" smtClean="0">
                 <a:latin typeface="微软雅黑" panose="020B0503020204020204" pitchFamily="34" charset="-122"/>
                 <a:ea typeface="微软雅黑" panose="020B0503020204020204" pitchFamily="34" charset="-122"/>
               </a:rPr>
-              <a:t>被选颜色，颜色不能太随便</a:t>
+              <a:t>循环中，把</a:t>
+            </a:r>
+            <a:r>
+              <a:rPr lang="zh-CN" altLang="en-US" sz="1600" dirty="0" smtClean="0">
+                <a:latin typeface="微软雅黑" panose="020B0503020204020204" pitchFamily="34" charset="-122"/>
+                <a:ea typeface="微软雅黑" panose="020B0503020204020204" pitchFamily="34" charset="-122"/>
+              </a:rPr>
+              <a:t>创建的偏移，模糊，颜色</a:t>
+            </a:r>
+            <a:r>
+              <a:rPr lang="zh-CN" altLang="en-US" sz="1600" dirty="0" smtClean="0">
+                <a:latin typeface="微软雅黑" panose="020B0503020204020204" pitchFamily="34" charset="-122"/>
+                <a:ea typeface="微软雅黑" panose="020B0503020204020204" pitchFamily="34" charset="-122"/>
+              </a:rPr>
+              <a:t>，以字符串形式连接起来</a:t>
             </a:r>
             <a:endParaRPr lang="zh-CN" altLang="en-US" sz="1600" dirty="0">
               <a:latin typeface="微软雅黑" panose="020B0503020204020204" pitchFamily="34" charset="-122"/>
@@ -3592,282 +3674,108 @@
       </p:sp>
       <p:sp>
         <p:nvSpPr>
-          <p:cNvPr id="11" name="圆角矩形标注 10"/>
+          <p:cNvPr id="12" name="任意多边形 11"/>
           <p:cNvSpPr/>
           <p:nvPr/>
         </p:nvSpPr>
         <p:spPr>
           <a:xfrm>
-            <a:off x="5508105" y="4509119"/>
-            <a:ext cx="2592287" cy="1850538"/>
-          </a:xfrm>
-          <a:prstGeom prst="wedgeRoundRectCallout">
-            <a:avLst>
-              <a:gd name="adj1" fmla="val -54778"/>
-              <a:gd name="adj2" fmla="val -27567"/>
-              <a:gd name="adj3" fmla="val 16667"/>
-            </a:avLst>
-          </a:prstGeom>
+            <a:off x="1799676" y="2386149"/>
+            <a:ext cx="1692461" cy="426720"/>
+          </a:xfrm>
+          <a:custGeom>
+            <a:avLst/>
+            <a:gdLst>
+              <a:gd name="connsiteX0" fmla="*/ 2998 w 1692461"/>
+              <a:gd name="connsiteY0" fmla="*/ 0 h 426720"/>
+              <a:gd name="connsiteX1" fmla="*/ 72667 w 1692461"/>
+              <a:gd name="connsiteY1" fmla="*/ 217714 h 426720"/>
+              <a:gd name="connsiteX2" fmla="*/ 490678 w 1692461"/>
+              <a:gd name="connsiteY2" fmla="*/ 191588 h 426720"/>
+              <a:gd name="connsiteX3" fmla="*/ 1387661 w 1692461"/>
+              <a:gd name="connsiteY3" fmla="*/ 130628 h 426720"/>
+              <a:gd name="connsiteX4" fmla="*/ 1692461 w 1692461"/>
+              <a:gd name="connsiteY4" fmla="*/ 426720 h 426720"/>
+            </a:gdLst>
+            <a:ahLst/>
+            <a:cxnLst>
+              <a:cxn ang="0">
+                <a:pos x="connsiteX0" y="connsiteY0"/>
+              </a:cxn>
+              <a:cxn ang="0">
+                <a:pos x="connsiteX1" y="connsiteY1"/>
+              </a:cxn>
+              <a:cxn ang="0">
+                <a:pos x="connsiteX2" y="connsiteY2"/>
+              </a:cxn>
+              <a:cxn ang="0">
+                <a:pos x="connsiteX3" y="connsiteY3"/>
+              </a:cxn>
+              <a:cxn ang="0">
+                <a:pos x="connsiteX4" y="connsiteY4"/>
+              </a:cxn>
+            </a:cxnLst>
+            <a:rect l="l" t="t" r="r" b="b"/>
+            <a:pathLst>
+              <a:path w="1692461" h="426720">
+                <a:moveTo>
+                  <a:pt x="2998" y="0"/>
+                </a:moveTo>
+                <a:cubicBezTo>
+                  <a:pt x="-2808" y="92891"/>
+                  <a:pt x="-8613" y="185783"/>
+                  <a:pt x="72667" y="217714"/>
+                </a:cubicBezTo>
+                <a:cubicBezTo>
+                  <a:pt x="153947" y="249645"/>
+                  <a:pt x="490678" y="191588"/>
+                  <a:pt x="490678" y="191588"/>
+                </a:cubicBezTo>
+                <a:cubicBezTo>
+                  <a:pt x="709844" y="177074"/>
+                  <a:pt x="1187364" y="91439"/>
+                  <a:pt x="1387661" y="130628"/>
+                </a:cubicBezTo>
+                <a:cubicBezTo>
+                  <a:pt x="1587958" y="169817"/>
+                  <a:pt x="1616987" y="394789"/>
+                  <a:pt x="1692461" y="426720"/>
+                </a:cubicBezTo>
+              </a:path>
+            </a:pathLst>
+          </a:custGeom>
+          <a:ln w="28575">
+            <a:headEnd type="none" w="med" len="med"/>
+            <a:tailEnd type="triangle" w="med" len="med"/>
+          </a:ln>
         </p:spPr>
         <p:style>
-          <a:lnRef idx="2">
-            <a:schemeClr val="accent5"/>
+          <a:lnRef idx="3">
+            <a:schemeClr val="accent3"/>
           </a:lnRef>
-          <a:fillRef idx="1">
-            <a:schemeClr val="lt1"/>
+          <a:fillRef idx="0">
+            <a:schemeClr val="accent3"/>
           </a:fillRef>
-          <a:effectRef idx="0">
-            <a:schemeClr val="accent5"/>
+          <a:effectRef idx="2">
+            <a:schemeClr val="accent3"/>
           </a:effectRef>
           <a:fontRef idx="minor">
-            <a:schemeClr val="dk1"/>
+            <a:schemeClr val="tx1"/>
           </a:fontRef>
         </p:style>
         <p:txBody>
           <a:bodyPr rtlCol="0" anchor="ctr"/>
           <a:lstStyle/>
           <a:p>
-            <a:pPr>
-              <a:lnSpc>
-                <a:spcPct val="150000"/>
-              </a:lnSpc>
-            </a:pPr>
-            <a:r>
-              <a:rPr lang="zh-CN" altLang="en-US" sz="1600" dirty="0" smtClean="0">
-                <a:latin typeface="微软雅黑" panose="020B0503020204020204" pitchFamily="34" charset="-122"/>
-                <a:ea typeface="微软雅黑" panose="020B0503020204020204" pitchFamily="34" charset="-122"/>
-              </a:rPr>
-              <a:t>在</a:t>
-            </a:r>
-            <a:r>
-              <a:rPr lang="en-US" altLang="zh-CN" sz="1600" dirty="0" smtClean="0">
-                <a:solidFill>
-                  <a:srgbClr val="FF0000"/>
-                </a:solidFill>
-                <a:latin typeface="微软雅黑" panose="020B0503020204020204" pitchFamily="34" charset="-122"/>
-                <a:ea typeface="微软雅黑" panose="020B0503020204020204" pitchFamily="34" charset="-122"/>
-              </a:rPr>
-              <a:t>2</a:t>
-            </a:r>
-            <a:r>
-              <a:rPr lang="zh-CN" altLang="en-US" sz="1600" dirty="0" smtClean="0">
-                <a:solidFill>
-                  <a:srgbClr val="FF0000"/>
-                </a:solidFill>
-                <a:latin typeface="微软雅黑" panose="020B0503020204020204" pitchFamily="34" charset="-122"/>
-                <a:ea typeface="微软雅黑" panose="020B0503020204020204" pitchFamily="34" charset="-122"/>
-              </a:rPr>
-              <a:t>倍</a:t>
-            </a:r>
-            <a:r>
-              <a:rPr lang="zh-CN" altLang="en-US" sz="1600" dirty="0" smtClean="0">
-                <a:latin typeface="微软雅黑" panose="020B0503020204020204" pitchFamily="34" charset="-122"/>
-                <a:ea typeface="微软雅黑" panose="020B0503020204020204" pitchFamily="34" charset="-122"/>
-              </a:rPr>
-              <a:t>窗口（因为透视的原因，要扩大范围）尺寸内进行随机分布，分布中心是窗口的中心</a:t>
-            </a:r>
-            <a:endParaRPr lang="en-US" altLang="zh-CN" sz="1600" dirty="0" smtClean="0">
-              <a:latin typeface="微软雅黑" panose="020B0503020204020204" pitchFamily="34" charset="-122"/>
-              <a:ea typeface="微软雅黑" panose="020B0503020204020204" pitchFamily="34" charset="-122"/>
-            </a:endParaRPr>
-          </a:p>
-          <a:p>
-            <a:pPr>
-              <a:lnSpc>
-                <a:spcPct val="150000"/>
-              </a:lnSpc>
-            </a:pPr>
-            <a:r>
-              <a:rPr lang="zh-CN" altLang="en-US" sz="1600" dirty="0" smtClean="0">
-                <a:latin typeface="微软雅黑" panose="020B0503020204020204" pitchFamily="34" charset="-122"/>
-                <a:ea typeface="微软雅黑" panose="020B0503020204020204" pitchFamily="34" charset="-122"/>
-              </a:rPr>
-              <a:t>（ </a:t>
-            </a:r>
-            <a:r>
-              <a:rPr lang="en-US" altLang="zh-CN" sz="1600" dirty="0" smtClean="0">
-                <a:latin typeface="微软雅黑" panose="020B0503020204020204" pitchFamily="34" charset="-122"/>
-                <a:ea typeface="微软雅黑" panose="020B0503020204020204" pitchFamily="34" charset="-122"/>
-              </a:rPr>
-              <a:t>-w/2,-h/2</a:t>
-            </a:r>
-            <a:r>
-              <a:rPr lang="zh-CN" altLang="en-US" sz="1600" dirty="0" smtClean="0">
-                <a:latin typeface="微软雅黑" panose="020B0503020204020204" pitchFamily="34" charset="-122"/>
-                <a:ea typeface="微软雅黑" panose="020B0503020204020204" pitchFamily="34" charset="-122"/>
-              </a:rPr>
-              <a:t>）</a:t>
-            </a:r>
-            <a:endParaRPr lang="zh-CN" altLang="en-US" sz="1600" dirty="0">
-              <a:latin typeface="微软雅黑" panose="020B0503020204020204" pitchFamily="34" charset="-122"/>
-              <a:ea typeface="微软雅黑" panose="020B0503020204020204" pitchFamily="34" charset="-122"/>
-            </a:endParaRPr>
-          </a:p>
-        </p:txBody>
-      </p:sp>
-      <p:sp>
-        <p:nvSpPr>
-          <p:cNvPr id="12" name="圆角矩形标注 11"/>
-          <p:cNvSpPr/>
-          <p:nvPr/>
-        </p:nvSpPr>
-        <p:spPr>
-          <a:xfrm>
-            <a:off x="899592" y="5927609"/>
-            <a:ext cx="2088232" cy="432048"/>
-          </a:xfrm>
-          <a:prstGeom prst="wedgeRoundRectCallout">
-            <a:avLst>
-              <a:gd name="adj1" fmla="val -25839"/>
-              <a:gd name="adj2" fmla="val -78534"/>
-              <a:gd name="adj3" fmla="val 16667"/>
-            </a:avLst>
-          </a:prstGeom>
-        </p:spPr>
-        <p:style>
-          <a:lnRef idx="2">
-            <a:schemeClr val="accent5"/>
-          </a:lnRef>
-          <a:fillRef idx="1">
-            <a:schemeClr val="lt1"/>
-          </a:fillRef>
-          <a:effectRef idx="0">
-            <a:schemeClr val="accent5"/>
-          </a:effectRef>
-          <a:fontRef idx="minor">
-            <a:schemeClr val="dk1"/>
-          </a:fontRef>
-        </p:style>
-        <p:txBody>
-          <a:bodyPr rtlCol="0" anchor="ctr"/>
-          <a:lstStyle/>
-          <a:p>
-            <a:pPr>
-              <a:lnSpc>
-                <a:spcPct val="150000"/>
-              </a:lnSpc>
-            </a:pPr>
-            <a:r>
-              <a:rPr lang="zh-CN" altLang="en-US" sz="1600" dirty="0" smtClean="0">
-                <a:latin typeface="微软雅黑" panose="020B0503020204020204" pitchFamily="34" charset="-122"/>
-                <a:ea typeface="微软雅黑" panose="020B0503020204020204" pitchFamily="34" charset="-122"/>
-              </a:rPr>
-              <a:t>模糊程度和扩展随机</a:t>
-            </a:r>
-            <a:endParaRPr lang="zh-CN" altLang="en-US" sz="1600" dirty="0">
-              <a:latin typeface="微软雅黑" panose="020B0503020204020204" pitchFamily="34" charset="-122"/>
-              <a:ea typeface="微软雅黑" panose="020B0503020204020204" pitchFamily="34" charset="-122"/>
-            </a:endParaRPr>
-          </a:p>
-        </p:txBody>
-      </p:sp>
-      <p:pic>
-        <p:nvPicPr>
-          <p:cNvPr id="5" name="图片 4" descr="屏幕剪辑"/>
-          <p:cNvPicPr>
-            <a:picLocks noChangeAspect="1"/>
-          </p:cNvPicPr>
-          <p:nvPr/>
-        </p:nvPicPr>
-        <p:blipFill>
-          <a:blip r:embed="rId4">
-            <a:extLst>
-              <a:ext uri="{28A0092B-C50C-407E-A947-70E740481C1C}">
-                <a14:useLocalDpi xmlns:a14="http://schemas.microsoft.com/office/drawing/2010/main" val="0"/>
-              </a:ext>
-            </a:extLst>
-          </a:blip>
-          <a:stretch>
-            <a:fillRect/>
-          </a:stretch>
-        </p:blipFill>
-        <p:spPr>
-          <a:xfrm>
-            <a:off x="669941" y="1916832"/>
-            <a:ext cx="2867425" cy="1105054"/>
-          </a:xfrm>
-          <a:prstGeom prst="rect">
-            <a:avLst/>
-          </a:prstGeom>
-          <a:ln>
-            <a:noFill/>
-          </a:ln>
-          <a:effectLst>
-            <a:outerShdw blurRad="292100" dist="139700" dir="2700000" algn="tl" rotWithShape="0">
-              <a:srgbClr val="333333">
-                <a:alpha val="65000"/>
-              </a:srgbClr>
-            </a:outerShdw>
-          </a:effectLst>
-        </p:spPr>
-      </p:pic>
-      <p:sp>
-        <p:nvSpPr>
-          <p:cNvPr id="13" name="圆角矩形标注 12"/>
-          <p:cNvSpPr/>
-          <p:nvPr/>
-        </p:nvSpPr>
-        <p:spPr>
-          <a:xfrm>
-            <a:off x="3203846" y="2347573"/>
-            <a:ext cx="2664298" cy="674313"/>
-          </a:xfrm>
-          <a:prstGeom prst="wedgeRoundRectCallout">
-            <a:avLst>
-              <a:gd name="adj1" fmla="val -55210"/>
-              <a:gd name="adj2" fmla="val -16049"/>
-              <a:gd name="adj3" fmla="val 16667"/>
-            </a:avLst>
-          </a:prstGeom>
-        </p:spPr>
-        <p:style>
-          <a:lnRef idx="2">
-            <a:schemeClr val="accent5"/>
-          </a:lnRef>
-          <a:fillRef idx="1">
-            <a:schemeClr val="lt1"/>
-          </a:fillRef>
-          <a:effectRef idx="0">
-            <a:schemeClr val="accent5"/>
-          </a:effectRef>
-          <a:fontRef idx="minor">
-            <a:schemeClr val="dk1"/>
-          </a:fontRef>
-        </p:style>
-        <p:txBody>
-          <a:bodyPr rtlCol="0" anchor="ctr"/>
-          <a:lstStyle/>
-          <a:p>
-            <a:pPr>
-              <a:lnSpc>
-                <a:spcPct val="150000"/>
-              </a:lnSpc>
-            </a:pPr>
-            <a:r>
-              <a:rPr lang="zh-CN" altLang="en-US" sz="1600" dirty="0" smtClean="0">
-                <a:latin typeface="微软雅黑" panose="020B0503020204020204" pitchFamily="34" charset="-122"/>
-                <a:ea typeface="微软雅黑" panose="020B0503020204020204" pitchFamily="34" charset="-122"/>
-              </a:rPr>
-              <a:t>获取窗口</a:t>
-            </a:r>
-            <a:r>
-              <a:rPr lang="zh-CN" altLang="en-US" sz="1600" dirty="0" smtClean="0">
-                <a:latin typeface="微软雅黑" panose="020B0503020204020204" pitchFamily="34" charset="-122"/>
-                <a:ea typeface="微软雅黑" panose="020B0503020204020204" pitchFamily="34" charset="-122"/>
-              </a:rPr>
-              <a:t>高度和宽度，为星星随机分布做准备</a:t>
-            </a:r>
-            <a:endParaRPr lang="zh-CN" altLang="en-US" sz="1600" dirty="0">
-              <a:latin typeface="微软雅黑" panose="020B0503020204020204" pitchFamily="34" charset="-122"/>
-              <a:ea typeface="微软雅黑" panose="020B0503020204020204" pitchFamily="34" charset="-122"/>
-            </a:endParaRPr>
+            <a:pPr algn="ctr"/>
+            <a:endParaRPr lang="zh-CN" altLang="en-US"/>
           </a:p>
         </p:txBody>
       </p:sp>
     </p:spTree>
     <p:extLst>
       <p:ext uri="{BB962C8B-B14F-4D97-AF65-F5344CB8AC3E}">
-        <p14:creationId xmlns:p14="http://schemas.microsoft.com/office/powerpoint/2010/main" val="2828957763"/>
+        <p14:creationId xmlns:p14="http://schemas.microsoft.com/office/powerpoint/2010/main" val="584871701"/>
       </p:ext>
     </p:extLst>
   </p:cSld>
@@ -3894,189 +3802,9 @@
           <a:chExt cx="0" cy="0"/>
         </a:xfrm>
       </p:grpSpPr>
-      <p:sp>
-        <p:nvSpPr>
-          <p:cNvPr id="2" name="TextBox 1"/>
-          <p:cNvSpPr txBox="1"/>
-          <p:nvPr/>
-        </p:nvSpPr>
-        <p:spPr>
-          <a:xfrm>
-            <a:off x="467544" y="476672"/>
-            <a:ext cx="5976664" cy="523220"/>
-          </a:xfrm>
-          <a:prstGeom prst="rect">
-            <a:avLst/>
-          </a:prstGeom>
-          <a:noFill/>
-        </p:spPr>
-        <p:txBody>
-          <a:bodyPr wrap="square" rtlCol="0">
-            <a:spAutoFit/>
-          </a:bodyPr>
-          <a:lstStyle/>
-          <a:p>
-            <a:r>
-              <a:rPr lang="en-US" altLang="zh-CN" sz="2800" dirty="0" smtClean="0">
-                <a:solidFill>
-                  <a:schemeClr val="tx1">
-                    <a:lumMod val="75000"/>
-                    <a:lumOff val="25000"/>
-                  </a:schemeClr>
-                </a:solidFill>
-                <a:latin typeface="微软雅黑" pitchFamily="34" charset="-122"/>
-                <a:ea typeface="微软雅黑" pitchFamily="34" charset="-122"/>
-              </a:rPr>
-              <a:t>4</a:t>
-            </a:r>
-            <a:r>
-              <a:rPr lang="en-US" altLang="zh-CN" sz="2800" dirty="0" smtClean="0">
-                <a:solidFill>
-                  <a:schemeClr val="tx1">
-                    <a:lumMod val="75000"/>
-                    <a:lumOff val="25000"/>
-                  </a:schemeClr>
-                </a:solidFill>
-                <a:latin typeface="微软雅黑" pitchFamily="34" charset="-122"/>
-                <a:ea typeface="微软雅黑" pitchFamily="34" charset="-122"/>
-              </a:rPr>
-              <a:t>.</a:t>
-            </a:r>
-            <a:r>
-              <a:rPr lang="zh-CN" altLang="en-US" sz="2800" dirty="0">
-                <a:solidFill>
-                  <a:schemeClr val="tx1">
-                    <a:lumMod val="75000"/>
-                    <a:lumOff val="25000"/>
-                  </a:schemeClr>
-                </a:solidFill>
-                <a:latin typeface="微软雅黑" pitchFamily="34" charset="-122"/>
-                <a:ea typeface="微软雅黑" pitchFamily="34" charset="-122"/>
-              </a:rPr>
-              <a:t>星空</a:t>
-            </a:r>
-            <a:r>
-              <a:rPr lang="zh-CN" altLang="en-US" sz="2800" dirty="0" smtClean="0">
-                <a:solidFill>
-                  <a:schemeClr val="tx1">
-                    <a:lumMod val="75000"/>
-                    <a:lumOff val="25000"/>
-                  </a:schemeClr>
-                </a:solidFill>
-                <a:latin typeface="微软雅黑" pitchFamily="34" charset="-122"/>
-                <a:ea typeface="微软雅黑" pitchFamily="34" charset="-122"/>
-              </a:rPr>
-              <a:t>动画</a:t>
-            </a:r>
-            <a:endParaRPr lang="zh-CN" altLang="en-US" sz="2800" dirty="0">
-              <a:solidFill>
-                <a:schemeClr val="tx1">
-                  <a:lumMod val="75000"/>
-                  <a:lumOff val="25000"/>
-                </a:schemeClr>
-              </a:solidFill>
-              <a:latin typeface="微软雅黑" pitchFamily="34" charset="-122"/>
-              <a:ea typeface="微软雅黑" pitchFamily="34" charset="-122"/>
-            </a:endParaRPr>
-          </a:p>
-        </p:txBody>
-      </p:sp>
-      <p:sp>
-        <p:nvSpPr>
-          <p:cNvPr id="3" name="矩形 2"/>
-          <p:cNvSpPr/>
-          <p:nvPr/>
-        </p:nvSpPr>
-        <p:spPr>
-          <a:xfrm>
-            <a:off x="827584" y="1052736"/>
-            <a:ext cx="6991651" cy="1754326"/>
-          </a:xfrm>
-          <a:prstGeom prst="rect">
-            <a:avLst/>
-          </a:prstGeom>
-        </p:spPr>
-        <p:txBody>
-          <a:bodyPr wrap="square">
-            <a:spAutoFit/>
-          </a:bodyPr>
-          <a:lstStyle/>
-          <a:p>
-            <a:pPr>
-              <a:lnSpc>
-                <a:spcPct val="150000"/>
-              </a:lnSpc>
-            </a:pPr>
-            <a:r>
-              <a:rPr lang="en-US" altLang="zh-CN" dirty="0" smtClean="0">
-                <a:latin typeface="微软雅黑" panose="020B0503020204020204" pitchFamily="34" charset="-122"/>
-                <a:ea typeface="微软雅黑" panose="020B0503020204020204" pitchFamily="34" charset="-122"/>
-              </a:rPr>
-              <a:t>a.</a:t>
-            </a:r>
-            <a:r>
-              <a:rPr lang="zh-CN" altLang="en-US" dirty="0" smtClean="0">
-                <a:latin typeface="微软雅黑" panose="020B0503020204020204" pitchFamily="34" charset="-122"/>
-                <a:ea typeface="微软雅黑" panose="020B0503020204020204" pitchFamily="34" charset="-122"/>
-              </a:rPr>
-              <a:t>透视样式</a:t>
-            </a:r>
-            <a:endParaRPr lang="en-US" altLang="zh-CN" dirty="0" smtClean="0">
-              <a:latin typeface="微软雅黑" panose="020B0503020204020204" pitchFamily="34" charset="-122"/>
-              <a:ea typeface="微软雅黑" panose="020B0503020204020204" pitchFamily="34" charset="-122"/>
-            </a:endParaRPr>
-          </a:p>
-          <a:p>
-            <a:pPr>
-              <a:lnSpc>
-                <a:spcPct val="150000"/>
-              </a:lnSpc>
-            </a:pPr>
-            <a:r>
-              <a:rPr lang="zh-CN" altLang="en-US" dirty="0" smtClean="0">
-                <a:latin typeface="微软雅黑" panose="020B0503020204020204" pitchFamily="34" charset="-122"/>
-                <a:ea typeface="微软雅黑" panose="020B0503020204020204" pitchFamily="34" charset="-122"/>
-              </a:rPr>
-              <a:t>要让星星，产生透视动画，我们需要让星星，在</a:t>
-            </a:r>
-            <a:r>
-              <a:rPr lang="en-US" altLang="zh-CN" dirty="0" smtClean="0">
-                <a:latin typeface="微软雅黑" panose="020B0503020204020204" pitchFamily="34" charset="-122"/>
-                <a:ea typeface="微软雅黑" panose="020B0503020204020204" pitchFamily="34" charset="-122"/>
-              </a:rPr>
-              <a:t>z</a:t>
-            </a:r>
-            <a:r>
-              <a:rPr lang="zh-CN" altLang="en-US" dirty="0" smtClean="0">
-                <a:latin typeface="微软雅黑" panose="020B0503020204020204" pitchFamily="34" charset="-122"/>
-                <a:ea typeface="微软雅黑" panose="020B0503020204020204" pitchFamily="34" charset="-122"/>
-              </a:rPr>
-              <a:t>轴（垂直于屏幕的方向）运动，同时还需要合理设置</a:t>
-            </a:r>
-            <a:r>
-              <a:rPr lang="en-US" altLang="zh-CN" dirty="0" err="1" smtClean="0">
-                <a:latin typeface="微软雅黑" panose="020B0503020204020204" pitchFamily="34" charset="-122"/>
-                <a:ea typeface="微软雅黑" panose="020B0503020204020204" pitchFamily="34" charset="-122"/>
-              </a:rPr>
-              <a:t>css</a:t>
-            </a:r>
-            <a:r>
-              <a:rPr lang="zh-CN" altLang="en-US" dirty="0" smtClean="0">
-                <a:latin typeface="微软雅黑" panose="020B0503020204020204" pitchFamily="34" charset="-122"/>
-                <a:ea typeface="微软雅黑" panose="020B0503020204020204" pitchFamily="34" charset="-122"/>
-              </a:rPr>
-              <a:t>属性，否则是无法呈现透视效果的。</a:t>
-            </a:r>
-            <a:endParaRPr lang="en-US" altLang="zh-CN" dirty="0" smtClean="0">
-              <a:latin typeface="微软雅黑" panose="020B0503020204020204" pitchFamily="34" charset="-122"/>
-              <a:ea typeface="微软雅黑" panose="020B0503020204020204" pitchFamily="34" charset="-122"/>
-            </a:endParaRPr>
-          </a:p>
-        </p:txBody>
-      </p:sp>
       <p:pic>
         <p:nvPicPr>
-          <p:cNvPr id="4" name="图片 3" descr="屏幕剪辑"/>
+          <p:cNvPr id="3" name="图片 2" descr="屏幕剪辑"/>
           <p:cNvPicPr>
             <a:picLocks noChangeAspect="1"/>
           </p:cNvPicPr>
@@ -4096,8 +3824,8 @@
         </p:blipFill>
         <p:spPr>
           <a:xfrm>
-            <a:off x="899592" y="2859906"/>
-            <a:ext cx="4763165" cy="1705213"/>
+            <a:off x="669941" y="4149080"/>
+            <a:ext cx="7344800" cy="1705213"/>
           </a:xfrm>
           <a:prstGeom prst="rect">
             <a:avLst/>
@@ -4114,21 +3842,61 @@
           </a:effectLst>
         </p:spPr>
       </p:pic>
-      <p:sp>
-        <p:nvSpPr>
-          <p:cNvPr id="5" name="圆角矩形标注 4"/>
+      <p:pic>
+        <p:nvPicPr>
+          <p:cNvPr id="7" name="图片 6" descr="屏幕剪辑"/>
+          <p:cNvPicPr>
+            <a:picLocks noChangeAspect="1"/>
+          </p:cNvPicPr>
+          <p:nvPr/>
+        </p:nvPicPr>
+        <p:blipFill>
+          <a:blip r:embed="rId3">
+            <a:extLst>
+              <a:ext uri="{28A0092B-C50C-407E-A947-70E740481C1C}">
+                <a14:useLocalDpi xmlns:a14="http://schemas.microsoft.com/office/drawing/2010/main" val="0"/>
+              </a:ext>
+            </a:extLst>
+          </a:blip>
+          <a:stretch>
+            <a:fillRect/>
+          </a:stretch>
+        </p:blipFill>
+        <p:spPr>
+          <a:xfrm>
+            <a:off x="669941" y="620688"/>
+            <a:ext cx="7502443" cy="429433"/>
+          </a:xfrm>
+          <a:prstGeom prst="rect">
+            <a:avLst/>
+          </a:prstGeom>
+          <a:ln>
+            <a:noFill/>
+          </a:ln>
+          <a:effectLst>
+            <a:outerShdw blurRad="292100" dist="139700" dir="2700000" algn="tl" rotWithShape="0">
+              <a:srgbClr val="333333">
+                <a:alpha val="65000"/>
+              </a:srgbClr>
+            </a:outerShdw>
+          </a:effectLst>
+        </p:spPr>
+      </p:pic>
+      <p:sp>
+        <p:nvSpPr>
+          <p:cNvPr id="8" name="圆角矩形标注 7"/>
           <p:cNvSpPr/>
           <p:nvPr/>
         </p:nvSpPr>
         <p:spPr>
           <a:xfrm>
-            <a:off x="2919253" y="2348881"/>
-            <a:ext cx="2743504" cy="696994"/>
+            <a:off x="3419873" y="3643716"/>
+            <a:ext cx="4594868" cy="360040"/>
           </a:xfrm>
           <a:prstGeom prst="wedgeRoundRectCallout">
             <a:avLst>
-              <a:gd name="adj1" fmla="val -26083"/>
-              <a:gd name="adj2" fmla="val 73164"/>
+              <a:gd name="adj1" fmla="val -28017"/>
+              <a:gd name="adj2" fmla="val 83524"/>
               <a:gd name="adj3" fmla="val 16667"/>
             </a:avLst>
           </a:prstGeom>
@@ -4157,18 +3925,11 @@
               </a:lnSpc>
             </a:pPr>
             <a:r>
-              <a:rPr lang="zh-CN" altLang="en-US" sz="1600" dirty="0">
-                <a:latin typeface="微软雅黑" panose="020B0503020204020204" pitchFamily="34" charset="-122"/>
-                <a:ea typeface="微软雅黑" panose="020B0503020204020204" pitchFamily="34" charset="-122"/>
-              </a:rPr>
-              <a:t>被</a:t>
-            </a:r>
-            <a:r>
               <a:rPr lang="zh-CN" altLang="en-US" sz="1600" dirty="0" smtClean="0">
                 <a:latin typeface="微软雅黑" panose="020B0503020204020204" pitchFamily="34" charset="-122"/>
                 <a:ea typeface="微软雅黑" panose="020B0503020204020204" pitchFamily="34" charset="-122"/>
               </a:rPr>
-              <a:t>观察物体要有透视效果，父元素需要设置透视属性</a:t>
+              <a:t>随机颜色，注意数组索引要取整，且不能越界</a:t>
             </a:r>
             <a:endParaRPr lang="zh-CN" altLang="en-US" sz="1600" dirty="0">
               <a:latin typeface="微软雅黑" panose="020B0503020204020204" pitchFamily="34" charset="-122"/>
@@ -4179,19 +3940,19 @@
       </p:sp>
       <p:sp>
         <p:nvSpPr>
-          <p:cNvPr id="6" name="圆角矩形标注 5"/>
+          <p:cNvPr id="10" name="圆角矩形标注 9"/>
           <p:cNvSpPr/>
           <p:nvPr/>
         </p:nvSpPr>
         <p:spPr>
           <a:xfrm>
-            <a:off x="5796136" y="2636912"/>
-            <a:ext cx="2592288" cy="2441302"/>
+            <a:off x="1619672" y="1267452"/>
+            <a:ext cx="2808312" cy="360040"/>
           </a:xfrm>
           <a:prstGeom prst="wedgeRoundRectCallout">
             <a:avLst>
-              <a:gd name="adj1" fmla="val -72619"/>
-              <a:gd name="adj2" fmla="val -10158"/>
+              <a:gd name="adj1" fmla="val -28017"/>
+              <a:gd name="adj2" fmla="val -90628"/>
               <a:gd name="adj3" fmla="val 16667"/>
             </a:avLst>
           </a:prstGeom>
@@ -4220,18 +3981,11 @@
               </a:lnSpc>
             </a:pPr>
             <a:r>
-              <a:rPr lang="zh-CN" altLang="en-US" sz="1600" dirty="0">
-                <a:latin typeface="微软雅黑" panose="020B0503020204020204" pitchFamily="34" charset="-122"/>
-                <a:ea typeface="微软雅黑" panose="020B0503020204020204" pitchFamily="34" charset="-122"/>
-              </a:rPr>
-              <a:t>摄像机</a:t>
-            </a:r>
-            <a:r>
               <a:rPr lang="zh-CN" altLang="en-US" sz="1600" dirty="0" smtClean="0">
                 <a:latin typeface="微软雅黑" panose="020B0503020204020204" pitchFamily="34" charset="-122"/>
                 <a:ea typeface="微软雅黑" panose="020B0503020204020204" pitchFamily="34" charset="-122"/>
               </a:rPr>
-              <a:t>距离屏幕的距离设定，大于这个距离的物体，意味着在相机之后，无法看到，越靠近就这个距离，物体越大，否则越小</a:t>
+              <a:t>被选颜色，颜色不能太随便</a:t>
             </a:r>
             <a:endParaRPr lang="zh-CN" altLang="en-US" sz="1600" dirty="0">
               <a:latin typeface="微软雅黑" panose="020B0503020204020204" pitchFamily="34" charset="-122"/>
@@ -4242,19 +3996,19 @@
       </p:sp>
       <p:sp>
         <p:nvSpPr>
-          <p:cNvPr id="7" name="圆角矩形标注 6"/>
+          <p:cNvPr id="11" name="圆角矩形标注 10"/>
           <p:cNvSpPr/>
           <p:nvPr/>
         </p:nvSpPr>
         <p:spPr>
           <a:xfrm>
-            <a:off x="2123728" y="4515288"/>
-            <a:ext cx="2808312" cy="1578008"/>
+            <a:off x="5508105" y="4509119"/>
+            <a:ext cx="2592287" cy="1850538"/>
           </a:xfrm>
           <a:prstGeom prst="wedgeRoundRectCallout">
             <a:avLst>
-              <a:gd name="adj1" fmla="val 18372"/>
-              <a:gd name="adj2" fmla="val -63295"/>
+              <a:gd name="adj1" fmla="val -54778"/>
+              <a:gd name="adj2" fmla="val -27567"/>
               <a:gd name="adj3" fmla="val 16667"/>
             </a:avLst>
           </a:prstGeom>
@@ -4287,35 +4041,66 @@
                 <a:latin typeface="微软雅黑" panose="020B0503020204020204" pitchFamily="34" charset="-122"/>
                 <a:ea typeface="微软雅黑" panose="020B0503020204020204" pitchFamily="34" charset="-122"/>
               </a:rPr>
-              <a:t>透视中心</a:t>
-            </a:r>
-            <a:r>
-              <a:rPr lang="zh-CN" altLang="en-US" sz="1600" dirty="0">
-                <a:latin typeface="微软雅黑" panose="020B0503020204020204" pitchFamily="34" charset="-122"/>
-                <a:ea typeface="微软雅黑" panose="020B0503020204020204" pitchFamily="34" charset="-122"/>
-              </a:rPr>
-              <a:t>（消失点，</a:t>
+              <a:t>在</a:t>
+            </a:r>
+            <a:r>
+              <a:rPr lang="en-US" altLang="zh-CN" sz="1600" dirty="0" smtClean="0">
+                <a:solidFill>
+                  <a:srgbClr val="FF0000"/>
+                </a:solidFill>
+                <a:latin typeface="微软雅黑" panose="020B0503020204020204" pitchFamily="34" charset="-122"/>
+                <a:ea typeface="微软雅黑" panose="020B0503020204020204" pitchFamily="34" charset="-122"/>
+              </a:rPr>
+              <a:t>2</a:t>
             </a:r>
             <a:r>
               <a:rPr lang="zh-CN" altLang="en-US" sz="1600" dirty="0" smtClean="0">
-                <a:latin typeface="微软雅黑" panose="020B0503020204020204" pitchFamily="34" charset="-122"/>
-                <a:ea typeface="微软雅黑" panose="020B0503020204020204" pitchFamily="34" charset="-122"/>
-              </a:rPr>
-              <a:t>也就是位于无穷远的物体消失的位置点）设置为</a:t>
+                <a:solidFill>
+                  <a:srgbClr val="FF0000"/>
+                </a:solidFill>
+                <a:latin typeface="微软雅黑" panose="020B0503020204020204" pitchFamily="34" charset="-122"/>
+                <a:ea typeface="微软雅黑" panose="020B0503020204020204" pitchFamily="34" charset="-122"/>
+              </a:rPr>
+              <a:t>倍</a:t>
+            </a:r>
+            <a:r>
+              <a:rPr lang="zh-CN" altLang="en-US" sz="1600" dirty="0" smtClean="0">
+                <a:latin typeface="微软雅黑" panose="020B0503020204020204" pitchFamily="34" charset="-122"/>
+                <a:ea typeface="微软雅黑" panose="020B0503020204020204" pitchFamily="34" charset="-122"/>
+              </a:rPr>
+              <a:t>窗口（因为透视的原因，要扩大范围）尺寸内进行随机分布，分布中心是窗口的中心</a:t>
+            </a:r>
+            <a:endParaRPr lang="en-US" altLang="zh-CN" sz="1600" dirty="0" smtClean="0">
+              <a:latin typeface="微软雅黑" panose="020B0503020204020204" pitchFamily="34" charset="-122"/>
+              <a:ea typeface="微软雅黑" panose="020B0503020204020204" pitchFamily="34" charset="-122"/>
+            </a:endParaRPr>
+          </a:p>
+          <a:p>
+            <a:pPr>
+              <a:lnSpc>
+                <a:spcPct val="150000"/>
+              </a:lnSpc>
+            </a:pPr>
+            <a:r>
+              <a:rPr lang="zh-CN" altLang="en-US" sz="1600" dirty="0" smtClean="0">
+                <a:latin typeface="微软雅黑" panose="020B0503020204020204" pitchFamily="34" charset="-122"/>
+                <a:ea typeface="微软雅黑" panose="020B0503020204020204" pitchFamily="34" charset="-122"/>
+              </a:rPr>
+              <a:t>（ </a:t>
             </a:r>
             <a:r>
               <a:rPr lang="en-US" altLang="zh-CN" sz="1600" dirty="0" smtClean="0">
                 <a:latin typeface="微软雅黑" panose="020B0503020204020204" pitchFamily="34" charset="-122"/>
                 <a:ea typeface="微软雅黑" panose="020B0503020204020204" pitchFamily="34" charset="-122"/>
               </a:rPr>
-              <a:t>.sky</a:t>
+              <a:t>-w/2,-h/2</a:t>
             </a:r>
             <a:r>
               <a:rPr lang="zh-CN" altLang="en-US" sz="1600" dirty="0" smtClean="0">
                 <a:latin typeface="微软雅黑" panose="020B0503020204020204" pitchFamily="34" charset="-122"/>
                 <a:ea typeface="微软雅黑" panose="020B0503020204020204" pitchFamily="34" charset="-122"/>
               </a:rPr>
-              <a:t>标签（窗口）中心</a:t>
+              <a:t>）</a:t>
             </a:r>
             <a:endParaRPr lang="zh-CN" altLang="en-US" sz="1600" dirty="0">
               <a:latin typeface="微软雅黑" panose="020B0503020204020204" pitchFamily="34" charset="-122"/>
@@ -4324,10 +4109,162 @@
           </a:p>
         </p:txBody>
       </p:sp>
+      <p:sp>
+        <p:nvSpPr>
+          <p:cNvPr id="12" name="圆角矩形标注 11"/>
+          <p:cNvSpPr/>
+          <p:nvPr/>
+        </p:nvSpPr>
+        <p:spPr>
+          <a:xfrm>
+            <a:off x="899592" y="5927609"/>
+            <a:ext cx="2088232" cy="432048"/>
+          </a:xfrm>
+          <a:prstGeom prst="wedgeRoundRectCallout">
+            <a:avLst>
+              <a:gd name="adj1" fmla="val -25839"/>
+              <a:gd name="adj2" fmla="val -78534"/>
+              <a:gd name="adj3" fmla="val 16667"/>
+            </a:avLst>
+          </a:prstGeom>
+        </p:spPr>
+        <p:style>
+          <a:lnRef idx="2">
+            <a:schemeClr val="accent5"/>
+          </a:lnRef>
+          <a:fillRef idx="1">
+            <a:schemeClr val="lt1"/>
+          </a:fillRef>
+          <a:effectRef idx="0">
+            <a:schemeClr val="accent5"/>
+          </a:effectRef>
+          <a:fontRef idx="minor">
+            <a:schemeClr val="dk1"/>
+          </a:fontRef>
+        </p:style>
+        <p:txBody>
+          <a:bodyPr rtlCol="0" anchor="ctr"/>
+          <a:lstStyle/>
+          <a:p>
+            <a:pPr>
+              <a:lnSpc>
+                <a:spcPct val="150000"/>
+              </a:lnSpc>
+            </a:pPr>
+            <a:r>
+              <a:rPr lang="zh-CN" altLang="en-US" sz="1600" dirty="0" smtClean="0">
+                <a:latin typeface="微软雅黑" panose="020B0503020204020204" pitchFamily="34" charset="-122"/>
+                <a:ea typeface="微软雅黑" panose="020B0503020204020204" pitchFamily="34" charset="-122"/>
+              </a:rPr>
+              <a:t>模糊程度和扩展随机</a:t>
+            </a:r>
+            <a:endParaRPr lang="zh-CN" altLang="en-US" sz="1600" dirty="0">
+              <a:latin typeface="微软雅黑" panose="020B0503020204020204" pitchFamily="34" charset="-122"/>
+              <a:ea typeface="微软雅黑" panose="020B0503020204020204" pitchFamily="34" charset="-122"/>
+            </a:endParaRPr>
+          </a:p>
+        </p:txBody>
+      </p:sp>
+      <p:pic>
+        <p:nvPicPr>
+          <p:cNvPr id="5" name="图片 4" descr="屏幕剪辑"/>
+          <p:cNvPicPr>
+            <a:picLocks noChangeAspect="1"/>
+          </p:cNvPicPr>
+          <p:nvPr/>
+        </p:nvPicPr>
+        <p:blipFill>
+          <a:blip r:embed="rId4">
+            <a:extLst>
+              <a:ext uri="{28A0092B-C50C-407E-A947-70E740481C1C}">
+                <a14:useLocalDpi xmlns:a14="http://schemas.microsoft.com/office/drawing/2010/main" val="0"/>
+              </a:ext>
+            </a:extLst>
+          </a:blip>
+          <a:stretch>
+            <a:fillRect/>
+          </a:stretch>
+        </p:blipFill>
+        <p:spPr>
+          <a:xfrm>
+            <a:off x="669941" y="1916832"/>
+            <a:ext cx="2867425" cy="1105054"/>
+          </a:xfrm>
+          <a:prstGeom prst="rect">
+            <a:avLst/>
+          </a:prstGeom>
+          <a:ln>
+            <a:noFill/>
+          </a:ln>
+          <a:effectLst>
+            <a:outerShdw blurRad="292100" dist="139700" dir="2700000" algn="tl" rotWithShape="0">
+              <a:srgbClr val="333333">
+                <a:alpha val="65000"/>
+              </a:srgbClr>
+            </a:outerShdw>
+          </a:effectLst>
+        </p:spPr>
+      </p:pic>
+      <p:sp>
+        <p:nvSpPr>
+          <p:cNvPr id="13" name="圆角矩形标注 12"/>
+          <p:cNvSpPr/>
+          <p:nvPr/>
+        </p:nvSpPr>
+        <p:spPr>
+          <a:xfrm>
+            <a:off x="3203846" y="2347573"/>
+            <a:ext cx="2664298" cy="674313"/>
+          </a:xfrm>
+          <a:prstGeom prst="wedgeRoundRectCallout">
+            <a:avLst>
+              <a:gd name="adj1" fmla="val -55210"/>
+              <a:gd name="adj2" fmla="val -16049"/>
+              <a:gd name="adj3" fmla="val 16667"/>
+            </a:avLst>
+          </a:prstGeom>
+        </p:spPr>
+        <p:style>
+          <a:lnRef idx="2">
+            <a:schemeClr val="accent5"/>
+          </a:lnRef>
+          <a:fillRef idx="1">
+            <a:schemeClr val="lt1"/>
+          </a:fillRef>
+          <a:effectRef idx="0">
+            <a:schemeClr val="accent5"/>
+          </a:effectRef>
+          <a:fontRef idx="minor">
+            <a:schemeClr val="dk1"/>
+          </a:fontRef>
+        </p:style>
+        <p:txBody>
+          <a:bodyPr rtlCol="0" anchor="ctr"/>
+          <a:lstStyle/>
+          <a:p>
+            <a:pPr>
+              <a:lnSpc>
+                <a:spcPct val="150000"/>
+              </a:lnSpc>
+            </a:pPr>
+            <a:r>
+              <a:rPr lang="zh-CN" altLang="en-US" sz="1600" dirty="0" smtClean="0">
+                <a:latin typeface="微软雅黑" panose="020B0503020204020204" pitchFamily="34" charset="-122"/>
+                <a:ea typeface="微软雅黑" panose="020B0503020204020204" pitchFamily="34" charset="-122"/>
+              </a:rPr>
+              <a:t>获取窗口高度和宽度，为星星随机分布做准备</a:t>
+            </a:r>
+            <a:endParaRPr lang="zh-CN" altLang="en-US" sz="1600" dirty="0">
+              <a:latin typeface="微软雅黑" panose="020B0503020204020204" pitchFamily="34" charset="-122"/>
+              <a:ea typeface="微软雅黑" panose="020B0503020204020204" pitchFamily="34" charset="-122"/>
+            </a:endParaRPr>
+          </a:p>
+        </p:txBody>
+      </p:sp>
     </p:spTree>
     <p:extLst>
       <p:ext uri="{BB962C8B-B14F-4D97-AF65-F5344CB8AC3E}">
-        <p14:creationId xmlns:p14="http://schemas.microsoft.com/office/powerpoint/2010/main" val="2628633408"/>
+        <p14:creationId xmlns:p14="http://schemas.microsoft.com/office/powerpoint/2010/main" val="2828957763"/>
       </p:ext>
     </p:extLst>
   </p:cSld>
@@ -4356,7 +4293,7 @@
       </p:grpSpPr>
       <p:pic>
         <p:nvPicPr>
-          <p:cNvPr id="16" name="图片 15" descr="屏幕剪辑"/>
+          <p:cNvPr id="4" name="图片 3" descr="屏幕剪辑"/>
           <p:cNvPicPr>
             <a:picLocks noChangeAspect="1"/>
           </p:cNvPicPr>
@@ -4376,8 +4313,8 @@
         </p:blipFill>
         <p:spPr>
           <a:xfrm>
-            <a:off x="745503" y="566936"/>
-            <a:ext cx="4258269" cy="962159"/>
+            <a:off x="1449611" y="548680"/>
+            <a:ext cx="5858693" cy="3591426"/>
           </a:xfrm>
           <a:prstGeom prst="rect">
             <a:avLst/>
@@ -4394,61 +4331,21 @@
           </a:effectLst>
         </p:spPr>
       </p:pic>
-      <p:pic>
-        <p:nvPicPr>
-          <p:cNvPr id="9" name="图片 8" descr="屏幕剪辑"/>
-          <p:cNvPicPr>
-            <a:picLocks noChangeAspect="1"/>
-          </p:cNvPicPr>
-          <p:nvPr/>
-        </p:nvPicPr>
-        <p:blipFill>
-          <a:blip r:embed="rId3">
-            <a:extLst>
-              <a:ext uri="{28A0092B-C50C-407E-A947-70E740481C1C}">
-                <a14:useLocalDpi xmlns:a14="http://schemas.microsoft.com/office/drawing/2010/main" val="0"/>
-              </a:ext>
-            </a:extLst>
-          </a:blip>
-          <a:stretch>
-            <a:fillRect/>
-          </a:stretch>
-        </p:blipFill>
-        <p:spPr>
-          <a:xfrm>
-            <a:off x="755576" y="2636912"/>
-            <a:ext cx="5868219" cy="3286584"/>
-          </a:xfrm>
-          <a:prstGeom prst="rect">
-            <a:avLst/>
-          </a:prstGeom>
-          <a:ln>
-            <a:noFill/>
-          </a:ln>
-          <a:effectLst>
-            <a:outerShdw blurRad="292100" dist="139700" dir="2700000" algn="tl" rotWithShape="0">
-              <a:srgbClr val="333333">
-                <a:alpha val="65000"/>
-              </a:srgbClr>
-            </a:outerShdw>
-          </a:effectLst>
-        </p:spPr>
-      </p:pic>
-      <p:sp>
-        <p:nvSpPr>
-          <p:cNvPr id="10" name="圆角矩形标注 9"/>
+      <p:sp>
+        <p:nvSpPr>
+          <p:cNvPr id="3" name="圆角矩形标注 2"/>
           <p:cNvSpPr/>
           <p:nvPr/>
         </p:nvSpPr>
         <p:spPr>
           <a:xfrm>
-            <a:off x="5047722" y="836712"/>
-            <a:ext cx="2980661" cy="792088"/>
+            <a:off x="2025675" y="4365103"/>
+            <a:ext cx="4536504" cy="435559"/>
           </a:xfrm>
           <a:prstGeom prst="wedgeRoundRectCallout">
             <a:avLst>
-              <a:gd name="adj1" fmla="val -57522"/>
-              <a:gd name="adj2" fmla="val 14440"/>
+              <a:gd name="adj1" fmla="val -30958"/>
+              <a:gd name="adj2" fmla="val -125926"/>
               <a:gd name="adj3" fmla="val 16667"/>
             </a:avLst>
           </a:prstGeom>
@@ -4481,35 +4378,21 @@
                 <a:latin typeface="微软雅黑" panose="020B0503020204020204" pitchFamily="34" charset="-122"/>
                 <a:ea typeface="微软雅黑" panose="020B0503020204020204" pitchFamily="34" charset="-122"/>
               </a:rPr>
-              <a:t>星星的初始位置，距离相机</a:t>
+              <a:t>通过</a:t>
             </a:r>
             <a:r>
               <a:rPr lang="en-US" altLang="zh-CN" sz="1600" dirty="0" smtClean="0">
                 <a:latin typeface="微软雅黑" panose="020B0503020204020204" pitchFamily="34" charset="-122"/>
                 <a:ea typeface="微软雅黑" panose="020B0503020204020204" pitchFamily="34" charset="-122"/>
               </a:rPr>
-              <a:t>500px</a:t>
+              <a:t>box-shadow</a:t>
             </a:r>
             <a:r>
               <a:rPr lang="zh-CN" altLang="en-US" sz="1600" dirty="0" smtClean="0">
                 <a:latin typeface="微软雅黑" panose="020B0503020204020204" pitchFamily="34" charset="-122"/>
                 <a:ea typeface="微软雅黑" panose="020B0503020204020204" pitchFamily="34" charset="-122"/>
               </a:rPr>
-              <a:t>很远，（屏幕位置为</a:t>
-            </a:r>
-            <a:r>
-              <a:rPr lang="en-US" altLang="zh-CN" sz="1600" dirty="0" smtClean="0">
-                <a:latin typeface="微软雅黑" panose="020B0503020204020204" pitchFamily="34" charset="-122"/>
-                <a:ea typeface="微软雅黑" panose="020B0503020204020204" pitchFamily="34" charset="-122"/>
-              </a:rPr>
-              <a:t>0</a:t>
-            </a:r>
-            <a:r>
-              <a:rPr lang="zh-CN" altLang="en-US" sz="1600" dirty="0" smtClean="0">
-                <a:latin typeface="微软雅黑" panose="020B0503020204020204" pitchFamily="34" charset="-122"/>
-                <a:ea typeface="微软雅黑" panose="020B0503020204020204" pitchFamily="34" charset="-122"/>
-              </a:rPr>
-              <a:t>）</a:t>
+              <a:t>为每个标签创建出一组星星</a:t>
             </a:r>
             <a:endParaRPr lang="zh-CN" altLang="en-US" sz="1600" dirty="0">
               <a:latin typeface="微软雅黑" panose="020B0503020204020204" pitchFamily="34" charset="-122"/>
@@ -4518,332 +4401,10 @@
           </a:p>
         </p:txBody>
       </p:sp>
-      <p:sp>
-        <p:nvSpPr>
-          <p:cNvPr id="11" name="圆角矩形标注 10"/>
-          <p:cNvSpPr/>
-          <p:nvPr/>
-        </p:nvSpPr>
-        <p:spPr>
-          <a:xfrm>
-            <a:off x="3995937" y="2217970"/>
-            <a:ext cx="3456384" cy="1650472"/>
-          </a:xfrm>
-          <a:prstGeom prst="wedgeRoundRectCallout">
-            <a:avLst>
-              <a:gd name="adj1" fmla="val -57522"/>
-              <a:gd name="adj2" fmla="val 14440"/>
-              <a:gd name="adj3" fmla="val 16667"/>
-            </a:avLst>
-          </a:prstGeom>
-        </p:spPr>
-        <p:style>
-          <a:lnRef idx="2">
-            <a:schemeClr val="accent5"/>
-          </a:lnRef>
-          <a:fillRef idx="1">
-            <a:schemeClr val="lt1"/>
-          </a:fillRef>
-          <a:effectRef idx="0">
-            <a:schemeClr val="accent5"/>
-          </a:effectRef>
-          <a:fontRef idx="minor">
-            <a:schemeClr val="dk1"/>
-          </a:fontRef>
-        </p:style>
-        <p:txBody>
-          <a:bodyPr rtlCol="0" anchor="ctr"/>
-          <a:lstStyle/>
-          <a:p>
-            <a:pPr>
-              <a:lnSpc>
-                <a:spcPct val="150000"/>
-              </a:lnSpc>
-            </a:pPr>
-            <a:r>
-              <a:rPr lang="zh-CN" altLang="en-US" sz="1600" dirty="0" smtClean="0">
-                <a:latin typeface="微软雅黑" panose="020B0503020204020204" pitchFamily="34" charset="-122"/>
-                <a:ea typeface="微软雅黑" panose="020B0503020204020204" pitchFamily="34" charset="-122"/>
-              </a:rPr>
-              <a:t>星星动画，此语句就是为星星（准确的说是从同一个元素利用投影产生的星星，共同移动）添加动画，具体的动画时间会动态设置</a:t>
-            </a:r>
-            <a:endParaRPr lang="zh-CN" altLang="en-US" sz="1600" dirty="0">
-              <a:latin typeface="微软雅黑" panose="020B0503020204020204" pitchFamily="34" charset="-122"/>
-              <a:ea typeface="微软雅黑" panose="020B0503020204020204" pitchFamily="34" charset="-122"/>
-            </a:endParaRPr>
-          </a:p>
-        </p:txBody>
-      </p:sp>
-      <p:sp>
-        <p:nvSpPr>
-          <p:cNvPr id="12" name="圆角矩形标注 11"/>
-          <p:cNvSpPr/>
-          <p:nvPr/>
-        </p:nvSpPr>
-        <p:spPr>
-          <a:xfrm>
-            <a:off x="745503" y="1607134"/>
-            <a:ext cx="3240360" cy="910786"/>
-          </a:xfrm>
-          <a:prstGeom prst="wedgeRoundRectCallout">
-            <a:avLst>
-              <a:gd name="adj1" fmla="val -24636"/>
-              <a:gd name="adj2" fmla="val 66071"/>
-              <a:gd name="adj3" fmla="val 16667"/>
-            </a:avLst>
-          </a:prstGeom>
-        </p:spPr>
-        <p:style>
-          <a:lnRef idx="2">
-            <a:schemeClr val="accent5"/>
-          </a:lnRef>
-          <a:fillRef idx="1">
-            <a:schemeClr val="lt1"/>
-          </a:fillRef>
-          <a:effectRef idx="0">
-            <a:schemeClr val="accent5"/>
-          </a:effectRef>
-          <a:fontRef idx="minor">
-            <a:schemeClr val="dk1"/>
-          </a:fontRef>
-        </p:style>
-        <p:txBody>
-          <a:bodyPr rtlCol="0" anchor="ctr"/>
-          <a:lstStyle/>
-          <a:p>
-            <a:pPr>
-              <a:lnSpc>
-                <a:spcPct val="150000"/>
-              </a:lnSpc>
-            </a:pPr>
-            <a:r>
-              <a:rPr lang="en-US" altLang="zh-CN" sz="1600" dirty="0" err="1" smtClean="0">
-                <a:latin typeface="微软雅黑" panose="020B0503020204020204" pitchFamily="34" charset="-122"/>
-                <a:ea typeface="微软雅黑" panose="020B0503020204020204" pitchFamily="34" charset="-122"/>
-              </a:rPr>
-              <a:t>ani</a:t>
-            </a:r>
-            <a:r>
-              <a:rPr lang="zh-CN" altLang="en-US" sz="1600" dirty="0" smtClean="0">
-                <a:latin typeface="微软雅黑" panose="020B0503020204020204" pitchFamily="34" charset="-122"/>
-                <a:ea typeface="微软雅黑" panose="020B0503020204020204" pitchFamily="34" charset="-122"/>
-              </a:rPr>
-              <a:t>类是动画开关，通过</a:t>
-            </a:r>
-            <a:r>
-              <a:rPr lang="en-US" altLang="zh-CN" sz="1600" dirty="0" err="1" smtClean="0">
-                <a:latin typeface="微软雅黑" panose="020B0503020204020204" pitchFamily="34" charset="-122"/>
-                <a:ea typeface="微软雅黑" panose="020B0503020204020204" pitchFamily="34" charset="-122"/>
-              </a:rPr>
-              <a:t>js</a:t>
-            </a:r>
-            <a:r>
-              <a:rPr lang="zh-CN" altLang="en-US" sz="1600" dirty="0" smtClean="0">
-                <a:latin typeface="微软雅黑" panose="020B0503020204020204" pitchFamily="34" charset="-122"/>
-                <a:ea typeface="微软雅黑" panose="020B0503020204020204" pitchFamily="34" charset="-122"/>
-              </a:rPr>
-              <a:t>删除</a:t>
-            </a:r>
-            <a:r>
-              <a:rPr lang="en-US" altLang="zh-CN" sz="1600" dirty="0" smtClean="0">
-                <a:latin typeface="微软雅黑" panose="020B0503020204020204" pitchFamily="34" charset="-122"/>
-                <a:ea typeface="微软雅黑" panose="020B0503020204020204" pitchFamily="34" charset="-122"/>
-              </a:rPr>
-              <a:t>/</a:t>
-            </a:r>
-            <a:r>
-              <a:rPr lang="zh-CN" altLang="en-US" sz="1600" dirty="0" smtClean="0">
-                <a:latin typeface="微软雅黑" panose="020B0503020204020204" pitchFamily="34" charset="-122"/>
-                <a:ea typeface="微软雅黑" panose="020B0503020204020204" pitchFamily="34" charset="-122"/>
-              </a:rPr>
-              <a:t>添加</a:t>
-            </a:r>
-            <a:r>
-              <a:rPr lang="en-US" altLang="zh-CN" sz="1600" dirty="0" smtClean="0">
-                <a:latin typeface="微软雅黑" panose="020B0503020204020204" pitchFamily="34" charset="-122"/>
-                <a:ea typeface="微软雅黑" panose="020B0503020204020204" pitchFamily="34" charset="-122"/>
-              </a:rPr>
-              <a:t>,</a:t>
-            </a:r>
-            <a:r>
-              <a:rPr lang="zh-CN" altLang="en-US" sz="1600" dirty="0" smtClean="0">
-                <a:latin typeface="微软雅黑" panose="020B0503020204020204" pitchFamily="34" charset="-122"/>
-                <a:ea typeface="微软雅黑" panose="020B0503020204020204" pitchFamily="34" charset="-122"/>
-              </a:rPr>
-              <a:t>来达到关闭</a:t>
-            </a:r>
-            <a:r>
-              <a:rPr lang="en-US" altLang="zh-CN" sz="1600" dirty="0" smtClean="0">
-                <a:latin typeface="微软雅黑" panose="020B0503020204020204" pitchFamily="34" charset="-122"/>
-                <a:ea typeface="微软雅黑" panose="020B0503020204020204" pitchFamily="34" charset="-122"/>
-              </a:rPr>
-              <a:t>/</a:t>
-            </a:r>
-            <a:r>
-              <a:rPr lang="zh-CN" altLang="en-US" sz="1600" dirty="0" smtClean="0">
-                <a:latin typeface="微软雅黑" panose="020B0503020204020204" pitchFamily="34" charset="-122"/>
-                <a:ea typeface="微软雅黑" panose="020B0503020204020204" pitchFamily="34" charset="-122"/>
-              </a:rPr>
-              <a:t>开启动画的目的</a:t>
-            </a:r>
-            <a:endParaRPr lang="zh-CN" altLang="en-US" sz="1600" dirty="0">
-              <a:latin typeface="微软雅黑" panose="020B0503020204020204" pitchFamily="34" charset="-122"/>
-              <a:ea typeface="微软雅黑" panose="020B0503020204020204" pitchFamily="34" charset="-122"/>
-            </a:endParaRPr>
-          </a:p>
-        </p:txBody>
-      </p:sp>
-      <p:sp>
-        <p:nvSpPr>
-          <p:cNvPr id="13" name="圆角矩形标注 12"/>
-          <p:cNvSpPr/>
-          <p:nvPr/>
-        </p:nvSpPr>
-        <p:spPr>
-          <a:xfrm>
-            <a:off x="3419872" y="4149080"/>
-            <a:ext cx="3540870" cy="910786"/>
-          </a:xfrm>
-          <a:prstGeom prst="wedgeRoundRectCallout">
-            <a:avLst>
-              <a:gd name="adj1" fmla="val -55811"/>
-              <a:gd name="adj2" fmla="val -20940"/>
-              <a:gd name="adj3" fmla="val 16667"/>
-            </a:avLst>
-          </a:prstGeom>
-        </p:spPr>
-        <p:style>
-          <a:lnRef idx="2">
-            <a:schemeClr val="accent5"/>
-          </a:lnRef>
-          <a:fillRef idx="1">
-            <a:schemeClr val="lt1"/>
-          </a:fillRef>
-          <a:effectRef idx="0">
-            <a:schemeClr val="accent5"/>
-          </a:effectRef>
-          <a:fontRef idx="minor">
-            <a:schemeClr val="dk1"/>
-          </a:fontRef>
-        </p:style>
-        <p:txBody>
-          <a:bodyPr rtlCol="0" anchor="ctr"/>
-          <a:lstStyle/>
-          <a:p>
-            <a:pPr>
-              <a:lnSpc>
-                <a:spcPct val="150000"/>
-              </a:lnSpc>
-            </a:pPr>
-            <a:r>
-              <a:rPr lang="zh-CN" altLang="en-US" sz="1600" dirty="0" smtClean="0">
-                <a:latin typeface="微软雅黑" panose="020B0503020204020204" pitchFamily="34" charset="-122"/>
-                <a:ea typeface="微软雅黑" panose="020B0503020204020204" pitchFamily="34" charset="-122"/>
-              </a:rPr>
-              <a:t>动画</a:t>
-            </a:r>
-            <a:r>
-              <a:rPr lang="en-US" altLang="zh-CN" sz="1600" dirty="0" smtClean="0">
-                <a:latin typeface="微软雅黑" panose="020B0503020204020204" pitchFamily="34" charset="-122"/>
-                <a:ea typeface="微软雅黑" panose="020B0503020204020204" pitchFamily="34" charset="-122"/>
-              </a:rPr>
-              <a:t>30%,</a:t>
-            </a:r>
-            <a:r>
-              <a:rPr lang="zh-CN" altLang="en-US" sz="1600" dirty="0">
-                <a:latin typeface="微软雅黑" panose="020B0503020204020204" pitchFamily="34" charset="-122"/>
-                <a:ea typeface="微软雅黑" panose="020B0503020204020204" pitchFamily="34" charset="-122"/>
-              </a:rPr>
-              <a:t>会有</a:t>
-            </a:r>
-            <a:r>
-              <a:rPr lang="zh-CN" altLang="en-US" sz="1600" dirty="0" smtClean="0">
-                <a:latin typeface="微软雅黑" panose="020B0503020204020204" pitchFamily="34" charset="-122"/>
-                <a:ea typeface="微软雅黑" panose="020B0503020204020204" pitchFamily="34" charset="-122"/>
-              </a:rPr>
-              <a:t>透明度到不透明的变化，标签阴影（星星）也会随之变化</a:t>
-            </a:r>
-            <a:endParaRPr lang="zh-CN" altLang="en-US" sz="1600" dirty="0">
-              <a:latin typeface="微软雅黑" panose="020B0503020204020204" pitchFamily="34" charset="-122"/>
-              <a:ea typeface="微软雅黑" panose="020B0503020204020204" pitchFamily="34" charset="-122"/>
-            </a:endParaRPr>
-          </a:p>
-        </p:txBody>
-      </p:sp>
-      <p:sp>
-        <p:nvSpPr>
-          <p:cNvPr id="14" name="圆角矩形标注 13"/>
-          <p:cNvSpPr/>
-          <p:nvPr/>
-        </p:nvSpPr>
-        <p:spPr>
-          <a:xfrm>
-            <a:off x="2821251" y="5748741"/>
-            <a:ext cx="3540870" cy="823293"/>
-          </a:xfrm>
-          <a:prstGeom prst="wedgeRoundRectCallout">
-            <a:avLst>
-              <a:gd name="adj1" fmla="val -23838"/>
-              <a:gd name="adj2" fmla="val -63967"/>
-              <a:gd name="adj3" fmla="val 16667"/>
-            </a:avLst>
-          </a:prstGeom>
-        </p:spPr>
-        <p:style>
-          <a:lnRef idx="2">
-            <a:schemeClr val="accent5"/>
-          </a:lnRef>
-          <a:fillRef idx="1">
-            <a:schemeClr val="lt1"/>
-          </a:fillRef>
-          <a:effectRef idx="0">
-            <a:schemeClr val="accent5"/>
-          </a:effectRef>
-          <a:fontRef idx="minor">
-            <a:schemeClr val="dk1"/>
-          </a:fontRef>
-        </p:style>
-        <p:txBody>
-          <a:bodyPr rtlCol="0" anchor="ctr"/>
-          <a:lstStyle/>
-          <a:p>
-            <a:pPr>
-              <a:lnSpc>
-                <a:spcPct val="150000"/>
-              </a:lnSpc>
-            </a:pPr>
-            <a:r>
-              <a:rPr lang="zh-CN" altLang="en-US" sz="1600" dirty="0" smtClean="0">
-                <a:latin typeface="微软雅黑" panose="020B0503020204020204" pitchFamily="34" charset="-122"/>
-                <a:ea typeface="微软雅黑" panose="020B0503020204020204" pitchFamily="34" charset="-122"/>
-              </a:rPr>
-              <a:t>最后的</a:t>
-            </a:r>
-            <a:r>
-              <a:rPr lang="en-US" altLang="zh-CN" sz="1600" dirty="0" smtClean="0">
-                <a:latin typeface="微软雅黑" panose="020B0503020204020204" pitchFamily="34" charset="-122"/>
-                <a:ea typeface="微软雅黑" panose="020B0503020204020204" pitchFamily="34" charset="-122"/>
-              </a:rPr>
-              <a:t>10%</a:t>
-            </a:r>
-            <a:r>
-              <a:rPr lang="zh-CN" altLang="en-US" sz="1600" dirty="0" smtClean="0">
-                <a:latin typeface="微软雅黑" panose="020B0503020204020204" pitchFamily="34" charset="-122"/>
-                <a:ea typeface="微软雅黑" panose="020B0503020204020204" pitchFamily="34" charset="-122"/>
-              </a:rPr>
-              <a:t>部分，移动到摄像机之后（不可见），同时逐渐变成透明</a:t>
-            </a:r>
-            <a:endParaRPr lang="zh-CN" altLang="en-US" sz="1600" dirty="0">
-              <a:latin typeface="微软雅黑" panose="020B0503020204020204" pitchFamily="34" charset="-122"/>
-              <a:ea typeface="微软雅黑" panose="020B0503020204020204" pitchFamily="34" charset="-122"/>
-            </a:endParaRPr>
-          </a:p>
-        </p:txBody>
-      </p:sp>
     </p:spTree>
     <p:extLst>
       <p:ext uri="{BB962C8B-B14F-4D97-AF65-F5344CB8AC3E}">
-        <p14:creationId xmlns:p14="http://schemas.microsoft.com/office/powerpoint/2010/main" val="1212666917"/>
+        <p14:creationId xmlns:p14="http://schemas.microsoft.com/office/powerpoint/2010/main" val="3828408111"/>
       </p:ext>
     </p:extLst>
   </p:cSld>
@@ -4872,432 +4433,280 @@
       </p:grpSpPr>
       <p:sp>
         <p:nvSpPr>
-          <p:cNvPr id="2" name="矩形 1"/>
-          <p:cNvSpPr/>
-          <p:nvPr/>
-        </p:nvSpPr>
-        <p:spPr>
-          <a:xfrm>
-            <a:off x="5436531" y="645948"/>
-            <a:ext cx="72008" cy="2880320"/>
+          <p:cNvPr id="2" name="TextBox 1"/>
+          <p:cNvSpPr txBox="1"/>
+          <p:nvPr/>
+        </p:nvSpPr>
+        <p:spPr>
+          <a:xfrm>
+            <a:off x="467544" y="476672"/>
+            <a:ext cx="5976664" cy="523220"/>
           </a:xfrm>
           <a:prstGeom prst="rect">
             <a:avLst/>
           </a:prstGeom>
+          <a:noFill/>
+        </p:spPr>
+        <p:txBody>
+          <a:bodyPr wrap="square" rtlCol="0">
+            <a:spAutoFit/>
+          </a:bodyPr>
+          <a:lstStyle/>
+          <a:p>
+            <a:r>
+              <a:rPr lang="en-US" altLang="zh-CN" sz="2800" dirty="0" smtClean="0">
+                <a:solidFill>
+                  <a:schemeClr val="tx1">
+                    <a:lumMod val="75000"/>
+                    <a:lumOff val="25000"/>
+                  </a:schemeClr>
+                </a:solidFill>
+                <a:latin typeface="微软雅黑" pitchFamily="34" charset="-122"/>
+                <a:ea typeface="微软雅黑" pitchFamily="34" charset="-122"/>
+              </a:rPr>
+              <a:t>4.</a:t>
+            </a:r>
+            <a:r>
+              <a:rPr lang="zh-CN" altLang="en-US" sz="2800" dirty="0">
+                <a:solidFill>
+                  <a:schemeClr val="tx1">
+                    <a:lumMod val="75000"/>
+                    <a:lumOff val="25000"/>
+                  </a:schemeClr>
+                </a:solidFill>
+                <a:latin typeface="微软雅黑" pitchFamily="34" charset="-122"/>
+                <a:ea typeface="微软雅黑" pitchFamily="34" charset="-122"/>
+              </a:rPr>
+              <a:t>星空</a:t>
+            </a:r>
+            <a:r>
+              <a:rPr lang="zh-CN" altLang="en-US" sz="2800" dirty="0" smtClean="0">
+                <a:solidFill>
+                  <a:schemeClr val="tx1">
+                    <a:lumMod val="75000"/>
+                    <a:lumOff val="25000"/>
+                  </a:schemeClr>
+                </a:solidFill>
+                <a:latin typeface="微软雅黑" pitchFamily="34" charset="-122"/>
+                <a:ea typeface="微软雅黑" pitchFamily="34" charset="-122"/>
+              </a:rPr>
+              <a:t>动画</a:t>
+            </a:r>
+            <a:endParaRPr lang="zh-CN" altLang="en-US" sz="2800" dirty="0">
+              <a:solidFill>
+                <a:schemeClr val="tx1">
+                  <a:lumMod val="75000"/>
+                  <a:lumOff val="25000"/>
+                </a:schemeClr>
+              </a:solidFill>
+              <a:latin typeface="微软雅黑" pitchFamily="34" charset="-122"/>
+              <a:ea typeface="微软雅黑" pitchFamily="34" charset="-122"/>
+            </a:endParaRPr>
+          </a:p>
+        </p:txBody>
+      </p:sp>
+      <p:sp>
+        <p:nvSpPr>
+          <p:cNvPr id="3" name="矩形 2"/>
+          <p:cNvSpPr/>
+          <p:nvPr/>
+        </p:nvSpPr>
+        <p:spPr>
+          <a:xfrm>
+            <a:off x="827584" y="1052736"/>
+            <a:ext cx="6991651" cy="1338828"/>
+          </a:xfrm>
+          <a:prstGeom prst="rect">
+            <a:avLst/>
+          </a:prstGeom>
+        </p:spPr>
+        <p:txBody>
+          <a:bodyPr wrap="square">
+            <a:spAutoFit/>
+          </a:bodyPr>
+          <a:lstStyle/>
+          <a:p>
+            <a:pPr>
+              <a:lnSpc>
+                <a:spcPct val="150000"/>
+              </a:lnSpc>
+            </a:pPr>
+            <a:r>
+              <a:rPr lang="en-US" altLang="zh-CN" dirty="0" smtClean="0">
+                <a:latin typeface="微软雅黑" panose="020B0503020204020204" pitchFamily="34" charset="-122"/>
+                <a:ea typeface="微软雅黑" panose="020B0503020204020204" pitchFamily="34" charset="-122"/>
+              </a:rPr>
+              <a:t>a.</a:t>
+            </a:r>
+            <a:r>
+              <a:rPr lang="zh-CN" altLang="en-US" dirty="0" smtClean="0">
+                <a:latin typeface="微软雅黑" panose="020B0503020204020204" pitchFamily="34" charset="-122"/>
+                <a:ea typeface="微软雅黑" panose="020B0503020204020204" pitchFamily="34" charset="-122"/>
+              </a:rPr>
+              <a:t>透视样式</a:t>
+            </a:r>
+            <a:endParaRPr lang="en-US" altLang="zh-CN" dirty="0" smtClean="0">
+              <a:latin typeface="微软雅黑" panose="020B0503020204020204" pitchFamily="34" charset="-122"/>
+              <a:ea typeface="微软雅黑" panose="020B0503020204020204" pitchFamily="34" charset="-122"/>
+            </a:endParaRPr>
+          </a:p>
+          <a:p>
+            <a:pPr>
+              <a:lnSpc>
+                <a:spcPct val="150000"/>
+              </a:lnSpc>
+            </a:pPr>
+            <a:r>
+              <a:rPr lang="zh-CN" altLang="en-US" dirty="0" smtClean="0">
+                <a:latin typeface="微软雅黑" panose="020B0503020204020204" pitchFamily="34" charset="-122"/>
+                <a:ea typeface="微软雅黑" panose="020B0503020204020204" pitchFamily="34" charset="-122"/>
+              </a:rPr>
+              <a:t>要让星星，产生透视动画</a:t>
+            </a:r>
+            <a:r>
+              <a:rPr lang="zh-CN" altLang="en-US" dirty="0" smtClean="0">
+                <a:latin typeface="微软雅黑" panose="020B0503020204020204" pitchFamily="34" charset="-122"/>
+                <a:ea typeface="微软雅黑" panose="020B0503020204020204" pitchFamily="34" charset="-122"/>
+              </a:rPr>
+              <a:t>，需要</a:t>
+            </a:r>
+            <a:r>
+              <a:rPr lang="zh-CN" altLang="en-US" dirty="0" smtClean="0">
+                <a:latin typeface="微软雅黑" panose="020B0503020204020204" pitchFamily="34" charset="-122"/>
+                <a:ea typeface="微软雅黑" panose="020B0503020204020204" pitchFamily="34" charset="-122"/>
+              </a:rPr>
+              <a:t>让星星，在</a:t>
+            </a:r>
+            <a:r>
+              <a:rPr lang="en-US" altLang="zh-CN" dirty="0" smtClean="0">
+                <a:latin typeface="微软雅黑" panose="020B0503020204020204" pitchFamily="34" charset="-122"/>
+                <a:ea typeface="微软雅黑" panose="020B0503020204020204" pitchFamily="34" charset="-122"/>
+              </a:rPr>
+              <a:t>z</a:t>
+            </a:r>
+            <a:r>
+              <a:rPr lang="zh-CN" altLang="en-US" dirty="0" smtClean="0">
+                <a:latin typeface="微软雅黑" panose="020B0503020204020204" pitchFamily="34" charset="-122"/>
+                <a:ea typeface="微软雅黑" panose="020B0503020204020204" pitchFamily="34" charset="-122"/>
+              </a:rPr>
+              <a:t>轴（垂直于屏幕的方向）运动，同时还需要合理设置</a:t>
+            </a:r>
+            <a:r>
+              <a:rPr lang="en-US" altLang="zh-CN" dirty="0" err="1" smtClean="0">
+                <a:latin typeface="微软雅黑" panose="020B0503020204020204" pitchFamily="34" charset="-122"/>
+                <a:ea typeface="微软雅黑" panose="020B0503020204020204" pitchFamily="34" charset="-122"/>
+              </a:rPr>
+              <a:t>css</a:t>
+            </a:r>
+            <a:r>
+              <a:rPr lang="zh-CN" altLang="en-US" dirty="0" smtClean="0">
+                <a:latin typeface="微软雅黑" panose="020B0503020204020204" pitchFamily="34" charset="-122"/>
+                <a:ea typeface="微软雅黑" panose="020B0503020204020204" pitchFamily="34" charset="-122"/>
+              </a:rPr>
+              <a:t>属性，否则是无法呈现透视效果的。</a:t>
+            </a:r>
+            <a:endParaRPr lang="en-US" altLang="zh-CN" dirty="0" smtClean="0">
+              <a:latin typeface="微软雅黑" panose="020B0503020204020204" pitchFamily="34" charset="-122"/>
+              <a:ea typeface="微软雅黑" panose="020B0503020204020204" pitchFamily="34" charset="-122"/>
+            </a:endParaRPr>
+          </a:p>
+        </p:txBody>
+      </p:sp>
+      <p:pic>
+        <p:nvPicPr>
+          <p:cNvPr id="4" name="图片 3" descr="屏幕剪辑"/>
+          <p:cNvPicPr>
+            <a:picLocks noChangeAspect="1"/>
+          </p:cNvPicPr>
+          <p:nvPr/>
+        </p:nvPicPr>
+        <p:blipFill>
+          <a:blip r:embed="rId2">
+            <a:extLst>
+              <a:ext uri="{28A0092B-C50C-407E-A947-70E740481C1C}">
+                <a14:useLocalDpi xmlns:a14="http://schemas.microsoft.com/office/drawing/2010/main" val="0"/>
+              </a:ext>
+            </a:extLst>
+          </a:blip>
+          <a:stretch>
+            <a:fillRect/>
+          </a:stretch>
+        </p:blipFill>
+        <p:spPr>
+          <a:xfrm>
+            <a:off x="899592" y="2859906"/>
+            <a:ext cx="4763165" cy="1705213"/>
+          </a:xfrm>
+          <a:prstGeom prst="rect">
+            <a:avLst/>
+          </a:prstGeom>
+          <a:ln>
+            <a:noFill/>
+          </a:ln>
+          <a:effectLst>
+            <a:outerShdw blurRad="292100" dist="139700" dir="2700000" algn="tl" rotWithShape="0">
+              <a:srgbClr val="333333">
+                <a:alpha val="65000"/>
+              </a:srgbClr>
+            </a:outerShdw>
+          </a:effectLst>
+        </p:spPr>
+      </p:pic>
+      <p:sp>
+        <p:nvSpPr>
+          <p:cNvPr id="5" name="圆角矩形标注 4"/>
+          <p:cNvSpPr/>
+          <p:nvPr/>
+        </p:nvSpPr>
+        <p:spPr>
+          <a:xfrm>
+            <a:off x="2919253" y="2348881"/>
+            <a:ext cx="2743504" cy="696994"/>
+          </a:xfrm>
+          <a:prstGeom prst="wedgeRoundRectCallout">
+            <a:avLst>
+              <a:gd name="adj1" fmla="val -26083"/>
+              <a:gd name="adj2" fmla="val 73164"/>
+              <a:gd name="adj3" fmla="val 16667"/>
+            </a:avLst>
+          </a:prstGeom>
         </p:spPr>
         <p:style>
-          <a:lnRef idx="3">
-            <a:schemeClr val="lt1"/>
+          <a:lnRef idx="2">
+            <a:schemeClr val="accent5"/>
           </a:lnRef>
           <a:fillRef idx="1">
-            <a:schemeClr val="accent1"/>
-          </a:fillRef>
-          <a:effectRef idx="1">
-            <a:schemeClr val="accent1"/>
-          </a:effectRef>
-          <a:fontRef idx="minor">
             <a:schemeClr val="lt1"/>
-          </a:fontRef>
-        </p:style>
-        <p:txBody>
-          <a:bodyPr rtlCol="0" anchor="ctr"/>
-          <a:lstStyle/>
-          <a:p>
-            <a:pPr algn="ctr"/>
-            <a:endParaRPr lang="zh-CN" altLang="en-US"/>
-          </a:p>
-        </p:txBody>
-      </p:sp>
-      <p:sp>
-        <p:nvSpPr>
-          <p:cNvPr id="3" name="椭圆 2"/>
-          <p:cNvSpPr/>
-          <p:nvPr/>
-        </p:nvSpPr>
-        <p:spPr>
-          <a:xfrm>
-            <a:off x="2024322" y="1550314"/>
-            <a:ext cx="216024" cy="216024"/>
-          </a:xfrm>
-          <a:prstGeom prst="ellipse">
-            <a:avLst/>
-          </a:prstGeom>
-        </p:spPr>
-        <p:style>
-          <a:lnRef idx="2">
-            <a:schemeClr val="accent3">
-              <a:shade val="50000"/>
-            </a:schemeClr>
-          </a:lnRef>
-          <a:fillRef idx="1">
-            <a:schemeClr val="accent3"/>
-          </a:fillRef>
-          <a:effectRef idx="0">
-            <a:schemeClr val="accent3"/>
-          </a:effectRef>
-          <a:fontRef idx="minor">
-            <a:schemeClr val="lt1"/>
-          </a:fontRef>
-        </p:style>
-        <p:txBody>
-          <a:bodyPr rtlCol="0" anchor="ctr"/>
-          <a:lstStyle/>
-          <a:p>
-            <a:pPr algn="ctr"/>
-            <a:endParaRPr lang="zh-CN" altLang="en-US"/>
-          </a:p>
-        </p:txBody>
-      </p:sp>
-      <p:sp>
-        <p:nvSpPr>
-          <p:cNvPr id="4" name="梯形 3"/>
-          <p:cNvSpPr/>
-          <p:nvPr/>
-        </p:nvSpPr>
-        <p:spPr>
-          <a:xfrm rot="5400000">
-            <a:off x="6479927" y="1546768"/>
-            <a:ext cx="432048" cy="358600"/>
-          </a:xfrm>
-          <a:prstGeom prst="trapezoid">
-            <a:avLst>
-              <a:gd name="adj" fmla="val 22984"/>
-            </a:avLst>
-          </a:prstGeom>
-        </p:spPr>
-        <p:style>
-          <a:lnRef idx="2">
-            <a:schemeClr val="dk1">
-              <a:shade val="50000"/>
-            </a:schemeClr>
-          </a:lnRef>
-          <a:fillRef idx="1">
-            <a:schemeClr val="dk1"/>
-          </a:fillRef>
-          <a:effectRef idx="0">
-            <a:schemeClr val="dk1"/>
-          </a:effectRef>
-          <a:fontRef idx="minor">
-            <a:schemeClr val="lt1"/>
-          </a:fontRef>
-        </p:style>
-        <p:txBody>
-          <a:bodyPr rtlCol="0" anchor="ctr"/>
-          <a:lstStyle/>
-          <a:p>
-            <a:pPr algn="ctr"/>
-            <a:endParaRPr lang="zh-CN" altLang="en-US"/>
-          </a:p>
-        </p:txBody>
-      </p:sp>
-      <p:sp>
-        <p:nvSpPr>
-          <p:cNvPr id="5" name="椭圆 4"/>
-          <p:cNvSpPr/>
-          <p:nvPr/>
-        </p:nvSpPr>
-        <p:spPr>
-          <a:xfrm>
-            <a:off x="2024322" y="918679"/>
-            <a:ext cx="216024" cy="216024"/>
-          </a:xfrm>
-          <a:prstGeom prst="ellipse">
-            <a:avLst/>
-          </a:prstGeom>
-        </p:spPr>
-        <p:style>
-          <a:lnRef idx="2">
-            <a:schemeClr val="accent4">
-              <a:shade val="50000"/>
-            </a:schemeClr>
-          </a:lnRef>
-          <a:fillRef idx="1">
-            <a:schemeClr val="accent4"/>
-          </a:fillRef>
-          <a:effectRef idx="0">
-            <a:schemeClr val="accent4"/>
-          </a:effectRef>
-          <a:fontRef idx="minor">
-            <a:schemeClr val="lt1"/>
-          </a:fontRef>
-        </p:style>
-        <p:txBody>
-          <a:bodyPr rtlCol="0" anchor="ctr"/>
-          <a:lstStyle/>
-          <a:p>
-            <a:pPr algn="ctr"/>
-            <a:endParaRPr lang="zh-CN" altLang="en-US"/>
-          </a:p>
-        </p:txBody>
-      </p:sp>
-      <p:sp>
-        <p:nvSpPr>
-          <p:cNvPr id="6" name="椭圆 5"/>
-          <p:cNvSpPr/>
-          <p:nvPr/>
-        </p:nvSpPr>
-        <p:spPr>
-          <a:xfrm>
-            <a:off x="1996489" y="2806188"/>
-            <a:ext cx="271690" cy="271690"/>
-          </a:xfrm>
-          <a:prstGeom prst="ellipse">
-            <a:avLst/>
-          </a:prstGeom>
-        </p:spPr>
-        <p:style>
-          <a:lnRef idx="2">
-            <a:schemeClr val="accent5">
-              <a:shade val="50000"/>
-            </a:schemeClr>
-          </a:lnRef>
-          <a:fillRef idx="1">
-            <a:schemeClr val="accent5"/>
           </a:fillRef>
           <a:effectRef idx="0">
             <a:schemeClr val="accent5"/>
           </a:effectRef>
           <a:fontRef idx="minor">
-            <a:schemeClr val="lt1"/>
+            <a:schemeClr val="dk1"/>
           </a:fontRef>
         </p:style>
         <p:txBody>
           <a:bodyPr rtlCol="0" anchor="ctr"/>
           <a:lstStyle/>
           <a:p>
-            <a:pPr algn="ctr"/>
-            <a:endParaRPr lang="zh-CN" altLang="en-US"/>
-          </a:p>
-        </p:txBody>
-      </p:sp>
-      <p:sp>
-        <p:nvSpPr>
-          <p:cNvPr id="7" name="椭圆 6"/>
-          <p:cNvSpPr/>
-          <p:nvPr/>
-        </p:nvSpPr>
-        <p:spPr>
-          <a:xfrm>
-            <a:off x="2052155" y="2213782"/>
-            <a:ext cx="144016" cy="144016"/>
-          </a:xfrm>
-          <a:prstGeom prst="ellipse">
-            <a:avLst/>
-          </a:prstGeom>
-        </p:spPr>
-        <p:style>
-          <a:lnRef idx="2">
-            <a:schemeClr val="accent6">
-              <a:shade val="50000"/>
-            </a:schemeClr>
-          </a:lnRef>
-          <a:fillRef idx="1">
-            <a:schemeClr val="accent6"/>
-          </a:fillRef>
-          <a:effectRef idx="0">
-            <a:schemeClr val="accent6"/>
-          </a:effectRef>
-          <a:fontRef idx="minor">
-            <a:schemeClr val="lt1"/>
-          </a:fontRef>
-        </p:style>
-        <p:txBody>
-          <a:bodyPr rtlCol="0" anchor="ctr"/>
-          <a:lstStyle/>
-          <a:p>
-            <a:pPr algn="ctr"/>
-            <a:endParaRPr lang="zh-CN" altLang="en-US"/>
-          </a:p>
-        </p:txBody>
-      </p:sp>
-      <p:cxnSp>
-        <p:nvCxnSpPr>
-          <p:cNvPr id="11" name="直接箭头连接符 10"/>
-          <p:cNvCxnSpPr/>
-          <p:nvPr/>
-        </p:nvCxnSpPr>
-        <p:spPr>
-          <a:xfrm>
-            <a:off x="5616551" y="1766338"/>
-            <a:ext cx="828092" cy="0"/>
-          </a:xfrm>
-          <a:prstGeom prst="straightConnector1">
-            <a:avLst/>
-          </a:prstGeom>
-          <a:ln>
-            <a:headEnd type="triangle"/>
-            <a:tailEnd type="triangle"/>
-          </a:ln>
-        </p:spPr>
-        <p:style>
-          <a:lnRef idx="3">
-            <a:schemeClr val="accent2"/>
-          </a:lnRef>
-          <a:fillRef idx="0">
-            <a:schemeClr val="accent2"/>
-          </a:fillRef>
-          <a:effectRef idx="2">
-            <a:schemeClr val="accent2"/>
-          </a:effectRef>
-          <a:fontRef idx="minor">
-            <a:schemeClr val="tx1"/>
-          </a:fontRef>
-        </p:style>
-      </p:cxnSp>
-      <p:sp>
-        <p:nvSpPr>
-          <p:cNvPr id="12" name="文本框 11"/>
-          <p:cNvSpPr txBox="1"/>
-          <p:nvPr/>
-        </p:nvSpPr>
-        <p:spPr>
-          <a:xfrm>
-            <a:off x="5616551" y="1916458"/>
-            <a:ext cx="792088" cy="369332"/>
-          </a:xfrm>
-          <a:prstGeom prst="rect">
-            <a:avLst/>
-          </a:prstGeom>
-          <a:noFill/>
-        </p:spPr>
-        <p:txBody>
-          <a:bodyPr wrap="square" rtlCol="0">
-            <a:spAutoFit/>
-          </a:bodyPr>
-          <a:lstStyle/>
-          <a:p>
-            <a:r>
-              <a:rPr lang="en-US" altLang="zh-CN" dirty="0" smtClean="0"/>
-              <a:t>500px</a:t>
-            </a:r>
-            <a:endParaRPr lang="zh-CN" altLang="en-US" dirty="0"/>
-          </a:p>
-        </p:txBody>
-      </p:sp>
-      <p:cxnSp>
-        <p:nvCxnSpPr>
-          <p:cNvPr id="13" name="直接箭头连接符 12"/>
-          <p:cNvCxnSpPr/>
-          <p:nvPr/>
-        </p:nvCxnSpPr>
-        <p:spPr>
-          <a:xfrm>
-            <a:off x="2340187" y="1766338"/>
-            <a:ext cx="2952328" cy="0"/>
-          </a:xfrm>
-          <a:prstGeom prst="straightConnector1">
-            <a:avLst/>
-          </a:prstGeom>
-          <a:ln>
-            <a:headEnd type="triangle"/>
-            <a:tailEnd type="triangle"/>
-          </a:ln>
-        </p:spPr>
-        <p:style>
-          <a:lnRef idx="3">
-            <a:schemeClr val="accent2"/>
-          </a:lnRef>
-          <a:fillRef idx="0">
-            <a:schemeClr val="accent2"/>
-          </a:fillRef>
-          <a:effectRef idx="2">
-            <a:schemeClr val="accent2"/>
-          </a:effectRef>
-          <a:fontRef idx="minor">
-            <a:schemeClr val="tx1"/>
-          </a:fontRef>
-        </p:style>
-      </p:cxnSp>
-      <p:sp>
-        <p:nvSpPr>
-          <p:cNvPr id="17" name="文本框 16"/>
-          <p:cNvSpPr txBox="1"/>
-          <p:nvPr/>
-        </p:nvSpPr>
-        <p:spPr>
-          <a:xfrm>
-            <a:off x="3412897" y="1860792"/>
-            <a:ext cx="1159538" cy="369332"/>
-          </a:xfrm>
-          <a:prstGeom prst="rect">
-            <a:avLst/>
-          </a:prstGeom>
-          <a:noFill/>
-        </p:spPr>
-        <p:txBody>
-          <a:bodyPr wrap="square" rtlCol="0">
-            <a:spAutoFit/>
-          </a:bodyPr>
-          <a:lstStyle/>
-          <a:p>
-            <a:r>
-              <a:rPr lang="en-US" altLang="zh-CN" dirty="0" smtClean="0"/>
-              <a:t>-1500px</a:t>
-            </a:r>
-            <a:endParaRPr lang="zh-CN" altLang="en-US" dirty="0"/>
-          </a:p>
-        </p:txBody>
-      </p:sp>
-      <p:sp>
-        <p:nvSpPr>
-          <p:cNvPr id="18" name="文本框 17"/>
-          <p:cNvSpPr txBox="1"/>
-          <p:nvPr/>
-        </p:nvSpPr>
-        <p:spPr>
-          <a:xfrm>
-            <a:off x="5216802" y="3598276"/>
-            <a:ext cx="723785" cy="338554"/>
-          </a:xfrm>
-          <a:prstGeom prst="rect">
-            <a:avLst/>
-          </a:prstGeom>
-          <a:noFill/>
-        </p:spPr>
-        <p:txBody>
-          <a:bodyPr wrap="square" rtlCol="0">
-            <a:spAutoFit/>
-          </a:bodyPr>
-          <a:lstStyle/>
-          <a:p>
+            <a:pPr>
+              <a:lnSpc>
+                <a:spcPct val="150000"/>
+              </a:lnSpc>
+            </a:pPr>
             <a:r>
               <a:rPr lang="zh-CN" altLang="en-US" sz="1600" dirty="0">
                 <a:latin typeface="微软雅黑" panose="020B0503020204020204" pitchFamily="34" charset="-122"/>
                 <a:ea typeface="微软雅黑" panose="020B0503020204020204" pitchFamily="34" charset="-122"/>
               </a:rPr>
-              <a:t>屏幕</a:t>
-            </a:r>
-          </a:p>
-        </p:txBody>
-      </p:sp>
-      <p:sp>
-        <p:nvSpPr>
-          <p:cNvPr id="19" name="文本框 18"/>
-          <p:cNvSpPr txBox="1"/>
-          <p:nvPr/>
-        </p:nvSpPr>
-        <p:spPr>
-          <a:xfrm>
-            <a:off x="1087825" y="3233880"/>
-            <a:ext cx="1928659" cy="584775"/>
-          </a:xfrm>
-          <a:prstGeom prst="rect">
-            <a:avLst/>
-          </a:prstGeom>
-          <a:noFill/>
-        </p:spPr>
-        <p:txBody>
-          <a:bodyPr wrap="square" rtlCol="0">
-            <a:spAutoFit/>
-          </a:bodyPr>
-          <a:lstStyle/>
-          <a:p>
+              <a:t>被</a:t>
+            </a:r>
             <a:r>
               <a:rPr lang="zh-CN" altLang="en-US" sz="1600" dirty="0" smtClean="0">
                 <a:latin typeface="微软雅黑" panose="020B0503020204020204" pitchFamily="34" charset="-122"/>
                 <a:ea typeface="微软雅黑" panose="020B0503020204020204" pitchFamily="34" charset="-122"/>
               </a:rPr>
-              <a:t>同一个标签产生的多个阴影（星星）</a:t>
+              <a:t>观察物体要有透视效果，父元素需要设置透视属性</a:t>
             </a:r>
             <a:endParaRPr lang="zh-CN" altLang="en-US" sz="1600" dirty="0">
               <a:latin typeface="微软雅黑" panose="020B0503020204020204" pitchFamily="34" charset="-122"/>
@@ -5308,274 +4717,61 @@
       </p:sp>
       <p:sp>
         <p:nvSpPr>
-          <p:cNvPr id="20" name="椭圆 19"/>
+          <p:cNvPr id="6" name="圆角矩形标注 5"/>
           <p:cNvSpPr/>
           <p:nvPr/>
         </p:nvSpPr>
         <p:spPr>
           <a:xfrm>
-            <a:off x="1500932" y="1550314"/>
-            <a:ext cx="216024" cy="216024"/>
-          </a:xfrm>
-          <a:prstGeom prst="ellipse">
-            <a:avLst/>
-          </a:prstGeom>
-          <a:noFill/>
-          <a:ln>
-            <a:solidFill>
-              <a:srgbClr val="000000">
-                <a:alpha val="60000"/>
-              </a:srgbClr>
-            </a:solidFill>
-          </a:ln>
+            <a:off x="5796136" y="2636912"/>
+            <a:ext cx="2592288" cy="2441302"/>
+          </a:xfrm>
+          <a:prstGeom prst="wedgeRoundRectCallout">
+            <a:avLst>
+              <a:gd name="adj1" fmla="val -72619"/>
+              <a:gd name="adj2" fmla="val -10158"/>
+              <a:gd name="adj3" fmla="val 16667"/>
+            </a:avLst>
+          </a:prstGeom>
         </p:spPr>
         <p:style>
           <a:lnRef idx="2">
-            <a:schemeClr val="accent3">
-              <a:shade val="50000"/>
-            </a:schemeClr>
+            <a:schemeClr val="accent5"/>
           </a:lnRef>
           <a:fillRef idx="1">
-            <a:schemeClr val="accent3"/>
-          </a:fillRef>
-          <a:effectRef idx="0">
-            <a:schemeClr val="accent3"/>
-          </a:effectRef>
-          <a:fontRef idx="minor">
             <a:schemeClr val="lt1"/>
-          </a:fontRef>
-        </p:style>
-        <p:txBody>
-          <a:bodyPr rtlCol="0" anchor="ctr"/>
-          <a:lstStyle/>
-          <a:p>
-            <a:pPr algn="ctr"/>
-            <a:endParaRPr lang="zh-CN" altLang="en-US"/>
-          </a:p>
-        </p:txBody>
-      </p:sp>
-      <p:sp>
-        <p:nvSpPr>
-          <p:cNvPr id="21" name="椭圆 20"/>
-          <p:cNvSpPr/>
-          <p:nvPr/>
-        </p:nvSpPr>
-        <p:spPr>
-          <a:xfrm>
-            <a:off x="1500932" y="918679"/>
-            <a:ext cx="216024" cy="216024"/>
-          </a:xfrm>
-          <a:prstGeom prst="ellipse">
-            <a:avLst/>
-          </a:prstGeom>
-          <a:noFill/>
-          <a:ln>
-            <a:solidFill>
-              <a:srgbClr val="000000">
-                <a:alpha val="60000"/>
-              </a:srgbClr>
-            </a:solidFill>
-          </a:ln>
-        </p:spPr>
-        <p:style>
-          <a:lnRef idx="2">
-            <a:schemeClr val="accent4">
-              <a:shade val="50000"/>
-            </a:schemeClr>
-          </a:lnRef>
-          <a:fillRef idx="1">
-            <a:schemeClr val="accent4"/>
-          </a:fillRef>
-          <a:effectRef idx="0">
-            <a:schemeClr val="accent4"/>
-          </a:effectRef>
-          <a:fontRef idx="minor">
-            <a:schemeClr val="lt1"/>
-          </a:fontRef>
-        </p:style>
-        <p:txBody>
-          <a:bodyPr rtlCol="0" anchor="ctr"/>
-          <a:lstStyle/>
-          <a:p>
-            <a:pPr algn="ctr"/>
-            <a:endParaRPr lang="zh-CN" altLang="en-US"/>
-          </a:p>
-        </p:txBody>
-      </p:sp>
-      <p:sp>
-        <p:nvSpPr>
-          <p:cNvPr id="22" name="椭圆 21"/>
-          <p:cNvSpPr/>
-          <p:nvPr/>
-        </p:nvSpPr>
-        <p:spPr>
-          <a:xfrm>
-            <a:off x="1473099" y="2806188"/>
-            <a:ext cx="271690" cy="271690"/>
-          </a:xfrm>
-          <a:prstGeom prst="ellipse">
-            <a:avLst/>
-          </a:prstGeom>
-          <a:noFill/>
-          <a:ln>
-            <a:solidFill>
-              <a:srgbClr val="000000">
-                <a:alpha val="60000"/>
-              </a:srgbClr>
-            </a:solidFill>
-          </a:ln>
-        </p:spPr>
-        <p:style>
-          <a:lnRef idx="2">
-            <a:schemeClr val="accent5">
-              <a:shade val="50000"/>
-            </a:schemeClr>
-          </a:lnRef>
-          <a:fillRef idx="1">
-            <a:schemeClr val="accent5"/>
           </a:fillRef>
           <a:effectRef idx="0">
             <a:schemeClr val="accent5"/>
           </a:effectRef>
           <a:fontRef idx="minor">
-            <a:schemeClr val="lt1"/>
+            <a:schemeClr val="dk1"/>
           </a:fontRef>
         </p:style>
         <p:txBody>
           <a:bodyPr rtlCol="0" anchor="ctr"/>
           <a:lstStyle/>
           <a:p>
-            <a:pPr algn="ctr"/>
-            <a:endParaRPr lang="zh-CN" altLang="en-US"/>
-          </a:p>
-        </p:txBody>
-      </p:sp>
-      <p:sp>
-        <p:nvSpPr>
-          <p:cNvPr id="23" name="椭圆 22"/>
-          <p:cNvSpPr/>
-          <p:nvPr/>
-        </p:nvSpPr>
-        <p:spPr>
-          <a:xfrm>
-            <a:off x="1528765" y="2213782"/>
-            <a:ext cx="144016" cy="144016"/>
-          </a:xfrm>
-          <a:prstGeom prst="ellipse">
-            <a:avLst/>
-          </a:prstGeom>
-          <a:noFill/>
-          <a:ln>
-            <a:solidFill>
-              <a:srgbClr val="000000">
-                <a:alpha val="60000"/>
-              </a:srgbClr>
-            </a:solidFill>
-          </a:ln>
-        </p:spPr>
-        <p:style>
-          <a:lnRef idx="2">
-            <a:schemeClr val="accent6">
-              <a:shade val="50000"/>
-            </a:schemeClr>
-          </a:lnRef>
-          <a:fillRef idx="1">
-            <a:schemeClr val="accent6"/>
-          </a:fillRef>
-          <a:effectRef idx="0">
-            <a:schemeClr val="accent6"/>
-          </a:effectRef>
-          <a:fontRef idx="minor">
-            <a:schemeClr val="lt1"/>
-          </a:fontRef>
-        </p:style>
-        <p:txBody>
-          <a:bodyPr rtlCol="0" anchor="ctr"/>
-          <a:lstStyle/>
-          <a:p>
-            <a:pPr algn="ctr"/>
-            <a:endParaRPr lang="zh-CN" altLang="en-US"/>
-          </a:p>
-        </p:txBody>
-      </p:sp>
-      <p:cxnSp>
-        <p:nvCxnSpPr>
-          <p:cNvPr id="24" name="直接箭头连接符 23"/>
-          <p:cNvCxnSpPr/>
-          <p:nvPr/>
-        </p:nvCxnSpPr>
-        <p:spPr>
-          <a:xfrm>
-            <a:off x="1672781" y="717956"/>
-            <a:ext cx="434354" cy="0"/>
-          </a:xfrm>
-          <a:prstGeom prst="straightConnector1">
-            <a:avLst/>
-          </a:prstGeom>
-          <a:ln>
-            <a:headEnd type="triangle"/>
-            <a:tailEnd type="triangle"/>
-          </a:ln>
-        </p:spPr>
-        <p:style>
-          <a:lnRef idx="3">
-            <a:schemeClr val="accent5"/>
-          </a:lnRef>
-          <a:fillRef idx="0">
-            <a:schemeClr val="accent5"/>
-          </a:fillRef>
-          <a:effectRef idx="2">
-            <a:schemeClr val="accent5"/>
-          </a:effectRef>
-          <a:fontRef idx="minor">
-            <a:schemeClr val="tx1"/>
-          </a:fontRef>
-        </p:style>
-      </p:cxnSp>
-      <p:sp>
-        <p:nvSpPr>
-          <p:cNvPr id="26" name="文本框 25"/>
-          <p:cNvSpPr txBox="1"/>
-          <p:nvPr/>
-        </p:nvSpPr>
-        <p:spPr>
-          <a:xfrm>
-            <a:off x="1165505" y="285623"/>
-            <a:ext cx="1717634" cy="369332"/>
-          </a:xfrm>
-          <a:prstGeom prst="rect">
-            <a:avLst/>
-          </a:prstGeom>
-          <a:noFill/>
-        </p:spPr>
-        <p:txBody>
-          <a:bodyPr wrap="square" rtlCol="0">
-            <a:spAutoFit/>
-          </a:bodyPr>
-          <a:lstStyle/>
-          <a:p>
-            <a:r>
-              <a:rPr lang="zh-CN" altLang="en-US" dirty="0" smtClean="0">
-                <a:latin typeface="微软雅黑" panose="020B0503020204020204" pitchFamily="34" charset="-122"/>
-                <a:ea typeface="微软雅黑" panose="020B0503020204020204" pitchFamily="34" charset="-122"/>
-              </a:rPr>
-              <a:t>透明</a:t>
-            </a:r>
-            <a:r>
-              <a:rPr lang="en-US" altLang="zh-CN" dirty="0" smtClean="0">
-                <a:latin typeface="微软雅黑" panose="020B0503020204020204" pitchFamily="34" charset="-122"/>
-                <a:ea typeface="微软雅黑" panose="020B0503020204020204" pitchFamily="34" charset="-122"/>
-              </a:rPr>
-              <a:t>-&gt;</a:t>
-            </a:r>
-            <a:r>
-              <a:rPr lang="zh-CN" altLang="en-US" dirty="0" smtClean="0">
-                <a:latin typeface="微软雅黑" panose="020B0503020204020204" pitchFamily="34" charset="-122"/>
-                <a:ea typeface="微软雅黑" panose="020B0503020204020204" pitchFamily="34" charset="-122"/>
-              </a:rPr>
-              <a:t>不透明</a:t>
-            </a:r>
-            <a:endParaRPr lang="zh-CN" altLang="en-US" dirty="0">
+            <a:pPr>
+              <a:lnSpc>
+                <a:spcPct val="150000"/>
+              </a:lnSpc>
+            </a:pPr>
+            <a:r>
+              <a:rPr lang="zh-CN" altLang="en-US" sz="1600" dirty="0">
+                <a:latin typeface="微软雅黑" panose="020B0503020204020204" pitchFamily="34" charset="-122"/>
+                <a:ea typeface="微软雅黑" panose="020B0503020204020204" pitchFamily="34" charset="-122"/>
+              </a:rPr>
+              <a:t>摄像机</a:t>
+            </a:r>
+            <a:r>
+              <a:rPr lang="zh-CN" altLang="en-US" sz="1600" dirty="0" smtClean="0">
+                <a:latin typeface="微软雅黑" panose="020B0503020204020204" pitchFamily="34" charset="-122"/>
+                <a:ea typeface="微软雅黑" panose="020B0503020204020204" pitchFamily="34" charset="-122"/>
+              </a:rPr>
+              <a:t>距离屏幕的距离设定，大于这个距离的物体，意味着在相机之后，无法看到，越靠近就这个距离，物体越大，否则越小</a:t>
+            </a:r>
+            <a:endParaRPr lang="zh-CN" altLang="en-US" sz="1600" dirty="0">
               <a:latin typeface="微软雅黑" panose="020B0503020204020204" pitchFamily="34" charset="-122"/>
               <a:ea typeface="微软雅黑" panose="020B0503020204020204" pitchFamily="34" charset="-122"/>
             </a:endParaRPr>
@@ -5584,348 +4780,80 @@
       </p:sp>
       <p:sp>
         <p:nvSpPr>
-          <p:cNvPr id="27" name="文本框 26"/>
-          <p:cNvSpPr txBox="1"/>
-          <p:nvPr/>
-        </p:nvSpPr>
-        <p:spPr>
-          <a:xfrm>
-            <a:off x="6890703" y="558096"/>
-            <a:ext cx="1065673" cy="369332"/>
-          </a:xfrm>
-          <a:prstGeom prst="rect">
-            <a:avLst/>
-          </a:prstGeom>
-          <a:noFill/>
-        </p:spPr>
-        <p:txBody>
-          <a:bodyPr wrap="square" rtlCol="0">
-            <a:spAutoFit/>
-          </a:bodyPr>
-          <a:lstStyle/>
-          <a:p>
-            <a:r>
-              <a:rPr lang="zh-CN" altLang="en-US" dirty="0" smtClean="0">
-                <a:latin typeface="微软雅黑" panose="020B0503020204020204" pitchFamily="34" charset="-122"/>
-                <a:ea typeface="微软雅黑" panose="020B0503020204020204" pitchFamily="34" charset="-122"/>
-              </a:rPr>
-              <a:t>不可见</a:t>
-            </a:r>
-            <a:endParaRPr lang="zh-CN" altLang="en-US" dirty="0">
-              <a:latin typeface="微软雅黑" panose="020B0503020204020204" pitchFamily="34" charset="-122"/>
-              <a:ea typeface="微软雅黑" panose="020B0503020204020204" pitchFamily="34" charset="-122"/>
-            </a:endParaRPr>
-          </a:p>
-        </p:txBody>
-      </p:sp>
-      <p:sp>
-        <p:nvSpPr>
-          <p:cNvPr id="28" name="椭圆 27"/>
+          <p:cNvPr id="7" name="圆角矩形标注 6"/>
           <p:cNvSpPr/>
           <p:nvPr/>
         </p:nvSpPr>
         <p:spPr>
           <a:xfrm>
-            <a:off x="7207516" y="1671427"/>
-            <a:ext cx="216024" cy="216024"/>
-          </a:xfrm>
-          <a:prstGeom prst="ellipse">
-            <a:avLst/>
-          </a:prstGeom>
-          <a:noFill/>
-          <a:ln>
-            <a:solidFill>
-              <a:srgbClr val="000000">
-                <a:alpha val="60000"/>
-              </a:srgbClr>
-            </a:solidFill>
-            <a:prstDash val="sysDash"/>
-          </a:ln>
+            <a:off x="2123728" y="4515288"/>
+            <a:ext cx="2808312" cy="1578008"/>
+          </a:xfrm>
+          <a:prstGeom prst="wedgeRoundRectCallout">
+            <a:avLst>
+              <a:gd name="adj1" fmla="val 18372"/>
+              <a:gd name="adj2" fmla="val -63295"/>
+              <a:gd name="adj3" fmla="val 16667"/>
+            </a:avLst>
+          </a:prstGeom>
         </p:spPr>
         <p:style>
           <a:lnRef idx="2">
-            <a:schemeClr val="accent3">
-              <a:shade val="50000"/>
-            </a:schemeClr>
+            <a:schemeClr val="accent5"/>
           </a:lnRef>
           <a:fillRef idx="1">
-            <a:schemeClr val="accent3"/>
-          </a:fillRef>
-          <a:effectRef idx="0">
-            <a:schemeClr val="accent3"/>
-          </a:effectRef>
-          <a:fontRef idx="minor">
             <a:schemeClr val="lt1"/>
-          </a:fontRef>
-        </p:style>
-        <p:txBody>
-          <a:bodyPr rtlCol="0" anchor="ctr"/>
-          <a:lstStyle/>
-          <a:p>
-            <a:pPr algn="ctr"/>
-            <a:endParaRPr lang="zh-CN" altLang="en-US"/>
-          </a:p>
-        </p:txBody>
-      </p:sp>
-      <p:sp>
-        <p:nvSpPr>
-          <p:cNvPr id="29" name="椭圆 28"/>
-          <p:cNvSpPr/>
-          <p:nvPr/>
-        </p:nvSpPr>
-        <p:spPr>
-          <a:xfrm>
-            <a:off x="7207516" y="1039792"/>
-            <a:ext cx="216024" cy="216024"/>
-          </a:xfrm>
-          <a:prstGeom prst="ellipse">
-            <a:avLst/>
-          </a:prstGeom>
-          <a:noFill/>
-          <a:ln>
-            <a:solidFill>
-              <a:srgbClr val="000000">
-                <a:alpha val="60000"/>
-              </a:srgbClr>
-            </a:solidFill>
-            <a:prstDash val="sysDash"/>
-          </a:ln>
-        </p:spPr>
-        <p:style>
-          <a:lnRef idx="2">
-            <a:schemeClr val="accent4">
-              <a:shade val="50000"/>
-            </a:schemeClr>
-          </a:lnRef>
-          <a:fillRef idx="1">
-            <a:schemeClr val="accent4"/>
-          </a:fillRef>
-          <a:effectRef idx="0">
-            <a:schemeClr val="accent4"/>
-          </a:effectRef>
-          <a:fontRef idx="minor">
-            <a:schemeClr val="lt1"/>
-          </a:fontRef>
-        </p:style>
-        <p:txBody>
-          <a:bodyPr rtlCol="0" anchor="ctr"/>
-          <a:lstStyle/>
-          <a:p>
-            <a:pPr algn="ctr"/>
-            <a:endParaRPr lang="zh-CN" altLang="en-US"/>
-          </a:p>
-        </p:txBody>
-      </p:sp>
-      <p:sp>
-        <p:nvSpPr>
-          <p:cNvPr id="30" name="椭圆 29"/>
-          <p:cNvSpPr/>
-          <p:nvPr/>
-        </p:nvSpPr>
-        <p:spPr>
-          <a:xfrm>
-            <a:off x="7179683" y="2927301"/>
-            <a:ext cx="271690" cy="271690"/>
-          </a:xfrm>
-          <a:prstGeom prst="ellipse">
-            <a:avLst/>
-          </a:prstGeom>
-          <a:noFill/>
-          <a:ln>
-            <a:solidFill>
-              <a:srgbClr val="000000">
-                <a:alpha val="60000"/>
-              </a:srgbClr>
-            </a:solidFill>
-            <a:prstDash val="sysDash"/>
-          </a:ln>
-        </p:spPr>
-        <p:style>
-          <a:lnRef idx="2">
-            <a:schemeClr val="accent5">
-              <a:shade val="50000"/>
-            </a:schemeClr>
-          </a:lnRef>
-          <a:fillRef idx="1">
-            <a:schemeClr val="accent5"/>
           </a:fillRef>
           <a:effectRef idx="0">
             <a:schemeClr val="accent5"/>
           </a:effectRef>
           <a:fontRef idx="minor">
-            <a:schemeClr val="lt1"/>
+            <a:schemeClr val="dk1"/>
           </a:fontRef>
         </p:style>
         <p:txBody>
           <a:bodyPr rtlCol="0" anchor="ctr"/>
           <a:lstStyle/>
           <a:p>
-            <a:pPr algn="ctr"/>
-            <a:endParaRPr lang="zh-CN" altLang="en-US"/>
-          </a:p>
-        </p:txBody>
-      </p:sp>
-      <p:sp>
-        <p:nvSpPr>
-          <p:cNvPr id="31" name="椭圆 30"/>
-          <p:cNvSpPr/>
-          <p:nvPr/>
-        </p:nvSpPr>
-        <p:spPr>
-          <a:xfrm>
-            <a:off x="7235349" y="2334895"/>
-            <a:ext cx="144016" cy="144016"/>
-          </a:xfrm>
-          <a:prstGeom prst="ellipse">
-            <a:avLst/>
-          </a:prstGeom>
-          <a:noFill/>
-          <a:ln>
-            <a:solidFill>
-              <a:srgbClr val="000000">
-                <a:alpha val="60000"/>
-              </a:srgbClr>
-            </a:solidFill>
-            <a:prstDash val="sysDash"/>
-          </a:ln>
-        </p:spPr>
-        <p:style>
-          <a:lnRef idx="2">
-            <a:schemeClr val="accent6">
-              <a:shade val="50000"/>
-            </a:schemeClr>
-          </a:lnRef>
-          <a:fillRef idx="1">
-            <a:schemeClr val="accent6"/>
-          </a:fillRef>
-          <a:effectRef idx="0">
-            <a:schemeClr val="accent6"/>
-          </a:effectRef>
-          <a:fontRef idx="minor">
-            <a:schemeClr val="lt1"/>
-          </a:fontRef>
-        </p:style>
-        <p:txBody>
-          <a:bodyPr rtlCol="0" anchor="ctr"/>
-          <a:lstStyle/>
-          <a:p>
-            <a:pPr algn="ctr"/>
-            <a:endParaRPr lang="zh-CN" altLang="en-US"/>
-          </a:p>
-        </p:txBody>
-      </p:sp>
-      <p:sp>
-        <p:nvSpPr>
-          <p:cNvPr id="32" name="文本框 31"/>
-          <p:cNvSpPr txBox="1"/>
-          <p:nvPr/>
-        </p:nvSpPr>
-        <p:spPr>
-          <a:xfrm>
-            <a:off x="6390948" y="2008554"/>
-            <a:ext cx="726526" cy="369332"/>
-          </a:xfrm>
-          <a:prstGeom prst="rect">
-            <a:avLst/>
-          </a:prstGeom>
-          <a:noFill/>
-        </p:spPr>
-        <p:txBody>
-          <a:bodyPr wrap="square" rtlCol="0">
-            <a:spAutoFit/>
-          </a:bodyPr>
-          <a:lstStyle/>
-          <a:p>
-            <a:r>
-              <a:rPr lang="zh-CN" altLang="en-US" dirty="0" smtClean="0">
-                <a:latin typeface="微软雅黑" panose="020B0503020204020204" pitchFamily="34" charset="-122"/>
-                <a:ea typeface="微软雅黑" panose="020B0503020204020204" pitchFamily="34" charset="-122"/>
-              </a:rPr>
-              <a:t>相机</a:t>
-            </a:r>
-            <a:endParaRPr lang="zh-CN" altLang="en-US" dirty="0">
-              <a:latin typeface="微软雅黑" panose="020B0503020204020204" pitchFamily="34" charset="-122"/>
-              <a:ea typeface="微软雅黑" panose="020B0503020204020204" pitchFamily="34" charset="-122"/>
-            </a:endParaRPr>
-          </a:p>
-        </p:txBody>
-      </p:sp>
-      <p:cxnSp>
-        <p:nvCxnSpPr>
-          <p:cNvPr id="33" name="直接箭头连接符 32"/>
-          <p:cNvCxnSpPr/>
-          <p:nvPr/>
-        </p:nvCxnSpPr>
-        <p:spPr>
-          <a:xfrm>
-            <a:off x="1540320" y="4246348"/>
-            <a:ext cx="5911053" cy="0"/>
-          </a:xfrm>
-          <a:prstGeom prst="straightConnector1">
-            <a:avLst/>
-          </a:prstGeom>
-          <a:ln>
-            <a:headEnd type="none" w="med" len="med"/>
-            <a:tailEnd type="triangle" w="med" len="med"/>
-          </a:ln>
-        </p:spPr>
-        <p:style>
-          <a:lnRef idx="3">
-            <a:schemeClr val="accent6"/>
-          </a:lnRef>
-          <a:fillRef idx="0">
-            <a:schemeClr val="accent6"/>
-          </a:fillRef>
-          <a:effectRef idx="2">
-            <a:schemeClr val="accent6"/>
-          </a:effectRef>
-          <a:fontRef idx="minor">
-            <a:schemeClr val="tx1"/>
-          </a:fontRef>
-        </p:style>
-      </p:cxnSp>
-      <p:sp>
-        <p:nvSpPr>
-          <p:cNvPr id="35" name="文本框 34"/>
-          <p:cNvSpPr txBox="1"/>
-          <p:nvPr/>
-        </p:nvSpPr>
-        <p:spPr>
-          <a:xfrm>
-            <a:off x="3476161" y="4386590"/>
-            <a:ext cx="1928659" cy="338554"/>
-          </a:xfrm>
-          <a:prstGeom prst="rect">
-            <a:avLst/>
-          </a:prstGeom>
-          <a:noFill/>
-        </p:spPr>
-        <p:txBody>
-          <a:bodyPr wrap="square" rtlCol="0">
-            <a:spAutoFit/>
-          </a:bodyPr>
-          <a:lstStyle/>
-          <a:p>
-            <a:r>
-              <a:rPr lang="en-US" altLang="zh-CN" sz="1600" dirty="0">
-                <a:latin typeface="微软雅黑" panose="020B0503020204020204" pitchFamily="34" charset="-122"/>
-                <a:ea typeface="微软雅黑" panose="020B0503020204020204" pitchFamily="34" charset="-122"/>
-              </a:rPr>
-              <a:t>a</a:t>
+            <a:pPr>
+              <a:lnSpc>
+                <a:spcPct val="150000"/>
+              </a:lnSpc>
+            </a:pPr>
+            <a:r>
+              <a:rPr lang="zh-CN" altLang="en-US" sz="1600" dirty="0" smtClean="0">
+                <a:latin typeface="微软雅黑" panose="020B0503020204020204" pitchFamily="34" charset="-122"/>
+                <a:ea typeface="微软雅黑" panose="020B0503020204020204" pitchFamily="34" charset="-122"/>
+              </a:rPr>
+              <a:t>透视中心</a:t>
+            </a:r>
+            <a:r>
+              <a:rPr lang="zh-CN" altLang="en-US" sz="1600" dirty="0">
+                <a:latin typeface="微软雅黑" panose="020B0503020204020204" pitchFamily="34" charset="-122"/>
+                <a:ea typeface="微软雅黑" panose="020B0503020204020204" pitchFamily="34" charset="-122"/>
+              </a:rPr>
+              <a:t>（消失点，</a:t>
+            </a:r>
+            <a:r>
+              <a:rPr lang="zh-CN" altLang="en-US" sz="1600" dirty="0" smtClean="0">
+                <a:latin typeface="微软雅黑" panose="020B0503020204020204" pitchFamily="34" charset="-122"/>
+                <a:ea typeface="微软雅黑" panose="020B0503020204020204" pitchFamily="34" charset="-122"/>
+              </a:rPr>
+              <a:t>也就是位于无穷远的物体消失的位置点）设置为</a:t>
             </a:r>
             <a:r>
               <a:rPr lang="en-US" altLang="zh-CN" sz="1600" dirty="0" smtClean="0">
                 <a:latin typeface="微软雅黑" panose="020B0503020204020204" pitchFamily="34" charset="-122"/>
                 <a:ea typeface="微软雅黑" panose="020B0503020204020204" pitchFamily="34" charset="-122"/>
               </a:rPr>
-              <a:t>nimation </a:t>
+              <a:t>.sky</a:t>
             </a:r>
             <a:r>
               <a:rPr lang="zh-CN" altLang="en-US" sz="1600" dirty="0" smtClean="0">
                 <a:latin typeface="微软雅黑" panose="020B0503020204020204" pitchFamily="34" charset="-122"/>
                 <a:ea typeface="微软雅黑" panose="020B0503020204020204" pitchFamily="34" charset="-122"/>
               </a:rPr>
-              <a:t>动画</a:t>
+              <a:t>标签（窗口）中心</a:t>
             </a:r>
             <a:endParaRPr lang="zh-CN" altLang="en-US" sz="1600" dirty="0">
               <a:latin typeface="微软雅黑" panose="020B0503020204020204" pitchFamily="34" charset="-122"/>
@@ -5937,7 +4865,7 @@
     </p:spTree>
     <p:extLst>
       <p:ext uri="{BB962C8B-B14F-4D97-AF65-F5344CB8AC3E}">
-        <p14:creationId xmlns:p14="http://schemas.microsoft.com/office/powerpoint/2010/main" val="3227866876"/>
+        <p14:creationId xmlns:p14="http://schemas.microsoft.com/office/powerpoint/2010/main" val="2628633408"/>
       </p:ext>
     </p:extLst>
   </p:cSld>
@@ -5964,6 +4892,1623 @@
           <a:chExt cx="0" cy="0"/>
         </a:xfrm>
       </p:grpSpPr>
+      <p:pic>
+        <p:nvPicPr>
+          <p:cNvPr id="16" name="图片 15" descr="屏幕剪辑"/>
+          <p:cNvPicPr>
+            <a:picLocks noChangeAspect="1"/>
+          </p:cNvPicPr>
+          <p:nvPr/>
+        </p:nvPicPr>
+        <p:blipFill>
+          <a:blip r:embed="rId2">
+            <a:extLst>
+              <a:ext uri="{28A0092B-C50C-407E-A947-70E740481C1C}">
+                <a14:useLocalDpi xmlns:a14="http://schemas.microsoft.com/office/drawing/2010/main" val="0"/>
+              </a:ext>
+            </a:extLst>
+          </a:blip>
+          <a:stretch>
+            <a:fillRect/>
+          </a:stretch>
+        </p:blipFill>
+        <p:spPr>
+          <a:xfrm>
+            <a:off x="745503" y="566936"/>
+            <a:ext cx="4258269" cy="962159"/>
+          </a:xfrm>
+          <a:prstGeom prst="rect">
+            <a:avLst/>
+          </a:prstGeom>
+          <a:ln>
+            <a:noFill/>
+          </a:ln>
+          <a:effectLst>
+            <a:outerShdw blurRad="292100" dist="139700" dir="2700000" algn="tl" rotWithShape="0">
+              <a:srgbClr val="333333">
+                <a:alpha val="65000"/>
+              </a:srgbClr>
+            </a:outerShdw>
+          </a:effectLst>
+        </p:spPr>
+      </p:pic>
+      <p:pic>
+        <p:nvPicPr>
+          <p:cNvPr id="9" name="图片 8" descr="屏幕剪辑"/>
+          <p:cNvPicPr>
+            <a:picLocks noChangeAspect="1"/>
+          </p:cNvPicPr>
+          <p:nvPr/>
+        </p:nvPicPr>
+        <p:blipFill>
+          <a:blip r:embed="rId3">
+            <a:extLst>
+              <a:ext uri="{28A0092B-C50C-407E-A947-70E740481C1C}">
+                <a14:useLocalDpi xmlns:a14="http://schemas.microsoft.com/office/drawing/2010/main" val="0"/>
+              </a:ext>
+            </a:extLst>
+          </a:blip>
+          <a:stretch>
+            <a:fillRect/>
+          </a:stretch>
+        </p:blipFill>
+        <p:spPr>
+          <a:xfrm>
+            <a:off x="755576" y="2636912"/>
+            <a:ext cx="5868219" cy="3286584"/>
+          </a:xfrm>
+          <a:prstGeom prst="rect">
+            <a:avLst/>
+          </a:prstGeom>
+          <a:ln>
+            <a:noFill/>
+          </a:ln>
+          <a:effectLst>
+            <a:outerShdw blurRad="292100" dist="139700" dir="2700000" algn="tl" rotWithShape="0">
+              <a:srgbClr val="333333">
+                <a:alpha val="65000"/>
+              </a:srgbClr>
+            </a:outerShdw>
+          </a:effectLst>
+        </p:spPr>
+      </p:pic>
+      <p:sp>
+        <p:nvSpPr>
+          <p:cNvPr id="10" name="圆角矩形标注 9"/>
+          <p:cNvSpPr/>
+          <p:nvPr/>
+        </p:nvSpPr>
+        <p:spPr>
+          <a:xfrm>
+            <a:off x="5047722" y="836712"/>
+            <a:ext cx="2980661" cy="792088"/>
+          </a:xfrm>
+          <a:prstGeom prst="wedgeRoundRectCallout">
+            <a:avLst>
+              <a:gd name="adj1" fmla="val -57522"/>
+              <a:gd name="adj2" fmla="val 14440"/>
+              <a:gd name="adj3" fmla="val 16667"/>
+            </a:avLst>
+          </a:prstGeom>
+        </p:spPr>
+        <p:style>
+          <a:lnRef idx="2">
+            <a:schemeClr val="accent5"/>
+          </a:lnRef>
+          <a:fillRef idx="1">
+            <a:schemeClr val="lt1"/>
+          </a:fillRef>
+          <a:effectRef idx="0">
+            <a:schemeClr val="accent5"/>
+          </a:effectRef>
+          <a:fontRef idx="minor">
+            <a:schemeClr val="dk1"/>
+          </a:fontRef>
+        </p:style>
+        <p:txBody>
+          <a:bodyPr rtlCol="0" anchor="ctr"/>
+          <a:lstStyle/>
+          <a:p>
+            <a:pPr>
+              <a:lnSpc>
+                <a:spcPct val="150000"/>
+              </a:lnSpc>
+            </a:pPr>
+            <a:r>
+              <a:rPr lang="zh-CN" altLang="en-US" sz="1600" dirty="0" smtClean="0">
+                <a:latin typeface="微软雅黑" panose="020B0503020204020204" pitchFamily="34" charset="-122"/>
+                <a:ea typeface="微软雅黑" panose="020B0503020204020204" pitchFamily="34" charset="-122"/>
+              </a:rPr>
+              <a:t>星星的初始位置，距离相机</a:t>
+            </a:r>
+            <a:r>
+              <a:rPr lang="en-US" altLang="zh-CN" sz="1600" dirty="0" smtClean="0">
+                <a:latin typeface="微软雅黑" panose="020B0503020204020204" pitchFamily="34" charset="-122"/>
+                <a:ea typeface="微软雅黑" panose="020B0503020204020204" pitchFamily="34" charset="-122"/>
+              </a:rPr>
+              <a:t>500px</a:t>
+            </a:r>
+            <a:r>
+              <a:rPr lang="zh-CN" altLang="en-US" sz="1600" dirty="0" smtClean="0">
+                <a:latin typeface="微软雅黑" panose="020B0503020204020204" pitchFamily="34" charset="-122"/>
+                <a:ea typeface="微软雅黑" panose="020B0503020204020204" pitchFamily="34" charset="-122"/>
+              </a:rPr>
+              <a:t>很远，（屏幕位置为</a:t>
+            </a:r>
+            <a:r>
+              <a:rPr lang="en-US" altLang="zh-CN" sz="1600" dirty="0" smtClean="0">
+                <a:latin typeface="微软雅黑" panose="020B0503020204020204" pitchFamily="34" charset="-122"/>
+                <a:ea typeface="微软雅黑" panose="020B0503020204020204" pitchFamily="34" charset="-122"/>
+              </a:rPr>
+              <a:t>0</a:t>
+            </a:r>
+            <a:r>
+              <a:rPr lang="zh-CN" altLang="en-US" sz="1600" dirty="0" smtClean="0">
+                <a:latin typeface="微软雅黑" panose="020B0503020204020204" pitchFamily="34" charset="-122"/>
+                <a:ea typeface="微软雅黑" panose="020B0503020204020204" pitchFamily="34" charset="-122"/>
+              </a:rPr>
+              <a:t>）</a:t>
+            </a:r>
+            <a:endParaRPr lang="zh-CN" altLang="en-US" sz="1600" dirty="0">
+              <a:latin typeface="微软雅黑" panose="020B0503020204020204" pitchFamily="34" charset="-122"/>
+              <a:ea typeface="微软雅黑" panose="020B0503020204020204" pitchFamily="34" charset="-122"/>
+            </a:endParaRPr>
+          </a:p>
+        </p:txBody>
+      </p:sp>
+      <p:sp>
+        <p:nvSpPr>
+          <p:cNvPr id="11" name="圆角矩形标注 10"/>
+          <p:cNvSpPr/>
+          <p:nvPr/>
+        </p:nvSpPr>
+        <p:spPr>
+          <a:xfrm>
+            <a:off x="3995937" y="2217970"/>
+            <a:ext cx="3456384" cy="1650472"/>
+          </a:xfrm>
+          <a:prstGeom prst="wedgeRoundRectCallout">
+            <a:avLst>
+              <a:gd name="adj1" fmla="val -57522"/>
+              <a:gd name="adj2" fmla="val 14440"/>
+              <a:gd name="adj3" fmla="val 16667"/>
+            </a:avLst>
+          </a:prstGeom>
+        </p:spPr>
+        <p:style>
+          <a:lnRef idx="2">
+            <a:schemeClr val="accent5"/>
+          </a:lnRef>
+          <a:fillRef idx="1">
+            <a:schemeClr val="lt1"/>
+          </a:fillRef>
+          <a:effectRef idx="0">
+            <a:schemeClr val="accent5"/>
+          </a:effectRef>
+          <a:fontRef idx="minor">
+            <a:schemeClr val="dk1"/>
+          </a:fontRef>
+        </p:style>
+        <p:txBody>
+          <a:bodyPr rtlCol="0" anchor="ctr"/>
+          <a:lstStyle/>
+          <a:p>
+            <a:pPr>
+              <a:lnSpc>
+                <a:spcPct val="150000"/>
+              </a:lnSpc>
+            </a:pPr>
+            <a:r>
+              <a:rPr lang="zh-CN" altLang="en-US" sz="1600" dirty="0" smtClean="0">
+                <a:latin typeface="微软雅黑" panose="020B0503020204020204" pitchFamily="34" charset="-122"/>
+                <a:ea typeface="微软雅黑" panose="020B0503020204020204" pitchFamily="34" charset="-122"/>
+              </a:rPr>
+              <a:t>星星动画，就是</a:t>
+            </a:r>
+            <a:r>
+              <a:rPr lang="zh-CN" altLang="en-US" sz="1600" dirty="0" smtClean="0">
+                <a:latin typeface="微软雅黑" panose="020B0503020204020204" pitchFamily="34" charset="-122"/>
+                <a:ea typeface="微软雅黑" panose="020B0503020204020204" pitchFamily="34" charset="-122"/>
+              </a:rPr>
+              <a:t>为星星（准确的说是从同一个元素利用投影产生的星星，共同移动）添加动画，具体的动画时间会动态设置</a:t>
+            </a:r>
+            <a:endParaRPr lang="zh-CN" altLang="en-US" sz="1600" dirty="0">
+              <a:latin typeface="微软雅黑" panose="020B0503020204020204" pitchFamily="34" charset="-122"/>
+              <a:ea typeface="微软雅黑" panose="020B0503020204020204" pitchFamily="34" charset="-122"/>
+            </a:endParaRPr>
+          </a:p>
+        </p:txBody>
+      </p:sp>
+      <p:sp>
+        <p:nvSpPr>
+          <p:cNvPr id="12" name="圆角矩形标注 11"/>
+          <p:cNvSpPr/>
+          <p:nvPr/>
+        </p:nvSpPr>
+        <p:spPr>
+          <a:xfrm>
+            <a:off x="745503" y="1607134"/>
+            <a:ext cx="3240360" cy="910786"/>
+          </a:xfrm>
+          <a:prstGeom prst="wedgeRoundRectCallout">
+            <a:avLst>
+              <a:gd name="adj1" fmla="val -24636"/>
+              <a:gd name="adj2" fmla="val 66071"/>
+              <a:gd name="adj3" fmla="val 16667"/>
+            </a:avLst>
+          </a:prstGeom>
+        </p:spPr>
+        <p:style>
+          <a:lnRef idx="2">
+            <a:schemeClr val="accent5"/>
+          </a:lnRef>
+          <a:fillRef idx="1">
+            <a:schemeClr val="lt1"/>
+          </a:fillRef>
+          <a:effectRef idx="0">
+            <a:schemeClr val="accent5"/>
+          </a:effectRef>
+          <a:fontRef idx="minor">
+            <a:schemeClr val="dk1"/>
+          </a:fontRef>
+        </p:style>
+        <p:txBody>
+          <a:bodyPr rtlCol="0" anchor="ctr"/>
+          <a:lstStyle/>
+          <a:p>
+            <a:pPr>
+              <a:lnSpc>
+                <a:spcPct val="150000"/>
+              </a:lnSpc>
+            </a:pPr>
+            <a:r>
+              <a:rPr lang="en-US" altLang="zh-CN" sz="1600" dirty="0" err="1" smtClean="0">
+                <a:latin typeface="微软雅黑" panose="020B0503020204020204" pitchFamily="34" charset="-122"/>
+                <a:ea typeface="微软雅黑" panose="020B0503020204020204" pitchFamily="34" charset="-122"/>
+              </a:rPr>
+              <a:t>ani</a:t>
+            </a:r>
+            <a:r>
+              <a:rPr lang="zh-CN" altLang="en-US" sz="1600" dirty="0" smtClean="0">
+                <a:latin typeface="微软雅黑" panose="020B0503020204020204" pitchFamily="34" charset="-122"/>
+                <a:ea typeface="微软雅黑" panose="020B0503020204020204" pitchFamily="34" charset="-122"/>
+              </a:rPr>
+              <a:t>类是动画开关，通过</a:t>
+            </a:r>
+            <a:r>
+              <a:rPr lang="en-US" altLang="zh-CN" sz="1600" dirty="0" err="1" smtClean="0">
+                <a:latin typeface="微软雅黑" panose="020B0503020204020204" pitchFamily="34" charset="-122"/>
+                <a:ea typeface="微软雅黑" panose="020B0503020204020204" pitchFamily="34" charset="-122"/>
+              </a:rPr>
+              <a:t>js</a:t>
+            </a:r>
+            <a:r>
+              <a:rPr lang="zh-CN" altLang="en-US" sz="1600" dirty="0" smtClean="0">
+                <a:latin typeface="微软雅黑" panose="020B0503020204020204" pitchFamily="34" charset="-122"/>
+                <a:ea typeface="微软雅黑" panose="020B0503020204020204" pitchFamily="34" charset="-122"/>
+              </a:rPr>
+              <a:t>删除</a:t>
+            </a:r>
+            <a:r>
+              <a:rPr lang="en-US" altLang="zh-CN" sz="1600" dirty="0" smtClean="0">
+                <a:latin typeface="微软雅黑" panose="020B0503020204020204" pitchFamily="34" charset="-122"/>
+                <a:ea typeface="微软雅黑" panose="020B0503020204020204" pitchFamily="34" charset="-122"/>
+              </a:rPr>
+              <a:t>/</a:t>
+            </a:r>
+            <a:r>
+              <a:rPr lang="zh-CN" altLang="en-US" sz="1600" dirty="0" smtClean="0">
+                <a:latin typeface="微软雅黑" panose="020B0503020204020204" pitchFamily="34" charset="-122"/>
+                <a:ea typeface="微软雅黑" panose="020B0503020204020204" pitchFamily="34" charset="-122"/>
+              </a:rPr>
+              <a:t>添加</a:t>
+            </a:r>
+            <a:r>
+              <a:rPr lang="en-US" altLang="zh-CN" sz="1600" dirty="0" smtClean="0">
+                <a:latin typeface="微软雅黑" panose="020B0503020204020204" pitchFamily="34" charset="-122"/>
+                <a:ea typeface="微软雅黑" panose="020B0503020204020204" pitchFamily="34" charset="-122"/>
+              </a:rPr>
+              <a:t>,</a:t>
+            </a:r>
+            <a:r>
+              <a:rPr lang="zh-CN" altLang="en-US" sz="1600" dirty="0" smtClean="0">
+                <a:latin typeface="微软雅黑" panose="020B0503020204020204" pitchFamily="34" charset="-122"/>
+                <a:ea typeface="微软雅黑" panose="020B0503020204020204" pitchFamily="34" charset="-122"/>
+              </a:rPr>
+              <a:t>来达到关闭</a:t>
+            </a:r>
+            <a:r>
+              <a:rPr lang="en-US" altLang="zh-CN" sz="1600" dirty="0" smtClean="0">
+                <a:latin typeface="微软雅黑" panose="020B0503020204020204" pitchFamily="34" charset="-122"/>
+                <a:ea typeface="微软雅黑" panose="020B0503020204020204" pitchFamily="34" charset="-122"/>
+              </a:rPr>
+              <a:t>/</a:t>
+            </a:r>
+            <a:r>
+              <a:rPr lang="zh-CN" altLang="en-US" sz="1600" dirty="0" smtClean="0">
+                <a:latin typeface="微软雅黑" panose="020B0503020204020204" pitchFamily="34" charset="-122"/>
+                <a:ea typeface="微软雅黑" panose="020B0503020204020204" pitchFamily="34" charset="-122"/>
+              </a:rPr>
+              <a:t>开启动画的目的</a:t>
+            </a:r>
+            <a:endParaRPr lang="zh-CN" altLang="en-US" sz="1600" dirty="0">
+              <a:latin typeface="微软雅黑" panose="020B0503020204020204" pitchFamily="34" charset="-122"/>
+              <a:ea typeface="微软雅黑" panose="020B0503020204020204" pitchFamily="34" charset="-122"/>
+            </a:endParaRPr>
+          </a:p>
+        </p:txBody>
+      </p:sp>
+      <p:sp>
+        <p:nvSpPr>
+          <p:cNvPr id="13" name="圆角矩形标注 12"/>
+          <p:cNvSpPr/>
+          <p:nvPr/>
+        </p:nvSpPr>
+        <p:spPr>
+          <a:xfrm>
+            <a:off x="3419872" y="4149080"/>
+            <a:ext cx="3540870" cy="910786"/>
+          </a:xfrm>
+          <a:prstGeom prst="wedgeRoundRectCallout">
+            <a:avLst>
+              <a:gd name="adj1" fmla="val -55811"/>
+              <a:gd name="adj2" fmla="val -20940"/>
+              <a:gd name="adj3" fmla="val 16667"/>
+            </a:avLst>
+          </a:prstGeom>
+        </p:spPr>
+        <p:style>
+          <a:lnRef idx="2">
+            <a:schemeClr val="accent5"/>
+          </a:lnRef>
+          <a:fillRef idx="1">
+            <a:schemeClr val="lt1"/>
+          </a:fillRef>
+          <a:effectRef idx="0">
+            <a:schemeClr val="accent5"/>
+          </a:effectRef>
+          <a:fontRef idx="minor">
+            <a:schemeClr val="dk1"/>
+          </a:fontRef>
+        </p:style>
+        <p:txBody>
+          <a:bodyPr rtlCol="0" anchor="ctr"/>
+          <a:lstStyle/>
+          <a:p>
+            <a:pPr>
+              <a:lnSpc>
+                <a:spcPct val="150000"/>
+              </a:lnSpc>
+            </a:pPr>
+            <a:r>
+              <a:rPr lang="zh-CN" altLang="en-US" sz="1600" dirty="0" smtClean="0">
+                <a:latin typeface="微软雅黑" panose="020B0503020204020204" pitchFamily="34" charset="-122"/>
+                <a:ea typeface="微软雅黑" panose="020B0503020204020204" pitchFamily="34" charset="-122"/>
+              </a:rPr>
+              <a:t>动画</a:t>
+            </a:r>
+            <a:r>
+              <a:rPr lang="en-US" altLang="zh-CN" sz="1600" dirty="0" smtClean="0">
+                <a:latin typeface="微软雅黑" panose="020B0503020204020204" pitchFamily="34" charset="-122"/>
+                <a:ea typeface="微软雅黑" panose="020B0503020204020204" pitchFamily="34" charset="-122"/>
+              </a:rPr>
+              <a:t>30%,</a:t>
+            </a:r>
+            <a:r>
+              <a:rPr lang="zh-CN" altLang="en-US" sz="1600" dirty="0">
+                <a:latin typeface="微软雅黑" panose="020B0503020204020204" pitchFamily="34" charset="-122"/>
+                <a:ea typeface="微软雅黑" panose="020B0503020204020204" pitchFamily="34" charset="-122"/>
+              </a:rPr>
+              <a:t>会有</a:t>
+            </a:r>
+            <a:r>
+              <a:rPr lang="zh-CN" altLang="en-US" sz="1600" dirty="0" smtClean="0">
+                <a:latin typeface="微软雅黑" panose="020B0503020204020204" pitchFamily="34" charset="-122"/>
+                <a:ea typeface="微软雅黑" panose="020B0503020204020204" pitchFamily="34" charset="-122"/>
+              </a:rPr>
+              <a:t>透明度到不透明的变化，标签阴影（星星）也会随之变化</a:t>
+            </a:r>
+            <a:endParaRPr lang="zh-CN" altLang="en-US" sz="1600" dirty="0">
+              <a:latin typeface="微软雅黑" panose="020B0503020204020204" pitchFamily="34" charset="-122"/>
+              <a:ea typeface="微软雅黑" panose="020B0503020204020204" pitchFamily="34" charset="-122"/>
+            </a:endParaRPr>
+          </a:p>
+        </p:txBody>
+      </p:sp>
+      <p:sp>
+        <p:nvSpPr>
+          <p:cNvPr id="14" name="圆角矩形标注 13"/>
+          <p:cNvSpPr/>
+          <p:nvPr/>
+        </p:nvSpPr>
+        <p:spPr>
+          <a:xfrm>
+            <a:off x="2821251" y="5748741"/>
+            <a:ext cx="3540870" cy="823293"/>
+          </a:xfrm>
+          <a:prstGeom prst="wedgeRoundRectCallout">
+            <a:avLst>
+              <a:gd name="adj1" fmla="val -23838"/>
+              <a:gd name="adj2" fmla="val -63967"/>
+              <a:gd name="adj3" fmla="val 16667"/>
+            </a:avLst>
+          </a:prstGeom>
+        </p:spPr>
+        <p:style>
+          <a:lnRef idx="2">
+            <a:schemeClr val="accent5"/>
+          </a:lnRef>
+          <a:fillRef idx="1">
+            <a:schemeClr val="lt1"/>
+          </a:fillRef>
+          <a:effectRef idx="0">
+            <a:schemeClr val="accent5"/>
+          </a:effectRef>
+          <a:fontRef idx="minor">
+            <a:schemeClr val="dk1"/>
+          </a:fontRef>
+        </p:style>
+        <p:txBody>
+          <a:bodyPr rtlCol="0" anchor="ctr"/>
+          <a:lstStyle/>
+          <a:p>
+            <a:pPr>
+              <a:lnSpc>
+                <a:spcPct val="150000"/>
+              </a:lnSpc>
+            </a:pPr>
+            <a:r>
+              <a:rPr lang="zh-CN" altLang="en-US" sz="1600" dirty="0" smtClean="0">
+                <a:latin typeface="微软雅黑" panose="020B0503020204020204" pitchFamily="34" charset="-122"/>
+                <a:ea typeface="微软雅黑" panose="020B0503020204020204" pitchFamily="34" charset="-122"/>
+              </a:rPr>
+              <a:t>最后的</a:t>
+            </a:r>
+            <a:r>
+              <a:rPr lang="en-US" altLang="zh-CN" sz="1600" dirty="0" smtClean="0">
+                <a:latin typeface="微软雅黑" panose="020B0503020204020204" pitchFamily="34" charset="-122"/>
+                <a:ea typeface="微软雅黑" panose="020B0503020204020204" pitchFamily="34" charset="-122"/>
+              </a:rPr>
+              <a:t>10%</a:t>
+            </a:r>
+            <a:r>
+              <a:rPr lang="zh-CN" altLang="en-US" sz="1600" dirty="0" smtClean="0">
+                <a:latin typeface="微软雅黑" panose="020B0503020204020204" pitchFamily="34" charset="-122"/>
+                <a:ea typeface="微软雅黑" panose="020B0503020204020204" pitchFamily="34" charset="-122"/>
+              </a:rPr>
+              <a:t>部分，移动到摄像机之后（不可见），同时逐渐变成透明</a:t>
+            </a:r>
+            <a:endParaRPr lang="zh-CN" altLang="en-US" sz="1600" dirty="0">
+              <a:latin typeface="微软雅黑" panose="020B0503020204020204" pitchFamily="34" charset="-122"/>
+              <a:ea typeface="微软雅黑" panose="020B0503020204020204" pitchFamily="34" charset="-122"/>
+            </a:endParaRPr>
+          </a:p>
+        </p:txBody>
+      </p:sp>
+    </p:spTree>
+    <p:extLst>
+      <p:ext uri="{BB962C8B-B14F-4D97-AF65-F5344CB8AC3E}">
+        <p14:creationId xmlns:p14="http://schemas.microsoft.com/office/powerpoint/2010/main" val="1212666917"/>
+      </p:ext>
+    </p:extLst>
+  </p:cSld>
+  <p:clrMapOvr>
+    <a:masterClrMapping/>
+  </p:clrMapOvr>
+</p:sld>
+</file>
+
+<file path=ppt/slides/slide15.xml><?xml version="1.0" encoding="utf-8"?>
+<p:sld xmlns:a="http://schemas.openxmlformats.org/drawingml/2006/main" xmlns:r="http://schemas.openxmlformats.org/officeDocument/2006/relationships" xmlns:p="http://schemas.openxmlformats.org/presentationml/2006/main">
+  <p:cSld>
+    <p:spTree>
+      <p:nvGrpSpPr>
+        <p:cNvPr id="1" name=""/>
+        <p:cNvGrpSpPr/>
+        <p:nvPr/>
+      </p:nvGrpSpPr>
+      <p:grpSpPr>
+        <a:xfrm>
+          <a:off x="0" y="0"/>
+          <a:ext cx="0" cy="0"/>
+          <a:chOff x="0" y="0"/>
+          <a:chExt cx="0" cy="0"/>
+        </a:xfrm>
+      </p:grpSpPr>
+      <p:sp>
+        <p:nvSpPr>
+          <p:cNvPr id="2" name="矩形 1"/>
+          <p:cNvSpPr/>
+          <p:nvPr/>
+        </p:nvSpPr>
+        <p:spPr>
+          <a:xfrm>
+            <a:off x="5436531" y="645948"/>
+            <a:ext cx="72008" cy="2880320"/>
+          </a:xfrm>
+          <a:prstGeom prst="rect">
+            <a:avLst/>
+          </a:prstGeom>
+        </p:spPr>
+        <p:style>
+          <a:lnRef idx="3">
+            <a:schemeClr val="lt1"/>
+          </a:lnRef>
+          <a:fillRef idx="1">
+            <a:schemeClr val="accent1"/>
+          </a:fillRef>
+          <a:effectRef idx="1">
+            <a:schemeClr val="accent1"/>
+          </a:effectRef>
+          <a:fontRef idx="minor">
+            <a:schemeClr val="lt1"/>
+          </a:fontRef>
+        </p:style>
+        <p:txBody>
+          <a:bodyPr rtlCol="0" anchor="ctr"/>
+          <a:lstStyle/>
+          <a:p>
+            <a:pPr algn="ctr"/>
+            <a:endParaRPr lang="zh-CN" altLang="en-US"/>
+          </a:p>
+        </p:txBody>
+      </p:sp>
+      <p:sp>
+        <p:nvSpPr>
+          <p:cNvPr id="3" name="椭圆 2"/>
+          <p:cNvSpPr/>
+          <p:nvPr/>
+        </p:nvSpPr>
+        <p:spPr>
+          <a:xfrm>
+            <a:off x="2024322" y="1550314"/>
+            <a:ext cx="216024" cy="216024"/>
+          </a:xfrm>
+          <a:prstGeom prst="ellipse">
+            <a:avLst/>
+          </a:prstGeom>
+        </p:spPr>
+        <p:style>
+          <a:lnRef idx="2">
+            <a:schemeClr val="accent3">
+              <a:shade val="50000"/>
+            </a:schemeClr>
+          </a:lnRef>
+          <a:fillRef idx="1">
+            <a:schemeClr val="accent3"/>
+          </a:fillRef>
+          <a:effectRef idx="0">
+            <a:schemeClr val="accent3"/>
+          </a:effectRef>
+          <a:fontRef idx="minor">
+            <a:schemeClr val="lt1"/>
+          </a:fontRef>
+        </p:style>
+        <p:txBody>
+          <a:bodyPr rtlCol="0" anchor="ctr"/>
+          <a:lstStyle/>
+          <a:p>
+            <a:pPr algn="ctr"/>
+            <a:endParaRPr lang="zh-CN" altLang="en-US"/>
+          </a:p>
+        </p:txBody>
+      </p:sp>
+      <p:sp>
+        <p:nvSpPr>
+          <p:cNvPr id="4" name="梯形 3"/>
+          <p:cNvSpPr/>
+          <p:nvPr/>
+        </p:nvSpPr>
+        <p:spPr>
+          <a:xfrm rot="5400000">
+            <a:off x="6479927" y="1546768"/>
+            <a:ext cx="432048" cy="358600"/>
+          </a:xfrm>
+          <a:prstGeom prst="trapezoid">
+            <a:avLst>
+              <a:gd name="adj" fmla="val 22984"/>
+            </a:avLst>
+          </a:prstGeom>
+        </p:spPr>
+        <p:style>
+          <a:lnRef idx="2">
+            <a:schemeClr val="dk1">
+              <a:shade val="50000"/>
+            </a:schemeClr>
+          </a:lnRef>
+          <a:fillRef idx="1">
+            <a:schemeClr val="dk1"/>
+          </a:fillRef>
+          <a:effectRef idx="0">
+            <a:schemeClr val="dk1"/>
+          </a:effectRef>
+          <a:fontRef idx="minor">
+            <a:schemeClr val="lt1"/>
+          </a:fontRef>
+        </p:style>
+        <p:txBody>
+          <a:bodyPr rtlCol="0" anchor="ctr"/>
+          <a:lstStyle/>
+          <a:p>
+            <a:pPr algn="ctr"/>
+            <a:endParaRPr lang="zh-CN" altLang="en-US"/>
+          </a:p>
+        </p:txBody>
+      </p:sp>
+      <p:sp>
+        <p:nvSpPr>
+          <p:cNvPr id="5" name="椭圆 4"/>
+          <p:cNvSpPr/>
+          <p:nvPr/>
+        </p:nvSpPr>
+        <p:spPr>
+          <a:xfrm>
+            <a:off x="2024322" y="918679"/>
+            <a:ext cx="216024" cy="216024"/>
+          </a:xfrm>
+          <a:prstGeom prst="ellipse">
+            <a:avLst/>
+          </a:prstGeom>
+        </p:spPr>
+        <p:style>
+          <a:lnRef idx="2">
+            <a:schemeClr val="accent4">
+              <a:shade val="50000"/>
+            </a:schemeClr>
+          </a:lnRef>
+          <a:fillRef idx="1">
+            <a:schemeClr val="accent4"/>
+          </a:fillRef>
+          <a:effectRef idx="0">
+            <a:schemeClr val="accent4"/>
+          </a:effectRef>
+          <a:fontRef idx="minor">
+            <a:schemeClr val="lt1"/>
+          </a:fontRef>
+        </p:style>
+        <p:txBody>
+          <a:bodyPr rtlCol="0" anchor="ctr"/>
+          <a:lstStyle/>
+          <a:p>
+            <a:pPr algn="ctr"/>
+            <a:endParaRPr lang="zh-CN" altLang="en-US"/>
+          </a:p>
+        </p:txBody>
+      </p:sp>
+      <p:sp>
+        <p:nvSpPr>
+          <p:cNvPr id="6" name="椭圆 5"/>
+          <p:cNvSpPr/>
+          <p:nvPr/>
+        </p:nvSpPr>
+        <p:spPr>
+          <a:xfrm>
+            <a:off x="1996489" y="2806188"/>
+            <a:ext cx="271690" cy="271690"/>
+          </a:xfrm>
+          <a:prstGeom prst="ellipse">
+            <a:avLst/>
+          </a:prstGeom>
+        </p:spPr>
+        <p:style>
+          <a:lnRef idx="2">
+            <a:schemeClr val="accent5">
+              <a:shade val="50000"/>
+            </a:schemeClr>
+          </a:lnRef>
+          <a:fillRef idx="1">
+            <a:schemeClr val="accent5"/>
+          </a:fillRef>
+          <a:effectRef idx="0">
+            <a:schemeClr val="accent5"/>
+          </a:effectRef>
+          <a:fontRef idx="minor">
+            <a:schemeClr val="lt1"/>
+          </a:fontRef>
+        </p:style>
+        <p:txBody>
+          <a:bodyPr rtlCol="0" anchor="ctr"/>
+          <a:lstStyle/>
+          <a:p>
+            <a:pPr algn="ctr"/>
+            <a:endParaRPr lang="zh-CN" altLang="en-US"/>
+          </a:p>
+        </p:txBody>
+      </p:sp>
+      <p:sp>
+        <p:nvSpPr>
+          <p:cNvPr id="7" name="椭圆 6"/>
+          <p:cNvSpPr/>
+          <p:nvPr/>
+        </p:nvSpPr>
+        <p:spPr>
+          <a:xfrm>
+            <a:off x="2052155" y="2213782"/>
+            <a:ext cx="144016" cy="144016"/>
+          </a:xfrm>
+          <a:prstGeom prst="ellipse">
+            <a:avLst/>
+          </a:prstGeom>
+        </p:spPr>
+        <p:style>
+          <a:lnRef idx="2">
+            <a:schemeClr val="accent6">
+              <a:shade val="50000"/>
+            </a:schemeClr>
+          </a:lnRef>
+          <a:fillRef idx="1">
+            <a:schemeClr val="accent6"/>
+          </a:fillRef>
+          <a:effectRef idx="0">
+            <a:schemeClr val="accent6"/>
+          </a:effectRef>
+          <a:fontRef idx="minor">
+            <a:schemeClr val="lt1"/>
+          </a:fontRef>
+        </p:style>
+        <p:txBody>
+          <a:bodyPr rtlCol="0" anchor="ctr"/>
+          <a:lstStyle/>
+          <a:p>
+            <a:pPr algn="ctr"/>
+            <a:endParaRPr lang="zh-CN" altLang="en-US"/>
+          </a:p>
+        </p:txBody>
+      </p:sp>
+      <p:cxnSp>
+        <p:nvCxnSpPr>
+          <p:cNvPr id="11" name="直接箭头连接符 10"/>
+          <p:cNvCxnSpPr/>
+          <p:nvPr/>
+        </p:nvCxnSpPr>
+        <p:spPr>
+          <a:xfrm>
+            <a:off x="5616551" y="1766338"/>
+            <a:ext cx="828092" cy="0"/>
+          </a:xfrm>
+          <a:prstGeom prst="straightConnector1">
+            <a:avLst/>
+          </a:prstGeom>
+          <a:ln>
+            <a:headEnd type="triangle"/>
+            <a:tailEnd type="triangle"/>
+          </a:ln>
+        </p:spPr>
+        <p:style>
+          <a:lnRef idx="3">
+            <a:schemeClr val="accent2"/>
+          </a:lnRef>
+          <a:fillRef idx="0">
+            <a:schemeClr val="accent2"/>
+          </a:fillRef>
+          <a:effectRef idx="2">
+            <a:schemeClr val="accent2"/>
+          </a:effectRef>
+          <a:fontRef idx="minor">
+            <a:schemeClr val="tx1"/>
+          </a:fontRef>
+        </p:style>
+      </p:cxnSp>
+      <p:sp>
+        <p:nvSpPr>
+          <p:cNvPr id="12" name="文本框 11"/>
+          <p:cNvSpPr txBox="1"/>
+          <p:nvPr/>
+        </p:nvSpPr>
+        <p:spPr>
+          <a:xfrm>
+            <a:off x="5616551" y="1916458"/>
+            <a:ext cx="792088" cy="369332"/>
+          </a:xfrm>
+          <a:prstGeom prst="rect">
+            <a:avLst/>
+          </a:prstGeom>
+          <a:noFill/>
+        </p:spPr>
+        <p:txBody>
+          <a:bodyPr wrap="square" rtlCol="0">
+            <a:spAutoFit/>
+          </a:bodyPr>
+          <a:lstStyle/>
+          <a:p>
+            <a:r>
+              <a:rPr lang="en-US" altLang="zh-CN" dirty="0" smtClean="0"/>
+              <a:t>500px</a:t>
+            </a:r>
+            <a:endParaRPr lang="zh-CN" altLang="en-US" dirty="0"/>
+          </a:p>
+        </p:txBody>
+      </p:sp>
+      <p:cxnSp>
+        <p:nvCxnSpPr>
+          <p:cNvPr id="13" name="直接箭头连接符 12"/>
+          <p:cNvCxnSpPr/>
+          <p:nvPr/>
+        </p:nvCxnSpPr>
+        <p:spPr>
+          <a:xfrm>
+            <a:off x="2340187" y="1766338"/>
+            <a:ext cx="2952328" cy="0"/>
+          </a:xfrm>
+          <a:prstGeom prst="straightConnector1">
+            <a:avLst/>
+          </a:prstGeom>
+          <a:ln>
+            <a:headEnd type="triangle"/>
+            <a:tailEnd type="triangle"/>
+          </a:ln>
+        </p:spPr>
+        <p:style>
+          <a:lnRef idx="3">
+            <a:schemeClr val="accent2"/>
+          </a:lnRef>
+          <a:fillRef idx="0">
+            <a:schemeClr val="accent2"/>
+          </a:fillRef>
+          <a:effectRef idx="2">
+            <a:schemeClr val="accent2"/>
+          </a:effectRef>
+          <a:fontRef idx="minor">
+            <a:schemeClr val="tx1"/>
+          </a:fontRef>
+        </p:style>
+      </p:cxnSp>
+      <p:sp>
+        <p:nvSpPr>
+          <p:cNvPr id="17" name="文本框 16"/>
+          <p:cNvSpPr txBox="1"/>
+          <p:nvPr/>
+        </p:nvSpPr>
+        <p:spPr>
+          <a:xfrm>
+            <a:off x="3412897" y="1860792"/>
+            <a:ext cx="1159538" cy="369332"/>
+          </a:xfrm>
+          <a:prstGeom prst="rect">
+            <a:avLst/>
+          </a:prstGeom>
+          <a:noFill/>
+        </p:spPr>
+        <p:txBody>
+          <a:bodyPr wrap="square" rtlCol="0">
+            <a:spAutoFit/>
+          </a:bodyPr>
+          <a:lstStyle/>
+          <a:p>
+            <a:r>
+              <a:rPr lang="en-US" altLang="zh-CN" dirty="0" smtClean="0"/>
+              <a:t>-1500px</a:t>
+            </a:r>
+            <a:endParaRPr lang="zh-CN" altLang="en-US" dirty="0"/>
+          </a:p>
+        </p:txBody>
+      </p:sp>
+      <p:sp>
+        <p:nvSpPr>
+          <p:cNvPr id="18" name="文本框 17"/>
+          <p:cNvSpPr txBox="1"/>
+          <p:nvPr/>
+        </p:nvSpPr>
+        <p:spPr>
+          <a:xfrm>
+            <a:off x="5216802" y="3598276"/>
+            <a:ext cx="723785" cy="338554"/>
+          </a:xfrm>
+          <a:prstGeom prst="rect">
+            <a:avLst/>
+          </a:prstGeom>
+          <a:noFill/>
+        </p:spPr>
+        <p:txBody>
+          <a:bodyPr wrap="square" rtlCol="0">
+            <a:spAutoFit/>
+          </a:bodyPr>
+          <a:lstStyle/>
+          <a:p>
+            <a:r>
+              <a:rPr lang="zh-CN" altLang="en-US" sz="1600" dirty="0">
+                <a:latin typeface="微软雅黑" panose="020B0503020204020204" pitchFamily="34" charset="-122"/>
+                <a:ea typeface="微软雅黑" panose="020B0503020204020204" pitchFamily="34" charset="-122"/>
+              </a:rPr>
+              <a:t>屏幕</a:t>
+            </a:r>
+          </a:p>
+        </p:txBody>
+      </p:sp>
+      <p:sp>
+        <p:nvSpPr>
+          <p:cNvPr id="19" name="文本框 18"/>
+          <p:cNvSpPr txBox="1"/>
+          <p:nvPr/>
+        </p:nvSpPr>
+        <p:spPr>
+          <a:xfrm>
+            <a:off x="1087825" y="3233880"/>
+            <a:ext cx="1928659" cy="584775"/>
+          </a:xfrm>
+          <a:prstGeom prst="rect">
+            <a:avLst/>
+          </a:prstGeom>
+          <a:noFill/>
+        </p:spPr>
+        <p:txBody>
+          <a:bodyPr wrap="square" rtlCol="0">
+            <a:spAutoFit/>
+          </a:bodyPr>
+          <a:lstStyle/>
+          <a:p>
+            <a:r>
+              <a:rPr lang="zh-CN" altLang="en-US" sz="1600" dirty="0" smtClean="0">
+                <a:latin typeface="微软雅黑" panose="020B0503020204020204" pitchFamily="34" charset="-122"/>
+                <a:ea typeface="微软雅黑" panose="020B0503020204020204" pitchFamily="34" charset="-122"/>
+              </a:rPr>
+              <a:t>同一个标签产生的多个阴影（星星）</a:t>
+            </a:r>
+            <a:endParaRPr lang="zh-CN" altLang="en-US" sz="1600" dirty="0">
+              <a:latin typeface="微软雅黑" panose="020B0503020204020204" pitchFamily="34" charset="-122"/>
+              <a:ea typeface="微软雅黑" panose="020B0503020204020204" pitchFamily="34" charset="-122"/>
+            </a:endParaRPr>
+          </a:p>
+        </p:txBody>
+      </p:sp>
+      <p:sp>
+        <p:nvSpPr>
+          <p:cNvPr id="20" name="椭圆 19"/>
+          <p:cNvSpPr/>
+          <p:nvPr/>
+        </p:nvSpPr>
+        <p:spPr>
+          <a:xfrm>
+            <a:off x="1500932" y="1550314"/>
+            <a:ext cx="216024" cy="216024"/>
+          </a:xfrm>
+          <a:prstGeom prst="ellipse">
+            <a:avLst/>
+          </a:prstGeom>
+          <a:noFill/>
+          <a:ln>
+            <a:solidFill>
+              <a:srgbClr val="000000">
+                <a:alpha val="60000"/>
+              </a:srgbClr>
+            </a:solidFill>
+          </a:ln>
+        </p:spPr>
+        <p:style>
+          <a:lnRef idx="2">
+            <a:schemeClr val="accent3">
+              <a:shade val="50000"/>
+            </a:schemeClr>
+          </a:lnRef>
+          <a:fillRef idx="1">
+            <a:schemeClr val="accent3"/>
+          </a:fillRef>
+          <a:effectRef idx="0">
+            <a:schemeClr val="accent3"/>
+          </a:effectRef>
+          <a:fontRef idx="minor">
+            <a:schemeClr val="lt1"/>
+          </a:fontRef>
+        </p:style>
+        <p:txBody>
+          <a:bodyPr rtlCol="0" anchor="ctr"/>
+          <a:lstStyle/>
+          <a:p>
+            <a:pPr algn="ctr"/>
+            <a:endParaRPr lang="zh-CN" altLang="en-US"/>
+          </a:p>
+        </p:txBody>
+      </p:sp>
+      <p:sp>
+        <p:nvSpPr>
+          <p:cNvPr id="21" name="椭圆 20"/>
+          <p:cNvSpPr/>
+          <p:nvPr/>
+        </p:nvSpPr>
+        <p:spPr>
+          <a:xfrm>
+            <a:off x="1500932" y="918679"/>
+            <a:ext cx="216024" cy="216024"/>
+          </a:xfrm>
+          <a:prstGeom prst="ellipse">
+            <a:avLst/>
+          </a:prstGeom>
+          <a:noFill/>
+          <a:ln>
+            <a:solidFill>
+              <a:srgbClr val="000000">
+                <a:alpha val="60000"/>
+              </a:srgbClr>
+            </a:solidFill>
+          </a:ln>
+        </p:spPr>
+        <p:style>
+          <a:lnRef idx="2">
+            <a:schemeClr val="accent4">
+              <a:shade val="50000"/>
+            </a:schemeClr>
+          </a:lnRef>
+          <a:fillRef idx="1">
+            <a:schemeClr val="accent4"/>
+          </a:fillRef>
+          <a:effectRef idx="0">
+            <a:schemeClr val="accent4"/>
+          </a:effectRef>
+          <a:fontRef idx="minor">
+            <a:schemeClr val="lt1"/>
+          </a:fontRef>
+        </p:style>
+        <p:txBody>
+          <a:bodyPr rtlCol="0" anchor="ctr"/>
+          <a:lstStyle/>
+          <a:p>
+            <a:pPr algn="ctr"/>
+            <a:endParaRPr lang="zh-CN" altLang="en-US"/>
+          </a:p>
+        </p:txBody>
+      </p:sp>
+      <p:sp>
+        <p:nvSpPr>
+          <p:cNvPr id="22" name="椭圆 21"/>
+          <p:cNvSpPr/>
+          <p:nvPr/>
+        </p:nvSpPr>
+        <p:spPr>
+          <a:xfrm>
+            <a:off x="1473099" y="2806188"/>
+            <a:ext cx="271690" cy="271690"/>
+          </a:xfrm>
+          <a:prstGeom prst="ellipse">
+            <a:avLst/>
+          </a:prstGeom>
+          <a:noFill/>
+          <a:ln>
+            <a:solidFill>
+              <a:srgbClr val="000000">
+                <a:alpha val="60000"/>
+              </a:srgbClr>
+            </a:solidFill>
+          </a:ln>
+        </p:spPr>
+        <p:style>
+          <a:lnRef idx="2">
+            <a:schemeClr val="accent5">
+              <a:shade val="50000"/>
+            </a:schemeClr>
+          </a:lnRef>
+          <a:fillRef idx="1">
+            <a:schemeClr val="accent5"/>
+          </a:fillRef>
+          <a:effectRef idx="0">
+            <a:schemeClr val="accent5"/>
+          </a:effectRef>
+          <a:fontRef idx="minor">
+            <a:schemeClr val="lt1"/>
+          </a:fontRef>
+        </p:style>
+        <p:txBody>
+          <a:bodyPr rtlCol="0" anchor="ctr"/>
+          <a:lstStyle/>
+          <a:p>
+            <a:pPr algn="ctr"/>
+            <a:endParaRPr lang="zh-CN" altLang="en-US"/>
+          </a:p>
+        </p:txBody>
+      </p:sp>
+      <p:sp>
+        <p:nvSpPr>
+          <p:cNvPr id="23" name="椭圆 22"/>
+          <p:cNvSpPr/>
+          <p:nvPr/>
+        </p:nvSpPr>
+        <p:spPr>
+          <a:xfrm>
+            <a:off x="1528765" y="2213782"/>
+            <a:ext cx="144016" cy="144016"/>
+          </a:xfrm>
+          <a:prstGeom prst="ellipse">
+            <a:avLst/>
+          </a:prstGeom>
+          <a:noFill/>
+          <a:ln>
+            <a:solidFill>
+              <a:srgbClr val="000000">
+                <a:alpha val="60000"/>
+              </a:srgbClr>
+            </a:solidFill>
+          </a:ln>
+        </p:spPr>
+        <p:style>
+          <a:lnRef idx="2">
+            <a:schemeClr val="accent6">
+              <a:shade val="50000"/>
+            </a:schemeClr>
+          </a:lnRef>
+          <a:fillRef idx="1">
+            <a:schemeClr val="accent6"/>
+          </a:fillRef>
+          <a:effectRef idx="0">
+            <a:schemeClr val="accent6"/>
+          </a:effectRef>
+          <a:fontRef idx="minor">
+            <a:schemeClr val="lt1"/>
+          </a:fontRef>
+        </p:style>
+        <p:txBody>
+          <a:bodyPr rtlCol="0" anchor="ctr"/>
+          <a:lstStyle/>
+          <a:p>
+            <a:pPr algn="ctr"/>
+            <a:endParaRPr lang="zh-CN" altLang="en-US"/>
+          </a:p>
+        </p:txBody>
+      </p:sp>
+      <p:cxnSp>
+        <p:nvCxnSpPr>
+          <p:cNvPr id="24" name="直接箭头连接符 23"/>
+          <p:cNvCxnSpPr/>
+          <p:nvPr/>
+        </p:nvCxnSpPr>
+        <p:spPr>
+          <a:xfrm>
+            <a:off x="1672781" y="717956"/>
+            <a:ext cx="434354" cy="0"/>
+          </a:xfrm>
+          <a:prstGeom prst="straightConnector1">
+            <a:avLst/>
+          </a:prstGeom>
+          <a:ln>
+            <a:headEnd type="triangle"/>
+            <a:tailEnd type="triangle"/>
+          </a:ln>
+        </p:spPr>
+        <p:style>
+          <a:lnRef idx="3">
+            <a:schemeClr val="accent5"/>
+          </a:lnRef>
+          <a:fillRef idx="0">
+            <a:schemeClr val="accent5"/>
+          </a:fillRef>
+          <a:effectRef idx="2">
+            <a:schemeClr val="accent5"/>
+          </a:effectRef>
+          <a:fontRef idx="minor">
+            <a:schemeClr val="tx1"/>
+          </a:fontRef>
+        </p:style>
+      </p:cxnSp>
+      <p:sp>
+        <p:nvSpPr>
+          <p:cNvPr id="26" name="文本框 25"/>
+          <p:cNvSpPr txBox="1"/>
+          <p:nvPr/>
+        </p:nvSpPr>
+        <p:spPr>
+          <a:xfrm>
+            <a:off x="1165505" y="285623"/>
+            <a:ext cx="1717634" cy="369332"/>
+          </a:xfrm>
+          <a:prstGeom prst="rect">
+            <a:avLst/>
+          </a:prstGeom>
+          <a:noFill/>
+        </p:spPr>
+        <p:txBody>
+          <a:bodyPr wrap="square" rtlCol="0">
+            <a:spAutoFit/>
+          </a:bodyPr>
+          <a:lstStyle/>
+          <a:p>
+            <a:r>
+              <a:rPr lang="zh-CN" altLang="en-US" dirty="0" smtClean="0">
+                <a:latin typeface="微软雅黑" panose="020B0503020204020204" pitchFamily="34" charset="-122"/>
+                <a:ea typeface="微软雅黑" panose="020B0503020204020204" pitchFamily="34" charset="-122"/>
+              </a:rPr>
+              <a:t>透明</a:t>
+            </a:r>
+            <a:r>
+              <a:rPr lang="en-US" altLang="zh-CN" dirty="0" smtClean="0">
+                <a:latin typeface="微软雅黑" panose="020B0503020204020204" pitchFamily="34" charset="-122"/>
+                <a:ea typeface="微软雅黑" panose="020B0503020204020204" pitchFamily="34" charset="-122"/>
+              </a:rPr>
+              <a:t>-&gt;</a:t>
+            </a:r>
+            <a:r>
+              <a:rPr lang="zh-CN" altLang="en-US" dirty="0" smtClean="0">
+                <a:latin typeface="微软雅黑" panose="020B0503020204020204" pitchFamily="34" charset="-122"/>
+                <a:ea typeface="微软雅黑" panose="020B0503020204020204" pitchFamily="34" charset="-122"/>
+              </a:rPr>
+              <a:t>不透明</a:t>
+            </a:r>
+            <a:endParaRPr lang="zh-CN" altLang="en-US" dirty="0">
+              <a:latin typeface="微软雅黑" panose="020B0503020204020204" pitchFamily="34" charset="-122"/>
+              <a:ea typeface="微软雅黑" panose="020B0503020204020204" pitchFamily="34" charset="-122"/>
+            </a:endParaRPr>
+          </a:p>
+        </p:txBody>
+      </p:sp>
+      <p:sp>
+        <p:nvSpPr>
+          <p:cNvPr id="27" name="文本框 26"/>
+          <p:cNvSpPr txBox="1"/>
+          <p:nvPr/>
+        </p:nvSpPr>
+        <p:spPr>
+          <a:xfrm>
+            <a:off x="6890703" y="558096"/>
+            <a:ext cx="1065673" cy="369332"/>
+          </a:xfrm>
+          <a:prstGeom prst="rect">
+            <a:avLst/>
+          </a:prstGeom>
+          <a:noFill/>
+        </p:spPr>
+        <p:txBody>
+          <a:bodyPr wrap="square" rtlCol="0">
+            <a:spAutoFit/>
+          </a:bodyPr>
+          <a:lstStyle/>
+          <a:p>
+            <a:r>
+              <a:rPr lang="zh-CN" altLang="en-US" dirty="0" smtClean="0">
+                <a:latin typeface="微软雅黑" panose="020B0503020204020204" pitchFamily="34" charset="-122"/>
+                <a:ea typeface="微软雅黑" panose="020B0503020204020204" pitchFamily="34" charset="-122"/>
+              </a:rPr>
+              <a:t>不可见</a:t>
+            </a:r>
+            <a:endParaRPr lang="zh-CN" altLang="en-US" dirty="0">
+              <a:latin typeface="微软雅黑" panose="020B0503020204020204" pitchFamily="34" charset="-122"/>
+              <a:ea typeface="微软雅黑" panose="020B0503020204020204" pitchFamily="34" charset="-122"/>
+            </a:endParaRPr>
+          </a:p>
+        </p:txBody>
+      </p:sp>
+      <p:sp>
+        <p:nvSpPr>
+          <p:cNvPr id="28" name="椭圆 27"/>
+          <p:cNvSpPr/>
+          <p:nvPr/>
+        </p:nvSpPr>
+        <p:spPr>
+          <a:xfrm>
+            <a:off x="7207516" y="1671427"/>
+            <a:ext cx="216024" cy="216024"/>
+          </a:xfrm>
+          <a:prstGeom prst="ellipse">
+            <a:avLst/>
+          </a:prstGeom>
+          <a:noFill/>
+          <a:ln>
+            <a:solidFill>
+              <a:srgbClr val="000000">
+                <a:alpha val="60000"/>
+              </a:srgbClr>
+            </a:solidFill>
+            <a:prstDash val="sysDash"/>
+          </a:ln>
+        </p:spPr>
+        <p:style>
+          <a:lnRef idx="2">
+            <a:schemeClr val="accent3">
+              <a:shade val="50000"/>
+            </a:schemeClr>
+          </a:lnRef>
+          <a:fillRef idx="1">
+            <a:schemeClr val="accent3"/>
+          </a:fillRef>
+          <a:effectRef idx="0">
+            <a:schemeClr val="accent3"/>
+          </a:effectRef>
+          <a:fontRef idx="minor">
+            <a:schemeClr val="lt1"/>
+          </a:fontRef>
+        </p:style>
+        <p:txBody>
+          <a:bodyPr rtlCol="0" anchor="ctr"/>
+          <a:lstStyle/>
+          <a:p>
+            <a:pPr algn="ctr"/>
+            <a:endParaRPr lang="zh-CN" altLang="en-US"/>
+          </a:p>
+        </p:txBody>
+      </p:sp>
+      <p:sp>
+        <p:nvSpPr>
+          <p:cNvPr id="29" name="椭圆 28"/>
+          <p:cNvSpPr/>
+          <p:nvPr/>
+        </p:nvSpPr>
+        <p:spPr>
+          <a:xfrm>
+            <a:off x="7207516" y="1039792"/>
+            <a:ext cx="216024" cy="216024"/>
+          </a:xfrm>
+          <a:prstGeom prst="ellipse">
+            <a:avLst/>
+          </a:prstGeom>
+          <a:noFill/>
+          <a:ln>
+            <a:solidFill>
+              <a:srgbClr val="000000">
+                <a:alpha val="60000"/>
+              </a:srgbClr>
+            </a:solidFill>
+            <a:prstDash val="sysDash"/>
+          </a:ln>
+        </p:spPr>
+        <p:style>
+          <a:lnRef idx="2">
+            <a:schemeClr val="accent4">
+              <a:shade val="50000"/>
+            </a:schemeClr>
+          </a:lnRef>
+          <a:fillRef idx="1">
+            <a:schemeClr val="accent4"/>
+          </a:fillRef>
+          <a:effectRef idx="0">
+            <a:schemeClr val="accent4"/>
+          </a:effectRef>
+          <a:fontRef idx="minor">
+            <a:schemeClr val="lt1"/>
+          </a:fontRef>
+        </p:style>
+        <p:txBody>
+          <a:bodyPr rtlCol="0" anchor="ctr"/>
+          <a:lstStyle/>
+          <a:p>
+            <a:pPr algn="ctr"/>
+            <a:endParaRPr lang="zh-CN" altLang="en-US"/>
+          </a:p>
+        </p:txBody>
+      </p:sp>
+      <p:sp>
+        <p:nvSpPr>
+          <p:cNvPr id="30" name="椭圆 29"/>
+          <p:cNvSpPr/>
+          <p:nvPr/>
+        </p:nvSpPr>
+        <p:spPr>
+          <a:xfrm>
+            <a:off x="7179683" y="2927301"/>
+            <a:ext cx="271690" cy="271690"/>
+          </a:xfrm>
+          <a:prstGeom prst="ellipse">
+            <a:avLst/>
+          </a:prstGeom>
+          <a:noFill/>
+          <a:ln>
+            <a:solidFill>
+              <a:srgbClr val="000000">
+                <a:alpha val="60000"/>
+              </a:srgbClr>
+            </a:solidFill>
+            <a:prstDash val="sysDash"/>
+          </a:ln>
+        </p:spPr>
+        <p:style>
+          <a:lnRef idx="2">
+            <a:schemeClr val="accent5">
+              <a:shade val="50000"/>
+            </a:schemeClr>
+          </a:lnRef>
+          <a:fillRef idx="1">
+            <a:schemeClr val="accent5"/>
+          </a:fillRef>
+          <a:effectRef idx="0">
+            <a:schemeClr val="accent5"/>
+          </a:effectRef>
+          <a:fontRef idx="minor">
+            <a:schemeClr val="lt1"/>
+          </a:fontRef>
+        </p:style>
+        <p:txBody>
+          <a:bodyPr rtlCol="0" anchor="ctr"/>
+          <a:lstStyle/>
+          <a:p>
+            <a:pPr algn="ctr"/>
+            <a:endParaRPr lang="zh-CN" altLang="en-US"/>
+          </a:p>
+        </p:txBody>
+      </p:sp>
+      <p:sp>
+        <p:nvSpPr>
+          <p:cNvPr id="31" name="椭圆 30"/>
+          <p:cNvSpPr/>
+          <p:nvPr/>
+        </p:nvSpPr>
+        <p:spPr>
+          <a:xfrm>
+            <a:off x="7235349" y="2334895"/>
+            <a:ext cx="144016" cy="144016"/>
+          </a:xfrm>
+          <a:prstGeom prst="ellipse">
+            <a:avLst/>
+          </a:prstGeom>
+          <a:noFill/>
+          <a:ln>
+            <a:solidFill>
+              <a:srgbClr val="000000">
+                <a:alpha val="60000"/>
+              </a:srgbClr>
+            </a:solidFill>
+            <a:prstDash val="sysDash"/>
+          </a:ln>
+        </p:spPr>
+        <p:style>
+          <a:lnRef idx="2">
+            <a:schemeClr val="accent6">
+              <a:shade val="50000"/>
+            </a:schemeClr>
+          </a:lnRef>
+          <a:fillRef idx="1">
+            <a:schemeClr val="accent6"/>
+          </a:fillRef>
+          <a:effectRef idx="0">
+            <a:schemeClr val="accent6"/>
+          </a:effectRef>
+          <a:fontRef idx="minor">
+            <a:schemeClr val="lt1"/>
+          </a:fontRef>
+        </p:style>
+        <p:txBody>
+          <a:bodyPr rtlCol="0" anchor="ctr"/>
+          <a:lstStyle/>
+          <a:p>
+            <a:pPr algn="ctr"/>
+            <a:endParaRPr lang="zh-CN" altLang="en-US"/>
+          </a:p>
+        </p:txBody>
+      </p:sp>
+      <p:sp>
+        <p:nvSpPr>
+          <p:cNvPr id="32" name="文本框 31"/>
+          <p:cNvSpPr txBox="1"/>
+          <p:nvPr/>
+        </p:nvSpPr>
+        <p:spPr>
+          <a:xfrm>
+            <a:off x="6390948" y="2008554"/>
+            <a:ext cx="726526" cy="369332"/>
+          </a:xfrm>
+          <a:prstGeom prst="rect">
+            <a:avLst/>
+          </a:prstGeom>
+          <a:noFill/>
+        </p:spPr>
+        <p:txBody>
+          <a:bodyPr wrap="square" rtlCol="0">
+            <a:spAutoFit/>
+          </a:bodyPr>
+          <a:lstStyle/>
+          <a:p>
+            <a:r>
+              <a:rPr lang="zh-CN" altLang="en-US" dirty="0" smtClean="0">
+                <a:latin typeface="微软雅黑" panose="020B0503020204020204" pitchFamily="34" charset="-122"/>
+                <a:ea typeface="微软雅黑" panose="020B0503020204020204" pitchFamily="34" charset="-122"/>
+              </a:rPr>
+              <a:t>相机</a:t>
+            </a:r>
+            <a:endParaRPr lang="zh-CN" altLang="en-US" dirty="0">
+              <a:latin typeface="微软雅黑" panose="020B0503020204020204" pitchFamily="34" charset="-122"/>
+              <a:ea typeface="微软雅黑" panose="020B0503020204020204" pitchFamily="34" charset="-122"/>
+            </a:endParaRPr>
+          </a:p>
+        </p:txBody>
+      </p:sp>
+      <p:cxnSp>
+        <p:nvCxnSpPr>
+          <p:cNvPr id="33" name="直接箭头连接符 32"/>
+          <p:cNvCxnSpPr/>
+          <p:nvPr/>
+        </p:nvCxnSpPr>
+        <p:spPr>
+          <a:xfrm>
+            <a:off x="1540320" y="4246348"/>
+            <a:ext cx="5911053" cy="0"/>
+          </a:xfrm>
+          <a:prstGeom prst="straightConnector1">
+            <a:avLst/>
+          </a:prstGeom>
+          <a:ln>
+            <a:headEnd type="none" w="med" len="med"/>
+            <a:tailEnd type="triangle" w="med" len="med"/>
+          </a:ln>
+        </p:spPr>
+        <p:style>
+          <a:lnRef idx="3">
+            <a:schemeClr val="accent6"/>
+          </a:lnRef>
+          <a:fillRef idx="0">
+            <a:schemeClr val="accent6"/>
+          </a:fillRef>
+          <a:effectRef idx="2">
+            <a:schemeClr val="accent6"/>
+          </a:effectRef>
+          <a:fontRef idx="minor">
+            <a:schemeClr val="tx1"/>
+          </a:fontRef>
+        </p:style>
+      </p:cxnSp>
+      <p:sp>
+        <p:nvSpPr>
+          <p:cNvPr id="35" name="文本框 34"/>
+          <p:cNvSpPr txBox="1"/>
+          <p:nvPr/>
+        </p:nvSpPr>
+        <p:spPr>
+          <a:xfrm>
+            <a:off x="3476161" y="4386590"/>
+            <a:ext cx="1928659" cy="338554"/>
+          </a:xfrm>
+          <a:prstGeom prst="rect">
+            <a:avLst/>
+          </a:prstGeom>
+          <a:noFill/>
+        </p:spPr>
+        <p:txBody>
+          <a:bodyPr wrap="square" rtlCol="0">
+            <a:spAutoFit/>
+          </a:bodyPr>
+          <a:lstStyle/>
+          <a:p>
+            <a:r>
+              <a:rPr lang="en-US" altLang="zh-CN" sz="1600" dirty="0">
+                <a:latin typeface="微软雅黑" panose="020B0503020204020204" pitchFamily="34" charset="-122"/>
+                <a:ea typeface="微软雅黑" panose="020B0503020204020204" pitchFamily="34" charset="-122"/>
+              </a:rPr>
+              <a:t>a</a:t>
+            </a:r>
+            <a:r>
+              <a:rPr lang="en-US" altLang="zh-CN" sz="1600" dirty="0" smtClean="0">
+                <a:latin typeface="微软雅黑" panose="020B0503020204020204" pitchFamily="34" charset="-122"/>
+                <a:ea typeface="微软雅黑" panose="020B0503020204020204" pitchFamily="34" charset="-122"/>
+              </a:rPr>
+              <a:t>nimation </a:t>
+            </a:r>
+            <a:r>
+              <a:rPr lang="zh-CN" altLang="en-US" sz="1600" dirty="0" smtClean="0">
+                <a:latin typeface="微软雅黑" panose="020B0503020204020204" pitchFamily="34" charset="-122"/>
+                <a:ea typeface="微软雅黑" panose="020B0503020204020204" pitchFamily="34" charset="-122"/>
+              </a:rPr>
+              <a:t>动画</a:t>
+            </a:r>
+            <a:endParaRPr lang="zh-CN" altLang="en-US" sz="1600" dirty="0">
+              <a:latin typeface="微软雅黑" panose="020B0503020204020204" pitchFamily="34" charset="-122"/>
+              <a:ea typeface="微软雅黑" panose="020B0503020204020204" pitchFamily="34" charset="-122"/>
+            </a:endParaRPr>
+          </a:p>
+        </p:txBody>
+      </p:sp>
+    </p:spTree>
+    <p:extLst>
+      <p:ext uri="{BB962C8B-B14F-4D97-AF65-F5344CB8AC3E}">
+        <p14:creationId xmlns:p14="http://schemas.microsoft.com/office/powerpoint/2010/main" val="3227866876"/>
+      </p:ext>
+    </p:extLst>
+  </p:cSld>
+  <p:clrMapOvr>
+    <a:masterClrMapping/>
+  </p:clrMapOvr>
+</p:sld>
+</file>
+
+<file path=ppt/slides/slide16.xml><?xml version="1.0" encoding="utf-8"?>
+<p:sld xmlns:a="http://schemas.openxmlformats.org/drawingml/2006/main" xmlns:r="http://schemas.openxmlformats.org/officeDocument/2006/relationships" xmlns:p="http://schemas.openxmlformats.org/presentationml/2006/main">
+  <p:cSld>
+    <p:spTree>
+      <p:nvGrpSpPr>
+        <p:cNvPr id="1" name=""/>
+        <p:cNvGrpSpPr/>
+        <p:nvPr/>
+      </p:nvGrpSpPr>
+      <p:grpSpPr>
+        <a:xfrm>
+          <a:off x="0" y="0"/>
+          <a:ext cx="0" cy="0"/>
+          <a:chOff x="0" y="0"/>
+          <a:chExt cx="0" cy="0"/>
+        </a:xfrm>
+      </p:grpSpPr>
       <p:sp>
         <p:nvSpPr>
           <p:cNvPr id="5" name="矩形 4"/>
@@ -6067,7 +6612,21 @@
                 <a:latin typeface="微软雅黑" panose="020B0503020204020204" pitchFamily="34" charset="-122"/>
                 <a:ea typeface="微软雅黑" panose="020B0503020204020204" pitchFamily="34" charset="-122"/>
               </a:rPr>
-              <a:t>个标签，每个标签有</a:t>
+              <a:t>个分组，每个</a:t>
+            </a:r>
+            <a:r>
+              <a:rPr lang="zh-CN" altLang="en-US" dirty="0" smtClean="0">
+                <a:latin typeface="微软雅黑" panose="020B0503020204020204" pitchFamily="34" charset="-122"/>
+                <a:ea typeface="微软雅黑" panose="020B0503020204020204" pitchFamily="34" charset="-122"/>
+              </a:rPr>
+              <a:t>分组标签</a:t>
+            </a:r>
+            <a:r>
+              <a:rPr lang="zh-CN" altLang="en-US" dirty="0" smtClean="0">
+                <a:latin typeface="微软雅黑" panose="020B0503020204020204" pitchFamily="34" charset="-122"/>
+                <a:ea typeface="微软雅黑" panose="020B0503020204020204" pitchFamily="34" charset="-122"/>
+              </a:rPr>
+              <a:t>有</a:t>
             </a:r>
             <a:r>
               <a:rPr lang="en-US" altLang="zh-CN" dirty="0" smtClean="0">
@@ -6095,7 +6654,21 @@
                 <a:latin typeface="微软雅黑" panose="020B0503020204020204" pitchFamily="34" charset="-122"/>
                 <a:ea typeface="微软雅黑" panose="020B0503020204020204" pitchFamily="34" charset="-122"/>
               </a:rPr>
-              <a:t>颗星星。动画的运动单元是标签，也就是</a:t>
+              <a:t>颗星星。动画的运动单元</a:t>
+            </a:r>
+            <a:r>
+              <a:rPr lang="zh-CN" altLang="en-US" dirty="0" smtClean="0">
+                <a:latin typeface="微软雅黑" panose="020B0503020204020204" pitchFamily="34" charset="-122"/>
+                <a:ea typeface="微软雅黑" panose="020B0503020204020204" pitchFamily="34" charset="-122"/>
+              </a:rPr>
+              <a:t>是分组标签，</a:t>
+            </a:r>
+            <a:r>
+              <a:rPr lang="zh-CN" altLang="en-US" dirty="0">
+                <a:latin typeface="微软雅黑" panose="020B0503020204020204" pitchFamily="34" charset="-122"/>
+                <a:ea typeface="微软雅黑" panose="020B0503020204020204" pitchFamily="34" charset="-122"/>
+              </a:rPr>
+              <a:t>同时</a:t>
             </a:r>
             <a:r>
               <a:rPr lang="en-US" altLang="zh-CN" dirty="0" smtClean="0">
@@ -6109,7 +6682,21 @@
                 <a:latin typeface="微软雅黑" panose="020B0503020204020204" pitchFamily="34" charset="-122"/>
                 <a:ea typeface="微软雅黑" panose="020B0503020204020204" pitchFamily="34" charset="-122"/>
               </a:rPr>
-              <a:t>个投影会跟着标签一起动。现在的问题是，我们的</a:t>
+              <a:t>个</a:t>
+            </a:r>
+            <a:r>
+              <a:rPr lang="zh-CN" altLang="en-US" dirty="0" smtClean="0">
+                <a:latin typeface="微软雅黑" panose="020B0503020204020204" pitchFamily="34" charset="-122"/>
+                <a:ea typeface="微软雅黑" panose="020B0503020204020204" pitchFamily="34" charset="-122"/>
+              </a:rPr>
+              <a:t>投影也会</a:t>
+            </a:r>
+            <a:r>
+              <a:rPr lang="zh-CN" altLang="en-US" dirty="0" smtClean="0">
+                <a:latin typeface="微软雅黑" panose="020B0503020204020204" pitchFamily="34" charset="-122"/>
+                <a:ea typeface="微软雅黑" panose="020B0503020204020204" pitchFamily="34" charset="-122"/>
+              </a:rPr>
+              <a:t>跟着标签一起动。现在的问题是，我们的</a:t>
             </a:r>
             <a:r>
               <a:rPr lang="en-US" altLang="zh-CN" dirty="0" smtClean="0">
@@ -6123,7 +6710,14 @@
                 <a:latin typeface="微软雅黑" panose="020B0503020204020204" pitchFamily="34" charset="-122"/>
                 <a:ea typeface="微软雅黑" panose="020B0503020204020204" pitchFamily="34" charset="-122"/>
               </a:rPr>
-              <a:t>个标签，或者说</a:t>
+              <a:t>个分组标签</a:t>
+            </a:r>
+            <a:r>
+              <a:rPr lang="zh-CN" altLang="en-US" dirty="0" smtClean="0">
+                <a:latin typeface="微软雅黑" panose="020B0503020204020204" pitchFamily="34" charset="-122"/>
+                <a:ea typeface="微软雅黑" panose="020B0503020204020204" pitchFamily="34" charset="-122"/>
+              </a:rPr>
+              <a:t>，或者说</a:t>
             </a:r>
             <a:r>
               <a:rPr lang="en-US" altLang="zh-CN" dirty="0" smtClean="0">
@@ -6137,7 +6731,21 @@
                 <a:latin typeface="微软雅黑" panose="020B0503020204020204" pitchFamily="34" charset="-122"/>
                 <a:ea typeface="微软雅黑" panose="020B0503020204020204" pitchFamily="34" charset="-122"/>
               </a:rPr>
-              <a:t>组星星，如何随机的运动，但是，在足够长的时间间隔内，不会出现组数下降减少的情况。比如，我们</a:t>
+              <a:t>组星星，如何随机的</a:t>
+            </a:r>
+            <a:r>
+              <a:rPr lang="zh-CN" altLang="en-US" dirty="0" smtClean="0">
+                <a:latin typeface="微软雅黑" panose="020B0503020204020204" pitchFamily="34" charset="-122"/>
+                <a:ea typeface="微软雅黑" panose="020B0503020204020204" pitchFamily="34" charset="-122"/>
+              </a:rPr>
+              <a:t>运动，同时在</a:t>
+            </a:r>
+            <a:r>
+              <a:rPr lang="zh-CN" altLang="en-US" dirty="0" smtClean="0">
+                <a:latin typeface="微软雅黑" panose="020B0503020204020204" pitchFamily="34" charset="-122"/>
+                <a:ea typeface="微软雅黑" panose="020B0503020204020204" pitchFamily="34" charset="-122"/>
+              </a:rPr>
+              <a:t>足够长的时间间隔内，不会出现组数下降减少的情况。比如，我们</a:t>
             </a:r>
             <a:r>
               <a:rPr lang="zh-CN" altLang="en-US" dirty="0" smtClean="0">
@@ -6308,21 +6916,17 @@
                 <a:latin typeface="微软雅黑" panose="020B0503020204020204" pitchFamily="34" charset="-122"/>
                 <a:ea typeface="微软雅黑" panose="020B0503020204020204" pitchFamily="34" charset="-122"/>
               </a:rPr>
-              <a:t>图所示，</a:t>
-            </a:r>
-            <a:endParaRPr lang="en-US" altLang="zh-CN" dirty="0" smtClean="0">
-              <a:latin typeface="微软雅黑" panose="020B0503020204020204" pitchFamily="34" charset="-122"/>
-              <a:ea typeface="微软雅黑" panose="020B0503020204020204" pitchFamily="34" charset="-122"/>
-            </a:endParaRPr>
-          </a:p>
-          <a:p>
-            <a:pPr>
-              <a:lnSpc>
-                <a:spcPct val="150000"/>
-              </a:lnSpc>
-            </a:pPr>
-            <a:r>
-              <a:rPr lang="en-US" altLang="zh-CN" dirty="0">
+              <a:t>图所</a:t>
+            </a:r>
+            <a:r>
+              <a:rPr lang="zh-CN" altLang="en-US" dirty="0" smtClean="0">
+                <a:latin typeface="微软雅黑" panose="020B0503020204020204" pitchFamily="34" charset="-122"/>
+                <a:ea typeface="微软雅黑" panose="020B0503020204020204" pitchFamily="34" charset="-122"/>
+              </a:rPr>
+              <a:t>示，</a:t>
+            </a:r>
+            <a:r>
+              <a:rPr lang="en-US" altLang="zh-CN" dirty="0" smtClean="0">
                 <a:latin typeface="微软雅黑" panose="020B0503020204020204" pitchFamily="34" charset="-122"/>
                 <a:ea typeface="微软雅黑" panose="020B0503020204020204" pitchFamily="34" charset="-122"/>
               </a:rPr>
@@ -6333,7 +6937,14 @@
                 <a:latin typeface="微软雅黑" panose="020B0503020204020204" pitchFamily="34" charset="-122"/>
                 <a:ea typeface="微软雅黑" panose="020B0503020204020204" pitchFamily="34" charset="-122"/>
               </a:rPr>
-              <a:t>组星星的动画轨迹，都会在每个周期内停止，并且重新开启新的动画，动画的停止</a:t>
+              <a:t>组</a:t>
+            </a:r>
+            <a:r>
+              <a:rPr lang="zh-CN" altLang="en-US" dirty="0" smtClean="0">
+                <a:latin typeface="微软雅黑" panose="020B0503020204020204" pitchFamily="34" charset="-122"/>
+                <a:ea typeface="微软雅黑" panose="020B0503020204020204" pitchFamily="34" charset="-122"/>
+              </a:rPr>
+              <a:t>星星的动画轨迹，都会在每个周期内停止，并且重新开启新的动画，动画的停止</a:t>
             </a:r>
             <a:r>
               <a:rPr lang="en-US" altLang="zh-CN" dirty="0" smtClean="0">
@@ -6347,7 +6958,21 @@
                 <a:latin typeface="微软雅黑" panose="020B0503020204020204" pitchFamily="34" charset="-122"/>
                 <a:ea typeface="微软雅黑" panose="020B0503020204020204" pitchFamily="34" charset="-122"/>
               </a:rPr>
-              <a:t>启动时机不同，长度也不同，但是周期内的变更次数相同。</a:t>
+              <a:t>启动时机不同，长度也不同，</a:t>
+            </a:r>
+            <a:r>
+              <a:rPr lang="zh-CN" altLang="en-US" dirty="0" smtClean="0">
+                <a:latin typeface="微软雅黑" panose="020B0503020204020204" pitchFamily="34" charset="-122"/>
+                <a:ea typeface="微软雅黑" panose="020B0503020204020204" pitchFamily="34" charset="-122"/>
+              </a:rPr>
+              <a:t>但在每个周期</a:t>
+            </a:r>
+            <a:r>
+              <a:rPr lang="zh-CN" altLang="en-US" dirty="0" smtClean="0">
+                <a:latin typeface="微软雅黑" panose="020B0503020204020204" pitchFamily="34" charset="-122"/>
+                <a:ea typeface="微软雅黑" panose="020B0503020204020204" pitchFamily="34" charset="-122"/>
+              </a:rPr>
+              <a:t>内的变更次数相同。</a:t>
             </a:r>
             <a:endParaRPr lang="en-US" altLang="zh-CN" dirty="0" smtClean="0">
               <a:latin typeface="微软雅黑" panose="020B0503020204020204" pitchFamily="34" charset="-122"/>
@@ -7415,7 +8040,7 @@
 </p:sld>
 </file>
 
-<file path=ppt/slides/slide15.xml><?xml version="1.0" encoding="utf-8"?>
+<file path=ppt/slides/slide17.xml><?xml version="1.0" encoding="utf-8"?>
 <p:sld xmlns:a="http://schemas.openxmlformats.org/drawingml/2006/main" xmlns:r="http://schemas.openxmlformats.org/officeDocument/2006/relationships" xmlns:p="http://schemas.openxmlformats.org/presentationml/2006/main">
   <p:cSld>
     <p:spTree>
@@ -8496,450 +9121,7 @@
 </p:sld>
 </file>
 
-<file path=ppt/slides/slide16.xml><?xml version="1.0" encoding="utf-8"?>
-<p:sld xmlns:a="http://schemas.openxmlformats.org/drawingml/2006/main" xmlns:r="http://schemas.openxmlformats.org/officeDocument/2006/relationships" xmlns:p="http://schemas.openxmlformats.org/presentationml/2006/main">
-  <p:cSld>
-    <p:spTree>
-      <p:nvGrpSpPr>
-        <p:cNvPr id="1" name=""/>
-        <p:cNvGrpSpPr/>
-        <p:nvPr/>
-      </p:nvGrpSpPr>
-      <p:grpSpPr>
-        <a:xfrm>
-          <a:off x="0" y="0"/>
-          <a:ext cx="0" cy="0"/>
-          <a:chOff x="0" y="0"/>
-          <a:chExt cx="0" cy="0"/>
-        </a:xfrm>
-      </p:grpSpPr>
-      <p:pic>
-        <p:nvPicPr>
-          <p:cNvPr id="6" name="图片 5" descr="屏幕剪辑"/>
-          <p:cNvPicPr>
-            <a:picLocks noChangeAspect="1"/>
-          </p:cNvPicPr>
-          <p:nvPr/>
-        </p:nvPicPr>
-        <p:blipFill>
-          <a:blip r:embed="rId2">
-            <a:extLst>
-              <a:ext uri="{28A0092B-C50C-407E-A947-70E740481C1C}">
-                <a14:useLocalDpi xmlns:a14="http://schemas.microsoft.com/office/drawing/2010/main" val="0"/>
-              </a:ext>
-            </a:extLst>
-          </a:blip>
-          <a:stretch>
-            <a:fillRect/>
-          </a:stretch>
-        </p:blipFill>
-        <p:spPr>
-          <a:xfrm>
-            <a:off x="611560" y="188640"/>
-            <a:ext cx="4658375" cy="6154009"/>
-          </a:xfrm>
-          <a:prstGeom prst="rect">
-            <a:avLst/>
-          </a:prstGeom>
-          <a:ln>
-            <a:noFill/>
-          </a:ln>
-          <a:effectLst>
-            <a:outerShdw blurRad="292100" dist="139700" dir="2700000" algn="tl" rotWithShape="0">
-              <a:srgbClr val="333333">
-                <a:alpha val="65000"/>
-              </a:srgbClr>
-            </a:outerShdw>
-          </a:effectLst>
-        </p:spPr>
-      </p:pic>
-      <p:sp>
-        <p:nvSpPr>
-          <p:cNvPr id="3" name="圆角矩形标注 2"/>
-          <p:cNvSpPr/>
-          <p:nvPr/>
-        </p:nvSpPr>
-        <p:spPr>
-          <a:xfrm>
-            <a:off x="3314232" y="476672"/>
-            <a:ext cx="4570136" cy="1152128"/>
-          </a:xfrm>
-          <a:prstGeom prst="wedgeRoundRectCallout">
-            <a:avLst>
-              <a:gd name="adj1" fmla="val -57191"/>
-              <a:gd name="adj2" fmla="val 53173"/>
-              <a:gd name="adj3" fmla="val 16667"/>
-            </a:avLst>
-          </a:prstGeom>
-        </p:spPr>
-        <p:style>
-          <a:lnRef idx="2">
-            <a:schemeClr val="accent5"/>
-          </a:lnRef>
-          <a:fillRef idx="1">
-            <a:schemeClr val="lt1"/>
-          </a:fillRef>
-          <a:effectRef idx="0">
-            <a:schemeClr val="accent5"/>
-          </a:effectRef>
-          <a:fontRef idx="minor">
-            <a:schemeClr val="dk1"/>
-          </a:fontRef>
-        </p:style>
-        <p:txBody>
-          <a:bodyPr rtlCol="0" anchor="ctr"/>
-          <a:lstStyle/>
-          <a:p>
-            <a:pPr>
-              <a:lnSpc>
-                <a:spcPct val="150000"/>
-              </a:lnSpc>
-            </a:pPr>
-            <a:r>
-              <a:rPr lang="zh-CN" altLang="en-US" sz="1600" dirty="0" smtClean="0">
-                <a:latin typeface="微软雅黑" panose="020B0503020204020204" pitchFamily="34" charset="-122"/>
-                <a:ea typeface="微软雅黑" panose="020B0503020204020204" pitchFamily="34" charset="-122"/>
-              </a:rPr>
-              <a:t>标签的</a:t>
-            </a:r>
-            <a:r>
-              <a:rPr lang="en-US" altLang="zh-CN" sz="1600" dirty="0" err="1" smtClean="0">
-                <a:latin typeface="微软雅黑" panose="020B0503020204020204" pitchFamily="34" charset="-122"/>
-                <a:ea typeface="微软雅黑" panose="020B0503020204020204" pitchFamily="34" charset="-122"/>
-              </a:rPr>
-              <a:t>mybegin</a:t>
-            </a:r>
-            <a:r>
-              <a:rPr lang="zh-CN" altLang="en-US" sz="1600" dirty="0" smtClean="0">
-                <a:latin typeface="微软雅黑" panose="020B0503020204020204" pitchFamily="34" charset="-122"/>
-                <a:ea typeface="微软雅黑" panose="020B0503020204020204" pitchFamily="34" charset="-122"/>
-              </a:rPr>
-              <a:t>属性记录</a:t>
-            </a:r>
-            <a:r>
-              <a:rPr lang="zh-CN" altLang="en-US" sz="1600" dirty="0" smtClean="0">
-                <a:solidFill>
-                  <a:srgbClr val="FF0000"/>
-                </a:solidFill>
-                <a:latin typeface="微软雅黑" panose="020B0503020204020204" pitchFamily="34" charset="-122"/>
-                <a:ea typeface="微软雅黑" panose="020B0503020204020204" pitchFamily="34" charset="-122"/>
-              </a:rPr>
-              <a:t>动画起点和周期起点的间隔</a:t>
-            </a:r>
-            <a:r>
-              <a:rPr lang="zh-CN" altLang="en-US" sz="1600" dirty="0" smtClean="0">
-                <a:latin typeface="微软雅黑" panose="020B0503020204020204" pitchFamily="34" charset="-122"/>
-                <a:ea typeface="微软雅黑" panose="020B0503020204020204" pitchFamily="34" charset="-122"/>
-              </a:rPr>
-              <a:t>。该属性是</a:t>
-            </a:r>
-            <a:r>
-              <a:rPr lang="zh-CN" altLang="en-US" sz="1600" dirty="0" smtClean="0">
-                <a:solidFill>
-                  <a:srgbClr val="FF0000"/>
-                </a:solidFill>
-                <a:latin typeface="微软雅黑" panose="020B0503020204020204" pitchFamily="34" charset="-122"/>
-                <a:ea typeface="微软雅黑" panose="020B0503020204020204" pitchFamily="34" charset="-122"/>
-              </a:rPr>
-              <a:t>开发者</a:t>
-            </a:r>
-            <a:r>
-              <a:rPr lang="zh-CN" altLang="en-US" sz="1600" dirty="0" smtClean="0">
-                <a:latin typeface="微软雅黑" panose="020B0503020204020204" pitchFamily="34" charset="-122"/>
-                <a:ea typeface="微软雅黑" panose="020B0503020204020204" pitchFamily="34" charset="-122"/>
-              </a:rPr>
-              <a:t>添加到对象上去的，比标签的自定义属性，效率要更高</a:t>
-            </a:r>
-            <a:endParaRPr lang="zh-CN" altLang="en-US" sz="1600" dirty="0">
-              <a:latin typeface="微软雅黑" panose="020B0503020204020204" pitchFamily="34" charset="-122"/>
-              <a:ea typeface="微软雅黑" panose="020B0503020204020204" pitchFamily="34" charset="-122"/>
-            </a:endParaRPr>
-          </a:p>
-        </p:txBody>
-      </p:sp>
-      <p:sp>
-        <p:nvSpPr>
-          <p:cNvPr id="4" name="圆角矩形标注 3"/>
-          <p:cNvSpPr/>
-          <p:nvPr/>
-        </p:nvSpPr>
-        <p:spPr>
-          <a:xfrm>
-            <a:off x="4499992" y="1772816"/>
-            <a:ext cx="3384376" cy="1152128"/>
-          </a:xfrm>
-          <a:prstGeom prst="wedgeRoundRectCallout">
-            <a:avLst>
-              <a:gd name="adj1" fmla="val -56198"/>
-              <a:gd name="adj2" fmla="val -10320"/>
-              <a:gd name="adj3" fmla="val 16667"/>
-            </a:avLst>
-          </a:prstGeom>
-        </p:spPr>
-        <p:style>
-          <a:lnRef idx="2">
-            <a:schemeClr val="accent5"/>
-          </a:lnRef>
-          <a:fillRef idx="1">
-            <a:schemeClr val="lt1"/>
-          </a:fillRef>
-          <a:effectRef idx="0">
-            <a:schemeClr val="accent5"/>
-          </a:effectRef>
-          <a:fontRef idx="minor">
-            <a:schemeClr val="dk1"/>
-          </a:fontRef>
-        </p:style>
-        <p:txBody>
-          <a:bodyPr rtlCol="0" anchor="ctr"/>
-          <a:lstStyle/>
-          <a:p>
-            <a:pPr>
-              <a:lnSpc>
-                <a:spcPct val="150000"/>
-              </a:lnSpc>
-            </a:pPr>
-            <a:r>
-              <a:rPr lang="zh-CN" altLang="en-US" sz="1600" dirty="0" smtClean="0">
-                <a:latin typeface="微软雅黑" panose="020B0503020204020204" pitchFamily="34" charset="-122"/>
-                <a:ea typeface="微软雅黑" panose="020B0503020204020204" pitchFamily="34" charset="-122"/>
-              </a:rPr>
-              <a:t>如果属性值为</a:t>
-            </a:r>
-            <a:r>
-              <a:rPr lang="en-US" altLang="zh-CN" sz="1600" dirty="0" smtClean="0">
-                <a:latin typeface="微软雅黑" panose="020B0503020204020204" pitchFamily="34" charset="-122"/>
-                <a:ea typeface="微软雅黑" panose="020B0503020204020204" pitchFamily="34" charset="-122"/>
-              </a:rPr>
-              <a:t>undefined</a:t>
-            </a:r>
-            <a:r>
-              <a:rPr lang="zh-CN" altLang="en-US" sz="1600" dirty="0" smtClean="0">
-                <a:latin typeface="微软雅黑" panose="020B0503020204020204" pitchFamily="34" charset="-122"/>
-                <a:ea typeface="微软雅黑" panose="020B0503020204020204" pitchFamily="34" charset="-122"/>
-              </a:rPr>
-              <a:t>，则是第一次运行，生成随机值，并作为</a:t>
-            </a:r>
-            <a:r>
-              <a:rPr lang="zh-CN" altLang="en-US" sz="1600" dirty="0" smtClean="0">
-                <a:solidFill>
-                  <a:srgbClr val="FF0000"/>
-                </a:solidFill>
-                <a:latin typeface="微软雅黑" panose="020B0503020204020204" pitchFamily="34" charset="-122"/>
-                <a:ea typeface="微软雅黑" panose="020B0503020204020204" pitchFamily="34" charset="-122"/>
-              </a:rPr>
-              <a:t>第一次启动</a:t>
-            </a:r>
-            <a:r>
-              <a:rPr lang="zh-CN" altLang="en-US" sz="1600" dirty="0" smtClean="0">
-                <a:latin typeface="微软雅黑" panose="020B0503020204020204" pitchFamily="34" charset="-122"/>
-                <a:ea typeface="微软雅黑" panose="020B0503020204020204" pitchFamily="34" charset="-122"/>
-              </a:rPr>
-              <a:t>动画的延迟时间。</a:t>
-            </a:r>
-            <a:endParaRPr lang="zh-CN" altLang="en-US" sz="1600" dirty="0">
-              <a:latin typeface="微软雅黑" panose="020B0503020204020204" pitchFamily="34" charset="-122"/>
-              <a:ea typeface="微软雅黑" panose="020B0503020204020204" pitchFamily="34" charset="-122"/>
-            </a:endParaRPr>
-          </a:p>
-        </p:txBody>
-      </p:sp>
-      <p:sp>
-        <p:nvSpPr>
-          <p:cNvPr id="5" name="圆角矩形标注 4"/>
-          <p:cNvSpPr/>
-          <p:nvPr/>
-        </p:nvSpPr>
-        <p:spPr>
-          <a:xfrm>
-            <a:off x="4644008" y="3356992"/>
-            <a:ext cx="3240360" cy="864096"/>
-          </a:xfrm>
-          <a:prstGeom prst="wedgeRoundRectCallout">
-            <a:avLst>
-              <a:gd name="adj1" fmla="val -56198"/>
-              <a:gd name="adj2" fmla="val -10320"/>
-              <a:gd name="adj3" fmla="val 16667"/>
-            </a:avLst>
-          </a:prstGeom>
-        </p:spPr>
-        <p:style>
-          <a:lnRef idx="2">
-            <a:schemeClr val="accent5"/>
-          </a:lnRef>
-          <a:fillRef idx="1">
-            <a:schemeClr val="lt1"/>
-          </a:fillRef>
-          <a:effectRef idx="0">
-            <a:schemeClr val="accent5"/>
-          </a:effectRef>
-          <a:fontRef idx="minor">
-            <a:schemeClr val="dk1"/>
-          </a:fontRef>
-        </p:style>
-        <p:txBody>
-          <a:bodyPr rtlCol="0" anchor="ctr"/>
-          <a:lstStyle/>
-          <a:p>
-            <a:pPr>
-              <a:lnSpc>
-                <a:spcPct val="150000"/>
-              </a:lnSpc>
-            </a:pPr>
-            <a:r>
-              <a:rPr lang="zh-CN" altLang="en-US" sz="1600" dirty="0" smtClean="0">
-                <a:latin typeface="微软雅黑" panose="020B0503020204020204" pitchFamily="34" charset="-122"/>
-                <a:ea typeface="微软雅黑" panose="020B0503020204020204" pitchFamily="34" charset="-122"/>
-              </a:rPr>
-              <a:t>随机生成第二次动画启动和周期起点的间隔值</a:t>
-            </a:r>
-            <a:r>
-              <a:rPr lang="en-US" altLang="zh-CN" sz="1600" dirty="0" smtClean="0">
-                <a:latin typeface="微软雅黑" panose="020B0503020204020204" pitchFamily="34" charset="-122"/>
-                <a:ea typeface="微软雅黑" panose="020B0503020204020204" pitchFamily="34" charset="-122"/>
-              </a:rPr>
-              <a:t>begin2</a:t>
-            </a:r>
-            <a:r>
-              <a:rPr lang="zh-CN" altLang="en-US" sz="1600" dirty="0" smtClean="0">
-                <a:latin typeface="微软雅黑" panose="020B0503020204020204" pitchFamily="34" charset="-122"/>
-                <a:ea typeface="微软雅黑" panose="020B0503020204020204" pitchFamily="34" charset="-122"/>
-              </a:rPr>
-              <a:t>，并保存</a:t>
-            </a:r>
-            <a:endParaRPr lang="zh-CN" altLang="en-US" sz="1600" dirty="0">
-              <a:latin typeface="微软雅黑" panose="020B0503020204020204" pitchFamily="34" charset="-122"/>
-              <a:ea typeface="微软雅黑" panose="020B0503020204020204" pitchFamily="34" charset="-122"/>
-            </a:endParaRPr>
-          </a:p>
-        </p:txBody>
-      </p:sp>
-      <p:sp>
-        <p:nvSpPr>
-          <p:cNvPr id="7" name="圆角矩形标注 6"/>
-          <p:cNvSpPr/>
-          <p:nvPr/>
-        </p:nvSpPr>
-        <p:spPr>
-          <a:xfrm>
-            <a:off x="5269935" y="4367630"/>
-            <a:ext cx="1592676" cy="307372"/>
-          </a:xfrm>
-          <a:prstGeom prst="wedgeRoundRectCallout">
-            <a:avLst>
-              <a:gd name="adj1" fmla="val -56198"/>
-              <a:gd name="adj2" fmla="val -10320"/>
-              <a:gd name="adj3" fmla="val 16667"/>
-            </a:avLst>
-          </a:prstGeom>
-        </p:spPr>
-        <p:style>
-          <a:lnRef idx="2">
-            <a:schemeClr val="accent5"/>
-          </a:lnRef>
-          <a:fillRef idx="1">
-            <a:schemeClr val="lt1"/>
-          </a:fillRef>
-          <a:effectRef idx="0">
-            <a:schemeClr val="accent5"/>
-          </a:effectRef>
-          <a:fontRef idx="minor">
-            <a:schemeClr val="dk1"/>
-          </a:fontRef>
-        </p:style>
-        <p:txBody>
-          <a:bodyPr rtlCol="0" anchor="ctr"/>
-          <a:lstStyle/>
-          <a:p>
-            <a:pPr>
-              <a:lnSpc>
-                <a:spcPct val="150000"/>
-              </a:lnSpc>
-            </a:pPr>
-            <a:r>
-              <a:rPr lang="zh-CN" altLang="en-US" sz="1600" dirty="0" smtClean="0">
-                <a:latin typeface="微软雅黑" panose="020B0503020204020204" pitchFamily="34" charset="-122"/>
-                <a:ea typeface="微软雅黑" panose="020B0503020204020204" pitchFamily="34" charset="-122"/>
-              </a:rPr>
-              <a:t>计算动画周期</a:t>
-            </a:r>
-            <a:endParaRPr lang="zh-CN" altLang="en-US" sz="1600" dirty="0">
-              <a:latin typeface="微软雅黑" panose="020B0503020204020204" pitchFamily="34" charset="-122"/>
-              <a:ea typeface="微软雅黑" panose="020B0503020204020204" pitchFamily="34" charset="-122"/>
-            </a:endParaRPr>
-          </a:p>
-        </p:txBody>
-      </p:sp>
-      <p:sp>
-        <p:nvSpPr>
-          <p:cNvPr id="8" name="圆角矩形标注 7"/>
-          <p:cNvSpPr/>
-          <p:nvPr/>
-        </p:nvSpPr>
-        <p:spPr>
-          <a:xfrm>
-            <a:off x="4984475" y="5097405"/>
-            <a:ext cx="1099693" cy="307372"/>
-          </a:xfrm>
-          <a:prstGeom prst="wedgeRoundRectCallout">
-            <a:avLst>
-              <a:gd name="adj1" fmla="val -56198"/>
-              <a:gd name="adj2" fmla="val -10320"/>
-              <a:gd name="adj3" fmla="val 16667"/>
-            </a:avLst>
-          </a:prstGeom>
-        </p:spPr>
-        <p:style>
-          <a:lnRef idx="2">
-            <a:schemeClr val="accent5"/>
-          </a:lnRef>
-          <a:fillRef idx="1">
-            <a:schemeClr val="lt1"/>
-          </a:fillRef>
-          <a:effectRef idx="0">
-            <a:schemeClr val="accent5"/>
-          </a:effectRef>
-          <a:fontRef idx="minor">
-            <a:schemeClr val="dk1"/>
-          </a:fontRef>
-        </p:style>
-        <p:txBody>
-          <a:bodyPr rtlCol="0" anchor="ctr"/>
-          <a:lstStyle/>
-          <a:p>
-            <a:pPr>
-              <a:lnSpc>
-                <a:spcPct val="150000"/>
-              </a:lnSpc>
-            </a:pPr>
-            <a:r>
-              <a:rPr lang="zh-CN" altLang="en-US" sz="1600" dirty="0" smtClean="0">
-                <a:latin typeface="微软雅黑" panose="020B0503020204020204" pitchFamily="34" charset="-122"/>
-                <a:ea typeface="微软雅黑" panose="020B0503020204020204" pitchFamily="34" charset="-122"/>
-              </a:rPr>
-              <a:t>设置样式</a:t>
-            </a:r>
-            <a:endParaRPr lang="zh-CN" altLang="en-US" sz="1600" dirty="0">
-              <a:latin typeface="微软雅黑" panose="020B0503020204020204" pitchFamily="34" charset="-122"/>
-              <a:ea typeface="微软雅黑" panose="020B0503020204020204" pitchFamily="34" charset="-122"/>
-            </a:endParaRPr>
-          </a:p>
-        </p:txBody>
-      </p:sp>
-    </p:spTree>
-    <p:extLst>
-      <p:ext uri="{BB962C8B-B14F-4D97-AF65-F5344CB8AC3E}">
-        <p14:creationId xmlns:p14="http://schemas.microsoft.com/office/powerpoint/2010/main" val="1459650942"/>
-      </p:ext>
-    </p:extLst>
-  </p:cSld>
-  <p:clrMapOvr>
-    <a:masterClrMapping/>
-  </p:clrMapOvr>
-</p:sld>
-</file>
-
-<file path=ppt/slides/slide17.xml><?xml version="1.0" encoding="utf-8"?>
+<file path=ppt/slides/slide18.xml><?xml version="1.0" encoding="utf-8"?>
 <p:sld xmlns:a="http://schemas.openxmlformats.org/drawingml/2006/main" xmlns:r="http://schemas.openxmlformats.org/officeDocument/2006/relationships" xmlns:p="http://schemas.openxmlformats.org/presentationml/2006/main">
   <p:cSld>
     <p:spTree>
@@ -8978,8 +9160,8 @@
         </p:blipFill>
         <p:spPr>
           <a:xfrm>
-            <a:off x="683568" y="476672"/>
-            <a:ext cx="6392167" cy="1009791"/>
+            <a:off x="421884" y="116632"/>
+            <a:ext cx="4582164" cy="6154009"/>
           </a:xfrm>
           <a:prstGeom prst="rect">
             <a:avLst/>
@@ -9004,13 +9186,13 @@
         </p:nvSpPr>
         <p:spPr>
           <a:xfrm>
-            <a:off x="4932040" y="1340768"/>
-            <a:ext cx="2736304" cy="779591"/>
+            <a:off x="3314232" y="476672"/>
+            <a:ext cx="4570136" cy="1152128"/>
           </a:xfrm>
           <a:prstGeom prst="wedgeRoundRectCallout">
             <a:avLst>
-              <a:gd name="adj1" fmla="val -26222"/>
-              <a:gd name="adj2" fmla="val -77007"/>
+              <a:gd name="adj1" fmla="val -57191"/>
+              <a:gd name="adj2" fmla="val 53173"/>
               <a:gd name="adj3" fmla="val 16667"/>
             </a:avLst>
           </a:prstGeom>
@@ -9043,21 +9225,55 @@
                 <a:latin typeface="微软雅黑" panose="020B0503020204020204" pitchFamily="34" charset="-122"/>
                 <a:ea typeface="微软雅黑" panose="020B0503020204020204" pitchFamily="34" charset="-122"/>
               </a:rPr>
-              <a:t>根据周期随机时间间隔，控制精度在小数点后</a:t>
-            </a:r>
-            <a:r>
-              <a:rPr lang="en-US" altLang="zh-CN" sz="1600" dirty="0" smtClean="0">
-                <a:latin typeface="微软雅黑" panose="020B0503020204020204" pitchFamily="34" charset="-122"/>
-                <a:ea typeface="微软雅黑" panose="020B0503020204020204" pitchFamily="34" charset="-122"/>
-              </a:rPr>
-              <a:t>1</a:t>
-            </a:r>
-            <a:r>
-              <a:rPr lang="zh-CN" altLang="en-US" sz="1600" dirty="0">
-                <a:latin typeface="微软雅黑" panose="020B0503020204020204" pitchFamily="34" charset="-122"/>
-                <a:ea typeface="微软雅黑" panose="020B0503020204020204" pitchFamily="34" charset="-122"/>
-              </a:rPr>
-              <a:t>位</a:t>
+              <a:t>标签的</a:t>
+            </a:r>
+            <a:r>
+              <a:rPr lang="en-US" altLang="zh-CN" sz="1600" dirty="0" err="1" smtClean="0">
+                <a:latin typeface="微软雅黑" panose="020B0503020204020204" pitchFamily="34" charset="-122"/>
+                <a:ea typeface="微软雅黑" panose="020B0503020204020204" pitchFamily="34" charset="-122"/>
+              </a:rPr>
+              <a:t>mybegin</a:t>
+            </a:r>
+            <a:r>
+              <a:rPr lang="zh-CN" altLang="en-US" sz="1600" dirty="0" smtClean="0">
+                <a:latin typeface="微软雅黑" panose="020B0503020204020204" pitchFamily="34" charset="-122"/>
+                <a:ea typeface="微软雅黑" panose="020B0503020204020204" pitchFamily="34" charset="-122"/>
+              </a:rPr>
+              <a:t>属性记录</a:t>
+            </a:r>
+            <a:r>
+              <a:rPr lang="zh-CN" altLang="en-US" sz="1600" dirty="0" smtClean="0">
+                <a:solidFill>
+                  <a:srgbClr val="FF0000"/>
+                </a:solidFill>
+                <a:latin typeface="微软雅黑" panose="020B0503020204020204" pitchFamily="34" charset="-122"/>
+                <a:ea typeface="微软雅黑" panose="020B0503020204020204" pitchFamily="34" charset="-122"/>
+              </a:rPr>
+              <a:t>动画起点和周期起点的间隔</a:t>
+            </a:r>
+            <a:r>
+              <a:rPr lang="zh-CN" altLang="en-US" sz="1600" dirty="0" smtClean="0">
+                <a:latin typeface="微软雅黑" panose="020B0503020204020204" pitchFamily="34" charset="-122"/>
+                <a:ea typeface="微软雅黑" panose="020B0503020204020204" pitchFamily="34" charset="-122"/>
+              </a:rPr>
+              <a:t>。该属性是</a:t>
+            </a:r>
+            <a:r>
+              <a:rPr lang="zh-CN" altLang="en-US" sz="1600" dirty="0" smtClean="0">
+                <a:solidFill>
+                  <a:srgbClr val="FF0000"/>
+                </a:solidFill>
+                <a:latin typeface="微软雅黑" panose="020B0503020204020204" pitchFamily="34" charset="-122"/>
+                <a:ea typeface="微软雅黑" panose="020B0503020204020204" pitchFamily="34" charset="-122"/>
+              </a:rPr>
+              <a:t>开发者</a:t>
+            </a:r>
+            <a:r>
+              <a:rPr lang="zh-CN" altLang="en-US" sz="1600" dirty="0" smtClean="0">
+                <a:latin typeface="微软雅黑" panose="020B0503020204020204" pitchFamily="34" charset="-122"/>
+                <a:ea typeface="微软雅黑" panose="020B0503020204020204" pitchFamily="34" charset="-122"/>
+              </a:rPr>
+              <a:t>添加到对象上去的，比标签的自定义属性，效率要更高</a:t>
             </a:r>
             <a:endParaRPr lang="zh-CN" altLang="en-US" sz="1600" dirty="0">
               <a:latin typeface="微软雅黑" panose="020B0503020204020204" pitchFamily="34" charset="-122"/>
@@ -9068,108 +9284,14 @@
       </p:sp>
       <p:sp>
         <p:nvSpPr>
-          <p:cNvPr id="4" name="矩形 3"/>
+          <p:cNvPr id="4" name="圆角矩形标注 3"/>
           <p:cNvSpPr/>
           <p:nvPr/>
         </p:nvSpPr>
         <p:spPr>
           <a:xfrm>
-            <a:off x="676693" y="2780928"/>
-            <a:ext cx="6991651" cy="458908"/>
-          </a:xfrm>
-          <a:prstGeom prst="rect">
-            <a:avLst/>
-          </a:prstGeom>
-        </p:spPr>
-        <p:txBody>
-          <a:bodyPr wrap="square">
-            <a:spAutoFit/>
-          </a:bodyPr>
-          <a:lstStyle/>
-          <a:p>
-            <a:pPr>
-              <a:lnSpc>
-                <a:spcPct val="150000"/>
-              </a:lnSpc>
-            </a:pPr>
-            <a:r>
-              <a:rPr lang="en-US" altLang="zh-CN" dirty="0" smtClean="0">
-                <a:latin typeface="微软雅黑" panose="020B0503020204020204" pitchFamily="34" charset="-122"/>
-                <a:ea typeface="微软雅黑" panose="020B0503020204020204" pitchFamily="34" charset="-122"/>
-              </a:rPr>
-              <a:t>c</a:t>
-            </a:r>
-            <a:r>
-              <a:rPr lang="en-US" altLang="zh-CN" dirty="0" smtClean="0">
-                <a:latin typeface="微软雅黑" panose="020B0503020204020204" pitchFamily="34" charset="-122"/>
-                <a:ea typeface="微软雅黑" panose="020B0503020204020204" pitchFamily="34" charset="-122"/>
-              </a:rPr>
-              <a:t>.</a:t>
-            </a:r>
-            <a:r>
-              <a:rPr lang="zh-CN" altLang="en-US" dirty="0" smtClean="0">
-                <a:latin typeface="微软雅黑" panose="020B0503020204020204" pitchFamily="34" charset="-122"/>
-                <a:ea typeface="微软雅黑" panose="020B0503020204020204" pitchFamily="34" charset="-122"/>
-              </a:rPr>
-              <a:t>启动停止动画</a:t>
-            </a:r>
-            <a:endParaRPr lang="en-US" altLang="zh-CN" dirty="0">
-              <a:latin typeface="微软雅黑" panose="020B0503020204020204" pitchFamily="34" charset="-122"/>
-              <a:ea typeface="微软雅黑" panose="020B0503020204020204" pitchFamily="34" charset="-122"/>
-            </a:endParaRPr>
-          </a:p>
-        </p:txBody>
-      </p:sp>
-      <p:pic>
-        <p:nvPicPr>
-          <p:cNvPr id="9" name="图片 8" descr="屏幕剪辑"/>
-          <p:cNvPicPr>
-            <a:picLocks noChangeAspect="1"/>
-          </p:cNvPicPr>
-          <p:nvPr/>
-        </p:nvPicPr>
-        <p:blipFill>
-          <a:blip r:embed="rId3">
-            <a:extLst>
-              <a:ext uri="{28A0092B-C50C-407E-A947-70E740481C1C}">
-                <a14:useLocalDpi xmlns:a14="http://schemas.microsoft.com/office/drawing/2010/main" val="0"/>
-              </a:ext>
-            </a:extLst>
-          </a:blip>
-          <a:stretch>
-            <a:fillRect/>
-          </a:stretch>
-        </p:blipFill>
-        <p:spPr>
-          <a:xfrm>
-            <a:off x="755576" y="3645024"/>
-            <a:ext cx="3801005" cy="2057687"/>
-          </a:xfrm>
-          <a:prstGeom prst="rect">
-            <a:avLst/>
-          </a:prstGeom>
-          <a:ln>
-            <a:noFill/>
-          </a:ln>
-          <a:effectLst>
-            <a:outerShdw blurRad="292100" dist="139700" dir="2700000" algn="tl" rotWithShape="0">
-              <a:srgbClr val="333333">
-                <a:alpha val="65000"/>
-              </a:srgbClr>
-            </a:outerShdw>
-          </a:effectLst>
-        </p:spPr>
-      </p:pic>
-      <p:sp>
-        <p:nvSpPr>
-          <p:cNvPr id="10" name="圆角矩形标注 9"/>
-          <p:cNvSpPr/>
-          <p:nvPr/>
-        </p:nvSpPr>
-        <p:spPr>
-          <a:xfrm>
-            <a:off x="4206960" y="4077071"/>
-            <a:ext cx="2741304" cy="457229"/>
+            <a:off x="4499992" y="1772816"/>
+            <a:ext cx="3384376" cy="1152128"/>
           </a:xfrm>
           <a:prstGeom prst="wedgeRoundRectCallout">
             <a:avLst>
@@ -9207,35 +9329,38 @@
                 <a:latin typeface="微软雅黑" panose="020B0503020204020204" pitchFamily="34" charset="-122"/>
                 <a:ea typeface="微软雅黑" panose="020B0503020204020204" pitchFamily="34" charset="-122"/>
               </a:rPr>
-              <a:t>仅需简单的添加</a:t>
+              <a:t>如果属性值为</a:t>
             </a:r>
             <a:r>
               <a:rPr lang="en-US" altLang="zh-CN" sz="1600" dirty="0" smtClean="0">
                 <a:latin typeface="微软雅黑" panose="020B0503020204020204" pitchFamily="34" charset="-122"/>
                 <a:ea typeface="微软雅黑" panose="020B0503020204020204" pitchFamily="34" charset="-122"/>
               </a:rPr>
-              <a:t>/</a:t>
+              <a:t>undefined</a:t>
             </a:r>
             <a:r>
               <a:rPr lang="zh-CN" altLang="en-US" sz="1600" dirty="0" smtClean="0">
                 <a:latin typeface="微软雅黑" panose="020B0503020204020204" pitchFamily="34" charset="-122"/>
                 <a:ea typeface="微软雅黑" panose="020B0503020204020204" pitchFamily="34" charset="-122"/>
               </a:rPr>
-              <a:t>删除</a:t>
-            </a:r>
-            <a:r>
-              <a:rPr lang="en-US" altLang="zh-CN" sz="1600" dirty="0" err="1" smtClean="0">
-                <a:latin typeface="微软雅黑" panose="020B0503020204020204" pitchFamily="34" charset="-122"/>
-                <a:ea typeface="微软雅黑" panose="020B0503020204020204" pitchFamily="34" charset="-122"/>
-              </a:rPr>
-              <a:t>ani</a:t>
+              <a:t>，则是第一次运行，生成随机值，并作为</a:t>
             </a:r>
             <a:r>
               <a:rPr lang="zh-CN" altLang="en-US" sz="1600" dirty="0" smtClean="0">
-                <a:latin typeface="微软雅黑" panose="020B0503020204020204" pitchFamily="34" charset="-122"/>
-                <a:ea typeface="微软雅黑" panose="020B0503020204020204" pitchFamily="34" charset="-122"/>
-              </a:rPr>
-              <a:t>类</a:t>
+                <a:solidFill>
+                  <a:srgbClr val="FF0000"/>
+                </a:solidFill>
+                <a:latin typeface="微软雅黑" panose="020B0503020204020204" pitchFamily="34" charset="-122"/>
+                <a:ea typeface="微软雅黑" panose="020B0503020204020204" pitchFamily="34" charset="-122"/>
+              </a:rPr>
+              <a:t>第一次启动</a:t>
+            </a:r>
+            <a:r>
+              <a:rPr lang="zh-CN" altLang="en-US" sz="1600" dirty="0" smtClean="0">
+                <a:latin typeface="微软雅黑" panose="020B0503020204020204" pitchFamily="34" charset="-122"/>
+                <a:ea typeface="微软雅黑" panose="020B0503020204020204" pitchFamily="34" charset="-122"/>
+              </a:rPr>
+              <a:t>动画的延迟时间。</a:t>
             </a:r>
             <a:endParaRPr lang="zh-CN" altLang="en-US" sz="1600" dirty="0">
               <a:latin typeface="微软雅黑" panose="020B0503020204020204" pitchFamily="34" charset="-122"/>
@@ -9244,145 +9369,21 @@
           </a:p>
         </p:txBody>
       </p:sp>
-    </p:spTree>
-    <p:extLst>
-      <p:ext uri="{BB962C8B-B14F-4D97-AF65-F5344CB8AC3E}">
-        <p14:creationId xmlns:p14="http://schemas.microsoft.com/office/powerpoint/2010/main" val="3837524108"/>
-      </p:ext>
-    </p:extLst>
-  </p:cSld>
-  <p:clrMapOvr>
-    <a:masterClrMapping/>
-  </p:clrMapOvr>
-</p:sld>
-</file>
-
-<file path=ppt/slides/slide18.xml><?xml version="1.0" encoding="utf-8"?>
-<p:sld xmlns:a="http://schemas.openxmlformats.org/drawingml/2006/main" xmlns:r="http://schemas.openxmlformats.org/officeDocument/2006/relationships" xmlns:p="http://schemas.openxmlformats.org/presentationml/2006/main">
-  <p:cSld>
-    <p:spTree>
-      <p:nvGrpSpPr>
-        <p:cNvPr id="1" name=""/>
-        <p:cNvGrpSpPr/>
-        <p:nvPr/>
-      </p:nvGrpSpPr>
-      <p:grpSpPr>
-        <a:xfrm>
-          <a:off x="0" y="0"/>
-          <a:ext cx="0" cy="0"/>
-          <a:chOff x="0" y="0"/>
-          <a:chExt cx="0" cy="0"/>
-        </a:xfrm>
-      </p:grpSpPr>
-      <p:pic>
-        <p:nvPicPr>
-          <p:cNvPr id="9" name="图片 8" descr="屏幕剪辑"/>
-          <p:cNvPicPr>
-            <a:picLocks noChangeAspect="1"/>
-          </p:cNvPicPr>
-          <p:nvPr/>
-        </p:nvPicPr>
-        <p:blipFill>
-          <a:blip r:embed="rId2">
-            <a:extLst>
-              <a:ext uri="{28A0092B-C50C-407E-A947-70E740481C1C}">
-                <a14:useLocalDpi xmlns:a14="http://schemas.microsoft.com/office/drawing/2010/main" val="0"/>
-              </a:ext>
-            </a:extLst>
-          </a:blip>
-          <a:stretch>
-            <a:fillRect/>
-          </a:stretch>
-        </p:blipFill>
-        <p:spPr>
-          <a:xfrm>
-            <a:off x="830063" y="1033517"/>
-            <a:ext cx="3048425" cy="1409897"/>
-          </a:xfrm>
-          <a:prstGeom prst="rect">
-            <a:avLst/>
-          </a:prstGeom>
-          <a:ln>
-            <a:noFill/>
-          </a:ln>
-          <a:effectLst>
-            <a:outerShdw blurRad="292100" dist="139700" dir="2700000" algn="tl" rotWithShape="0">
-              <a:srgbClr val="333333">
-                <a:alpha val="65000"/>
-              </a:srgbClr>
-            </a:outerShdw>
-          </a:effectLst>
-        </p:spPr>
-      </p:pic>
-      <p:sp>
-        <p:nvSpPr>
-          <p:cNvPr id="4" name="矩形 3"/>
+      <p:sp>
+        <p:nvSpPr>
+          <p:cNvPr id="5" name="圆角矩形标注 4"/>
           <p:cNvSpPr/>
           <p:nvPr/>
         </p:nvSpPr>
         <p:spPr>
           <a:xfrm>
-            <a:off x="683568" y="260806"/>
-            <a:ext cx="6991651" cy="507831"/>
-          </a:xfrm>
-          <a:prstGeom prst="rect">
-            <a:avLst/>
-          </a:prstGeom>
-        </p:spPr>
-        <p:txBody>
-          <a:bodyPr wrap="square">
-            <a:spAutoFit/>
-          </a:bodyPr>
-          <a:lstStyle/>
-          <a:p>
-            <a:pPr>
-              <a:lnSpc>
-                <a:spcPct val="150000"/>
-              </a:lnSpc>
-            </a:pPr>
-            <a:r>
-              <a:rPr lang="en-US" altLang="zh-CN" dirty="0">
-                <a:latin typeface="微软雅黑" panose="020B0503020204020204" pitchFamily="34" charset="-122"/>
-                <a:ea typeface="微软雅黑" panose="020B0503020204020204" pitchFamily="34" charset="-122"/>
-              </a:rPr>
-              <a:t>d</a:t>
-            </a:r>
-            <a:r>
-              <a:rPr lang="en-US" altLang="zh-CN" dirty="0" smtClean="0">
-                <a:latin typeface="微软雅黑" panose="020B0503020204020204" pitchFamily="34" charset="-122"/>
-                <a:ea typeface="微软雅黑" panose="020B0503020204020204" pitchFamily="34" charset="-122"/>
-              </a:rPr>
-              <a:t>.</a:t>
-            </a:r>
-            <a:r>
-              <a:rPr lang="zh-CN" altLang="en-US" dirty="0" smtClean="0">
-                <a:latin typeface="微软雅黑" panose="020B0503020204020204" pitchFamily="34" charset="-122"/>
-                <a:ea typeface="微软雅黑" panose="020B0503020204020204" pitchFamily="34" charset="-122"/>
-              </a:rPr>
-              <a:t>完整的设置一颗星星</a:t>
-            </a:r>
-            <a:endParaRPr lang="en-US" altLang="zh-CN" dirty="0">
-              <a:latin typeface="微软雅黑" panose="020B0503020204020204" pitchFamily="34" charset="-122"/>
-              <a:ea typeface="微软雅黑" panose="020B0503020204020204" pitchFamily="34" charset="-122"/>
-            </a:endParaRPr>
-          </a:p>
-        </p:txBody>
-      </p:sp>
-      <p:sp>
-        <p:nvSpPr>
-          <p:cNvPr id="6" name="圆角矩形标注 5"/>
-          <p:cNvSpPr/>
-          <p:nvPr/>
-        </p:nvSpPr>
-        <p:spPr>
-          <a:xfrm>
-            <a:off x="2740081" y="1372924"/>
-            <a:ext cx="1156618" cy="414543"/>
+            <a:off x="4644008" y="3356992"/>
+            <a:ext cx="3240360" cy="864096"/>
           </a:xfrm>
           <a:prstGeom prst="wedgeRoundRectCallout">
             <a:avLst>
-              <a:gd name="adj1" fmla="val -59639"/>
-              <a:gd name="adj2" fmla="val 14593"/>
+              <a:gd name="adj1" fmla="val -56198"/>
+              <a:gd name="adj2" fmla="val -10320"/>
               <a:gd name="adj3" fmla="val 16667"/>
             </a:avLst>
           </a:prstGeom>
@@ -9415,9 +9416,36 @@
                 <a:latin typeface="微软雅黑" panose="020B0503020204020204" pitchFamily="34" charset="-122"/>
                 <a:ea typeface="微软雅黑" panose="020B0503020204020204" pitchFamily="34" charset="-122"/>
               </a:rPr>
-              <a:t>设置动画</a:t>
+              <a:t>随机生成第二次动画启动和周期起点的间隔值</a:t>
+            </a:r>
+            <a:r>
+              <a:rPr lang="en-US" altLang="zh-CN" sz="1600" dirty="0" smtClean="0">
+                <a:latin typeface="微软雅黑" panose="020B0503020204020204" pitchFamily="34" charset="-122"/>
+                <a:ea typeface="微软雅黑" panose="020B0503020204020204" pitchFamily="34" charset="-122"/>
+              </a:rPr>
+              <a:t>begin2</a:t>
+            </a:r>
+            <a:r>
+              <a:rPr lang="zh-CN" altLang="en-US" sz="1600" dirty="0" smtClean="0">
+                <a:latin typeface="微软雅黑" panose="020B0503020204020204" pitchFamily="34" charset="-122"/>
+                <a:ea typeface="微软雅黑" panose="020B0503020204020204" pitchFamily="34" charset="-122"/>
+              </a:rPr>
+              <a:t>，</a:t>
+            </a:r>
+            <a:r>
+              <a:rPr lang="zh-CN" altLang="en-US" sz="1600" dirty="0" smtClean="0">
+                <a:solidFill>
+                  <a:srgbClr val="FF0000"/>
+                </a:solidFill>
+                <a:latin typeface="微软雅黑" panose="020B0503020204020204" pitchFamily="34" charset="-122"/>
+                <a:ea typeface="微软雅黑" panose="020B0503020204020204" pitchFamily="34" charset="-122"/>
+              </a:rPr>
+              <a:t>并保存</a:t>
             </a:r>
             <a:endParaRPr lang="zh-CN" altLang="en-US" sz="1600" dirty="0">
+              <a:solidFill>
+                <a:srgbClr val="FF0000"/>
+              </a:solidFill>
               <a:latin typeface="微软雅黑" panose="020B0503020204020204" pitchFamily="34" charset="-122"/>
               <a:ea typeface="微软雅黑" panose="020B0503020204020204" pitchFamily="34" charset="-122"/>
             </a:endParaRPr>
@@ -9432,13 +9460,13 @@
         </p:nvSpPr>
         <p:spPr>
           <a:xfrm>
-            <a:off x="1763688" y="2293751"/>
-            <a:ext cx="2808312" cy="414543"/>
+            <a:off x="5148064" y="4367630"/>
+            <a:ext cx="1592676" cy="307372"/>
           </a:xfrm>
           <a:prstGeom prst="wedgeRoundRectCallout">
             <a:avLst>
-              <a:gd name="adj1" fmla="val -28009"/>
-              <a:gd name="adj2" fmla="val -86244"/>
+              <a:gd name="adj1" fmla="val -56198"/>
+              <a:gd name="adj2" fmla="val -10320"/>
               <a:gd name="adj3" fmla="val 16667"/>
             </a:avLst>
           </a:prstGeom>
@@ -9471,7 +9499,7 @@
                 <a:latin typeface="微软雅黑" panose="020B0503020204020204" pitchFamily="34" charset="-122"/>
                 <a:ea typeface="微软雅黑" panose="020B0503020204020204" pitchFamily="34" charset="-122"/>
               </a:rPr>
-              <a:t>设置阴影（生成一组星星）</a:t>
+              <a:t>计算动画周期</a:t>
             </a:r>
             <a:endParaRPr lang="zh-CN" altLang="en-US" sz="1600" dirty="0">
               <a:latin typeface="微软雅黑" panose="020B0503020204020204" pitchFamily="34" charset="-122"/>
@@ -9480,10 +9508,169 @@
           </a:p>
         </p:txBody>
       </p:sp>
+      <p:sp>
+        <p:nvSpPr>
+          <p:cNvPr id="8" name="圆角矩形标注 7"/>
+          <p:cNvSpPr/>
+          <p:nvPr/>
+        </p:nvSpPr>
+        <p:spPr>
+          <a:xfrm>
+            <a:off x="4984475" y="5097405"/>
+            <a:ext cx="1099693" cy="307372"/>
+          </a:xfrm>
+          <a:prstGeom prst="wedgeRoundRectCallout">
+            <a:avLst>
+              <a:gd name="adj1" fmla="val -56198"/>
+              <a:gd name="adj2" fmla="val -10320"/>
+              <a:gd name="adj3" fmla="val 16667"/>
+            </a:avLst>
+          </a:prstGeom>
+        </p:spPr>
+        <p:style>
+          <a:lnRef idx="2">
+            <a:schemeClr val="accent5"/>
+          </a:lnRef>
+          <a:fillRef idx="1">
+            <a:schemeClr val="lt1"/>
+          </a:fillRef>
+          <a:effectRef idx="0">
+            <a:schemeClr val="accent5"/>
+          </a:effectRef>
+          <a:fontRef idx="minor">
+            <a:schemeClr val="dk1"/>
+          </a:fontRef>
+        </p:style>
+        <p:txBody>
+          <a:bodyPr rtlCol="0" anchor="ctr"/>
+          <a:lstStyle/>
+          <a:p>
+            <a:pPr>
+              <a:lnSpc>
+                <a:spcPct val="150000"/>
+              </a:lnSpc>
+            </a:pPr>
+            <a:r>
+              <a:rPr lang="zh-CN" altLang="en-US" sz="1600" dirty="0" smtClean="0">
+                <a:latin typeface="微软雅黑" panose="020B0503020204020204" pitchFamily="34" charset="-122"/>
+                <a:ea typeface="微软雅黑" panose="020B0503020204020204" pitchFamily="34" charset="-122"/>
+              </a:rPr>
+              <a:t>设置样式</a:t>
+            </a:r>
+            <a:endParaRPr lang="zh-CN" altLang="en-US" sz="1600" dirty="0">
+              <a:latin typeface="微软雅黑" panose="020B0503020204020204" pitchFamily="34" charset="-122"/>
+              <a:ea typeface="微软雅黑" panose="020B0503020204020204" pitchFamily="34" charset="-122"/>
+            </a:endParaRPr>
+          </a:p>
+        </p:txBody>
+      </p:sp>
+      <p:pic>
+        <p:nvPicPr>
+          <p:cNvPr id="9" name="图片 8" descr="屏幕剪辑"/>
+          <p:cNvPicPr>
+            <a:picLocks noChangeAspect="1"/>
+          </p:cNvPicPr>
+          <p:nvPr/>
+        </p:nvPicPr>
+        <p:blipFill>
+          <a:blip r:embed="rId3">
+            <a:extLst>
+              <a:ext uri="{28A0092B-C50C-407E-A947-70E740481C1C}">
+                <a14:useLocalDpi xmlns:a14="http://schemas.microsoft.com/office/drawing/2010/main" val="0"/>
+              </a:ext>
+            </a:extLst>
+          </a:blip>
+          <a:stretch>
+            <a:fillRect/>
+          </a:stretch>
+        </p:blipFill>
+        <p:spPr>
+          <a:xfrm>
+            <a:off x="5303009" y="5927693"/>
+            <a:ext cx="1562318" cy="342948"/>
+          </a:xfrm>
+          <a:prstGeom prst="rect">
+            <a:avLst/>
+          </a:prstGeom>
+          <a:ln>
+            <a:noFill/>
+          </a:ln>
+          <a:effectLst>
+            <a:outerShdw blurRad="292100" dist="139700" dir="2700000" algn="tl" rotWithShape="0">
+              <a:srgbClr val="333333">
+                <a:alpha val="65000"/>
+              </a:srgbClr>
+            </a:outerShdw>
+          </a:effectLst>
+        </p:spPr>
+      </p:pic>
+      <p:sp>
+        <p:nvSpPr>
+          <p:cNvPr id="10" name="圆角矩形标注 9"/>
+          <p:cNvSpPr/>
+          <p:nvPr/>
+        </p:nvSpPr>
+        <p:spPr>
+          <a:xfrm>
+            <a:off x="6315480" y="5404777"/>
+            <a:ext cx="1099693" cy="307372"/>
+          </a:xfrm>
+          <a:prstGeom prst="wedgeRoundRectCallout">
+            <a:avLst>
+              <a:gd name="adj1" fmla="val -25749"/>
+              <a:gd name="adj2" fmla="val 86050"/>
+              <a:gd name="adj3" fmla="val 16667"/>
+            </a:avLst>
+          </a:prstGeom>
+        </p:spPr>
+        <p:style>
+          <a:lnRef idx="2">
+            <a:schemeClr val="accent5"/>
+          </a:lnRef>
+          <a:fillRef idx="1">
+            <a:schemeClr val="lt1"/>
+          </a:fillRef>
+          <a:effectRef idx="0">
+            <a:schemeClr val="accent5"/>
+          </a:effectRef>
+          <a:fontRef idx="minor">
+            <a:schemeClr val="dk1"/>
+          </a:fontRef>
+        </p:style>
+        <p:txBody>
+          <a:bodyPr rtlCol="0" anchor="ctr"/>
+          <a:lstStyle/>
+          <a:p>
+            <a:pPr>
+              <a:lnSpc>
+                <a:spcPct val="150000"/>
+              </a:lnSpc>
+            </a:pPr>
+            <a:r>
+              <a:rPr lang="zh-CN" altLang="en-US" sz="1600" dirty="0" smtClean="0">
+                <a:latin typeface="微软雅黑" panose="020B0503020204020204" pitchFamily="34" charset="-122"/>
+                <a:ea typeface="微软雅黑" panose="020B0503020204020204" pitchFamily="34" charset="-122"/>
+              </a:rPr>
+              <a:t>周期是</a:t>
+            </a:r>
+            <a:r>
+              <a:rPr lang="en-US" altLang="zh-CN" sz="1600" dirty="0" smtClean="0">
+                <a:latin typeface="微软雅黑" panose="020B0503020204020204" pitchFamily="34" charset="-122"/>
+                <a:ea typeface="微软雅黑" panose="020B0503020204020204" pitchFamily="34" charset="-122"/>
+              </a:rPr>
+              <a:t>5s</a:t>
+            </a:r>
+            <a:endParaRPr lang="zh-CN" altLang="en-US" sz="1600" dirty="0">
+              <a:latin typeface="微软雅黑" panose="020B0503020204020204" pitchFamily="34" charset="-122"/>
+              <a:ea typeface="微软雅黑" panose="020B0503020204020204" pitchFamily="34" charset="-122"/>
+            </a:endParaRPr>
+          </a:p>
+        </p:txBody>
+      </p:sp>
     </p:spTree>
     <p:extLst>
       <p:ext uri="{BB962C8B-B14F-4D97-AF65-F5344CB8AC3E}">
-        <p14:creationId xmlns:p14="http://schemas.microsoft.com/office/powerpoint/2010/main" val="2155979738"/>
+        <p14:creationId xmlns:p14="http://schemas.microsoft.com/office/powerpoint/2010/main" val="1459650942"/>
       </p:ext>
     </p:extLst>
   </p:cSld>
@@ -9510,221 +9697,9 @@
           <a:chExt cx="0" cy="0"/>
         </a:xfrm>
       </p:grpSpPr>
-      <p:sp>
-        <p:nvSpPr>
-          <p:cNvPr id="2" name="TextBox 1"/>
-          <p:cNvSpPr txBox="1"/>
-          <p:nvPr/>
-        </p:nvSpPr>
-        <p:spPr>
-          <a:xfrm>
-            <a:off x="467544" y="476672"/>
-            <a:ext cx="5976664" cy="523220"/>
-          </a:xfrm>
-          <a:prstGeom prst="rect">
-            <a:avLst/>
-          </a:prstGeom>
-          <a:noFill/>
-        </p:spPr>
-        <p:txBody>
-          <a:bodyPr wrap="square" rtlCol="0">
-            <a:spAutoFit/>
-          </a:bodyPr>
-          <a:lstStyle/>
-          <a:p>
-            <a:r>
-              <a:rPr lang="en-US" altLang="zh-CN" sz="2800" dirty="0" smtClean="0">
-                <a:solidFill>
-                  <a:schemeClr val="tx1">
-                    <a:lumMod val="75000"/>
-                    <a:lumOff val="25000"/>
-                  </a:schemeClr>
-                </a:solidFill>
-                <a:latin typeface="微软雅黑" pitchFamily="34" charset="-122"/>
-                <a:ea typeface="微软雅黑" pitchFamily="34" charset="-122"/>
-              </a:rPr>
-              <a:t>5.</a:t>
-            </a:r>
-            <a:r>
-              <a:rPr lang="zh-CN" altLang="en-US" sz="2800" dirty="0" smtClean="0">
-                <a:solidFill>
-                  <a:schemeClr val="tx1">
-                    <a:lumMod val="75000"/>
-                    <a:lumOff val="25000"/>
-                  </a:schemeClr>
-                </a:solidFill>
-                <a:latin typeface="微软雅黑" pitchFamily="34" charset="-122"/>
-                <a:ea typeface="微软雅黑" pitchFamily="34" charset="-122"/>
-              </a:rPr>
-              <a:t>动画重新启动</a:t>
-            </a:r>
-            <a:endParaRPr lang="zh-CN" altLang="en-US" sz="2800" dirty="0">
-              <a:solidFill>
-                <a:schemeClr val="tx1">
-                  <a:lumMod val="75000"/>
-                  <a:lumOff val="25000"/>
-                </a:schemeClr>
-              </a:solidFill>
-              <a:latin typeface="微软雅黑" pitchFamily="34" charset="-122"/>
-              <a:ea typeface="微软雅黑" pitchFamily="34" charset="-122"/>
-            </a:endParaRPr>
-          </a:p>
-        </p:txBody>
-      </p:sp>
-      <p:sp>
-        <p:nvSpPr>
-          <p:cNvPr id="3" name="矩形 2"/>
-          <p:cNvSpPr/>
-          <p:nvPr/>
-        </p:nvSpPr>
-        <p:spPr>
-          <a:xfrm>
-            <a:off x="611560" y="999892"/>
-            <a:ext cx="7128792" cy="3416320"/>
-          </a:xfrm>
-          <a:prstGeom prst="rect">
-            <a:avLst/>
-          </a:prstGeom>
-        </p:spPr>
-        <p:txBody>
-          <a:bodyPr wrap="square">
-            <a:spAutoFit/>
-          </a:bodyPr>
-          <a:lstStyle/>
-          <a:p>
-            <a:pPr>
-              <a:lnSpc>
-                <a:spcPct val="150000"/>
-              </a:lnSpc>
-            </a:pPr>
-            <a:r>
-              <a:rPr lang="zh-CN" altLang="en-US" dirty="0" smtClean="0">
-                <a:latin typeface="微软雅黑" panose="020B0503020204020204" pitchFamily="34" charset="-122"/>
-                <a:ea typeface="微软雅黑" panose="020B0503020204020204" pitchFamily="34" charset="-122"/>
-              </a:rPr>
-              <a:t>动画结束时候，我们绑定了事件处理函数，将会调用，我们的意图是，不删除标签，再重新添加，这样的话效率比较低（修改了文档对象结构）。我们希望的是，</a:t>
-            </a:r>
-            <a:r>
-              <a:rPr lang="zh-CN" altLang="en-US" dirty="0" smtClean="0">
-                <a:solidFill>
-                  <a:srgbClr val="FF0000"/>
-                </a:solidFill>
-                <a:latin typeface="微软雅黑" panose="020B0503020204020204" pitchFamily="34" charset="-122"/>
-                <a:ea typeface="微软雅黑" panose="020B0503020204020204" pitchFamily="34" charset="-122"/>
-              </a:rPr>
-              <a:t>动画结束，修改样式</a:t>
-            </a:r>
-            <a:r>
-              <a:rPr lang="zh-CN" altLang="en-US" dirty="0" smtClean="0">
-                <a:latin typeface="微软雅黑" panose="020B0503020204020204" pitchFamily="34" charset="-122"/>
-                <a:ea typeface="微软雅黑" panose="020B0503020204020204" pitchFamily="34" charset="-122"/>
-              </a:rPr>
-              <a:t>（重新设置阴影的位置，大小，颜色，动画的持续时间和启动时机），</a:t>
-            </a:r>
-            <a:r>
-              <a:rPr lang="zh-CN" altLang="en-US" dirty="0" smtClean="0">
-                <a:solidFill>
-                  <a:srgbClr val="FF0000"/>
-                </a:solidFill>
-                <a:latin typeface="微软雅黑" panose="020B0503020204020204" pitchFamily="34" charset="-122"/>
-                <a:ea typeface="微软雅黑" panose="020B0503020204020204" pitchFamily="34" charset="-122"/>
-              </a:rPr>
-              <a:t>然后再次启动动画</a:t>
-            </a:r>
-            <a:r>
-              <a:rPr lang="zh-CN" altLang="en-US" dirty="0" smtClean="0">
-                <a:latin typeface="微软雅黑" panose="020B0503020204020204" pitchFamily="34" charset="-122"/>
-                <a:ea typeface="微软雅黑" panose="020B0503020204020204" pitchFamily="34" charset="-122"/>
-              </a:rPr>
-              <a:t>。</a:t>
-            </a:r>
-            <a:endParaRPr lang="en-US" altLang="zh-CN" dirty="0" smtClean="0">
-              <a:latin typeface="微软雅黑" panose="020B0503020204020204" pitchFamily="34" charset="-122"/>
-              <a:ea typeface="微软雅黑" panose="020B0503020204020204" pitchFamily="34" charset="-122"/>
-            </a:endParaRPr>
-          </a:p>
-          <a:p>
-            <a:pPr>
-              <a:lnSpc>
-                <a:spcPct val="150000"/>
-              </a:lnSpc>
-            </a:pPr>
-            <a:r>
-              <a:rPr lang="zh-CN" altLang="en-US" dirty="0" smtClean="0">
-                <a:latin typeface="微软雅黑" panose="020B0503020204020204" pitchFamily="34" charset="-122"/>
-                <a:ea typeface="微软雅黑" panose="020B0503020204020204" pitchFamily="34" charset="-122"/>
-              </a:rPr>
-              <a:t>但是，如果动画结束，去除</a:t>
-            </a:r>
-            <a:r>
-              <a:rPr lang="en-US" altLang="zh-CN" dirty="0" err="1" smtClean="0">
-                <a:latin typeface="微软雅黑" panose="020B0503020204020204" pitchFamily="34" charset="-122"/>
-                <a:ea typeface="微软雅黑" panose="020B0503020204020204" pitchFamily="34" charset="-122"/>
-              </a:rPr>
-              <a:t>ani</a:t>
-            </a:r>
-            <a:r>
-              <a:rPr lang="zh-CN" altLang="en-US" dirty="0" smtClean="0">
-                <a:latin typeface="微软雅黑" panose="020B0503020204020204" pitchFamily="34" charset="-122"/>
-                <a:ea typeface="微软雅黑" panose="020B0503020204020204" pitchFamily="34" charset="-122"/>
-              </a:rPr>
-              <a:t>类（停止动画），修改样式，添加</a:t>
-            </a:r>
-            <a:r>
-              <a:rPr lang="en-US" altLang="zh-CN" dirty="0" err="1" smtClean="0">
-                <a:latin typeface="微软雅黑" panose="020B0503020204020204" pitchFamily="34" charset="-122"/>
-                <a:ea typeface="微软雅黑" panose="020B0503020204020204" pitchFamily="34" charset="-122"/>
-              </a:rPr>
-              <a:t>ani</a:t>
-            </a:r>
-            <a:r>
-              <a:rPr lang="zh-CN" altLang="en-US" dirty="0" smtClean="0">
-                <a:latin typeface="微软雅黑" panose="020B0503020204020204" pitchFamily="34" charset="-122"/>
-                <a:ea typeface="微软雅黑" panose="020B0503020204020204" pitchFamily="34" charset="-122"/>
-              </a:rPr>
-              <a:t>类（启动动画），那么，</a:t>
-            </a:r>
-            <a:r>
-              <a:rPr lang="zh-CN" altLang="en-US" dirty="0" smtClean="0">
-                <a:solidFill>
-                  <a:srgbClr val="FF0000"/>
-                </a:solidFill>
-                <a:latin typeface="微软雅黑" panose="020B0503020204020204" pitchFamily="34" charset="-122"/>
-                <a:ea typeface="微软雅黑" panose="020B0503020204020204" pitchFamily="34" charset="-122"/>
-              </a:rPr>
-              <a:t>动画是无法启动的</a:t>
-            </a:r>
-            <a:r>
-              <a:rPr lang="zh-CN" altLang="en-US" dirty="0" smtClean="0">
-                <a:latin typeface="微软雅黑" panose="020B0503020204020204" pitchFamily="34" charset="-122"/>
-                <a:ea typeface="微软雅黑" panose="020B0503020204020204" pitchFamily="34" charset="-122"/>
-              </a:rPr>
-              <a:t>！因为这些操作是在页面渲染（绘制）过程的同一帧中进行的，就好像</a:t>
-            </a:r>
-            <a:r>
-              <a:rPr lang="en-US" altLang="zh-CN" dirty="0" err="1" smtClean="0">
-                <a:latin typeface="微软雅黑" panose="020B0503020204020204" pitchFamily="34" charset="-122"/>
-                <a:ea typeface="微软雅黑" panose="020B0503020204020204" pitchFamily="34" charset="-122"/>
-              </a:rPr>
-              <a:t>ani</a:t>
-            </a:r>
-            <a:r>
-              <a:rPr lang="zh-CN" altLang="en-US" dirty="0" smtClean="0">
-                <a:latin typeface="微软雅黑" panose="020B0503020204020204" pitchFamily="34" charset="-122"/>
-                <a:ea typeface="微软雅黑" panose="020B0503020204020204" pitchFamily="34" charset="-122"/>
-              </a:rPr>
-              <a:t>类没有经过删除又添加的过程，无法识别，所以也就不能重新启动。</a:t>
-            </a:r>
-            <a:endParaRPr lang="en-US" altLang="zh-CN" dirty="0" smtClean="0">
-              <a:latin typeface="微软雅黑" panose="020B0503020204020204" pitchFamily="34" charset="-122"/>
-              <a:ea typeface="微软雅黑" panose="020B0503020204020204" pitchFamily="34" charset="-122"/>
-            </a:endParaRPr>
-          </a:p>
-        </p:txBody>
-      </p:sp>
       <p:pic>
         <p:nvPicPr>
-          <p:cNvPr id="5" name="图片 4" descr="屏幕剪辑"/>
+          <p:cNvPr id="2" name="图片 1" descr="屏幕剪辑"/>
           <p:cNvPicPr>
             <a:picLocks noChangeAspect="1"/>
           </p:cNvPicPr>
@@ -9744,8 +9719,8 @@
         </p:blipFill>
         <p:spPr>
           <a:xfrm>
-            <a:off x="755576" y="4425732"/>
-            <a:ext cx="2934109" cy="2038635"/>
+            <a:off x="683568" y="476672"/>
+            <a:ext cx="6392167" cy="1009791"/>
           </a:xfrm>
           <a:prstGeom prst="rect">
             <a:avLst/>
@@ -9762,10 +9737,247 @@
           </a:effectLst>
         </p:spPr>
       </p:pic>
+      <p:sp>
+        <p:nvSpPr>
+          <p:cNvPr id="3" name="圆角矩形标注 2"/>
+          <p:cNvSpPr/>
+          <p:nvPr/>
+        </p:nvSpPr>
+        <p:spPr>
+          <a:xfrm>
+            <a:off x="4932040" y="1340768"/>
+            <a:ext cx="2736304" cy="779591"/>
+          </a:xfrm>
+          <a:prstGeom prst="wedgeRoundRectCallout">
+            <a:avLst>
+              <a:gd name="adj1" fmla="val -26222"/>
+              <a:gd name="adj2" fmla="val -77007"/>
+              <a:gd name="adj3" fmla="val 16667"/>
+            </a:avLst>
+          </a:prstGeom>
+        </p:spPr>
+        <p:style>
+          <a:lnRef idx="2">
+            <a:schemeClr val="accent5"/>
+          </a:lnRef>
+          <a:fillRef idx="1">
+            <a:schemeClr val="lt1"/>
+          </a:fillRef>
+          <a:effectRef idx="0">
+            <a:schemeClr val="accent5"/>
+          </a:effectRef>
+          <a:fontRef idx="minor">
+            <a:schemeClr val="dk1"/>
+          </a:fontRef>
+        </p:style>
+        <p:txBody>
+          <a:bodyPr rtlCol="0" anchor="ctr"/>
+          <a:lstStyle/>
+          <a:p>
+            <a:pPr>
+              <a:lnSpc>
+                <a:spcPct val="150000"/>
+              </a:lnSpc>
+            </a:pPr>
+            <a:r>
+              <a:rPr lang="zh-CN" altLang="en-US" sz="1600" dirty="0" smtClean="0">
+                <a:latin typeface="微软雅黑" panose="020B0503020204020204" pitchFamily="34" charset="-122"/>
+                <a:ea typeface="微软雅黑" panose="020B0503020204020204" pitchFamily="34" charset="-122"/>
+              </a:rPr>
+              <a:t>根据周期随机时间间隔，控制精度在小数点后</a:t>
+            </a:r>
+            <a:r>
+              <a:rPr lang="en-US" altLang="zh-CN" sz="1600" dirty="0" smtClean="0">
+                <a:latin typeface="微软雅黑" panose="020B0503020204020204" pitchFamily="34" charset="-122"/>
+                <a:ea typeface="微软雅黑" panose="020B0503020204020204" pitchFamily="34" charset="-122"/>
+              </a:rPr>
+              <a:t>1</a:t>
+            </a:r>
+            <a:r>
+              <a:rPr lang="zh-CN" altLang="en-US" sz="1600" dirty="0">
+                <a:latin typeface="微软雅黑" panose="020B0503020204020204" pitchFamily="34" charset="-122"/>
+                <a:ea typeface="微软雅黑" panose="020B0503020204020204" pitchFamily="34" charset="-122"/>
+              </a:rPr>
+              <a:t>位</a:t>
+            </a:r>
+          </a:p>
+        </p:txBody>
+      </p:sp>
+      <p:sp>
+        <p:nvSpPr>
+          <p:cNvPr id="4" name="矩形 3"/>
+          <p:cNvSpPr/>
+          <p:nvPr/>
+        </p:nvSpPr>
+        <p:spPr>
+          <a:xfrm>
+            <a:off x="676693" y="2780928"/>
+            <a:ext cx="6991651" cy="458908"/>
+          </a:xfrm>
+          <a:prstGeom prst="rect">
+            <a:avLst/>
+          </a:prstGeom>
+        </p:spPr>
+        <p:txBody>
+          <a:bodyPr wrap="square">
+            <a:spAutoFit/>
+          </a:bodyPr>
+          <a:lstStyle/>
+          <a:p>
+            <a:pPr>
+              <a:lnSpc>
+                <a:spcPct val="150000"/>
+              </a:lnSpc>
+            </a:pPr>
+            <a:r>
+              <a:rPr lang="en-US" altLang="zh-CN" dirty="0" smtClean="0">
+                <a:latin typeface="微软雅黑" panose="020B0503020204020204" pitchFamily="34" charset="-122"/>
+                <a:ea typeface="微软雅黑" panose="020B0503020204020204" pitchFamily="34" charset="-122"/>
+              </a:rPr>
+              <a:t>c.</a:t>
+            </a:r>
+            <a:r>
+              <a:rPr lang="zh-CN" altLang="en-US" dirty="0" smtClean="0">
+                <a:latin typeface="微软雅黑" panose="020B0503020204020204" pitchFamily="34" charset="-122"/>
+                <a:ea typeface="微软雅黑" panose="020B0503020204020204" pitchFamily="34" charset="-122"/>
+              </a:rPr>
+              <a:t>启动停止动画</a:t>
+            </a:r>
+            <a:endParaRPr lang="en-US" altLang="zh-CN" dirty="0">
+              <a:latin typeface="微软雅黑" panose="020B0503020204020204" pitchFamily="34" charset="-122"/>
+              <a:ea typeface="微软雅黑" panose="020B0503020204020204" pitchFamily="34" charset="-122"/>
+            </a:endParaRPr>
+          </a:p>
+        </p:txBody>
+      </p:sp>
+      <p:pic>
+        <p:nvPicPr>
+          <p:cNvPr id="9" name="图片 8" descr="屏幕剪辑"/>
+          <p:cNvPicPr>
+            <a:picLocks noChangeAspect="1"/>
+          </p:cNvPicPr>
+          <p:nvPr/>
+        </p:nvPicPr>
+        <p:blipFill>
+          <a:blip r:embed="rId3">
+            <a:extLst>
+              <a:ext uri="{28A0092B-C50C-407E-A947-70E740481C1C}">
+                <a14:useLocalDpi xmlns:a14="http://schemas.microsoft.com/office/drawing/2010/main" val="0"/>
+              </a:ext>
+            </a:extLst>
+          </a:blip>
+          <a:stretch>
+            <a:fillRect/>
+          </a:stretch>
+        </p:blipFill>
+        <p:spPr>
+          <a:xfrm>
+            <a:off x="755576" y="3645024"/>
+            <a:ext cx="3801005" cy="2057687"/>
+          </a:xfrm>
+          <a:prstGeom prst="rect">
+            <a:avLst/>
+          </a:prstGeom>
+          <a:ln>
+            <a:noFill/>
+          </a:ln>
+          <a:effectLst>
+            <a:outerShdw blurRad="292100" dist="139700" dir="2700000" algn="tl" rotWithShape="0">
+              <a:srgbClr val="333333">
+                <a:alpha val="65000"/>
+              </a:srgbClr>
+            </a:outerShdw>
+          </a:effectLst>
+        </p:spPr>
+      </p:pic>
+      <p:sp>
+        <p:nvSpPr>
+          <p:cNvPr id="10" name="圆角矩形标注 9"/>
+          <p:cNvSpPr/>
+          <p:nvPr/>
+        </p:nvSpPr>
+        <p:spPr>
+          <a:xfrm>
+            <a:off x="4206960" y="4077071"/>
+            <a:ext cx="2741304" cy="457229"/>
+          </a:xfrm>
+          <a:prstGeom prst="wedgeRoundRectCallout">
+            <a:avLst>
+              <a:gd name="adj1" fmla="val -56198"/>
+              <a:gd name="adj2" fmla="val -10320"/>
+              <a:gd name="adj3" fmla="val 16667"/>
+            </a:avLst>
+          </a:prstGeom>
+        </p:spPr>
+        <p:style>
+          <a:lnRef idx="2">
+            <a:schemeClr val="accent5"/>
+          </a:lnRef>
+          <a:fillRef idx="1">
+            <a:schemeClr val="lt1"/>
+          </a:fillRef>
+          <a:effectRef idx="0">
+            <a:schemeClr val="accent5"/>
+          </a:effectRef>
+          <a:fontRef idx="minor">
+            <a:schemeClr val="dk1"/>
+          </a:fontRef>
+        </p:style>
+        <p:txBody>
+          <a:bodyPr rtlCol="0" anchor="ctr"/>
+          <a:lstStyle/>
+          <a:p>
+            <a:pPr>
+              <a:lnSpc>
+                <a:spcPct val="150000"/>
+              </a:lnSpc>
+            </a:pPr>
+            <a:r>
+              <a:rPr lang="zh-CN" altLang="en-US" sz="1600" dirty="0" smtClean="0">
+                <a:latin typeface="微软雅黑" panose="020B0503020204020204" pitchFamily="34" charset="-122"/>
+                <a:ea typeface="微软雅黑" panose="020B0503020204020204" pitchFamily="34" charset="-122"/>
+              </a:rPr>
+              <a:t>仅需简单的添加</a:t>
+            </a:r>
+            <a:r>
+              <a:rPr lang="en-US" altLang="zh-CN" sz="1600" dirty="0" smtClean="0">
+                <a:latin typeface="微软雅黑" panose="020B0503020204020204" pitchFamily="34" charset="-122"/>
+                <a:ea typeface="微软雅黑" panose="020B0503020204020204" pitchFamily="34" charset="-122"/>
+              </a:rPr>
+              <a:t>/</a:t>
+            </a:r>
+            <a:r>
+              <a:rPr lang="zh-CN" altLang="en-US" sz="1600" dirty="0" smtClean="0">
+                <a:latin typeface="微软雅黑" panose="020B0503020204020204" pitchFamily="34" charset="-122"/>
+                <a:ea typeface="微软雅黑" panose="020B0503020204020204" pitchFamily="34" charset="-122"/>
+              </a:rPr>
+              <a:t>删除</a:t>
+            </a:r>
+            <a:r>
+              <a:rPr lang="en-US" altLang="zh-CN" sz="1600" dirty="0" err="1" smtClean="0">
+                <a:latin typeface="微软雅黑" panose="020B0503020204020204" pitchFamily="34" charset="-122"/>
+                <a:ea typeface="微软雅黑" panose="020B0503020204020204" pitchFamily="34" charset="-122"/>
+              </a:rPr>
+              <a:t>ani</a:t>
+            </a:r>
+            <a:r>
+              <a:rPr lang="zh-CN" altLang="en-US" sz="1600" dirty="0" smtClean="0">
+                <a:latin typeface="微软雅黑" panose="020B0503020204020204" pitchFamily="34" charset="-122"/>
+                <a:ea typeface="微软雅黑" panose="020B0503020204020204" pitchFamily="34" charset="-122"/>
+              </a:rPr>
+              <a:t>类</a:t>
+            </a:r>
+            <a:endParaRPr lang="zh-CN" altLang="en-US" sz="1600" dirty="0">
+              <a:latin typeface="微软雅黑" panose="020B0503020204020204" pitchFamily="34" charset="-122"/>
+              <a:ea typeface="微软雅黑" panose="020B0503020204020204" pitchFamily="34" charset="-122"/>
+            </a:endParaRPr>
+          </a:p>
+        </p:txBody>
+      </p:sp>
     </p:spTree>
     <p:extLst>
       <p:ext uri="{BB962C8B-B14F-4D97-AF65-F5344CB8AC3E}">
-        <p14:creationId xmlns:p14="http://schemas.microsoft.com/office/powerpoint/2010/main" val="3879234199"/>
+        <p14:creationId xmlns:p14="http://schemas.microsoft.com/office/powerpoint/2010/main" val="3837524108"/>
       </p:ext>
     </p:extLst>
   </p:cSld>
@@ -10007,7 +10219,7 @@
       </p:grpSpPr>
       <p:pic>
         <p:nvPicPr>
-          <p:cNvPr id="2" name="图片 1" descr="屏幕剪辑"/>
+          <p:cNvPr id="9" name="图片 8" descr="屏幕剪辑"/>
           <p:cNvPicPr>
             <a:picLocks noChangeAspect="1"/>
           </p:cNvPicPr>
@@ -10027,8 +10239,8 @@
         </p:blipFill>
         <p:spPr>
           <a:xfrm>
-            <a:off x="1043608" y="764704"/>
-            <a:ext cx="3610479" cy="3077004"/>
+            <a:off x="830063" y="1033517"/>
+            <a:ext cx="3048425" cy="1409897"/>
           </a:xfrm>
           <a:prstGeom prst="rect">
             <a:avLst/>
@@ -10047,14 +10259,68 @@
       </p:pic>
       <p:sp>
         <p:nvSpPr>
-          <p:cNvPr id="3" name="圆角矩形标注 2"/>
+          <p:cNvPr id="4" name="矩形 3"/>
           <p:cNvSpPr/>
           <p:nvPr/>
         </p:nvSpPr>
         <p:spPr>
           <a:xfrm>
-            <a:off x="4292934" y="2025831"/>
-            <a:ext cx="1503202" cy="414543"/>
+            <a:off x="683568" y="260806"/>
+            <a:ext cx="6991651" cy="507831"/>
+          </a:xfrm>
+          <a:prstGeom prst="rect">
+            <a:avLst/>
+          </a:prstGeom>
+        </p:spPr>
+        <p:txBody>
+          <a:bodyPr wrap="square">
+            <a:spAutoFit/>
+          </a:bodyPr>
+          <a:lstStyle/>
+          <a:p>
+            <a:pPr>
+              <a:lnSpc>
+                <a:spcPct val="150000"/>
+              </a:lnSpc>
+            </a:pPr>
+            <a:r>
+              <a:rPr lang="en-US" altLang="zh-CN" dirty="0">
+                <a:latin typeface="微软雅黑" panose="020B0503020204020204" pitchFamily="34" charset="-122"/>
+                <a:ea typeface="微软雅黑" panose="020B0503020204020204" pitchFamily="34" charset="-122"/>
+              </a:rPr>
+              <a:t>d</a:t>
+            </a:r>
+            <a:r>
+              <a:rPr lang="en-US" altLang="zh-CN" dirty="0" smtClean="0">
+                <a:latin typeface="微软雅黑" panose="020B0503020204020204" pitchFamily="34" charset="-122"/>
+                <a:ea typeface="微软雅黑" panose="020B0503020204020204" pitchFamily="34" charset="-122"/>
+              </a:rPr>
+              <a:t>.</a:t>
+            </a:r>
+            <a:r>
+              <a:rPr lang="zh-CN" altLang="en-US" dirty="0" smtClean="0">
+                <a:latin typeface="微软雅黑" panose="020B0503020204020204" pitchFamily="34" charset="-122"/>
+                <a:ea typeface="微软雅黑" panose="020B0503020204020204" pitchFamily="34" charset="-122"/>
+              </a:rPr>
+              <a:t>完整的设置一颗星星</a:t>
+            </a:r>
+            <a:endParaRPr lang="en-US" altLang="zh-CN" dirty="0">
+              <a:latin typeface="微软雅黑" panose="020B0503020204020204" pitchFamily="34" charset="-122"/>
+              <a:ea typeface="微软雅黑" panose="020B0503020204020204" pitchFamily="34" charset="-122"/>
+            </a:endParaRPr>
+          </a:p>
+        </p:txBody>
+      </p:sp>
+      <p:sp>
+        <p:nvSpPr>
+          <p:cNvPr id="6" name="圆角矩形标注 5"/>
+          <p:cNvSpPr/>
+          <p:nvPr/>
+        </p:nvSpPr>
+        <p:spPr>
+          <a:xfrm>
+            <a:off x="2740081" y="1372924"/>
+            <a:ext cx="1156618" cy="414543"/>
           </a:xfrm>
           <a:prstGeom prst="wedgeRoundRectCallout">
             <a:avLst>
@@ -10092,7 +10358,7 @@
                 <a:latin typeface="微软雅黑" panose="020B0503020204020204" pitchFamily="34" charset="-122"/>
                 <a:ea typeface="微软雅黑" panose="020B0503020204020204" pitchFamily="34" charset="-122"/>
               </a:rPr>
-              <a:t>强制渲染页面</a:t>
+              <a:t>设置动画</a:t>
             </a:r>
             <a:endParaRPr lang="zh-CN" altLang="en-US" sz="1600" dirty="0">
               <a:latin typeface="微软雅黑" panose="020B0503020204020204" pitchFamily="34" charset="-122"/>
@@ -10103,19 +10369,19 @@
       </p:sp>
       <p:sp>
         <p:nvSpPr>
-          <p:cNvPr id="4" name="圆角矩形标注 3"/>
+          <p:cNvPr id="7" name="圆角矩形标注 6"/>
           <p:cNvSpPr/>
           <p:nvPr/>
         </p:nvSpPr>
         <p:spPr>
           <a:xfrm>
-            <a:off x="3707904" y="1412776"/>
-            <a:ext cx="1152128" cy="414543"/>
+            <a:off x="1763688" y="2293751"/>
+            <a:ext cx="2808312" cy="414543"/>
           </a:xfrm>
           <a:prstGeom prst="wedgeRoundRectCallout">
             <a:avLst>
-              <a:gd name="adj1" fmla="val -59639"/>
-              <a:gd name="adj2" fmla="val 14593"/>
+              <a:gd name="adj1" fmla="val -28009"/>
+              <a:gd name="adj2" fmla="val -86244"/>
               <a:gd name="adj3" fmla="val 16667"/>
             </a:avLst>
           </a:prstGeom>
@@ -10148,7 +10414,7 @@
                 <a:latin typeface="微软雅黑" panose="020B0503020204020204" pitchFamily="34" charset="-122"/>
                 <a:ea typeface="微软雅黑" panose="020B0503020204020204" pitchFamily="34" charset="-122"/>
               </a:rPr>
-              <a:t>停止动画</a:t>
+              <a:t>设置阴影（生成一组星星）</a:t>
             </a:r>
             <a:endParaRPr lang="zh-CN" altLang="en-US" sz="1600" dirty="0">
               <a:latin typeface="微软雅黑" panose="020B0503020204020204" pitchFamily="34" charset="-122"/>
@@ -10157,178 +10423,10 @@
           </a:p>
         </p:txBody>
       </p:sp>
-      <p:sp>
-        <p:nvSpPr>
-          <p:cNvPr id="5" name="圆角矩形标注 4"/>
-          <p:cNvSpPr/>
-          <p:nvPr/>
-        </p:nvSpPr>
-        <p:spPr>
-          <a:xfrm>
-            <a:off x="3510668" y="2708002"/>
-            <a:ext cx="1152128" cy="414543"/>
-          </a:xfrm>
-          <a:prstGeom prst="wedgeRoundRectCallout">
-            <a:avLst>
-              <a:gd name="adj1" fmla="val -59639"/>
-              <a:gd name="adj2" fmla="val 14593"/>
-              <a:gd name="adj3" fmla="val 16667"/>
-            </a:avLst>
-          </a:prstGeom>
-        </p:spPr>
-        <p:style>
-          <a:lnRef idx="2">
-            <a:schemeClr val="accent5"/>
-          </a:lnRef>
-          <a:fillRef idx="1">
-            <a:schemeClr val="lt1"/>
-          </a:fillRef>
-          <a:effectRef idx="0">
-            <a:schemeClr val="accent5"/>
-          </a:effectRef>
-          <a:fontRef idx="minor">
-            <a:schemeClr val="dk1"/>
-          </a:fontRef>
-        </p:style>
-        <p:txBody>
-          <a:bodyPr rtlCol="0" anchor="ctr"/>
-          <a:lstStyle/>
-          <a:p>
-            <a:pPr>
-              <a:lnSpc>
-                <a:spcPct val="150000"/>
-              </a:lnSpc>
-            </a:pPr>
-            <a:r>
-              <a:rPr lang="zh-CN" altLang="en-US" sz="1600" dirty="0" smtClean="0">
-                <a:latin typeface="微软雅黑" panose="020B0503020204020204" pitchFamily="34" charset="-122"/>
-                <a:ea typeface="微软雅黑" panose="020B0503020204020204" pitchFamily="34" charset="-122"/>
-              </a:rPr>
-              <a:t>刷新样式</a:t>
-            </a:r>
-            <a:endParaRPr lang="zh-CN" altLang="en-US" sz="1600" dirty="0">
-              <a:latin typeface="微软雅黑" panose="020B0503020204020204" pitchFamily="34" charset="-122"/>
-              <a:ea typeface="微软雅黑" panose="020B0503020204020204" pitchFamily="34" charset="-122"/>
-            </a:endParaRPr>
-          </a:p>
-        </p:txBody>
-      </p:sp>
-      <p:sp>
-        <p:nvSpPr>
-          <p:cNvPr id="6" name="圆角矩形标注 5"/>
-          <p:cNvSpPr/>
-          <p:nvPr/>
-        </p:nvSpPr>
-        <p:spPr>
-          <a:xfrm>
-            <a:off x="3501959" y="3372203"/>
-            <a:ext cx="1152128" cy="414543"/>
-          </a:xfrm>
-          <a:prstGeom prst="wedgeRoundRectCallout">
-            <a:avLst>
-              <a:gd name="adj1" fmla="val -59639"/>
-              <a:gd name="adj2" fmla="val -40027"/>
-              <a:gd name="adj3" fmla="val 16667"/>
-            </a:avLst>
-          </a:prstGeom>
-        </p:spPr>
-        <p:style>
-          <a:lnRef idx="2">
-            <a:schemeClr val="accent5"/>
-          </a:lnRef>
-          <a:fillRef idx="1">
-            <a:schemeClr val="lt1"/>
-          </a:fillRef>
-          <a:effectRef idx="0">
-            <a:schemeClr val="accent5"/>
-          </a:effectRef>
-          <a:fontRef idx="minor">
-            <a:schemeClr val="dk1"/>
-          </a:fontRef>
-        </p:style>
-        <p:txBody>
-          <a:bodyPr rtlCol="0" anchor="ctr"/>
-          <a:lstStyle/>
-          <a:p>
-            <a:pPr>
-              <a:lnSpc>
-                <a:spcPct val="150000"/>
-              </a:lnSpc>
-            </a:pPr>
-            <a:r>
-              <a:rPr lang="zh-CN" altLang="en-US" sz="1600" dirty="0" smtClean="0">
-                <a:latin typeface="微软雅黑" panose="020B0503020204020204" pitchFamily="34" charset="-122"/>
-                <a:ea typeface="微软雅黑" panose="020B0503020204020204" pitchFamily="34" charset="-122"/>
-              </a:rPr>
-              <a:t>再次启动</a:t>
-            </a:r>
-            <a:endParaRPr lang="zh-CN" altLang="en-US" sz="1600" dirty="0">
-              <a:latin typeface="微软雅黑" panose="020B0503020204020204" pitchFamily="34" charset="-122"/>
-              <a:ea typeface="微软雅黑" panose="020B0503020204020204" pitchFamily="34" charset="-122"/>
-            </a:endParaRPr>
-          </a:p>
-        </p:txBody>
-      </p:sp>
-      <p:sp>
-        <p:nvSpPr>
-          <p:cNvPr id="7" name="圆角矩形标注 6"/>
-          <p:cNvSpPr/>
-          <p:nvPr/>
-        </p:nvSpPr>
-        <p:spPr>
-          <a:xfrm>
-            <a:off x="6084168" y="1958893"/>
-            <a:ext cx="1440160" cy="1815878"/>
-          </a:xfrm>
-          <a:prstGeom prst="wedgeRoundRectCallout">
-            <a:avLst>
-              <a:gd name="adj1" fmla="val -64274"/>
-              <a:gd name="adj2" fmla="val -31447"/>
-              <a:gd name="adj3" fmla="val 16667"/>
-            </a:avLst>
-          </a:prstGeom>
-        </p:spPr>
-        <p:style>
-          <a:lnRef idx="2">
-            <a:schemeClr val="accent5"/>
-          </a:lnRef>
-          <a:fillRef idx="1">
-            <a:schemeClr val="lt1"/>
-          </a:fillRef>
-          <a:effectRef idx="0">
-            <a:schemeClr val="accent5"/>
-          </a:effectRef>
-          <a:fontRef idx="minor">
-            <a:schemeClr val="dk1"/>
-          </a:fontRef>
-        </p:style>
-        <p:txBody>
-          <a:bodyPr rtlCol="0" anchor="ctr"/>
-          <a:lstStyle/>
-          <a:p>
-            <a:pPr>
-              <a:lnSpc>
-                <a:spcPct val="150000"/>
-              </a:lnSpc>
-            </a:pPr>
-            <a:r>
-              <a:rPr lang="zh-CN" altLang="en-US" sz="1600" dirty="0" smtClean="0">
-                <a:latin typeface="微软雅黑" panose="020B0503020204020204" pitchFamily="34" charset="-122"/>
-                <a:ea typeface="微软雅黑" panose="020B0503020204020204" pitchFamily="34" charset="-122"/>
-              </a:rPr>
-              <a:t>这样就可以让浏览器区分开，动画是停止又启动的了</a:t>
-            </a:r>
-            <a:endParaRPr lang="zh-CN" altLang="en-US" sz="1600" dirty="0">
-              <a:latin typeface="微软雅黑" panose="020B0503020204020204" pitchFamily="34" charset="-122"/>
-              <a:ea typeface="微软雅黑" panose="020B0503020204020204" pitchFamily="34" charset="-122"/>
-            </a:endParaRPr>
-          </a:p>
-        </p:txBody>
-      </p:sp>
     </p:spTree>
     <p:extLst>
       <p:ext uri="{BB962C8B-B14F-4D97-AF65-F5344CB8AC3E}">
-        <p14:creationId xmlns:p14="http://schemas.microsoft.com/office/powerpoint/2010/main" val="2385444690"/>
+        <p14:creationId xmlns:p14="http://schemas.microsoft.com/office/powerpoint/2010/main" val="2155979738"/>
       </p:ext>
     </p:extLst>
   </p:cSld>
@@ -10357,14 +10455,14 @@
       </p:grpSpPr>
       <p:sp>
         <p:nvSpPr>
-          <p:cNvPr id="4" name="TextBox 3"/>
+          <p:cNvPr id="2" name="TextBox 1"/>
           <p:cNvSpPr txBox="1"/>
           <p:nvPr/>
         </p:nvSpPr>
         <p:spPr>
           <a:xfrm>
             <a:off x="467544" y="476672"/>
-            <a:ext cx="7776864" cy="523220"/>
+            <a:ext cx="5976664" cy="523220"/>
           </a:xfrm>
           <a:prstGeom prst="rect">
             <a:avLst/>
@@ -10377,6 +10475,19 @@
           </a:bodyPr>
           <a:lstStyle/>
           <a:p>
+            <a:r>
+              <a:rPr lang="en-US" altLang="zh-CN" sz="2800" dirty="0" smtClean="0">
+                <a:solidFill>
+                  <a:schemeClr val="tx1">
+                    <a:lumMod val="75000"/>
+                    <a:lumOff val="25000"/>
+                  </a:schemeClr>
+                </a:solidFill>
+                <a:latin typeface="微软雅黑" pitchFamily="34" charset="-122"/>
+                <a:ea typeface="微软雅黑" pitchFamily="34" charset="-122"/>
+              </a:rPr>
+              <a:t>5.</a:t>
+            </a:r>
             <a:r>
               <a:rPr lang="zh-CN" altLang="en-US" sz="2800" dirty="0" smtClean="0">
                 <a:solidFill>
@@ -10388,20 +10499,7 @@
                 <a:latin typeface="微软雅黑" pitchFamily="34" charset="-122"/>
                 <a:ea typeface="微软雅黑" pitchFamily="34" charset="-122"/>
               </a:rPr>
-              <a:t>更多</a:t>
-            </a:r>
-            <a:r>
-              <a:rPr lang="zh-CN" altLang="en-US" sz="2800" dirty="0" smtClean="0">
-                <a:solidFill>
-                  <a:schemeClr val="tx1">
-                    <a:lumMod val="75000"/>
-                    <a:lumOff val="25000"/>
-                  </a:schemeClr>
-                </a:solidFill>
-                <a:latin typeface="微软雅黑" pitchFamily="34" charset="-122"/>
-                <a:ea typeface="微软雅黑" pitchFamily="34" charset="-122"/>
-              </a:rPr>
-              <a:t>思考</a:t>
+              <a:t>动画重新启动</a:t>
             </a:r>
             <a:endParaRPr lang="zh-CN" altLang="en-US" sz="2800" dirty="0">
               <a:solidFill>
@@ -10418,6 +10516,625 @@
       </p:sp>
       <p:sp>
         <p:nvSpPr>
+          <p:cNvPr id="3" name="矩形 2"/>
+          <p:cNvSpPr/>
+          <p:nvPr/>
+        </p:nvSpPr>
+        <p:spPr>
+          <a:xfrm>
+            <a:off x="611560" y="999892"/>
+            <a:ext cx="7128792" cy="3416320"/>
+          </a:xfrm>
+          <a:prstGeom prst="rect">
+            <a:avLst/>
+          </a:prstGeom>
+        </p:spPr>
+        <p:txBody>
+          <a:bodyPr wrap="square">
+            <a:spAutoFit/>
+          </a:bodyPr>
+          <a:lstStyle/>
+          <a:p>
+            <a:pPr>
+              <a:lnSpc>
+                <a:spcPct val="150000"/>
+              </a:lnSpc>
+            </a:pPr>
+            <a:r>
+              <a:rPr lang="zh-CN" altLang="en-US" dirty="0" smtClean="0">
+                <a:latin typeface="微软雅黑" panose="020B0503020204020204" pitchFamily="34" charset="-122"/>
+                <a:ea typeface="微软雅黑" panose="020B0503020204020204" pitchFamily="34" charset="-122"/>
+              </a:rPr>
+              <a:t>动画结束时候，我们绑定了事件处理函数，将会调用，我们的意图是，不删除标签，再重新添加，这样的话效率比较低（修改了文档对象结构）。我们希望的是，</a:t>
+            </a:r>
+            <a:r>
+              <a:rPr lang="zh-CN" altLang="en-US" dirty="0" smtClean="0">
+                <a:solidFill>
+                  <a:srgbClr val="FF0000"/>
+                </a:solidFill>
+                <a:latin typeface="微软雅黑" panose="020B0503020204020204" pitchFamily="34" charset="-122"/>
+                <a:ea typeface="微软雅黑" panose="020B0503020204020204" pitchFamily="34" charset="-122"/>
+              </a:rPr>
+              <a:t>动画结束，修改样式</a:t>
+            </a:r>
+            <a:r>
+              <a:rPr lang="zh-CN" altLang="en-US" dirty="0" smtClean="0">
+                <a:latin typeface="微软雅黑" panose="020B0503020204020204" pitchFamily="34" charset="-122"/>
+                <a:ea typeface="微软雅黑" panose="020B0503020204020204" pitchFamily="34" charset="-122"/>
+              </a:rPr>
+              <a:t>（重新设置阴影的位置，大小，颜色，动画的持续时间和启动时机），</a:t>
+            </a:r>
+            <a:r>
+              <a:rPr lang="zh-CN" altLang="en-US" dirty="0" smtClean="0">
+                <a:solidFill>
+                  <a:srgbClr val="FF0000"/>
+                </a:solidFill>
+                <a:latin typeface="微软雅黑" panose="020B0503020204020204" pitchFamily="34" charset="-122"/>
+                <a:ea typeface="微软雅黑" panose="020B0503020204020204" pitchFamily="34" charset="-122"/>
+              </a:rPr>
+              <a:t>然后再次启动动画</a:t>
+            </a:r>
+            <a:r>
+              <a:rPr lang="zh-CN" altLang="en-US" dirty="0" smtClean="0">
+                <a:latin typeface="微软雅黑" panose="020B0503020204020204" pitchFamily="34" charset="-122"/>
+                <a:ea typeface="微软雅黑" panose="020B0503020204020204" pitchFamily="34" charset="-122"/>
+              </a:rPr>
+              <a:t>。</a:t>
+            </a:r>
+            <a:endParaRPr lang="en-US" altLang="zh-CN" dirty="0" smtClean="0">
+              <a:latin typeface="微软雅黑" panose="020B0503020204020204" pitchFamily="34" charset="-122"/>
+              <a:ea typeface="微软雅黑" panose="020B0503020204020204" pitchFamily="34" charset="-122"/>
+            </a:endParaRPr>
+          </a:p>
+          <a:p>
+            <a:pPr>
+              <a:lnSpc>
+                <a:spcPct val="150000"/>
+              </a:lnSpc>
+            </a:pPr>
+            <a:r>
+              <a:rPr lang="zh-CN" altLang="en-US" dirty="0" smtClean="0">
+                <a:latin typeface="微软雅黑" panose="020B0503020204020204" pitchFamily="34" charset="-122"/>
+                <a:ea typeface="微软雅黑" panose="020B0503020204020204" pitchFamily="34" charset="-122"/>
+              </a:rPr>
+              <a:t>但是，如果动画结束，去除</a:t>
+            </a:r>
+            <a:r>
+              <a:rPr lang="en-US" altLang="zh-CN" dirty="0" err="1" smtClean="0">
+                <a:latin typeface="微软雅黑" panose="020B0503020204020204" pitchFamily="34" charset="-122"/>
+                <a:ea typeface="微软雅黑" panose="020B0503020204020204" pitchFamily="34" charset="-122"/>
+              </a:rPr>
+              <a:t>ani</a:t>
+            </a:r>
+            <a:r>
+              <a:rPr lang="zh-CN" altLang="en-US" dirty="0" smtClean="0">
+                <a:latin typeface="微软雅黑" panose="020B0503020204020204" pitchFamily="34" charset="-122"/>
+                <a:ea typeface="微软雅黑" panose="020B0503020204020204" pitchFamily="34" charset="-122"/>
+              </a:rPr>
+              <a:t>类（停止动画），修改样式，添加</a:t>
+            </a:r>
+            <a:r>
+              <a:rPr lang="en-US" altLang="zh-CN" dirty="0" err="1" smtClean="0">
+                <a:latin typeface="微软雅黑" panose="020B0503020204020204" pitchFamily="34" charset="-122"/>
+                <a:ea typeface="微软雅黑" panose="020B0503020204020204" pitchFamily="34" charset="-122"/>
+              </a:rPr>
+              <a:t>ani</a:t>
+            </a:r>
+            <a:r>
+              <a:rPr lang="zh-CN" altLang="en-US" dirty="0" smtClean="0">
+                <a:latin typeface="微软雅黑" panose="020B0503020204020204" pitchFamily="34" charset="-122"/>
+                <a:ea typeface="微软雅黑" panose="020B0503020204020204" pitchFamily="34" charset="-122"/>
+              </a:rPr>
+              <a:t>类（启动动画），那么，</a:t>
+            </a:r>
+            <a:r>
+              <a:rPr lang="zh-CN" altLang="en-US" dirty="0" smtClean="0">
+                <a:solidFill>
+                  <a:srgbClr val="FF0000"/>
+                </a:solidFill>
+                <a:latin typeface="微软雅黑" panose="020B0503020204020204" pitchFamily="34" charset="-122"/>
+                <a:ea typeface="微软雅黑" panose="020B0503020204020204" pitchFamily="34" charset="-122"/>
+              </a:rPr>
+              <a:t>动画是无法启动的</a:t>
+            </a:r>
+            <a:r>
+              <a:rPr lang="zh-CN" altLang="en-US" dirty="0" smtClean="0">
+                <a:latin typeface="微软雅黑" panose="020B0503020204020204" pitchFamily="34" charset="-122"/>
+                <a:ea typeface="微软雅黑" panose="020B0503020204020204" pitchFamily="34" charset="-122"/>
+              </a:rPr>
+              <a:t>！因为这些操作是在页面渲染（绘制）过程的同一帧中进行的，就好像</a:t>
+            </a:r>
+            <a:r>
+              <a:rPr lang="en-US" altLang="zh-CN" dirty="0" err="1" smtClean="0">
+                <a:latin typeface="微软雅黑" panose="020B0503020204020204" pitchFamily="34" charset="-122"/>
+                <a:ea typeface="微软雅黑" panose="020B0503020204020204" pitchFamily="34" charset="-122"/>
+              </a:rPr>
+              <a:t>ani</a:t>
+            </a:r>
+            <a:r>
+              <a:rPr lang="zh-CN" altLang="en-US" dirty="0" smtClean="0">
+                <a:latin typeface="微软雅黑" panose="020B0503020204020204" pitchFamily="34" charset="-122"/>
+                <a:ea typeface="微软雅黑" panose="020B0503020204020204" pitchFamily="34" charset="-122"/>
+              </a:rPr>
+              <a:t>类没有经过删除又添加的过程，无法识别，所以也就不能重新启动。</a:t>
+            </a:r>
+            <a:endParaRPr lang="en-US" altLang="zh-CN" dirty="0" smtClean="0">
+              <a:latin typeface="微软雅黑" panose="020B0503020204020204" pitchFamily="34" charset="-122"/>
+              <a:ea typeface="微软雅黑" panose="020B0503020204020204" pitchFamily="34" charset="-122"/>
+            </a:endParaRPr>
+          </a:p>
+        </p:txBody>
+      </p:sp>
+      <p:pic>
+        <p:nvPicPr>
+          <p:cNvPr id="5" name="图片 4" descr="屏幕剪辑"/>
+          <p:cNvPicPr>
+            <a:picLocks noChangeAspect="1"/>
+          </p:cNvPicPr>
+          <p:nvPr/>
+        </p:nvPicPr>
+        <p:blipFill>
+          <a:blip r:embed="rId2">
+            <a:extLst>
+              <a:ext uri="{28A0092B-C50C-407E-A947-70E740481C1C}">
+                <a14:useLocalDpi xmlns:a14="http://schemas.microsoft.com/office/drawing/2010/main" val="0"/>
+              </a:ext>
+            </a:extLst>
+          </a:blip>
+          <a:stretch>
+            <a:fillRect/>
+          </a:stretch>
+        </p:blipFill>
+        <p:spPr>
+          <a:xfrm>
+            <a:off x="755576" y="4425732"/>
+            <a:ext cx="2934109" cy="2038635"/>
+          </a:xfrm>
+          <a:prstGeom prst="rect">
+            <a:avLst/>
+          </a:prstGeom>
+          <a:ln>
+            <a:noFill/>
+          </a:ln>
+          <a:effectLst>
+            <a:outerShdw blurRad="292100" dist="139700" dir="2700000" algn="tl" rotWithShape="0">
+              <a:srgbClr val="333333">
+                <a:alpha val="65000"/>
+              </a:srgbClr>
+            </a:outerShdw>
+          </a:effectLst>
+        </p:spPr>
+      </p:pic>
+    </p:spTree>
+    <p:extLst>
+      <p:ext uri="{BB962C8B-B14F-4D97-AF65-F5344CB8AC3E}">
+        <p14:creationId xmlns:p14="http://schemas.microsoft.com/office/powerpoint/2010/main" val="3879234199"/>
+      </p:ext>
+    </p:extLst>
+  </p:cSld>
+  <p:clrMapOvr>
+    <a:masterClrMapping/>
+  </p:clrMapOvr>
+</p:sld>
+</file>
+
+<file path=ppt/slides/slide22.xml><?xml version="1.0" encoding="utf-8"?>
+<p:sld xmlns:a="http://schemas.openxmlformats.org/drawingml/2006/main" xmlns:r="http://schemas.openxmlformats.org/officeDocument/2006/relationships" xmlns:p="http://schemas.openxmlformats.org/presentationml/2006/main">
+  <p:cSld>
+    <p:spTree>
+      <p:nvGrpSpPr>
+        <p:cNvPr id="1" name=""/>
+        <p:cNvGrpSpPr/>
+        <p:nvPr/>
+      </p:nvGrpSpPr>
+      <p:grpSpPr>
+        <a:xfrm>
+          <a:off x="0" y="0"/>
+          <a:ext cx="0" cy="0"/>
+          <a:chOff x="0" y="0"/>
+          <a:chExt cx="0" cy="0"/>
+        </a:xfrm>
+      </p:grpSpPr>
+      <p:pic>
+        <p:nvPicPr>
+          <p:cNvPr id="2" name="图片 1" descr="屏幕剪辑"/>
+          <p:cNvPicPr>
+            <a:picLocks noChangeAspect="1"/>
+          </p:cNvPicPr>
+          <p:nvPr/>
+        </p:nvPicPr>
+        <p:blipFill>
+          <a:blip r:embed="rId2">
+            <a:extLst>
+              <a:ext uri="{28A0092B-C50C-407E-A947-70E740481C1C}">
+                <a14:useLocalDpi xmlns:a14="http://schemas.microsoft.com/office/drawing/2010/main" val="0"/>
+              </a:ext>
+            </a:extLst>
+          </a:blip>
+          <a:stretch>
+            <a:fillRect/>
+          </a:stretch>
+        </p:blipFill>
+        <p:spPr>
+          <a:xfrm>
+            <a:off x="1043608" y="764704"/>
+            <a:ext cx="3610479" cy="3077004"/>
+          </a:xfrm>
+          <a:prstGeom prst="rect">
+            <a:avLst/>
+          </a:prstGeom>
+          <a:ln>
+            <a:noFill/>
+          </a:ln>
+          <a:effectLst>
+            <a:outerShdw blurRad="292100" dist="139700" dir="2700000" algn="tl" rotWithShape="0">
+              <a:srgbClr val="333333">
+                <a:alpha val="65000"/>
+              </a:srgbClr>
+            </a:outerShdw>
+          </a:effectLst>
+        </p:spPr>
+      </p:pic>
+      <p:sp>
+        <p:nvSpPr>
+          <p:cNvPr id="3" name="圆角矩形标注 2"/>
+          <p:cNvSpPr/>
+          <p:nvPr/>
+        </p:nvSpPr>
+        <p:spPr>
+          <a:xfrm>
+            <a:off x="4292934" y="2025831"/>
+            <a:ext cx="1503202" cy="414543"/>
+          </a:xfrm>
+          <a:prstGeom prst="wedgeRoundRectCallout">
+            <a:avLst>
+              <a:gd name="adj1" fmla="val -59639"/>
+              <a:gd name="adj2" fmla="val 14593"/>
+              <a:gd name="adj3" fmla="val 16667"/>
+            </a:avLst>
+          </a:prstGeom>
+        </p:spPr>
+        <p:style>
+          <a:lnRef idx="2">
+            <a:schemeClr val="accent5"/>
+          </a:lnRef>
+          <a:fillRef idx="1">
+            <a:schemeClr val="lt1"/>
+          </a:fillRef>
+          <a:effectRef idx="0">
+            <a:schemeClr val="accent5"/>
+          </a:effectRef>
+          <a:fontRef idx="minor">
+            <a:schemeClr val="dk1"/>
+          </a:fontRef>
+        </p:style>
+        <p:txBody>
+          <a:bodyPr rtlCol="0" anchor="ctr"/>
+          <a:lstStyle/>
+          <a:p>
+            <a:pPr>
+              <a:lnSpc>
+                <a:spcPct val="150000"/>
+              </a:lnSpc>
+            </a:pPr>
+            <a:r>
+              <a:rPr lang="zh-CN" altLang="en-US" sz="1600" dirty="0" smtClean="0">
+                <a:latin typeface="微软雅黑" panose="020B0503020204020204" pitchFamily="34" charset="-122"/>
+                <a:ea typeface="微软雅黑" panose="020B0503020204020204" pitchFamily="34" charset="-122"/>
+              </a:rPr>
+              <a:t>强制渲染页面</a:t>
+            </a:r>
+            <a:endParaRPr lang="zh-CN" altLang="en-US" sz="1600" dirty="0">
+              <a:latin typeface="微软雅黑" panose="020B0503020204020204" pitchFamily="34" charset="-122"/>
+              <a:ea typeface="微软雅黑" panose="020B0503020204020204" pitchFamily="34" charset="-122"/>
+            </a:endParaRPr>
+          </a:p>
+        </p:txBody>
+      </p:sp>
+      <p:sp>
+        <p:nvSpPr>
+          <p:cNvPr id="4" name="圆角矩形标注 3"/>
+          <p:cNvSpPr/>
+          <p:nvPr/>
+        </p:nvSpPr>
+        <p:spPr>
+          <a:xfrm>
+            <a:off x="3707904" y="1412776"/>
+            <a:ext cx="1152128" cy="414543"/>
+          </a:xfrm>
+          <a:prstGeom prst="wedgeRoundRectCallout">
+            <a:avLst>
+              <a:gd name="adj1" fmla="val -59639"/>
+              <a:gd name="adj2" fmla="val 14593"/>
+              <a:gd name="adj3" fmla="val 16667"/>
+            </a:avLst>
+          </a:prstGeom>
+        </p:spPr>
+        <p:style>
+          <a:lnRef idx="2">
+            <a:schemeClr val="accent5"/>
+          </a:lnRef>
+          <a:fillRef idx="1">
+            <a:schemeClr val="lt1"/>
+          </a:fillRef>
+          <a:effectRef idx="0">
+            <a:schemeClr val="accent5"/>
+          </a:effectRef>
+          <a:fontRef idx="minor">
+            <a:schemeClr val="dk1"/>
+          </a:fontRef>
+        </p:style>
+        <p:txBody>
+          <a:bodyPr rtlCol="0" anchor="ctr"/>
+          <a:lstStyle/>
+          <a:p>
+            <a:pPr>
+              <a:lnSpc>
+                <a:spcPct val="150000"/>
+              </a:lnSpc>
+            </a:pPr>
+            <a:r>
+              <a:rPr lang="zh-CN" altLang="en-US" sz="1600" dirty="0" smtClean="0">
+                <a:latin typeface="微软雅黑" panose="020B0503020204020204" pitchFamily="34" charset="-122"/>
+                <a:ea typeface="微软雅黑" panose="020B0503020204020204" pitchFamily="34" charset="-122"/>
+              </a:rPr>
+              <a:t>停止动画</a:t>
+            </a:r>
+            <a:endParaRPr lang="zh-CN" altLang="en-US" sz="1600" dirty="0">
+              <a:latin typeface="微软雅黑" panose="020B0503020204020204" pitchFamily="34" charset="-122"/>
+              <a:ea typeface="微软雅黑" panose="020B0503020204020204" pitchFamily="34" charset="-122"/>
+            </a:endParaRPr>
+          </a:p>
+        </p:txBody>
+      </p:sp>
+      <p:sp>
+        <p:nvSpPr>
+          <p:cNvPr id="5" name="圆角矩形标注 4"/>
+          <p:cNvSpPr/>
+          <p:nvPr/>
+        </p:nvSpPr>
+        <p:spPr>
+          <a:xfrm>
+            <a:off x="3510668" y="2708002"/>
+            <a:ext cx="1152128" cy="414543"/>
+          </a:xfrm>
+          <a:prstGeom prst="wedgeRoundRectCallout">
+            <a:avLst>
+              <a:gd name="adj1" fmla="val -59639"/>
+              <a:gd name="adj2" fmla="val 14593"/>
+              <a:gd name="adj3" fmla="val 16667"/>
+            </a:avLst>
+          </a:prstGeom>
+        </p:spPr>
+        <p:style>
+          <a:lnRef idx="2">
+            <a:schemeClr val="accent5"/>
+          </a:lnRef>
+          <a:fillRef idx="1">
+            <a:schemeClr val="lt1"/>
+          </a:fillRef>
+          <a:effectRef idx="0">
+            <a:schemeClr val="accent5"/>
+          </a:effectRef>
+          <a:fontRef idx="minor">
+            <a:schemeClr val="dk1"/>
+          </a:fontRef>
+        </p:style>
+        <p:txBody>
+          <a:bodyPr rtlCol="0" anchor="ctr"/>
+          <a:lstStyle/>
+          <a:p>
+            <a:pPr>
+              <a:lnSpc>
+                <a:spcPct val="150000"/>
+              </a:lnSpc>
+            </a:pPr>
+            <a:r>
+              <a:rPr lang="zh-CN" altLang="en-US" sz="1600" dirty="0" smtClean="0">
+                <a:latin typeface="微软雅黑" panose="020B0503020204020204" pitchFamily="34" charset="-122"/>
+                <a:ea typeface="微软雅黑" panose="020B0503020204020204" pitchFamily="34" charset="-122"/>
+              </a:rPr>
+              <a:t>刷新样式</a:t>
+            </a:r>
+            <a:endParaRPr lang="zh-CN" altLang="en-US" sz="1600" dirty="0">
+              <a:latin typeface="微软雅黑" panose="020B0503020204020204" pitchFamily="34" charset="-122"/>
+              <a:ea typeface="微软雅黑" panose="020B0503020204020204" pitchFamily="34" charset="-122"/>
+            </a:endParaRPr>
+          </a:p>
+        </p:txBody>
+      </p:sp>
+      <p:sp>
+        <p:nvSpPr>
+          <p:cNvPr id="6" name="圆角矩形标注 5"/>
+          <p:cNvSpPr/>
+          <p:nvPr/>
+        </p:nvSpPr>
+        <p:spPr>
+          <a:xfrm>
+            <a:off x="3501959" y="3372203"/>
+            <a:ext cx="1152128" cy="414543"/>
+          </a:xfrm>
+          <a:prstGeom prst="wedgeRoundRectCallout">
+            <a:avLst>
+              <a:gd name="adj1" fmla="val -59639"/>
+              <a:gd name="adj2" fmla="val -40027"/>
+              <a:gd name="adj3" fmla="val 16667"/>
+            </a:avLst>
+          </a:prstGeom>
+        </p:spPr>
+        <p:style>
+          <a:lnRef idx="2">
+            <a:schemeClr val="accent5"/>
+          </a:lnRef>
+          <a:fillRef idx="1">
+            <a:schemeClr val="lt1"/>
+          </a:fillRef>
+          <a:effectRef idx="0">
+            <a:schemeClr val="accent5"/>
+          </a:effectRef>
+          <a:fontRef idx="minor">
+            <a:schemeClr val="dk1"/>
+          </a:fontRef>
+        </p:style>
+        <p:txBody>
+          <a:bodyPr rtlCol="0" anchor="ctr"/>
+          <a:lstStyle/>
+          <a:p>
+            <a:pPr>
+              <a:lnSpc>
+                <a:spcPct val="150000"/>
+              </a:lnSpc>
+            </a:pPr>
+            <a:r>
+              <a:rPr lang="zh-CN" altLang="en-US" sz="1600" dirty="0" smtClean="0">
+                <a:latin typeface="微软雅黑" panose="020B0503020204020204" pitchFamily="34" charset="-122"/>
+                <a:ea typeface="微软雅黑" panose="020B0503020204020204" pitchFamily="34" charset="-122"/>
+              </a:rPr>
+              <a:t>再次启动</a:t>
+            </a:r>
+            <a:endParaRPr lang="zh-CN" altLang="en-US" sz="1600" dirty="0">
+              <a:latin typeface="微软雅黑" panose="020B0503020204020204" pitchFamily="34" charset="-122"/>
+              <a:ea typeface="微软雅黑" panose="020B0503020204020204" pitchFamily="34" charset="-122"/>
+            </a:endParaRPr>
+          </a:p>
+        </p:txBody>
+      </p:sp>
+      <p:sp>
+        <p:nvSpPr>
+          <p:cNvPr id="7" name="圆角矩形标注 6"/>
+          <p:cNvSpPr/>
+          <p:nvPr/>
+        </p:nvSpPr>
+        <p:spPr>
+          <a:xfrm>
+            <a:off x="6084168" y="1958893"/>
+            <a:ext cx="1440160" cy="1815878"/>
+          </a:xfrm>
+          <a:prstGeom prst="wedgeRoundRectCallout">
+            <a:avLst>
+              <a:gd name="adj1" fmla="val -64274"/>
+              <a:gd name="adj2" fmla="val -31447"/>
+              <a:gd name="adj3" fmla="val 16667"/>
+            </a:avLst>
+          </a:prstGeom>
+        </p:spPr>
+        <p:style>
+          <a:lnRef idx="2">
+            <a:schemeClr val="accent5"/>
+          </a:lnRef>
+          <a:fillRef idx="1">
+            <a:schemeClr val="lt1"/>
+          </a:fillRef>
+          <a:effectRef idx="0">
+            <a:schemeClr val="accent5"/>
+          </a:effectRef>
+          <a:fontRef idx="minor">
+            <a:schemeClr val="dk1"/>
+          </a:fontRef>
+        </p:style>
+        <p:txBody>
+          <a:bodyPr rtlCol="0" anchor="ctr"/>
+          <a:lstStyle/>
+          <a:p>
+            <a:pPr>
+              <a:lnSpc>
+                <a:spcPct val="150000"/>
+              </a:lnSpc>
+            </a:pPr>
+            <a:r>
+              <a:rPr lang="zh-CN" altLang="en-US" sz="1600" dirty="0" smtClean="0">
+                <a:latin typeface="微软雅黑" panose="020B0503020204020204" pitchFamily="34" charset="-122"/>
+                <a:ea typeface="微软雅黑" panose="020B0503020204020204" pitchFamily="34" charset="-122"/>
+              </a:rPr>
+              <a:t>这样就可以让浏览器区分开，动画是停止又启动的了</a:t>
+            </a:r>
+            <a:endParaRPr lang="zh-CN" altLang="en-US" sz="1600" dirty="0">
+              <a:latin typeface="微软雅黑" panose="020B0503020204020204" pitchFamily="34" charset="-122"/>
+              <a:ea typeface="微软雅黑" panose="020B0503020204020204" pitchFamily="34" charset="-122"/>
+            </a:endParaRPr>
+          </a:p>
+        </p:txBody>
+      </p:sp>
+    </p:spTree>
+    <p:extLst>
+      <p:ext uri="{BB962C8B-B14F-4D97-AF65-F5344CB8AC3E}">
+        <p14:creationId xmlns:p14="http://schemas.microsoft.com/office/powerpoint/2010/main" val="2385444690"/>
+      </p:ext>
+    </p:extLst>
+  </p:cSld>
+  <p:clrMapOvr>
+    <a:masterClrMapping/>
+  </p:clrMapOvr>
+</p:sld>
+</file>
+
+<file path=ppt/slides/slide23.xml><?xml version="1.0" encoding="utf-8"?>
+<p:sld xmlns:a="http://schemas.openxmlformats.org/drawingml/2006/main" xmlns:r="http://schemas.openxmlformats.org/officeDocument/2006/relationships" xmlns:p="http://schemas.openxmlformats.org/presentationml/2006/main">
+  <p:cSld>
+    <p:spTree>
+      <p:nvGrpSpPr>
+        <p:cNvPr id="1" name=""/>
+        <p:cNvGrpSpPr/>
+        <p:nvPr/>
+      </p:nvGrpSpPr>
+      <p:grpSpPr>
+        <a:xfrm>
+          <a:off x="0" y="0"/>
+          <a:ext cx="0" cy="0"/>
+          <a:chOff x="0" y="0"/>
+          <a:chExt cx="0" cy="0"/>
+        </a:xfrm>
+      </p:grpSpPr>
+      <p:sp>
+        <p:nvSpPr>
+          <p:cNvPr id="4" name="TextBox 3"/>
+          <p:cNvSpPr txBox="1"/>
+          <p:nvPr/>
+        </p:nvSpPr>
+        <p:spPr>
+          <a:xfrm>
+            <a:off x="467544" y="476672"/>
+            <a:ext cx="7776864" cy="523220"/>
+          </a:xfrm>
+          <a:prstGeom prst="rect">
+            <a:avLst/>
+          </a:prstGeom>
+          <a:noFill/>
+        </p:spPr>
+        <p:txBody>
+          <a:bodyPr wrap="square" rtlCol="0">
+            <a:spAutoFit/>
+          </a:bodyPr>
+          <a:lstStyle/>
+          <a:p>
+            <a:r>
+              <a:rPr lang="zh-CN" altLang="en-US" sz="2800" dirty="0" smtClean="0">
+                <a:solidFill>
+                  <a:schemeClr val="tx1">
+                    <a:lumMod val="75000"/>
+                    <a:lumOff val="25000"/>
+                  </a:schemeClr>
+                </a:solidFill>
+                <a:latin typeface="微软雅黑" pitchFamily="34" charset="-122"/>
+                <a:ea typeface="微软雅黑" pitchFamily="34" charset="-122"/>
+              </a:rPr>
+              <a:t>更多思考</a:t>
+            </a:r>
+            <a:endParaRPr lang="zh-CN" altLang="en-US" sz="2800" dirty="0">
+              <a:solidFill>
+                <a:schemeClr val="tx1">
+                  <a:lumMod val="75000"/>
+                  <a:lumOff val="25000"/>
+                </a:schemeClr>
+              </a:solidFill>
+              <a:latin typeface="微软雅黑" pitchFamily="34" charset="-122"/>
+              <a:ea typeface="微软雅黑" pitchFamily="34" charset="-122"/>
+            </a:endParaRPr>
+          </a:p>
+        </p:txBody>
+      </p:sp>
+      <p:sp>
+        <p:nvSpPr>
           <p:cNvPr id="3" name="TextBox 2"/>
           <p:cNvSpPr txBox="1"/>
           <p:nvPr/>
@@ -10425,7 +11142,7 @@
         <p:spPr>
           <a:xfrm>
             <a:off x="755576" y="1412776"/>
-            <a:ext cx="7128792" cy="1754326"/>
+            <a:ext cx="7128792" cy="2585323"/>
           </a:xfrm>
           <a:prstGeom prst="rect">
             <a:avLst/>
@@ -10477,7 +11194,33 @@
             </a:r>
             <a:r>
               <a:rPr lang="zh-CN" altLang="en-US" dirty="0" smtClean="0"/>
-              <a:t>尽可能接近这个效果？</a:t>
+              <a:t>尽可能接近这个效果</a:t>
+            </a:r>
+            <a:r>
+              <a:rPr lang="zh-CN" altLang="en-US" dirty="0" smtClean="0"/>
+              <a:t>？</a:t>
+            </a:r>
+            <a:endParaRPr lang="en-US" altLang="zh-CN" dirty="0" smtClean="0"/>
+          </a:p>
+          <a:p>
+            <a:pPr marL="285750" indent="-285750">
+              <a:lnSpc>
+                <a:spcPct val="150000"/>
+              </a:lnSpc>
+              <a:buFont typeface="Arial" panose="020B0604020202020204" pitchFamily="34" charset="0"/>
+              <a:buChar char="•"/>
+            </a:pPr>
+            <a:r>
+              <a:rPr lang="zh-CN" altLang="en-US" dirty="0" smtClean="0"/>
+              <a:t>动画停止，刷新样式，再重新启动，这中间除了使用</a:t>
+            </a:r>
+            <a:r>
+              <a:rPr lang="en-US" altLang="zh-CN" dirty="0" err="1" smtClean="0"/>
+              <a:t>offsetWidth</a:t>
+            </a:r>
+            <a:r>
+              <a:rPr lang="zh-CN" altLang="en-US" dirty="0" smtClean="0"/>
+              <a:t>，尝试下其他方式</a:t>
             </a:r>
             <a:endParaRPr lang="zh-CN" altLang="en-US" dirty="0"/>
           </a:p>
@@ -11347,21 +12090,7 @@
                 <a:latin typeface="微软雅黑" panose="020B0503020204020204" pitchFamily="34" charset="-122"/>
                 <a:ea typeface="微软雅黑" panose="020B0503020204020204" pitchFamily="34" charset="-122"/>
               </a:rPr>
-              <a:t>框架，形象的说，就是需要一个标签来</a:t>
-            </a:r>
-            <a:r>
-              <a:rPr lang="zh-CN" altLang="en-US" dirty="0" smtClean="0">
-                <a:latin typeface="微软雅黑" panose="020B0503020204020204" pitchFamily="34" charset="-122"/>
-                <a:ea typeface="微软雅黑" panose="020B0503020204020204" pitchFamily="34" charset="-122"/>
-              </a:rPr>
-              <a:t>扮演“天空”，</a:t>
-            </a:r>
-            <a:r>
-              <a:rPr lang="zh-CN" altLang="en-US" dirty="0" smtClean="0">
-                <a:latin typeface="微软雅黑" panose="020B0503020204020204" pitchFamily="34" charset="-122"/>
-                <a:ea typeface="微软雅黑" panose="020B0503020204020204" pitchFamily="34" charset="-122"/>
-              </a:rPr>
-              <a:t>以便让群星飞行！</a:t>
+              <a:t>框架，形象的说，就是需要一个标签来扮演“天空”，以便让群星飞行！</a:t>
             </a:r>
             <a:endParaRPr lang="en-US" altLang="zh-CN" dirty="0" smtClean="0">
               <a:latin typeface="微软雅黑" panose="020B0503020204020204" pitchFamily="34" charset="-122"/>
@@ -11479,21 +12208,7 @@
                 <a:latin typeface="微软雅黑" panose="020B0503020204020204" pitchFamily="34" charset="-122"/>
                 <a:ea typeface="微软雅黑" panose="020B0503020204020204" pitchFamily="34" charset="-122"/>
               </a:rPr>
-              <a:t>这个标签需要铺满整个窗口，所以是固定定位</a:t>
-            </a:r>
-            <a:r>
-              <a:rPr lang="zh-CN" altLang="en-US" sz="1600" dirty="0" smtClean="0">
-                <a:latin typeface="微软雅黑" panose="020B0503020204020204" pitchFamily="34" charset="-122"/>
-                <a:ea typeface="微软雅黑" panose="020B0503020204020204" pitchFamily="34" charset="-122"/>
-              </a:rPr>
-              <a:t>，宽</a:t>
-            </a:r>
-            <a:r>
-              <a:rPr lang="zh-CN" altLang="en-US" sz="1600" dirty="0" smtClean="0">
-                <a:latin typeface="微软雅黑" panose="020B0503020204020204" pitchFamily="34" charset="-122"/>
-                <a:ea typeface="微软雅黑" panose="020B0503020204020204" pitchFamily="34" charset="-122"/>
-              </a:rPr>
-              <a:t>高都是</a:t>
+              <a:t>这个标签需要铺满整个窗口，所以是固定定位，宽高都是</a:t>
             </a:r>
             <a:r>
               <a:rPr lang="en-US" altLang="zh-CN" sz="1600" dirty="0" smtClean="0">
@@ -11856,14 +12571,7 @@
                 <a:latin typeface="微软雅黑" panose="020B0503020204020204" pitchFamily="34" charset="-122"/>
                 <a:ea typeface="微软雅黑" panose="020B0503020204020204" pitchFamily="34" charset="-122"/>
               </a:rPr>
-              <a:t>后文会讲到，星星标签本身不需要显示，</a:t>
-            </a:r>
-            <a:r>
-              <a:rPr lang="zh-CN" altLang="en-US" sz="1600" dirty="0" smtClean="0">
-                <a:latin typeface="微软雅黑" panose="020B0503020204020204" pitchFamily="34" charset="-122"/>
-                <a:ea typeface="微软雅黑" panose="020B0503020204020204" pitchFamily="34" charset="-122"/>
-              </a:rPr>
-              <a:t>我们是利用它的阴影来呈现</a:t>
+              <a:t>后文会讲到，星星标签本身不需要显示，我们是利用它的阴影来呈现</a:t>
             </a:r>
             <a:endParaRPr lang="zh-CN" altLang="en-US" sz="1600" dirty="0">
               <a:latin typeface="微软雅黑" panose="020B0503020204020204" pitchFamily="34" charset="-122"/>
@@ -12057,7 +12765,14 @@
                 <a:latin typeface="微软雅黑" panose="020B0503020204020204" pitchFamily="34" charset="-122"/>
                 <a:ea typeface="微软雅黑" panose="020B0503020204020204" pitchFamily="34" charset="-122"/>
               </a:rPr>
-              <a:t>利用代码动态创建任意的星星</a:t>
+              <a:t>利用代码动态</a:t>
+            </a:r>
+            <a:r>
+              <a:rPr lang="zh-CN" altLang="en-US" dirty="0" smtClean="0">
+                <a:latin typeface="微软雅黑" panose="020B0503020204020204" pitchFamily="34" charset="-122"/>
+                <a:ea typeface="微软雅黑" panose="020B0503020204020204" pitchFamily="34" charset="-122"/>
+              </a:rPr>
+              <a:t>创建星星分组标签（每个标签下将会有一组星星）</a:t>
             </a:r>
             <a:endParaRPr lang="en-US" altLang="zh-CN" dirty="0" smtClean="0">
               <a:latin typeface="微软雅黑" panose="020B0503020204020204" pitchFamily="34" charset="-122"/>
@@ -12135,7 +12850,21 @@
                 <a:latin typeface="微软雅黑" panose="020B0503020204020204" pitchFamily="34" charset="-122"/>
                 <a:ea typeface="微软雅黑" panose="020B0503020204020204" pitchFamily="34" charset="-122"/>
               </a:rPr>
-              <a:t>当每个星星动画结束时，我们需要重新设置，所以为动画结束事件绑定处理函数</a:t>
+              <a:t>当</a:t>
+            </a:r>
+            <a:r>
+              <a:rPr lang="zh-CN" altLang="en-US" sz="1600" dirty="0" smtClean="0">
+                <a:latin typeface="微软雅黑" panose="020B0503020204020204" pitchFamily="34" charset="-122"/>
+                <a:ea typeface="微软雅黑" panose="020B0503020204020204" pitchFamily="34" charset="-122"/>
+              </a:rPr>
+              <a:t>每个分组动画</a:t>
+            </a:r>
+            <a:r>
+              <a:rPr lang="zh-CN" altLang="en-US" sz="1600" dirty="0" smtClean="0">
+                <a:latin typeface="微软雅黑" panose="020B0503020204020204" pitchFamily="34" charset="-122"/>
+                <a:ea typeface="微软雅黑" panose="020B0503020204020204" pitchFamily="34" charset="-122"/>
+              </a:rPr>
+              <a:t>结束时，我们需要重新设置，所以为动画结束事件绑定处理函数</a:t>
             </a:r>
             <a:endParaRPr lang="zh-CN" altLang="en-US" sz="1600" dirty="0">
               <a:latin typeface="微软雅黑" panose="020B0503020204020204" pitchFamily="34" charset="-122"/>
@@ -12191,14 +12920,7 @@
                 <a:latin typeface="微软雅黑" panose="020B0503020204020204" pitchFamily="34" charset="-122"/>
                 <a:ea typeface="微软雅黑" panose="020B0503020204020204" pitchFamily="34" charset="-122"/>
               </a:rPr>
-              <a:t>定义一</a:t>
-            </a:r>
-            <a:r>
-              <a:rPr lang="zh-CN" altLang="en-US" sz="1600" dirty="0" smtClean="0">
-                <a:latin typeface="微软雅黑" panose="020B0503020204020204" pitchFamily="34" charset="-122"/>
-                <a:ea typeface="微软雅黑" panose="020B0503020204020204" pitchFamily="34" charset="-122"/>
-              </a:rPr>
-              <a:t>个数量</a:t>
+              <a:t>定义一个数量</a:t>
             </a:r>
             <a:endParaRPr lang="zh-CN" altLang="en-US" sz="1600" dirty="0">
               <a:latin typeface="微软雅黑" panose="020B0503020204020204" pitchFamily="34" charset="-122"/>
@@ -12254,14 +12976,21 @@
                 <a:latin typeface="微软雅黑" panose="020B0503020204020204" pitchFamily="34" charset="-122"/>
                 <a:ea typeface="微软雅黑" panose="020B0503020204020204" pitchFamily="34" charset="-122"/>
               </a:rPr>
-              <a:t>设置星星的</a:t>
+              <a:t>为每个分组创建</a:t>
+            </a:r>
+            <a:r>
+              <a:rPr lang="en-US" altLang="zh-CN" sz="1600" dirty="0" smtClean="0">
+                <a:latin typeface="微软雅黑" panose="020B0503020204020204" pitchFamily="34" charset="-122"/>
+                <a:ea typeface="微软雅黑" panose="020B0503020204020204" pitchFamily="34" charset="-122"/>
+              </a:rPr>
+              <a:t>N</a:t>
             </a:r>
             <a:r>
               <a:rPr lang="zh-CN" altLang="en-US" sz="1600" dirty="0" smtClean="0">
                 <a:latin typeface="微软雅黑" panose="020B0503020204020204" pitchFamily="34" charset="-122"/>
                 <a:ea typeface="微软雅黑" panose="020B0503020204020204" pitchFamily="34" charset="-122"/>
               </a:rPr>
-              <a:t>样式，这个函数后面讲如何实现</a:t>
+              <a:t>个星星</a:t>
             </a:r>
             <a:endParaRPr lang="zh-CN" altLang="en-US" sz="1600" dirty="0">
               <a:latin typeface="微软雅黑" panose="020B0503020204020204" pitchFamily="34" charset="-122"/>
@@ -12479,7 +13208,14 @@
                 <a:latin typeface="微软雅黑" panose="020B0503020204020204" pitchFamily="34" charset="-122"/>
                 <a:ea typeface="微软雅黑" panose="020B0503020204020204" pitchFamily="34" charset="-122"/>
               </a:rPr>
-              <a:t>直接创建“星星”标签</a:t>
+              <a:t>直接</a:t>
+            </a:r>
+            <a:r>
+              <a:rPr lang="zh-CN" altLang="en-US" sz="1600" dirty="0" smtClean="0">
+                <a:latin typeface="微软雅黑" panose="020B0503020204020204" pitchFamily="34" charset="-122"/>
+                <a:ea typeface="微软雅黑" panose="020B0503020204020204" pitchFamily="34" charset="-122"/>
+              </a:rPr>
+              <a:t>创建分组标签</a:t>
             </a:r>
             <a:endParaRPr lang="zh-CN" altLang="en-US" sz="1600" dirty="0">
               <a:latin typeface="微软雅黑" panose="020B0503020204020204" pitchFamily="34" charset="-122"/>
@@ -12535,7 +13271,14 @@
                 <a:latin typeface="微软雅黑" panose="020B0503020204020204" pitchFamily="34" charset="-122"/>
                 <a:ea typeface="微软雅黑" panose="020B0503020204020204" pitchFamily="34" charset="-122"/>
               </a:rPr>
-              <a:t>把“星星”添加到“天空”中</a:t>
+              <a:t>把分组标签添加</a:t>
+            </a:r>
+            <a:r>
+              <a:rPr lang="zh-CN" altLang="en-US" sz="1600" dirty="0" smtClean="0">
+                <a:latin typeface="微软雅黑" panose="020B0503020204020204" pitchFamily="34" charset="-122"/>
+                <a:ea typeface="微软雅黑" panose="020B0503020204020204" pitchFamily="34" charset="-122"/>
+              </a:rPr>
+              <a:t>到“天空”中</a:t>
             </a:r>
             <a:endParaRPr lang="zh-CN" altLang="en-US" sz="1600" dirty="0">
               <a:latin typeface="微软雅黑" panose="020B0503020204020204" pitchFamily="34" charset="-122"/>
@@ -12576,13 +13319,13 @@
       </p:grpSpPr>
       <p:pic>
         <p:nvPicPr>
-          <p:cNvPr id="3" name="图片 2" descr="屏幕剪辑"/>
+          <p:cNvPr id="2" name="图片 1" descr="屏幕剪辑"/>
           <p:cNvPicPr>
             <a:picLocks noChangeAspect="1"/>
           </p:cNvPicPr>
           <p:nvPr/>
         </p:nvPicPr>
-        <p:blipFill>
+        <p:blipFill rotWithShape="1">
           <a:blip r:embed="rId2">
             <a:extLst>
               <a:ext uri="{28A0092B-C50C-407E-A947-70E740481C1C}">
@@ -12590,14 +13333,13 @@
               </a:ext>
             </a:extLst>
           </a:blip>
-          <a:stretch>
-            <a:fillRect/>
-          </a:stretch>
+          <a:srcRect t="3369"/>
+          <a:stretch/>
         </p:blipFill>
         <p:spPr>
           <a:xfrm>
-            <a:off x="971600" y="980728"/>
-            <a:ext cx="7107465" cy="4715026"/>
+            <a:off x="1403648" y="470494"/>
+            <a:ext cx="2600688" cy="2899697"/>
           </a:xfrm>
           <a:prstGeom prst="rect">
             <a:avLst/>
@@ -12616,66 +13358,19 @@
       </p:pic>
       <p:sp>
         <p:nvSpPr>
-          <p:cNvPr id="5" name="矩形 4"/>
+          <p:cNvPr id="3" name="圆角矩形标注 2"/>
           <p:cNvSpPr/>
           <p:nvPr/>
         </p:nvSpPr>
         <p:spPr>
           <a:xfrm>
-            <a:off x="827584" y="332656"/>
-            <a:ext cx="6991651" cy="507831"/>
-          </a:xfrm>
-          <a:prstGeom prst="rect">
-            <a:avLst/>
-          </a:prstGeom>
-        </p:spPr>
-        <p:txBody>
-          <a:bodyPr wrap="square">
-            <a:spAutoFit/>
-          </a:bodyPr>
-          <a:lstStyle/>
-          <a:p>
-            <a:pPr>
-              <a:lnSpc>
-                <a:spcPct val="150000"/>
-              </a:lnSpc>
-            </a:pPr>
-            <a:r>
-              <a:rPr lang="en-US" altLang="zh-CN" dirty="0" smtClean="0">
-                <a:latin typeface="微软雅黑" panose="020B0503020204020204" pitchFamily="34" charset="-122"/>
-                <a:ea typeface="微软雅黑" panose="020B0503020204020204" pitchFamily="34" charset="-122"/>
-              </a:rPr>
-              <a:t>d. </a:t>
-            </a:r>
-            <a:r>
-              <a:rPr lang="zh-CN" altLang="en-US" dirty="0" smtClean="0">
-                <a:latin typeface="微软雅黑" panose="020B0503020204020204" pitchFamily="34" charset="-122"/>
-                <a:ea typeface="微软雅黑" panose="020B0503020204020204" pitchFamily="34" charset="-122"/>
-              </a:rPr>
-              <a:t>一颗星星，变成很多星星</a:t>
-            </a:r>
-            <a:endParaRPr lang="en-US" altLang="zh-CN" dirty="0">
-              <a:latin typeface="微软雅黑" panose="020B0503020204020204" pitchFamily="34" charset="-122"/>
-              <a:ea typeface="微软雅黑" panose="020B0503020204020204" pitchFamily="34" charset="-122"/>
-            </a:endParaRPr>
-          </a:p>
-        </p:txBody>
-      </p:sp>
-      <p:sp>
-        <p:nvSpPr>
-          <p:cNvPr id="9" name="圆角矩形标注 8"/>
-          <p:cNvSpPr/>
-          <p:nvPr/>
-        </p:nvSpPr>
-        <p:spPr>
-          <a:xfrm>
-            <a:off x="3995936" y="1049225"/>
-            <a:ext cx="1688751" cy="579575"/>
+            <a:off x="4004337" y="1046558"/>
+            <a:ext cx="1719792" cy="435559"/>
           </a:xfrm>
           <a:prstGeom prst="wedgeRoundRectCallout">
             <a:avLst>
-              <a:gd name="adj1" fmla="val -55203"/>
-              <a:gd name="adj2" fmla="val -24712"/>
+              <a:gd name="adj1" fmla="val -54172"/>
+              <a:gd name="adj2" fmla="val 24873"/>
               <a:gd name="adj3" fmla="val 16667"/>
             </a:avLst>
           </a:prstGeom>
@@ -12708,7 +13403,7 @@
                 <a:latin typeface="微软雅黑" panose="020B0503020204020204" pitchFamily="34" charset="-122"/>
                 <a:ea typeface="微软雅黑" panose="020B0503020204020204" pitchFamily="34" charset="-122"/>
               </a:rPr>
-              <a:t>定义个函数实现</a:t>
+              <a:t>创建的星星分组</a:t>
             </a:r>
             <a:endParaRPr lang="zh-CN" altLang="en-US" sz="1600" dirty="0">
               <a:latin typeface="微软雅黑" panose="020B0503020204020204" pitchFamily="34" charset="-122"/>
@@ -12720,7 +13415,7 @@
     </p:spTree>
     <p:extLst>
       <p:ext uri="{BB962C8B-B14F-4D97-AF65-F5344CB8AC3E}">
-        <p14:creationId xmlns:p14="http://schemas.microsoft.com/office/powerpoint/2010/main" val="251770790"/>
+        <p14:creationId xmlns:p14="http://schemas.microsoft.com/office/powerpoint/2010/main" val="1654368180"/>
       </p:ext>
     </p:extLst>
   </p:cSld>
@@ -12747,6 +13442,46 @@
           <a:chExt cx="0" cy="0"/>
         </a:xfrm>
       </p:grpSpPr>
+      <p:pic>
+        <p:nvPicPr>
+          <p:cNvPr id="3" name="图片 2" descr="屏幕剪辑"/>
+          <p:cNvPicPr>
+            <a:picLocks noChangeAspect="1"/>
+          </p:cNvPicPr>
+          <p:nvPr/>
+        </p:nvPicPr>
+        <p:blipFill>
+          <a:blip r:embed="rId2">
+            <a:extLst>
+              <a:ext uri="{28A0092B-C50C-407E-A947-70E740481C1C}">
+                <a14:useLocalDpi xmlns:a14="http://schemas.microsoft.com/office/drawing/2010/main" val="0"/>
+              </a:ext>
+            </a:extLst>
+          </a:blip>
+          <a:stretch>
+            <a:fillRect/>
+          </a:stretch>
+        </p:blipFill>
+        <p:spPr>
+          <a:xfrm>
+            <a:off x="971600" y="980728"/>
+            <a:ext cx="7107465" cy="4715026"/>
+          </a:xfrm>
+          <a:prstGeom prst="rect">
+            <a:avLst/>
+          </a:prstGeom>
+          <a:ln>
+            <a:noFill/>
+          </a:ln>
+          <a:effectLst>
+            <a:outerShdw blurRad="292100" dist="139700" dir="2700000" algn="tl" rotWithShape="0">
+              <a:srgbClr val="333333">
+                <a:alpha val="65000"/>
+              </a:srgbClr>
+            </a:outerShdw>
+          </a:effectLst>
+        </p:spPr>
+      </p:pic>
       <p:sp>
         <p:nvSpPr>
           <p:cNvPr id="5" name="矩形 4"/>
@@ -12756,7 +13491,7 @@
         <p:spPr>
           <a:xfrm>
             <a:off x="827584" y="332656"/>
-            <a:ext cx="7128792" cy="3831818"/>
+            <a:ext cx="6991651" cy="507831"/>
           </a:xfrm>
           <a:prstGeom prst="rect">
             <a:avLst/>
@@ -12774,398 +13509,57 @@
               </a:lnSpc>
             </a:pPr>
             <a:r>
+              <a:rPr lang="en-US" altLang="zh-CN" dirty="0" smtClean="0">
+                <a:latin typeface="微软雅黑" panose="020B0503020204020204" pitchFamily="34" charset="-122"/>
+                <a:ea typeface="微软雅黑" panose="020B0503020204020204" pitchFamily="34" charset="-122"/>
+              </a:rPr>
+              <a:t>d. </a:t>
+            </a:r>
+            <a:r>
               <a:rPr lang="zh-CN" altLang="en-US" dirty="0" smtClean="0">
                 <a:latin typeface="微软雅黑" panose="020B0503020204020204" pitchFamily="34" charset="-122"/>
                 <a:ea typeface="微软雅黑" panose="020B0503020204020204" pitchFamily="34" charset="-122"/>
               </a:rPr>
-              <a:t>由于</a:t>
+              <a:t>为</a:t>
             </a:r>
             <a:r>
               <a:rPr lang="zh-CN" altLang="en-US" dirty="0" smtClean="0">
                 <a:latin typeface="微软雅黑" panose="020B0503020204020204" pitchFamily="34" charset="-122"/>
                 <a:ea typeface="微软雅黑" panose="020B0503020204020204" pitchFamily="34" charset="-122"/>
               </a:rPr>
-              <a:t>该</a:t>
-            </a:r>
-            <a:r>
-              <a:rPr lang="zh-CN" altLang="en-US" dirty="0">
-                <a:latin typeface="微软雅黑" panose="020B0503020204020204" pitchFamily="34" charset="-122"/>
-                <a:ea typeface="微软雅黑" panose="020B0503020204020204" pitchFamily="34" charset="-122"/>
-              </a:rPr>
-              <a:t>函数</a:t>
+              <a:t>每个分组创建多颗</a:t>
             </a:r>
             <a:r>
               <a:rPr lang="zh-CN" altLang="en-US" dirty="0" smtClean="0">
                 <a:latin typeface="微软雅黑" panose="020B0503020204020204" pitchFamily="34" charset="-122"/>
                 <a:ea typeface="微软雅黑" panose="020B0503020204020204" pitchFamily="34" charset="-122"/>
               </a:rPr>
-              <a:t>，</a:t>
-            </a:r>
-            <a:r>
-              <a:rPr lang="zh-CN" altLang="en-US" dirty="0" smtClean="0">
-                <a:latin typeface="微软雅黑" panose="020B0503020204020204" pitchFamily="34" charset="-122"/>
-                <a:ea typeface="微软雅黑" panose="020B0503020204020204" pitchFamily="34" charset="-122"/>
-              </a:rPr>
-              <a:t>代码较多，我们逐条来解读我们的思路，首先，我们想要通过</a:t>
-            </a:r>
-            <a:r>
-              <a:rPr lang="en-US" altLang="zh-CN" dirty="0" smtClean="0">
-                <a:latin typeface="微软雅黑" panose="020B0503020204020204" pitchFamily="34" charset="-122"/>
-                <a:ea typeface="微软雅黑" panose="020B0503020204020204" pitchFamily="34" charset="-122"/>
-              </a:rPr>
-              <a:t>box-shadow</a:t>
-            </a:r>
-            <a:r>
-              <a:rPr lang="zh-CN" altLang="en-US" dirty="0" smtClean="0">
-                <a:latin typeface="微软雅黑" panose="020B0503020204020204" pitchFamily="34" charset="-122"/>
-                <a:ea typeface="微软雅黑" panose="020B0503020204020204" pitchFamily="34" charset="-122"/>
-              </a:rPr>
-              <a:t>的技巧，把一颗</a:t>
-            </a:r>
-            <a:r>
-              <a:rPr lang="zh-CN" altLang="en-US" dirty="0" smtClean="0">
-                <a:latin typeface="微软雅黑" panose="020B0503020204020204" pitchFamily="34" charset="-122"/>
-                <a:ea typeface="微软雅黑" panose="020B0503020204020204" pitchFamily="34" charset="-122"/>
-              </a:rPr>
-              <a:t>星星（其实该星星，背景色设置为透明，不可见），</a:t>
-            </a:r>
-            <a:r>
-              <a:rPr lang="zh-CN" altLang="en-US" dirty="0" smtClean="0">
-                <a:latin typeface="微软雅黑" panose="020B0503020204020204" pitchFamily="34" charset="-122"/>
-                <a:ea typeface="微软雅黑" panose="020B0503020204020204" pitchFamily="34" charset="-122"/>
-              </a:rPr>
-              <a:t>变成</a:t>
-            </a:r>
-            <a:r>
-              <a:rPr lang="en-US" altLang="zh-CN" b="1" dirty="0" smtClean="0">
-                <a:latin typeface="微软雅黑" panose="020B0503020204020204" pitchFamily="34" charset="-122"/>
-                <a:ea typeface="微软雅黑" panose="020B0503020204020204" pitchFamily="34" charset="-122"/>
-              </a:rPr>
-              <a:t>N</a:t>
-            </a:r>
-            <a:r>
-              <a:rPr lang="zh-CN" altLang="en-US" b="1" dirty="0" smtClean="0">
-                <a:latin typeface="微软雅黑" panose="020B0503020204020204" pitchFamily="34" charset="-122"/>
-                <a:ea typeface="微软雅黑" panose="020B0503020204020204" pitchFamily="34" charset="-122"/>
-              </a:rPr>
-              <a:t>颗</a:t>
-            </a:r>
-            <a:r>
-              <a:rPr lang="zh-CN" altLang="en-US" dirty="0" smtClean="0">
-                <a:latin typeface="微软雅黑" panose="020B0503020204020204" pitchFamily="34" charset="-122"/>
-                <a:ea typeface="微软雅黑" panose="020B0503020204020204" pitchFamily="34" charset="-122"/>
-              </a:rPr>
-              <a:t>星星，</a:t>
-            </a:r>
-            <a:r>
-              <a:rPr lang="zh-CN" altLang="en-US" dirty="0" smtClean="0">
-                <a:latin typeface="微软雅黑" panose="020B0503020204020204" pitchFamily="34" charset="-122"/>
-                <a:ea typeface="微软雅黑" panose="020B0503020204020204" pitchFamily="34" charset="-122"/>
-              </a:rPr>
-              <a:t>因为</a:t>
-            </a:r>
-            <a:r>
-              <a:rPr lang="zh-CN" altLang="en-US" dirty="0">
-                <a:latin typeface="微软雅黑" panose="020B0503020204020204" pitchFamily="34" charset="-122"/>
-                <a:ea typeface="微软雅黑" panose="020B0503020204020204" pitchFamily="34" charset="-122"/>
-              </a:rPr>
-              <a:t>阴影</a:t>
-            </a:r>
-            <a:r>
-              <a:rPr lang="zh-CN" altLang="en-US" dirty="0" smtClean="0">
-                <a:latin typeface="微软雅黑" panose="020B0503020204020204" pitchFamily="34" charset="-122"/>
-                <a:ea typeface="微软雅黑" panose="020B0503020204020204" pitchFamily="34" charset="-122"/>
-              </a:rPr>
-              <a:t>是</a:t>
-            </a:r>
-            <a:r>
-              <a:rPr lang="zh-CN" altLang="en-US" dirty="0" smtClean="0">
-                <a:latin typeface="微软雅黑" panose="020B0503020204020204" pitchFamily="34" charset="-122"/>
-                <a:ea typeface="微软雅黑" panose="020B0503020204020204" pitchFamily="34" charset="-122"/>
-              </a:rPr>
-              <a:t>可以</a:t>
-            </a:r>
-            <a:r>
-              <a:rPr lang="zh-CN" altLang="en-US" b="1" dirty="0" smtClean="0">
-                <a:latin typeface="微软雅黑" panose="020B0503020204020204" pitchFamily="34" charset="-122"/>
-                <a:ea typeface="微软雅黑" panose="020B0503020204020204" pitchFamily="34" charset="-122"/>
-              </a:rPr>
-              <a:t>同时设置多个的</a:t>
-            </a:r>
-            <a:r>
-              <a:rPr lang="zh-CN" altLang="en-US" dirty="0" smtClean="0">
-                <a:latin typeface="微软雅黑" panose="020B0503020204020204" pitchFamily="34" charset="-122"/>
-                <a:ea typeface="微软雅黑" panose="020B0503020204020204" pitchFamily="34" charset="-122"/>
-              </a:rPr>
-              <a:t>，所以，</a:t>
-            </a:r>
-            <a:r>
-              <a:rPr lang="zh-CN" altLang="en-US" dirty="0" smtClean="0">
-                <a:latin typeface="微软雅黑" panose="020B0503020204020204" pitchFamily="34" charset="-122"/>
-                <a:ea typeface="微软雅黑" panose="020B0503020204020204" pitchFamily="34" charset="-122"/>
-              </a:rPr>
-              <a:t>我们</a:t>
-            </a:r>
-            <a:r>
-              <a:rPr lang="zh-CN" altLang="en-US" dirty="0">
-                <a:latin typeface="微软雅黑" panose="020B0503020204020204" pitchFamily="34" charset="-122"/>
-                <a:ea typeface="微软雅黑" panose="020B0503020204020204" pitchFamily="34" charset="-122"/>
-              </a:rPr>
-              <a:t>每</a:t>
-            </a:r>
-            <a:r>
-              <a:rPr lang="zh-CN" altLang="en-US" dirty="0" smtClean="0">
-                <a:latin typeface="微软雅黑" panose="020B0503020204020204" pitchFamily="34" charset="-122"/>
-                <a:ea typeface="微软雅黑" panose="020B0503020204020204" pitchFamily="34" charset="-122"/>
-              </a:rPr>
-              <a:t>设置一个</a:t>
-            </a:r>
-            <a:r>
-              <a:rPr lang="zh-CN" altLang="en-US" dirty="0" smtClean="0">
-                <a:solidFill>
-                  <a:srgbClr val="FF0000"/>
-                </a:solidFill>
-                <a:latin typeface="微软雅黑" panose="020B0503020204020204" pitchFamily="34" charset="-122"/>
-                <a:ea typeface="微软雅黑" panose="020B0503020204020204" pitchFamily="34" charset="-122"/>
-              </a:rPr>
-              <a:t>不同</a:t>
-            </a:r>
-            <a:r>
-              <a:rPr lang="zh-CN" altLang="en-US" dirty="0" smtClean="0">
-                <a:solidFill>
-                  <a:srgbClr val="FF0000"/>
-                </a:solidFill>
-                <a:latin typeface="微软雅黑" panose="020B0503020204020204" pitchFamily="34" charset="-122"/>
-                <a:ea typeface="微软雅黑" panose="020B0503020204020204" pitchFamily="34" charset="-122"/>
-              </a:rPr>
-              <a:t>偏移，不同</a:t>
-            </a:r>
-            <a:r>
-              <a:rPr lang="zh-CN" altLang="en-US" dirty="0" smtClean="0">
-                <a:solidFill>
-                  <a:srgbClr val="FF0000"/>
-                </a:solidFill>
-                <a:latin typeface="微软雅黑" panose="020B0503020204020204" pitchFamily="34" charset="-122"/>
-                <a:ea typeface="微软雅黑" panose="020B0503020204020204" pitchFamily="34" charset="-122"/>
-              </a:rPr>
-              <a:t>位置，不同颜色，不同模糊程度，不同扩展尺寸</a:t>
-            </a:r>
-            <a:r>
-              <a:rPr lang="zh-CN" altLang="en-US" dirty="0" smtClean="0">
-                <a:latin typeface="微软雅黑" panose="020B0503020204020204" pitchFamily="34" charset="-122"/>
-                <a:ea typeface="微软雅黑" panose="020B0503020204020204" pitchFamily="34" charset="-122"/>
-              </a:rPr>
-              <a:t>的阴影，就等于生成了一颗星星。</a:t>
-            </a:r>
-            <a:endParaRPr lang="en-US" altLang="zh-CN" dirty="0" smtClean="0">
+              <a:t>星星</a:t>
+            </a:r>
+            <a:endParaRPr lang="en-US" altLang="zh-CN" dirty="0">
               <a:latin typeface="微软雅黑" panose="020B0503020204020204" pitchFamily="34" charset="-122"/>
               <a:ea typeface="微软雅黑" panose="020B0503020204020204" pitchFamily="34" charset="-122"/>
             </a:endParaRPr>
           </a:p>
-          <a:p>
-            <a:pPr>
-              <a:lnSpc>
-                <a:spcPct val="150000"/>
-              </a:lnSpc>
-            </a:pPr>
-            <a:r>
-              <a:rPr lang="zh-CN" altLang="en-US" dirty="0" smtClean="0">
-                <a:latin typeface="微软雅黑" panose="020B0503020204020204" pitchFamily="34" charset="-122"/>
-                <a:ea typeface="微软雅黑" panose="020B0503020204020204" pitchFamily="34" charset="-122"/>
-              </a:rPr>
-              <a:t>之前我们创建了</a:t>
-            </a:r>
-            <a:r>
-              <a:rPr lang="en-US" altLang="zh-CN" dirty="0" smtClean="0">
-                <a:latin typeface="微软雅黑" panose="020B0503020204020204" pitchFamily="34" charset="-122"/>
-                <a:ea typeface="微软雅黑" panose="020B0503020204020204" pitchFamily="34" charset="-122"/>
-              </a:rPr>
-              <a:t>30</a:t>
-            </a:r>
-            <a:r>
-              <a:rPr lang="zh-CN" altLang="en-US" dirty="0" smtClean="0">
-                <a:latin typeface="微软雅黑" panose="020B0503020204020204" pitchFamily="34" charset="-122"/>
-                <a:ea typeface="微软雅黑" panose="020B0503020204020204" pitchFamily="34" charset="-122"/>
-              </a:rPr>
-              <a:t>个（</a:t>
-            </a:r>
-            <a:r>
-              <a:rPr lang="en-US" altLang="zh-CN" dirty="0" err="1" smtClean="0">
-                <a:latin typeface="微软雅黑" panose="020B0503020204020204" pitchFamily="34" charset="-122"/>
-                <a:ea typeface="微软雅黑" panose="020B0503020204020204" pitchFamily="34" charset="-122"/>
-              </a:rPr>
-              <a:t>num</a:t>
-            </a:r>
-            <a:r>
-              <a:rPr lang="en-US" altLang="zh-CN" dirty="0" smtClean="0">
-                <a:latin typeface="微软雅黑" panose="020B0503020204020204" pitchFamily="34" charset="-122"/>
-                <a:ea typeface="微软雅黑" panose="020B0503020204020204" pitchFamily="34" charset="-122"/>
-              </a:rPr>
-              <a:t>=30</a:t>
-            </a:r>
-            <a:r>
-              <a:rPr lang="zh-CN" altLang="en-US" dirty="0" smtClean="0">
-                <a:latin typeface="微软雅黑" panose="020B0503020204020204" pitchFamily="34" charset="-122"/>
-                <a:ea typeface="微软雅黑" panose="020B0503020204020204" pitchFamily="34" charset="-122"/>
-              </a:rPr>
-              <a:t>）</a:t>
-            </a:r>
-            <a:r>
-              <a:rPr lang="en-US" altLang="zh-CN" dirty="0" smtClean="0">
-                <a:latin typeface="微软雅黑" panose="020B0503020204020204" pitchFamily="34" charset="-122"/>
-                <a:ea typeface="微软雅黑" panose="020B0503020204020204" pitchFamily="34" charset="-122"/>
-              </a:rPr>
-              <a:t>&lt;div class=“star”&gt;&lt;/div&gt;</a:t>
-            </a:r>
-            <a:r>
-              <a:rPr lang="zh-CN" altLang="en-US" dirty="0" smtClean="0">
-                <a:latin typeface="微软雅黑" panose="020B0503020204020204" pitchFamily="34" charset="-122"/>
-                <a:ea typeface="微软雅黑" panose="020B0503020204020204" pitchFamily="34" charset="-122"/>
-              </a:rPr>
-              <a:t>标签，然后我们对每个标签引用</a:t>
-            </a:r>
-            <a:r>
-              <a:rPr lang="en-US" altLang="zh-CN" dirty="0" smtClean="0">
-                <a:latin typeface="微软雅黑" panose="020B0503020204020204" pitchFamily="34" charset="-122"/>
-                <a:ea typeface="微软雅黑" panose="020B0503020204020204" pitchFamily="34" charset="-122"/>
-              </a:rPr>
-              <a:t>30</a:t>
-            </a:r>
-            <a:r>
-              <a:rPr lang="zh-CN" altLang="en-US" dirty="0" smtClean="0">
-                <a:latin typeface="微软雅黑" panose="020B0503020204020204" pitchFamily="34" charset="-122"/>
-                <a:ea typeface="微软雅黑" panose="020B0503020204020204" pitchFamily="34" charset="-122"/>
-              </a:rPr>
-              <a:t>个阴影，这样，就相当于</a:t>
-            </a:r>
-            <a:r>
-              <a:rPr lang="en-US" altLang="zh-CN" dirty="0" smtClean="0">
-                <a:latin typeface="微软雅黑" panose="020B0503020204020204" pitchFamily="34" charset="-122"/>
-                <a:ea typeface="微软雅黑" panose="020B0503020204020204" pitchFamily="34" charset="-122"/>
-              </a:rPr>
-              <a:t>30*30=900</a:t>
-            </a:r>
-            <a:r>
-              <a:rPr lang="zh-CN" altLang="en-US" dirty="0" smtClean="0">
-                <a:latin typeface="微软雅黑" panose="020B0503020204020204" pitchFamily="34" charset="-122"/>
-                <a:ea typeface="微软雅黑" panose="020B0503020204020204" pitchFamily="34" charset="-122"/>
-              </a:rPr>
-              <a:t>颗星星，标签本身不可见，因为背景设置为透明，但阴影是可见的。</a:t>
-            </a:r>
-            <a:endParaRPr lang="en-US" altLang="zh-CN" dirty="0" smtClean="0">
-              <a:latin typeface="微软雅黑" panose="020B0503020204020204" pitchFamily="34" charset="-122"/>
-              <a:ea typeface="微软雅黑" panose="020B0503020204020204" pitchFamily="34" charset="-122"/>
-            </a:endParaRPr>
-          </a:p>
-        </p:txBody>
-      </p:sp>
-      <p:sp>
-        <p:nvSpPr>
-          <p:cNvPr id="6" name="圆角矩形 5"/>
+        </p:txBody>
+      </p:sp>
+      <p:sp>
+        <p:nvSpPr>
+          <p:cNvPr id="9" name="圆角矩形标注 8"/>
           <p:cNvSpPr/>
           <p:nvPr/>
         </p:nvSpPr>
         <p:spPr>
           <a:xfrm>
-            <a:off x="1115616" y="4941168"/>
-            <a:ext cx="1656184" cy="576064"/>
-          </a:xfrm>
-          <a:prstGeom prst="roundRect">
-            <a:avLst/>
-          </a:prstGeom>
-        </p:spPr>
-        <p:style>
-          <a:lnRef idx="2">
-            <a:schemeClr val="dk1">
-              <a:shade val="50000"/>
-            </a:schemeClr>
-          </a:lnRef>
-          <a:fillRef idx="1">
-            <a:schemeClr val="dk1"/>
-          </a:fillRef>
-          <a:effectRef idx="0">
-            <a:schemeClr val="dk1"/>
-          </a:effectRef>
-          <a:fontRef idx="minor">
-            <a:schemeClr val="lt1"/>
-          </a:fontRef>
-        </p:style>
-        <p:txBody>
-          <a:bodyPr rtlCol="0" anchor="ctr"/>
-          <a:lstStyle/>
-          <a:p>
-            <a:pPr algn="ctr"/>
-            <a:r>
-              <a:rPr lang="en-US" altLang="zh-CN" dirty="0" smtClean="0"/>
-              <a:t> shadow-box:</a:t>
-            </a:r>
-            <a:endParaRPr lang="zh-CN" altLang="en-US" dirty="0"/>
-          </a:p>
-        </p:txBody>
-      </p:sp>
-      <p:sp>
-        <p:nvSpPr>
-          <p:cNvPr id="8" name="圆角矩形 7"/>
-          <p:cNvSpPr/>
-          <p:nvPr/>
-        </p:nvSpPr>
-        <p:spPr>
-          <a:xfrm>
-            <a:off x="2915816" y="4941168"/>
-            <a:ext cx="1224136" cy="576064"/>
-          </a:xfrm>
-          <a:prstGeom prst="roundRect">
-            <a:avLst/>
-          </a:prstGeom>
-        </p:spPr>
-        <p:style>
-          <a:lnRef idx="2">
-            <a:schemeClr val="accent3"/>
-          </a:lnRef>
-          <a:fillRef idx="1">
-            <a:schemeClr val="lt1"/>
-          </a:fillRef>
-          <a:effectRef idx="0">
-            <a:schemeClr val="accent3"/>
-          </a:effectRef>
-          <a:fontRef idx="minor">
-            <a:schemeClr val="dk1"/>
-          </a:fontRef>
-        </p:style>
-        <p:txBody>
-          <a:bodyPr rtlCol="0" anchor="ctr"/>
-          <a:lstStyle/>
-          <a:p>
-            <a:pPr algn="ctr"/>
-            <a:r>
-              <a:rPr lang="en-US" altLang="zh-CN" dirty="0" smtClean="0"/>
-              <a:t> </a:t>
-            </a:r>
-            <a:r>
-              <a:rPr lang="zh-CN" altLang="en-US" dirty="0" smtClean="0"/>
-              <a:t>阴影</a:t>
-            </a:r>
-            <a:r>
-              <a:rPr lang="en-US" altLang="zh-CN" dirty="0" smtClean="0"/>
-              <a:t>1</a:t>
-            </a:r>
-            <a:endParaRPr lang="zh-CN" altLang="en-US" dirty="0"/>
-          </a:p>
-        </p:txBody>
-      </p:sp>
-      <p:sp>
-        <p:nvSpPr>
-          <p:cNvPr id="10" name="圆角矩形 9"/>
-          <p:cNvSpPr/>
-          <p:nvPr/>
-        </p:nvSpPr>
-        <p:spPr>
-          <a:xfrm>
-            <a:off x="4499992" y="4941168"/>
-            <a:ext cx="1224136" cy="576064"/>
-          </a:xfrm>
-          <a:prstGeom prst="roundRect">
-            <a:avLst/>
+            <a:off x="3995936" y="1049225"/>
+            <a:ext cx="1688751" cy="579575"/>
+          </a:xfrm>
+          <a:prstGeom prst="wedgeRoundRectCallout">
+            <a:avLst>
+              <a:gd name="adj1" fmla="val -55203"/>
+              <a:gd name="adj2" fmla="val -24712"/>
+              <a:gd name="adj3" fmla="val 16667"/>
+            </a:avLst>
           </a:prstGeom>
         </p:spPr>
         <p:style>
@@ -13186,167 +13580,29 @@
           <a:bodyPr rtlCol="0" anchor="ctr"/>
           <a:lstStyle/>
           <a:p>
-            <a:pPr algn="ctr"/>
-            <a:r>
-              <a:rPr lang="en-US" altLang="zh-CN" dirty="0" smtClean="0"/>
-              <a:t> </a:t>
-            </a:r>
-            <a:r>
-              <a:rPr lang="zh-CN" altLang="en-US" dirty="0" smtClean="0"/>
-              <a:t>阴影</a:t>
-            </a:r>
-            <a:r>
-              <a:rPr lang="en-US" altLang="zh-CN" dirty="0"/>
-              <a:t>2</a:t>
-            </a:r>
-            <a:endParaRPr lang="zh-CN" altLang="en-US" dirty="0"/>
-          </a:p>
-        </p:txBody>
-      </p:sp>
-      <p:sp>
-        <p:nvSpPr>
-          <p:cNvPr id="11" name="圆角矩形 10"/>
-          <p:cNvSpPr/>
-          <p:nvPr/>
-        </p:nvSpPr>
-        <p:spPr>
-          <a:xfrm>
-            <a:off x="6084168" y="4941168"/>
-            <a:ext cx="1224136" cy="576064"/>
-          </a:xfrm>
-          <a:prstGeom prst="roundRect">
-            <a:avLst/>
-          </a:prstGeom>
-        </p:spPr>
-        <p:style>
-          <a:lnRef idx="2">
-            <a:schemeClr val="accent2"/>
-          </a:lnRef>
-          <a:fillRef idx="1">
-            <a:schemeClr val="lt1"/>
-          </a:fillRef>
-          <a:effectRef idx="0">
-            <a:schemeClr val="accent2"/>
-          </a:effectRef>
-          <a:fontRef idx="minor">
-            <a:schemeClr val="dk1"/>
-          </a:fontRef>
-        </p:style>
-        <p:txBody>
-          <a:bodyPr rtlCol="0" anchor="ctr"/>
-          <a:lstStyle/>
-          <a:p>
-            <a:pPr algn="ctr"/>
-            <a:r>
-              <a:rPr lang="en-US" altLang="zh-CN" dirty="0" smtClean="0"/>
-              <a:t> </a:t>
-            </a:r>
-            <a:r>
-              <a:rPr lang="zh-CN" altLang="en-US" dirty="0" smtClean="0"/>
-              <a:t>阴影</a:t>
-            </a:r>
-            <a:r>
-              <a:rPr lang="en-US" altLang="zh-CN" dirty="0" smtClean="0"/>
-              <a:t>3</a:t>
-            </a:r>
-            <a:endParaRPr lang="zh-CN" altLang="en-US" dirty="0"/>
-          </a:p>
-        </p:txBody>
-      </p:sp>
-      <p:sp>
-        <p:nvSpPr>
-          <p:cNvPr id="7" name="文本框 6"/>
-          <p:cNvSpPr txBox="1"/>
-          <p:nvPr/>
-        </p:nvSpPr>
-        <p:spPr>
-          <a:xfrm>
-            <a:off x="4139952" y="5151308"/>
-            <a:ext cx="360040" cy="523220"/>
-          </a:xfrm>
-          <a:prstGeom prst="rect">
-            <a:avLst/>
-          </a:prstGeom>
-          <a:noFill/>
-        </p:spPr>
-        <p:txBody>
-          <a:bodyPr wrap="square" rtlCol="0">
-            <a:spAutoFit/>
-          </a:bodyPr>
-          <a:lstStyle/>
-          <a:p>
-            <a:r>
-              <a:rPr lang="zh-CN" altLang="en-US" sz="2800" dirty="0" smtClean="0"/>
-              <a:t>，</a:t>
-            </a:r>
-            <a:endParaRPr lang="zh-CN" altLang="en-US" sz="2800" dirty="0"/>
-          </a:p>
-        </p:txBody>
-      </p:sp>
-      <p:sp>
-        <p:nvSpPr>
-          <p:cNvPr id="12" name="文本框 11"/>
-          <p:cNvSpPr txBox="1"/>
-          <p:nvPr/>
-        </p:nvSpPr>
-        <p:spPr>
-          <a:xfrm>
-            <a:off x="5724128" y="5151308"/>
-            <a:ext cx="360040" cy="523220"/>
-          </a:xfrm>
-          <a:prstGeom prst="rect">
-            <a:avLst/>
-          </a:prstGeom>
-          <a:noFill/>
-        </p:spPr>
-        <p:txBody>
-          <a:bodyPr wrap="square" rtlCol="0">
-            <a:spAutoFit/>
-          </a:bodyPr>
-          <a:lstStyle/>
-          <a:p>
-            <a:r>
-              <a:rPr lang="zh-CN" altLang="en-US" sz="2800" dirty="0" smtClean="0"/>
-              <a:t>，</a:t>
-            </a:r>
-            <a:endParaRPr lang="zh-CN" altLang="en-US" sz="2800" dirty="0"/>
-          </a:p>
-        </p:txBody>
-      </p:sp>
-      <p:sp>
-        <p:nvSpPr>
-          <p:cNvPr id="13" name="文本框 12"/>
-          <p:cNvSpPr txBox="1"/>
-          <p:nvPr/>
-        </p:nvSpPr>
-        <p:spPr>
-          <a:xfrm>
-            <a:off x="7416316" y="5085184"/>
-            <a:ext cx="1044116" cy="523220"/>
-          </a:xfrm>
-          <a:prstGeom prst="rect">
-            <a:avLst/>
-          </a:prstGeom>
-          <a:noFill/>
-        </p:spPr>
-        <p:txBody>
-          <a:bodyPr wrap="square" rtlCol="0">
-            <a:spAutoFit/>
-          </a:bodyPr>
-          <a:lstStyle/>
-          <a:p>
-            <a:r>
-              <a:rPr lang="en-US" altLang="zh-CN" sz="2800" dirty="0" smtClean="0"/>
-              <a:t>…    ;</a:t>
-            </a:r>
-            <a:endParaRPr lang="zh-CN" altLang="en-US" sz="2800" dirty="0"/>
+            <a:pPr>
+              <a:lnSpc>
+                <a:spcPct val="150000"/>
+              </a:lnSpc>
+            </a:pPr>
+            <a:r>
+              <a:rPr lang="zh-CN" altLang="en-US" sz="1600" dirty="0" smtClean="0">
+                <a:latin typeface="微软雅黑" panose="020B0503020204020204" pitchFamily="34" charset="-122"/>
+                <a:ea typeface="微软雅黑" panose="020B0503020204020204" pitchFamily="34" charset="-122"/>
+              </a:rPr>
+              <a:t>定义个函数实现</a:t>
+            </a:r>
+            <a:endParaRPr lang="zh-CN" altLang="en-US" sz="1600" dirty="0">
+              <a:latin typeface="微软雅黑" panose="020B0503020204020204" pitchFamily="34" charset="-122"/>
+              <a:ea typeface="微软雅黑" panose="020B0503020204020204" pitchFamily="34" charset="-122"/>
+            </a:endParaRPr>
           </a:p>
         </p:txBody>
       </p:sp>
     </p:spTree>
     <p:extLst>
       <p:ext uri="{BB962C8B-B14F-4D97-AF65-F5344CB8AC3E}">
-        <p14:creationId xmlns:p14="http://schemas.microsoft.com/office/powerpoint/2010/main" val="1348976924"/>
+        <p14:creationId xmlns:p14="http://schemas.microsoft.com/office/powerpoint/2010/main" val="251770790"/>
       </p:ext>
     </p:extLst>
   </p:cSld>
@@ -13373,86 +13629,382 @@
           <a:chExt cx="0" cy="0"/>
         </a:xfrm>
       </p:grpSpPr>
-      <p:pic>
-        <p:nvPicPr>
-          <p:cNvPr id="2" name="图片 1" descr="屏幕剪辑"/>
-          <p:cNvPicPr>
-            <a:picLocks noChangeAspect="1"/>
-          </p:cNvPicPr>
-          <p:nvPr/>
-        </p:nvPicPr>
-        <p:blipFill>
-          <a:blip r:embed="rId2">
-            <a:extLst>
-              <a:ext uri="{28A0092B-C50C-407E-A947-70E740481C1C}">
-                <a14:useLocalDpi xmlns:a14="http://schemas.microsoft.com/office/drawing/2010/main" val="0"/>
-              </a:ext>
-            </a:extLst>
-          </a:blip>
-          <a:stretch>
-            <a:fillRect/>
-          </a:stretch>
-        </p:blipFill>
-        <p:spPr>
-          <a:xfrm>
-            <a:off x="827584" y="764704"/>
-            <a:ext cx="2695951" cy="409632"/>
+      <p:sp>
+        <p:nvSpPr>
+          <p:cNvPr id="5" name="矩形 4"/>
+          <p:cNvSpPr/>
+          <p:nvPr/>
+        </p:nvSpPr>
+        <p:spPr>
+          <a:xfrm>
+            <a:off x="827584" y="332656"/>
+            <a:ext cx="7128792" cy="3831818"/>
           </a:xfrm>
           <a:prstGeom prst="rect">
             <a:avLst/>
           </a:prstGeom>
-          <a:ln>
-            <a:noFill/>
-          </a:ln>
-          <a:effectLst>
-            <a:outerShdw blurRad="292100" dist="139700" dir="2700000" algn="tl" rotWithShape="0">
-              <a:srgbClr val="333333">
-                <a:alpha val="65000"/>
-              </a:srgbClr>
-            </a:outerShdw>
-          </a:effectLst>
-        </p:spPr>
-      </p:pic>
-      <p:pic>
-        <p:nvPicPr>
-          <p:cNvPr id="4" name="图片 3" descr="屏幕剪辑"/>
-          <p:cNvPicPr>
-            <a:picLocks noChangeAspect="1"/>
-          </p:cNvPicPr>
-          <p:nvPr/>
-        </p:nvPicPr>
-        <p:blipFill>
-          <a:blip r:embed="rId3">
-            <a:extLst>
-              <a:ext uri="{28A0092B-C50C-407E-A947-70E740481C1C}">
-                <a14:useLocalDpi xmlns:a14="http://schemas.microsoft.com/office/drawing/2010/main" val="0"/>
-              </a:ext>
-            </a:extLst>
-          </a:blip>
-          <a:stretch>
-            <a:fillRect/>
-          </a:stretch>
-        </p:blipFill>
-        <p:spPr>
-          <a:xfrm>
-            <a:off x="843189" y="1988840"/>
-            <a:ext cx="7125694" cy="1114581"/>
-          </a:xfrm>
-          <a:prstGeom prst="rect">
-            <a:avLst/>
-          </a:prstGeom>
-          <a:ln>
-            <a:noFill/>
-          </a:ln>
-          <a:effectLst>
-            <a:outerShdw blurRad="292100" dist="139700" dir="2700000" algn="tl" rotWithShape="0">
-              <a:srgbClr val="333333">
-                <a:alpha val="65000"/>
-              </a:srgbClr>
-            </a:outerShdw>
-          </a:effectLst>
-        </p:spPr>
-      </p:pic>
+        </p:spPr>
+        <p:txBody>
+          <a:bodyPr wrap="square">
+            <a:spAutoFit/>
+          </a:bodyPr>
+          <a:lstStyle/>
+          <a:p>
+            <a:pPr>
+              <a:lnSpc>
+                <a:spcPct val="150000"/>
+              </a:lnSpc>
+            </a:pPr>
+            <a:r>
+              <a:rPr lang="zh-CN" altLang="en-US" dirty="0" smtClean="0">
+                <a:latin typeface="微软雅黑" panose="020B0503020204020204" pitchFamily="34" charset="-122"/>
+                <a:ea typeface="微软雅黑" panose="020B0503020204020204" pitchFamily="34" charset="-122"/>
+              </a:rPr>
+              <a:t>由于该</a:t>
+            </a:r>
+            <a:r>
+              <a:rPr lang="zh-CN" altLang="en-US" dirty="0">
+                <a:latin typeface="微软雅黑" panose="020B0503020204020204" pitchFamily="34" charset="-122"/>
+                <a:ea typeface="微软雅黑" panose="020B0503020204020204" pitchFamily="34" charset="-122"/>
+              </a:rPr>
+              <a:t>函数</a:t>
+            </a:r>
+            <a:r>
+              <a:rPr lang="zh-CN" altLang="en-US" dirty="0" smtClean="0">
+                <a:latin typeface="微软雅黑" panose="020B0503020204020204" pitchFamily="34" charset="-122"/>
+                <a:ea typeface="微软雅黑" panose="020B0503020204020204" pitchFamily="34" charset="-122"/>
+              </a:rPr>
+              <a:t>，代码较多，我们逐条来</a:t>
+            </a:r>
+            <a:r>
+              <a:rPr lang="zh-CN" altLang="en-US" dirty="0" smtClean="0">
+                <a:latin typeface="微软雅黑" panose="020B0503020204020204" pitchFamily="34" charset="-122"/>
+                <a:ea typeface="微软雅黑" panose="020B0503020204020204" pitchFamily="34" charset="-122"/>
+              </a:rPr>
+              <a:t>解读</a:t>
+            </a:r>
+            <a:r>
+              <a:rPr lang="zh-CN" altLang="en-US" dirty="0">
+                <a:latin typeface="微软雅黑" panose="020B0503020204020204" pitchFamily="34" charset="-122"/>
+                <a:ea typeface="微软雅黑" panose="020B0503020204020204" pitchFamily="34" charset="-122"/>
+              </a:rPr>
+              <a:t>编程</a:t>
+            </a:r>
+            <a:r>
+              <a:rPr lang="zh-CN" altLang="en-US" dirty="0" smtClean="0">
+                <a:latin typeface="微软雅黑" panose="020B0503020204020204" pitchFamily="34" charset="-122"/>
+                <a:ea typeface="微软雅黑" panose="020B0503020204020204" pitchFamily="34" charset="-122"/>
+              </a:rPr>
+              <a:t>思路</a:t>
+            </a:r>
+            <a:r>
+              <a:rPr lang="zh-CN" altLang="en-US" dirty="0" smtClean="0">
+                <a:latin typeface="微软雅黑" panose="020B0503020204020204" pitchFamily="34" charset="-122"/>
+                <a:ea typeface="微软雅黑" panose="020B0503020204020204" pitchFamily="34" charset="-122"/>
+              </a:rPr>
+              <a:t>。</a:t>
+            </a:r>
+            <a:endParaRPr lang="en-US" altLang="zh-CN" dirty="0" smtClean="0">
+              <a:latin typeface="微软雅黑" panose="020B0503020204020204" pitchFamily="34" charset="-122"/>
+              <a:ea typeface="微软雅黑" panose="020B0503020204020204" pitchFamily="34" charset="-122"/>
+            </a:endParaRPr>
+          </a:p>
+          <a:p>
+            <a:pPr>
+              <a:lnSpc>
+                <a:spcPct val="150000"/>
+              </a:lnSpc>
+            </a:pPr>
+            <a:r>
+              <a:rPr lang="zh-CN" altLang="en-US" dirty="0" smtClean="0">
+                <a:latin typeface="微软雅黑" panose="020B0503020204020204" pitchFamily="34" charset="-122"/>
+                <a:ea typeface="微软雅黑" panose="020B0503020204020204" pitchFamily="34" charset="-122"/>
+              </a:rPr>
+              <a:t>首先</a:t>
+            </a:r>
+            <a:r>
+              <a:rPr lang="zh-CN" altLang="en-US" dirty="0" smtClean="0">
+                <a:latin typeface="微软雅黑" panose="020B0503020204020204" pitchFamily="34" charset="-122"/>
+                <a:ea typeface="微软雅黑" panose="020B0503020204020204" pitchFamily="34" charset="-122"/>
+              </a:rPr>
+              <a:t>，我们想要通过</a:t>
+            </a:r>
+            <a:r>
+              <a:rPr lang="en-US" altLang="zh-CN" dirty="0" smtClean="0">
+                <a:latin typeface="微软雅黑" panose="020B0503020204020204" pitchFamily="34" charset="-122"/>
+                <a:ea typeface="微软雅黑" panose="020B0503020204020204" pitchFamily="34" charset="-122"/>
+              </a:rPr>
+              <a:t>box-shadow</a:t>
+            </a:r>
+            <a:r>
+              <a:rPr lang="zh-CN" altLang="en-US" dirty="0" smtClean="0">
+                <a:latin typeface="微软雅黑" panose="020B0503020204020204" pitchFamily="34" charset="-122"/>
+                <a:ea typeface="微软雅黑" panose="020B0503020204020204" pitchFamily="34" charset="-122"/>
+              </a:rPr>
+              <a:t>的技巧，把</a:t>
+            </a:r>
+            <a:r>
+              <a:rPr lang="zh-CN" altLang="en-US" dirty="0" smtClean="0">
+                <a:latin typeface="微软雅黑" panose="020B0503020204020204" pitchFamily="34" charset="-122"/>
+                <a:ea typeface="微软雅黑" panose="020B0503020204020204" pitchFamily="34" charset="-122"/>
+              </a:rPr>
+              <a:t>一个分组标签（背景色</a:t>
+            </a:r>
+            <a:r>
+              <a:rPr lang="zh-CN" altLang="en-US" dirty="0" smtClean="0">
+                <a:latin typeface="微软雅黑" panose="020B0503020204020204" pitchFamily="34" charset="-122"/>
+                <a:ea typeface="微软雅黑" panose="020B0503020204020204" pitchFamily="34" charset="-122"/>
+              </a:rPr>
+              <a:t>设置为透明，不可见），变成</a:t>
+            </a:r>
+            <a:r>
+              <a:rPr lang="en-US" altLang="zh-CN" b="1" dirty="0" smtClean="0">
+                <a:latin typeface="微软雅黑" panose="020B0503020204020204" pitchFamily="34" charset="-122"/>
+                <a:ea typeface="微软雅黑" panose="020B0503020204020204" pitchFamily="34" charset="-122"/>
+              </a:rPr>
+              <a:t>N</a:t>
+            </a:r>
+            <a:r>
+              <a:rPr lang="zh-CN" altLang="en-US" b="1" dirty="0" smtClean="0">
+                <a:latin typeface="微软雅黑" panose="020B0503020204020204" pitchFamily="34" charset="-122"/>
+                <a:ea typeface="微软雅黑" panose="020B0503020204020204" pitchFamily="34" charset="-122"/>
+              </a:rPr>
+              <a:t>颗</a:t>
+            </a:r>
+            <a:r>
+              <a:rPr lang="zh-CN" altLang="en-US" dirty="0" smtClean="0">
+                <a:latin typeface="微软雅黑" panose="020B0503020204020204" pitchFamily="34" charset="-122"/>
+                <a:ea typeface="微软雅黑" panose="020B0503020204020204" pitchFamily="34" charset="-122"/>
+              </a:rPr>
+              <a:t>星星。因为</a:t>
+            </a:r>
+            <a:r>
+              <a:rPr lang="zh-CN" altLang="en-US" dirty="0">
+                <a:latin typeface="微软雅黑" panose="020B0503020204020204" pitchFamily="34" charset="-122"/>
+                <a:ea typeface="微软雅黑" panose="020B0503020204020204" pitchFamily="34" charset="-122"/>
+              </a:rPr>
+              <a:t>阴影</a:t>
+            </a:r>
+            <a:r>
+              <a:rPr lang="zh-CN" altLang="en-US" dirty="0" smtClean="0">
+                <a:latin typeface="微软雅黑" panose="020B0503020204020204" pitchFamily="34" charset="-122"/>
+                <a:ea typeface="微软雅黑" panose="020B0503020204020204" pitchFamily="34" charset="-122"/>
+              </a:rPr>
+              <a:t>是可以</a:t>
+            </a:r>
+            <a:r>
+              <a:rPr lang="zh-CN" altLang="en-US" b="1" dirty="0" smtClean="0">
+                <a:latin typeface="微软雅黑" panose="020B0503020204020204" pitchFamily="34" charset="-122"/>
+                <a:ea typeface="微软雅黑" panose="020B0503020204020204" pitchFamily="34" charset="-122"/>
+              </a:rPr>
+              <a:t>同时设置多个的</a:t>
+            </a:r>
+            <a:r>
+              <a:rPr lang="zh-CN" altLang="en-US" dirty="0" smtClean="0">
+                <a:latin typeface="微软雅黑" panose="020B0503020204020204" pitchFamily="34" charset="-122"/>
+                <a:ea typeface="微软雅黑" panose="020B0503020204020204" pitchFamily="34" charset="-122"/>
+              </a:rPr>
+              <a:t>，</a:t>
+            </a:r>
+            <a:r>
+              <a:rPr lang="zh-CN" altLang="en-US" dirty="0" smtClean="0">
+                <a:latin typeface="微软雅黑" panose="020B0503020204020204" pitchFamily="34" charset="-122"/>
+                <a:ea typeface="微软雅黑" panose="020B0503020204020204" pitchFamily="34" charset="-122"/>
+              </a:rPr>
+              <a:t>所以每</a:t>
+            </a:r>
+            <a:r>
+              <a:rPr lang="zh-CN" altLang="en-US" dirty="0" smtClean="0">
+                <a:latin typeface="微软雅黑" panose="020B0503020204020204" pitchFamily="34" charset="-122"/>
+                <a:ea typeface="微软雅黑" panose="020B0503020204020204" pitchFamily="34" charset="-122"/>
+              </a:rPr>
+              <a:t>设置一个</a:t>
+            </a:r>
+            <a:r>
+              <a:rPr lang="zh-CN" altLang="en-US" dirty="0" smtClean="0">
+                <a:solidFill>
+                  <a:srgbClr val="FF0000"/>
+                </a:solidFill>
+                <a:latin typeface="微软雅黑" panose="020B0503020204020204" pitchFamily="34" charset="-122"/>
+                <a:ea typeface="微软雅黑" panose="020B0503020204020204" pitchFamily="34" charset="-122"/>
+              </a:rPr>
+              <a:t>不同偏移，不同位置，不同颜色，不同模糊程度，不同扩展尺寸</a:t>
+            </a:r>
+            <a:r>
+              <a:rPr lang="zh-CN" altLang="en-US" dirty="0" smtClean="0">
+                <a:latin typeface="微软雅黑" panose="020B0503020204020204" pitchFamily="34" charset="-122"/>
+                <a:ea typeface="微软雅黑" panose="020B0503020204020204" pitchFamily="34" charset="-122"/>
+              </a:rPr>
+              <a:t>的阴影，就等于生成了一颗</a:t>
+            </a:r>
+            <a:r>
+              <a:rPr lang="zh-CN" altLang="en-US" dirty="0" smtClean="0">
+                <a:latin typeface="微软雅黑" panose="020B0503020204020204" pitchFamily="34" charset="-122"/>
+                <a:ea typeface="微软雅黑" panose="020B0503020204020204" pitchFamily="34" charset="-122"/>
+              </a:rPr>
+              <a:t>星星（分组标签的</a:t>
+            </a:r>
+            <a:r>
+              <a:rPr lang="en-US" altLang="zh-CN" dirty="0" smtClean="0">
+                <a:latin typeface="微软雅黑" panose="020B0503020204020204" pitchFamily="34" charset="-122"/>
+                <a:ea typeface="微软雅黑" panose="020B0503020204020204" pitchFamily="34" charset="-122"/>
+              </a:rPr>
+              <a:t>border-radius</a:t>
+            </a:r>
+            <a:r>
+              <a:rPr lang="zh-CN" altLang="en-US" dirty="0" smtClean="0">
+                <a:latin typeface="微软雅黑" panose="020B0503020204020204" pitchFamily="34" charset="-122"/>
+                <a:ea typeface="微软雅黑" panose="020B0503020204020204" pitchFamily="34" charset="-122"/>
+              </a:rPr>
+              <a:t>是</a:t>
+            </a:r>
+            <a:r>
+              <a:rPr lang="en-US" altLang="zh-CN" dirty="0" smtClean="0">
+                <a:latin typeface="微软雅黑" panose="020B0503020204020204" pitchFamily="34" charset="-122"/>
+                <a:ea typeface="微软雅黑" panose="020B0503020204020204" pitchFamily="34" charset="-122"/>
+              </a:rPr>
+              <a:t>50%</a:t>
+            </a:r>
+            <a:r>
+              <a:rPr lang="zh-CN" altLang="en-US" dirty="0" smtClean="0">
+                <a:latin typeface="微软雅黑" panose="020B0503020204020204" pitchFamily="34" charset="-122"/>
+                <a:ea typeface="微软雅黑" panose="020B0503020204020204" pitchFamily="34" charset="-122"/>
+              </a:rPr>
+              <a:t>，圆形，这是一个前提）。之前创建</a:t>
+            </a:r>
+            <a:r>
+              <a:rPr lang="zh-CN" altLang="en-US" dirty="0" smtClean="0">
+                <a:latin typeface="微软雅黑" panose="020B0503020204020204" pitchFamily="34" charset="-122"/>
+                <a:ea typeface="微软雅黑" panose="020B0503020204020204" pitchFamily="34" charset="-122"/>
+              </a:rPr>
+              <a:t>了</a:t>
+            </a:r>
+            <a:r>
+              <a:rPr lang="en-US" altLang="zh-CN" dirty="0" smtClean="0">
+                <a:latin typeface="微软雅黑" panose="020B0503020204020204" pitchFamily="34" charset="-122"/>
+                <a:ea typeface="微软雅黑" panose="020B0503020204020204" pitchFamily="34" charset="-122"/>
+              </a:rPr>
+              <a:t>30</a:t>
+            </a:r>
+            <a:r>
+              <a:rPr lang="zh-CN" altLang="en-US" dirty="0" smtClean="0">
+                <a:latin typeface="微软雅黑" panose="020B0503020204020204" pitchFamily="34" charset="-122"/>
+                <a:ea typeface="微软雅黑" panose="020B0503020204020204" pitchFamily="34" charset="-122"/>
+              </a:rPr>
+              <a:t>个（</a:t>
+            </a:r>
+            <a:r>
+              <a:rPr lang="en-US" altLang="zh-CN" dirty="0" err="1" smtClean="0">
+                <a:latin typeface="微软雅黑" panose="020B0503020204020204" pitchFamily="34" charset="-122"/>
+                <a:ea typeface="微软雅黑" panose="020B0503020204020204" pitchFamily="34" charset="-122"/>
+              </a:rPr>
+              <a:t>num</a:t>
+            </a:r>
+            <a:r>
+              <a:rPr lang="en-US" altLang="zh-CN" dirty="0" smtClean="0">
+                <a:latin typeface="微软雅黑" panose="020B0503020204020204" pitchFamily="34" charset="-122"/>
+                <a:ea typeface="微软雅黑" panose="020B0503020204020204" pitchFamily="34" charset="-122"/>
+              </a:rPr>
+              <a:t>=30</a:t>
+            </a:r>
+            <a:r>
+              <a:rPr lang="zh-CN" altLang="en-US" dirty="0" smtClean="0">
+                <a:latin typeface="微软雅黑" panose="020B0503020204020204" pitchFamily="34" charset="-122"/>
+                <a:ea typeface="微软雅黑" panose="020B0503020204020204" pitchFamily="34" charset="-122"/>
+              </a:rPr>
+              <a:t>）</a:t>
+            </a:r>
+            <a:r>
+              <a:rPr lang="en-US" altLang="zh-CN" dirty="0" smtClean="0">
+                <a:latin typeface="微软雅黑" panose="020B0503020204020204" pitchFamily="34" charset="-122"/>
+                <a:ea typeface="微软雅黑" panose="020B0503020204020204" pitchFamily="34" charset="-122"/>
+              </a:rPr>
+              <a:t>&lt;div class=“star”&gt;&lt;/</a:t>
+            </a:r>
+            <a:r>
+              <a:rPr lang="en-US" altLang="zh-CN" dirty="0" smtClean="0">
+                <a:latin typeface="微软雅黑" panose="020B0503020204020204" pitchFamily="34" charset="-122"/>
+                <a:ea typeface="微软雅黑" panose="020B0503020204020204" pitchFamily="34" charset="-122"/>
+              </a:rPr>
+              <a:t>div&gt;</a:t>
+            </a:r>
+            <a:r>
+              <a:rPr lang="zh-CN" altLang="en-US" dirty="0" smtClean="0">
+                <a:latin typeface="微软雅黑" panose="020B0503020204020204" pitchFamily="34" charset="-122"/>
+                <a:ea typeface="微软雅黑" panose="020B0503020204020204" pitchFamily="34" charset="-122"/>
+              </a:rPr>
+              <a:t>分组标签</a:t>
+            </a:r>
+            <a:r>
+              <a:rPr lang="zh-CN" altLang="en-US" dirty="0" smtClean="0">
+                <a:latin typeface="微软雅黑" panose="020B0503020204020204" pitchFamily="34" charset="-122"/>
+                <a:ea typeface="微软雅黑" panose="020B0503020204020204" pitchFamily="34" charset="-122"/>
+              </a:rPr>
+              <a:t>，</a:t>
+            </a:r>
+            <a:r>
+              <a:rPr lang="zh-CN" altLang="en-US" dirty="0" smtClean="0">
+                <a:latin typeface="微软雅黑" panose="020B0503020204020204" pitchFamily="34" charset="-122"/>
+                <a:ea typeface="微软雅黑" panose="020B0503020204020204" pitchFamily="34" charset="-122"/>
+              </a:rPr>
+              <a:t>然后对</a:t>
+            </a:r>
+            <a:r>
+              <a:rPr lang="zh-CN" altLang="en-US" dirty="0" smtClean="0">
+                <a:latin typeface="微软雅黑" panose="020B0503020204020204" pitchFamily="34" charset="-122"/>
+                <a:ea typeface="微软雅黑" panose="020B0503020204020204" pitchFamily="34" charset="-122"/>
+              </a:rPr>
+              <a:t>每个</a:t>
+            </a:r>
+            <a:r>
+              <a:rPr lang="zh-CN" altLang="en-US" dirty="0" smtClean="0">
+                <a:latin typeface="微软雅黑" panose="020B0503020204020204" pitchFamily="34" charset="-122"/>
+                <a:ea typeface="微软雅黑" panose="020B0503020204020204" pitchFamily="34" charset="-122"/>
+              </a:rPr>
+              <a:t>标签</a:t>
+            </a:r>
+            <a:r>
+              <a:rPr lang="zh-CN" altLang="en-US" dirty="0">
+                <a:latin typeface="微软雅黑" panose="020B0503020204020204" pitchFamily="34" charset="-122"/>
+                <a:ea typeface="微软雅黑" panose="020B0503020204020204" pitchFamily="34" charset="-122"/>
+              </a:rPr>
+              <a:t>设置</a:t>
+            </a:r>
+            <a:r>
+              <a:rPr lang="en-US" altLang="zh-CN" dirty="0" smtClean="0">
+                <a:latin typeface="微软雅黑" panose="020B0503020204020204" pitchFamily="34" charset="-122"/>
+                <a:ea typeface="微软雅黑" panose="020B0503020204020204" pitchFamily="34" charset="-122"/>
+              </a:rPr>
+              <a:t>30</a:t>
+            </a:r>
+            <a:r>
+              <a:rPr lang="zh-CN" altLang="en-US" dirty="0" smtClean="0">
+                <a:latin typeface="微软雅黑" panose="020B0503020204020204" pitchFamily="34" charset="-122"/>
+                <a:ea typeface="微软雅黑" panose="020B0503020204020204" pitchFamily="34" charset="-122"/>
+              </a:rPr>
+              <a:t>个阴影，这样，就相当于</a:t>
+            </a:r>
+            <a:r>
+              <a:rPr lang="en-US" altLang="zh-CN" dirty="0" smtClean="0">
+                <a:latin typeface="微软雅黑" panose="020B0503020204020204" pitchFamily="34" charset="-122"/>
+                <a:ea typeface="微软雅黑" panose="020B0503020204020204" pitchFamily="34" charset="-122"/>
+              </a:rPr>
+              <a:t>30*30=900</a:t>
+            </a:r>
+            <a:r>
+              <a:rPr lang="zh-CN" altLang="en-US" dirty="0" smtClean="0">
+                <a:latin typeface="微软雅黑" panose="020B0503020204020204" pitchFamily="34" charset="-122"/>
+                <a:ea typeface="微软雅黑" panose="020B0503020204020204" pitchFamily="34" charset="-122"/>
+              </a:rPr>
+              <a:t>颗星星，标签本身不可见，因为背景设置为透明，但阴影是可见的。</a:t>
+            </a:r>
+            <a:endParaRPr lang="en-US" altLang="zh-CN" dirty="0" smtClean="0">
+              <a:latin typeface="微软雅黑" panose="020B0503020204020204" pitchFamily="34" charset="-122"/>
+              <a:ea typeface="微软雅黑" panose="020B0503020204020204" pitchFamily="34" charset="-122"/>
+            </a:endParaRPr>
+          </a:p>
+        </p:txBody>
+      </p:sp>
       <p:sp>
         <p:nvSpPr>
           <p:cNvPr id="6" name="圆角矩形 5"/>
@@ -13461,22 +14013,24 @@
         </p:nvSpPr>
         <p:spPr>
           <a:xfrm>
-            <a:off x="1475656" y="1281886"/>
-            <a:ext cx="3816424" cy="576064"/>
+            <a:off x="1115616" y="4941168"/>
+            <a:ext cx="1656184" cy="576064"/>
           </a:xfrm>
           <a:prstGeom prst="roundRect">
             <a:avLst/>
           </a:prstGeom>
         </p:spPr>
         <p:style>
-          <a:lnRef idx="3">
-            <a:schemeClr val="lt1"/>
+          <a:lnRef idx="2">
+            <a:schemeClr val="dk1">
+              <a:shade val="50000"/>
+            </a:schemeClr>
           </a:lnRef>
           <a:fillRef idx="1">
-            <a:schemeClr val="accent1"/>
+            <a:schemeClr val="dk1"/>
           </a:fillRef>
-          <a:effectRef idx="1">
-            <a:schemeClr val="accent1"/>
+          <a:effectRef idx="0">
+            <a:schemeClr val="dk1"/>
           </a:effectRef>
           <a:fontRef idx="minor">
             <a:schemeClr val="lt1"/>
@@ -13489,11 +14043,57 @@
             <a:pPr algn="ctr"/>
             <a:r>
               <a:rPr lang="en-US" altLang="zh-CN" dirty="0" smtClean="0"/>
+              <a:t> shadow-box:</a:t>
+            </a:r>
+            <a:endParaRPr lang="zh-CN" altLang="en-US" dirty="0"/>
+          </a:p>
+        </p:txBody>
+      </p:sp>
+      <p:sp>
+        <p:nvSpPr>
+          <p:cNvPr id="8" name="圆角矩形 7"/>
+          <p:cNvSpPr/>
+          <p:nvPr/>
+        </p:nvSpPr>
+        <p:spPr>
+          <a:xfrm>
+            <a:off x="2915816" y="4941168"/>
+            <a:ext cx="1224136" cy="576064"/>
+          </a:xfrm>
+          <a:prstGeom prst="roundRect">
+            <a:avLst/>
+          </a:prstGeom>
+        </p:spPr>
+        <p:style>
+          <a:lnRef idx="2">
+            <a:schemeClr val="accent3"/>
+          </a:lnRef>
+          <a:fillRef idx="1">
+            <a:schemeClr val="lt1"/>
+          </a:fillRef>
+          <a:effectRef idx="0">
+            <a:schemeClr val="accent3"/>
+          </a:effectRef>
+          <a:fontRef idx="minor">
+            <a:schemeClr val="dk1"/>
+          </a:fontRef>
+        </p:style>
+        <p:txBody>
+          <a:bodyPr rtlCol="0" anchor="ctr"/>
+          <a:lstStyle/>
+          <a:p>
+            <a:pPr algn="ctr"/>
+            <a:r>
+              <a:rPr lang="en-US" altLang="zh-CN" dirty="0" smtClean="0"/>
               <a:t> </a:t>
             </a:r>
             <a:r>
               <a:rPr lang="zh-CN" altLang="en-US" dirty="0" smtClean="0"/>
-              <a:t>创建随机的，偏移，模糊，颜色</a:t>
+              <a:t>阴影</a:t>
+            </a:r>
+            <a:r>
+              <a:rPr lang="en-US" altLang="zh-CN" dirty="0" smtClean="0"/>
+              <a:t>1</a:t>
             </a:r>
             <a:endParaRPr lang="zh-CN" altLang="en-US" dirty="0"/>
           </a:p>
@@ -13501,21 +14101,17 @@
       </p:sp>
       <p:sp>
         <p:nvSpPr>
-          <p:cNvPr id="8" name="圆角矩形标注 7"/>
+          <p:cNvPr id="10" name="圆角矩形 9"/>
           <p:cNvSpPr/>
           <p:nvPr/>
         </p:nvSpPr>
         <p:spPr>
           <a:xfrm>
-            <a:off x="1356082" y="3124268"/>
-            <a:ext cx="1127686" cy="360040"/>
-          </a:xfrm>
-          <a:prstGeom prst="wedgeRoundRectCallout">
-            <a:avLst>
-              <a:gd name="adj1" fmla="val -35545"/>
-              <a:gd name="adj2" fmla="val -71278"/>
-              <a:gd name="adj3" fmla="val 16667"/>
-            </a:avLst>
+            <a:off x="4499992" y="4941168"/>
+            <a:ext cx="1224136" cy="576064"/>
+          </a:xfrm>
+          <a:prstGeom prst="roundRect">
+            <a:avLst/>
           </a:prstGeom>
         </p:spPr>
         <p:style>
@@ -13536,53 +14132,47 @@
           <a:bodyPr rtlCol="0" anchor="ctr"/>
           <a:lstStyle/>
           <a:p>
-            <a:pPr>
-              <a:lnSpc>
-                <a:spcPct val="150000"/>
-              </a:lnSpc>
-            </a:pPr>
-            <a:r>
-              <a:rPr lang="zh-CN" altLang="en-US" sz="1600" dirty="0" smtClean="0">
-                <a:latin typeface="微软雅黑" panose="020B0503020204020204" pitchFamily="34" charset="-122"/>
-                <a:ea typeface="微软雅黑" panose="020B0503020204020204" pitchFamily="34" charset="-122"/>
-              </a:rPr>
-              <a:t>设置阴影</a:t>
-            </a:r>
-            <a:endParaRPr lang="zh-CN" altLang="en-US" sz="1600" dirty="0">
-              <a:latin typeface="微软雅黑" panose="020B0503020204020204" pitchFamily="34" charset="-122"/>
-              <a:ea typeface="微软雅黑" panose="020B0503020204020204" pitchFamily="34" charset="-122"/>
-            </a:endParaRPr>
-          </a:p>
-        </p:txBody>
-      </p:sp>
-      <p:sp>
-        <p:nvSpPr>
-          <p:cNvPr id="9" name="圆角矩形标注 8"/>
+            <a:pPr algn="ctr"/>
+            <a:r>
+              <a:rPr lang="en-US" altLang="zh-CN" dirty="0" smtClean="0"/>
+              <a:t> </a:t>
+            </a:r>
+            <a:r>
+              <a:rPr lang="zh-CN" altLang="en-US" dirty="0" smtClean="0"/>
+              <a:t>阴影</a:t>
+            </a:r>
+            <a:r>
+              <a:rPr lang="en-US" altLang="zh-CN" dirty="0"/>
+              <a:t>2</a:t>
+            </a:r>
+            <a:endParaRPr lang="zh-CN" altLang="en-US" dirty="0"/>
+          </a:p>
+        </p:txBody>
+      </p:sp>
+      <p:sp>
+        <p:nvSpPr>
+          <p:cNvPr id="11" name="圆角矩形 10"/>
           <p:cNvSpPr/>
           <p:nvPr/>
         </p:nvSpPr>
         <p:spPr>
           <a:xfrm>
-            <a:off x="4932040" y="2561761"/>
-            <a:ext cx="2980313" cy="672549"/>
-          </a:xfrm>
-          <a:prstGeom prst="wedgeRoundRectCallout">
-            <a:avLst>
-              <a:gd name="adj1" fmla="val -27957"/>
-              <a:gd name="adj2" fmla="val -71718"/>
-              <a:gd name="adj3" fmla="val 16667"/>
-            </a:avLst>
+            <a:off x="6084168" y="4941168"/>
+            <a:ext cx="1224136" cy="576064"/>
+          </a:xfrm>
+          <a:prstGeom prst="roundRect">
+            <a:avLst/>
           </a:prstGeom>
         </p:spPr>
         <p:style>
           <a:lnRef idx="2">
-            <a:schemeClr val="accent5"/>
+            <a:schemeClr val="accent2"/>
           </a:lnRef>
           <a:fillRef idx="1">
             <a:schemeClr val="lt1"/>
           </a:fillRef>
           <a:effectRef idx="0">
-            <a:schemeClr val="accent5"/>
+            <a:schemeClr val="accent2"/>
           </a:effectRef>
           <a:fontRef idx="minor">
             <a:schemeClr val="dk1"/>
@@ -13592,136 +14182,117 @@
           <a:bodyPr rtlCol="0" anchor="ctr"/>
           <a:lstStyle/>
           <a:p>
-            <a:pPr>
-              <a:lnSpc>
-                <a:spcPct val="150000"/>
-              </a:lnSpc>
-            </a:pPr>
-            <a:r>
-              <a:rPr lang="zh-CN" altLang="en-US" sz="1600" dirty="0">
-                <a:latin typeface="微软雅黑" panose="020B0503020204020204" pitchFamily="34" charset="-122"/>
-                <a:ea typeface="微软雅黑" panose="020B0503020204020204" pitchFamily="34" charset="-122"/>
-              </a:rPr>
-              <a:t>每次</a:t>
-            </a:r>
-            <a:r>
-              <a:rPr lang="zh-CN" altLang="en-US" sz="1600" dirty="0" smtClean="0">
-                <a:latin typeface="微软雅黑" panose="020B0503020204020204" pitchFamily="34" charset="-122"/>
-                <a:ea typeface="微软雅黑" panose="020B0503020204020204" pitchFamily="34" charset="-122"/>
-              </a:rPr>
-              <a:t>循环把创建的偏移，模糊，颜色，组合起来</a:t>
-            </a:r>
-            <a:endParaRPr lang="zh-CN" altLang="en-US" sz="1600" dirty="0">
-              <a:latin typeface="微软雅黑" panose="020B0503020204020204" pitchFamily="34" charset="-122"/>
-              <a:ea typeface="微软雅黑" panose="020B0503020204020204" pitchFamily="34" charset="-122"/>
-            </a:endParaRPr>
-          </a:p>
-        </p:txBody>
-      </p:sp>
-      <p:sp>
-        <p:nvSpPr>
-          <p:cNvPr id="12" name="任意多边形 11"/>
-          <p:cNvSpPr/>
-          <p:nvPr/>
-        </p:nvSpPr>
-        <p:spPr>
-          <a:xfrm>
-            <a:off x="1799676" y="2386149"/>
-            <a:ext cx="1692461" cy="426720"/>
-          </a:xfrm>
-          <a:custGeom>
+            <a:pPr algn="ctr"/>
+            <a:r>
+              <a:rPr lang="en-US" altLang="zh-CN" dirty="0" smtClean="0"/>
+              <a:t> </a:t>
+            </a:r>
+            <a:r>
+              <a:rPr lang="zh-CN" altLang="en-US" dirty="0" smtClean="0"/>
+              <a:t>阴影</a:t>
+            </a:r>
+            <a:r>
+              <a:rPr lang="en-US" altLang="zh-CN" dirty="0" smtClean="0"/>
+              <a:t>3</a:t>
+            </a:r>
+            <a:endParaRPr lang="zh-CN" altLang="en-US" dirty="0"/>
+          </a:p>
+        </p:txBody>
+      </p:sp>
+      <p:sp>
+        <p:nvSpPr>
+          <p:cNvPr id="7" name="文本框 6"/>
+          <p:cNvSpPr txBox="1"/>
+          <p:nvPr/>
+        </p:nvSpPr>
+        <p:spPr>
+          <a:xfrm>
+            <a:off x="4139952" y="5151308"/>
+            <a:ext cx="360040" cy="523220"/>
+          </a:xfrm>
+          <a:prstGeom prst="rect">
             <a:avLst/>
-            <a:gdLst>
-              <a:gd name="connsiteX0" fmla="*/ 2998 w 1692461"/>
-              <a:gd name="connsiteY0" fmla="*/ 0 h 426720"/>
-              <a:gd name="connsiteX1" fmla="*/ 72667 w 1692461"/>
-              <a:gd name="connsiteY1" fmla="*/ 217714 h 426720"/>
-              <a:gd name="connsiteX2" fmla="*/ 490678 w 1692461"/>
-              <a:gd name="connsiteY2" fmla="*/ 191588 h 426720"/>
-              <a:gd name="connsiteX3" fmla="*/ 1387661 w 1692461"/>
-              <a:gd name="connsiteY3" fmla="*/ 130628 h 426720"/>
-              <a:gd name="connsiteX4" fmla="*/ 1692461 w 1692461"/>
-              <a:gd name="connsiteY4" fmla="*/ 426720 h 426720"/>
-            </a:gdLst>
-            <a:ahLst/>
-            <a:cxnLst>
-              <a:cxn ang="0">
-                <a:pos x="connsiteX0" y="connsiteY0"/>
-              </a:cxn>
-              <a:cxn ang="0">
-                <a:pos x="connsiteX1" y="connsiteY1"/>
-              </a:cxn>
-              <a:cxn ang="0">
-                <a:pos x="connsiteX2" y="connsiteY2"/>
-              </a:cxn>
-              <a:cxn ang="0">
-                <a:pos x="connsiteX3" y="connsiteY3"/>
-              </a:cxn>
-              <a:cxn ang="0">
-                <a:pos x="connsiteX4" y="connsiteY4"/>
-              </a:cxn>
-            </a:cxnLst>
-            <a:rect l="l" t="t" r="r" b="b"/>
-            <a:pathLst>
-              <a:path w="1692461" h="426720">
-                <a:moveTo>
-                  <a:pt x="2998" y="0"/>
-                </a:moveTo>
-                <a:cubicBezTo>
-                  <a:pt x="-2808" y="92891"/>
-                  <a:pt x="-8613" y="185783"/>
-                  <a:pt x="72667" y="217714"/>
-                </a:cubicBezTo>
-                <a:cubicBezTo>
-                  <a:pt x="153947" y="249645"/>
-                  <a:pt x="490678" y="191588"/>
-                  <a:pt x="490678" y="191588"/>
-                </a:cubicBezTo>
-                <a:cubicBezTo>
-                  <a:pt x="709844" y="177074"/>
-                  <a:pt x="1187364" y="91439"/>
-                  <a:pt x="1387661" y="130628"/>
-                </a:cubicBezTo>
-                <a:cubicBezTo>
-                  <a:pt x="1587958" y="169817"/>
-                  <a:pt x="1616987" y="394789"/>
-                  <a:pt x="1692461" y="426720"/>
-                </a:cubicBezTo>
-              </a:path>
-            </a:pathLst>
-          </a:custGeom>
-          <a:ln w="28575">
-            <a:headEnd type="none" w="med" len="med"/>
-            <a:tailEnd type="triangle" w="med" len="med"/>
-          </a:ln>
-        </p:spPr>
-        <p:style>
-          <a:lnRef idx="3">
-            <a:schemeClr val="accent3"/>
-          </a:lnRef>
-          <a:fillRef idx="0">
-            <a:schemeClr val="accent3"/>
-          </a:fillRef>
-          <a:effectRef idx="2">
-            <a:schemeClr val="accent3"/>
-          </a:effectRef>
-          <a:fontRef idx="minor">
-            <a:schemeClr val="tx1"/>
-          </a:fontRef>
-        </p:style>
-        <p:txBody>
-          <a:bodyPr rtlCol="0" anchor="ctr"/>
-          <a:lstStyle/>
-          <a:p>
-            <a:pPr algn="ctr"/>
-            <a:endParaRPr lang="zh-CN" altLang="en-US"/>
+          </a:prstGeom>
+          <a:noFill/>
+        </p:spPr>
+        <p:txBody>
+          <a:bodyPr wrap="square" rtlCol="0">
+            <a:spAutoFit/>
+          </a:bodyPr>
+          <a:lstStyle/>
+          <a:p>
+            <a:r>
+              <a:rPr lang="zh-CN" altLang="en-US" sz="2800" dirty="0" smtClean="0"/>
+              <a:t>，</a:t>
+            </a:r>
+            <a:endParaRPr lang="zh-CN" altLang="en-US" sz="2800" dirty="0"/>
+          </a:p>
+        </p:txBody>
+      </p:sp>
+      <p:sp>
+        <p:nvSpPr>
+          <p:cNvPr id="12" name="文本框 11"/>
+          <p:cNvSpPr txBox="1"/>
+          <p:nvPr/>
+        </p:nvSpPr>
+        <p:spPr>
+          <a:xfrm>
+            <a:off x="5724128" y="5151308"/>
+            <a:ext cx="360040" cy="523220"/>
+          </a:xfrm>
+          <a:prstGeom prst="rect">
+            <a:avLst/>
+          </a:prstGeom>
+          <a:noFill/>
+        </p:spPr>
+        <p:txBody>
+          <a:bodyPr wrap="square" rtlCol="0">
+            <a:spAutoFit/>
+          </a:bodyPr>
+          <a:lstStyle/>
+          <a:p>
+            <a:r>
+              <a:rPr lang="zh-CN" altLang="en-US" sz="2800" dirty="0" smtClean="0"/>
+              <a:t>，</a:t>
+            </a:r>
+            <a:endParaRPr lang="zh-CN" altLang="en-US" sz="2800" dirty="0"/>
+          </a:p>
+        </p:txBody>
+      </p:sp>
+      <p:sp>
+        <p:nvSpPr>
+          <p:cNvPr id="13" name="文本框 12"/>
+          <p:cNvSpPr txBox="1"/>
+          <p:nvPr/>
+        </p:nvSpPr>
+        <p:spPr>
+          <a:xfrm>
+            <a:off x="7416316" y="5085184"/>
+            <a:ext cx="1044116" cy="523220"/>
+          </a:xfrm>
+          <a:prstGeom prst="rect">
+            <a:avLst/>
+          </a:prstGeom>
+          <a:noFill/>
+        </p:spPr>
+        <p:txBody>
+          <a:bodyPr wrap="square" rtlCol="0">
+            <a:spAutoFit/>
+          </a:bodyPr>
+          <a:lstStyle/>
+          <a:p>
+            <a:r>
+              <a:rPr lang="en-US" altLang="zh-CN" sz="2800" dirty="0" smtClean="0"/>
+              <a:t>…    ;</a:t>
+            </a:r>
+            <a:endParaRPr lang="zh-CN" altLang="en-US" sz="2800" dirty="0"/>
           </a:p>
         </p:txBody>
       </p:sp>
     </p:spTree>
     <p:extLst>
       <p:ext uri="{BB962C8B-B14F-4D97-AF65-F5344CB8AC3E}">
-        <p14:creationId xmlns:p14="http://schemas.microsoft.com/office/powerpoint/2010/main" val="584871701"/>
+        <p14:creationId xmlns:p14="http://schemas.microsoft.com/office/powerpoint/2010/main" val="1348976924"/>
       </p:ext>
     </p:extLst>
   </p:cSld>
